--- a/TELAAH-SCIMAGO.pptx
+++ b/TELAAH-SCIMAGO.pptx
@@ -26,6 +26,41 @@
     <p:sldId id="271" r:id="rId23"/>
     <p:sldId id="272" r:id="rId24"/>
     <p:sldId id="273" r:id="rId25"/>
+    <p:sldId id="274" r:id="rId26"/>
+    <p:sldId id="275" r:id="rId27"/>
+    <p:sldId id="276" r:id="rId28"/>
+    <p:sldId id="277" r:id="rId29"/>
+    <p:sldId id="278" r:id="rId30"/>
+    <p:sldId id="279" r:id="rId31"/>
+    <p:sldId id="280" r:id="rId32"/>
+    <p:sldId id="281" r:id="rId33"/>
+    <p:sldId id="282" r:id="rId34"/>
+    <p:sldId id="283" r:id="rId35"/>
+    <p:sldId id="284" r:id="rId36"/>
+    <p:sldId id="285" r:id="rId37"/>
+    <p:sldId id="286" r:id="rId38"/>
+    <p:sldId id="287" r:id="rId39"/>
+    <p:sldId id="288" r:id="rId40"/>
+    <p:sldId id="289" r:id="rId41"/>
+    <p:sldId id="290" r:id="rId42"/>
+    <p:sldId id="291" r:id="rId43"/>
+    <p:sldId id="292" r:id="rId44"/>
+    <p:sldId id="293" r:id="rId45"/>
+    <p:sldId id="294" r:id="rId46"/>
+    <p:sldId id="295" r:id="rId47"/>
+    <p:sldId id="296" r:id="rId48"/>
+    <p:sldId id="297" r:id="rId49"/>
+    <p:sldId id="298" r:id="rId50"/>
+    <p:sldId id="299" r:id="rId51"/>
+    <p:sldId id="300" r:id="rId52"/>
+    <p:sldId id="301" r:id="rId53"/>
+    <p:sldId id="302" r:id="rId54"/>
+    <p:sldId id="303" r:id="rId55"/>
+    <p:sldId id="304" r:id="rId56"/>
+    <p:sldId id="305" r:id="rId57"/>
+    <p:sldId id="306" r:id="rId58"/>
+    <p:sldId id="307" r:id="rId59"/>
+    <p:sldId id="308" r:id="rId60"/>
   </p:sldIdLst>
   <p:sldSz cx="10071100" cy="5664200"/>
   <p:notesSz cx="6858000" cy="9144000"/>
@@ -2443,7 +2478,7 @@
         <p:spPr>
           <a:xfrm>
             <a:off x="503555" y="76047"/>
-            <a:ext cx="9063990" cy="1245600"/>
+            <a:ext cx="9063991" cy="1245600"/>
           </a:xfrm>
           <a:prstGeom prst="rect">
             <a:avLst/>
@@ -2479,7 +2514,7 @@
         <p:spPr>
           <a:xfrm>
             <a:off x="503555" y="1321646"/>
-            <a:ext cx="9063990" cy="4342555"/>
+            <a:ext cx="9063991" cy="4342555"/>
           </a:xfrm>
           <a:prstGeom prst="rect">
             <a:avLst/>
@@ -3448,98 +3483,49 @@
           <a:chExt cx="0" cy="0"/>
         </a:xfrm>
       </p:grpSpPr>
-      <p:pic>
-        <p:nvPicPr>
-          <p:cNvPr id="162" name="Image" descr="Image"/>
-          <p:cNvPicPr>
-            <a:picLocks noChangeAspect="1"/>
-          </p:cNvPicPr>
-          <p:nvPr/>
-        </p:nvPicPr>
-        <p:blipFill>
-          <a:blip r:embed="rId2">
-            <a:extLst/>
-          </a:blip>
-          <a:stretch>
-            <a:fillRect/>
-          </a:stretch>
-        </p:blipFill>
-        <p:spPr>
-          <a:xfrm>
-            <a:off x="4879632" y="0"/>
-            <a:ext cx="4571931" cy="5664201"/>
-          </a:xfrm>
-          <a:prstGeom prst="rect">
-            <a:avLst/>
-          </a:prstGeom>
-          <a:ln w="12700">
-            <a:miter lim="400000"/>
-          </a:ln>
-        </p:spPr>
-      </p:pic>
-      <p:pic>
-        <p:nvPicPr>
-          <p:cNvPr id="163" name="Image" descr="Image"/>
-          <p:cNvPicPr>
-            <a:picLocks noChangeAspect="1"/>
-          </p:cNvPicPr>
-          <p:nvPr/>
-        </p:nvPicPr>
-        <p:blipFill>
-          <a:blip r:embed="rId3">
-            <a:extLst/>
-          </a:blip>
-          <a:stretch>
-            <a:fillRect/>
-          </a:stretch>
-        </p:blipFill>
-        <p:spPr>
-          <a:xfrm>
-            <a:off x="296148" y="-1"/>
-            <a:ext cx="4590493" cy="5664201"/>
-          </a:xfrm>
-          <a:prstGeom prst="rect">
-            <a:avLst/>
-          </a:prstGeom>
-          <a:ln w="12700">
-            <a:miter lim="400000"/>
-          </a:ln>
-        </p:spPr>
-      </p:pic>
-      <p:sp>
-        <p:nvSpPr>
-          <p:cNvPr id="164" name="Line"/>
-          <p:cNvSpPr/>
-          <p:nvPr/>
-        </p:nvSpPr>
-        <p:spPr>
-          <a:xfrm>
-            <a:off x="1964637" y="465164"/>
-            <a:ext cx="3177451" cy="1"/>
-          </a:xfrm>
-          <a:prstGeom prst="line">
-            <a:avLst/>
-          </a:prstGeom>
-          <a:ln w="25400">
-            <a:solidFill>
-              <a:schemeClr val="accent1"/>
-            </a:solidFill>
-            <a:miter/>
-            <a:tailEnd type="triangle"/>
-          </a:ln>
-          <a:effectLst>
-            <a:outerShdw sx="100000" sy="100000" kx="0" ky="0" algn="b" rotWithShape="0" blurRad="38100" dist="20000" dir="5400000">
-              <a:srgbClr val="000000">
-                <a:alpha val="38000"/>
-              </a:srgbClr>
-            </a:outerShdw>
-          </a:effectLst>
-        </p:spPr>
-        <p:txBody>
-          <a:bodyPr lIns="0" tIns="0" rIns="0" bIns="0"/>
+      <p:sp>
+        <p:nvSpPr>
+          <p:cNvPr id="204" name="TextShape 1"/>
+          <p:cNvSpPr txBox="1"/>
+          <p:nvPr/>
+        </p:nvSpPr>
+        <p:spPr>
+          <a:xfrm>
+            <a:off x="481384" y="1790684"/>
+            <a:ext cx="9108331" cy="801168"/>
+          </a:xfrm>
+          <a:prstGeom prst="rect">
+            <a:avLst/>
+          </a:prstGeom>
+          <a:ln w="12700">
+            <a:miter lim="400000"/>
+          </a:ln>
+          <a:extLst>
+            <a:ext uri="{C572A759-6A51-4108-AA02-DFA0A04FC94B}">
+              <ma14:wrappingTextBoxFlag xmlns:ma14="http://schemas.microsoft.com/office/mac/drawingml/2011/main" val="1"/>
+            </a:ext>
+          </a:extLst>
+        </p:spPr>
+        <p:txBody>
+          <a:bodyPr lIns="0" tIns="0" rIns="0" bIns="0" anchor="ctr">
+            <a:spAutoFit/>
+          </a:bodyPr>
           <a:lstStyle/>
           <a:p>
-            <a:pPr/>
+            <a:pPr algn="ctr">
+              <a:defRPr spc="-1" sz="2800"/>
+            </a:pPr>
+            <a:r>
+              <a:t>Sekarang kita bandingkan dengan kondisi </a:t>
+            </a:r>
+          </a:p>
+          <a:p>
+            <a:pPr algn="ctr">
+              <a:defRPr spc="-1" sz="2800"/>
+            </a:pPr>
+            <a:r>
+              <a:t>pada beberapa subject area</a:t>
+            </a:r>
           </a:p>
         </p:txBody>
       </p:sp>
@@ -3578,14 +3564,14 @@
       </p:grpSpPr>
       <p:sp>
         <p:nvSpPr>
-          <p:cNvPr id="166" name="TextShape 1"/>
+          <p:cNvPr id="206" name="TextShape 1"/>
           <p:cNvSpPr txBox="1"/>
           <p:nvPr/>
         </p:nvSpPr>
         <p:spPr>
           <a:xfrm>
-            <a:off x="5856831" y="433158"/>
-            <a:ext cx="3815626" cy="394768"/>
+            <a:off x="481384" y="1993884"/>
+            <a:ext cx="9108331" cy="394768"/>
           </a:xfrm>
           <a:prstGeom prst="rect">
             <a:avLst/>
@@ -3611,254 +3597,8 @@
           <a:p>
             <a:pPr/>
             <a:r>
-              <a:t>Citations</a:t>
-            </a:r>
-          </a:p>
-        </p:txBody>
-      </p:sp>
-      <p:pic>
-        <p:nvPicPr>
-          <p:cNvPr id="167" name="Image" descr="Image"/>
-          <p:cNvPicPr>
-            <a:picLocks noChangeAspect="1"/>
-          </p:cNvPicPr>
-          <p:nvPr/>
-        </p:nvPicPr>
-        <p:blipFill>
-          <a:blip r:embed="rId2">
-            <a:extLst/>
-          </a:blip>
-          <a:stretch>
-            <a:fillRect/>
-          </a:stretch>
-        </p:blipFill>
-        <p:spPr>
-          <a:xfrm>
-            <a:off x="2971725" y="252268"/>
-            <a:ext cx="2729108" cy="1680165"/>
-          </a:xfrm>
-          <a:prstGeom prst="rect">
-            <a:avLst/>
-          </a:prstGeom>
-          <a:ln w="12700">
-            <a:miter lim="400000"/>
-          </a:ln>
-        </p:spPr>
-      </p:pic>
-      <p:pic>
-        <p:nvPicPr>
-          <p:cNvPr id="168" name="Image" descr="Image"/>
-          <p:cNvPicPr>
-            <a:picLocks noChangeAspect="1"/>
-          </p:cNvPicPr>
-          <p:nvPr/>
-        </p:nvPicPr>
-        <p:blipFill>
-          <a:blip r:embed="rId3">
-            <a:extLst/>
-          </a:blip>
-          <a:stretch>
-            <a:fillRect/>
-          </a:stretch>
-        </p:blipFill>
-        <p:spPr>
-          <a:xfrm>
-            <a:off x="2979239" y="1980445"/>
-            <a:ext cx="2730268" cy="1680166"/>
-          </a:xfrm>
-          <a:prstGeom prst="rect">
-            <a:avLst/>
-          </a:prstGeom>
-          <a:ln w="12700">
-            <a:miter lim="400000"/>
-          </a:ln>
-        </p:spPr>
-      </p:pic>
-      <p:pic>
-        <p:nvPicPr>
-          <p:cNvPr id="169" name="Image" descr="Image"/>
-          <p:cNvPicPr>
-            <a:picLocks noChangeAspect="1"/>
-          </p:cNvPicPr>
-          <p:nvPr/>
-        </p:nvPicPr>
-        <p:blipFill>
-          <a:blip r:embed="rId4">
-            <a:extLst/>
-          </a:blip>
-          <a:stretch>
-            <a:fillRect/>
-          </a:stretch>
-        </p:blipFill>
-        <p:spPr>
-          <a:xfrm>
-            <a:off x="2968841" y="3708623"/>
-            <a:ext cx="2751063" cy="1728709"/>
-          </a:xfrm>
-          <a:prstGeom prst="rect">
-            <a:avLst/>
-          </a:prstGeom>
-          <a:ln w="12700">
-            <a:miter lim="400000"/>
-          </a:ln>
-        </p:spPr>
-      </p:pic>
-      <p:pic>
-        <p:nvPicPr>
-          <p:cNvPr id="170" name="Image" descr="Image"/>
-          <p:cNvPicPr>
-            <a:picLocks noChangeAspect="1"/>
-          </p:cNvPicPr>
-          <p:nvPr/>
-        </p:nvPicPr>
-        <p:blipFill>
-          <a:blip r:embed="rId5">
-            <a:extLst/>
-          </a:blip>
-          <a:stretch>
-            <a:fillRect/>
-          </a:stretch>
-        </p:blipFill>
-        <p:spPr>
-          <a:xfrm>
-            <a:off x="84159" y="185573"/>
-            <a:ext cx="2737337" cy="1727888"/>
-          </a:xfrm>
-          <a:prstGeom prst="rect">
-            <a:avLst/>
-          </a:prstGeom>
-          <a:ln w="12700">
-            <a:miter lim="400000"/>
-          </a:ln>
-        </p:spPr>
-      </p:pic>
-      <p:pic>
-        <p:nvPicPr>
-          <p:cNvPr id="171" name="Image" descr="Image"/>
-          <p:cNvPicPr>
-            <a:picLocks noChangeAspect="1"/>
-          </p:cNvPicPr>
-          <p:nvPr/>
-        </p:nvPicPr>
-        <p:blipFill>
-          <a:blip r:embed="rId6">
-            <a:extLst/>
-          </a:blip>
-          <a:stretch>
-            <a:fillRect/>
-          </a:stretch>
-        </p:blipFill>
-        <p:spPr>
-          <a:xfrm>
-            <a:off x="82413" y="1992835"/>
-            <a:ext cx="2740828" cy="1680165"/>
-          </a:xfrm>
-          <a:prstGeom prst="rect">
-            <a:avLst/>
-          </a:prstGeom>
-          <a:ln w="12700">
-            <a:miter lim="400000"/>
-          </a:ln>
-        </p:spPr>
-      </p:pic>
-      <p:pic>
-        <p:nvPicPr>
-          <p:cNvPr id="172" name="Image" descr="Image"/>
-          <p:cNvPicPr>
-            <a:picLocks noChangeAspect="1"/>
-          </p:cNvPicPr>
-          <p:nvPr/>
-        </p:nvPicPr>
-        <p:blipFill>
-          <a:blip r:embed="rId7">
-            <a:extLst/>
-          </a:blip>
-          <a:stretch>
-            <a:fillRect/>
-          </a:stretch>
-        </p:blipFill>
-        <p:spPr>
-          <a:xfrm>
-            <a:off x="80111" y="3750739"/>
-            <a:ext cx="2740466" cy="1727888"/>
-          </a:xfrm>
-          <a:prstGeom prst="rect">
-            <a:avLst/>
-          </a:prstGeom>
-          <a:ln w="12700">
-            <a:miter lim="400000"/>
-          </a:ln>
-        </p:spPr>
-      </p:pic>
-      <p:sp>
-        <p:nvSpPr>
-          <p:cNvPr id="173" name="Line"/>
-          <p:cNvSpPr/>
-          <p:nvPr/>
-        </p:nvSpPr>
-        <p:spPr>
-          <a:xfrm flipV="1">
-            <a:off x="423121" y="636115"/>
-            <a:ext cx="2626588" cy="826804"/>
-          </a:xfrm>
-          <a:prstGeom prst="line">
-            <a:avLst/>
-          </a:prstGeom>
-          <a:ln w="25400">
-            <a:solidFill>
-              <a:schemeClr val="accent1"/>
-            </a:solidFill>
-            <a:miter/>
-          </a:ln>
-          <a:effectLst>
-            <a:outerShdw sx="100000" sy="100000" kx="0" ky="0" algn="b" rotWithShape="0" blurRad="38100" dist="20000" dir="5400000">
-              <a:srgbClr val="000000">
-                <a:alpha val="38000"/>
-              </a:srgbClr>
-            </a:outerShdw>
-          </a:effectLst>
-        </p:spPr>
-        <p:txBody>
-          <a:bodyPr lIns="0" tIns="0" rIns="0" bIns="0"/>
-          <a:lstStyle/>
-          <a:p>
-            <a:pPr/>
-          </a:p>
-        </p:txBody>
-      </p:sp>
-      <p:sp>
-        <p:nvSpPr>
-          <p:cNvPr id="174" name="Line"/>
-          <p:cNvSpPr/>
-          <p:nvPr/>
-        </p:nvSpPr>
-        <p:spPr>
-          <a:xfrm flipV="1">
-            <a:off x="390983" y="2366018"/>
-            <a:ext cx="2690864" cy="909020"/>
-          </a:xfrm>
-          <a:prstGeom prst="line">
-            <a:avLst/>
-          </a:prstGeom>
-          <a:ln w="25400">
-            <a:solidFill>
-              <a:schemeClr val="accent1"/>
-            </a:solidFill>
-            <a:miter/>
-          </a:ln>
-          <a:effectLst>
-            <a:outerShdw sx="100000" sy="100000" kx="0" ky="0" algn="b" rotWithShape="0" blurRad="38100" dist="20000" dir="5400000">
-              <a:srgbClr val="000000">
-                <a:alpha val="38000"/>
-              </a:srgbClr>
-            </a:outerShdw>
-          </a:effectLst>
-        </p:spPr>
-        <p:txBody>
-          <a:bodyPr lIns="0" tIns="0" rIns="0" bIns="0"/>
-          <a:lstStyle/>
-          <a:p>
-            <a:pPr/>
+              <a:t>Agricultural and biological sciences</a:t>
+            </a:r>
           </a:p>
         </p:txBody>
       </p:sp>
@@ -3897,7 +3637,7 @@
       </p:grpSpPr>
       <p:pic>
         <p:nvPicPr>
-          <p:cNvPr id="176" name="Image" descr="Image"/>
+          <p:cNvPr id="208" name="Image" descr="Image"/>
           <p:cNvPicPr>
             <a:picLocks noChangeAspect="1"/>
           </p:cNvPicPr>
@@ -3913,8 +3653,8 @@
         </p:blipFill>
         <p:spPr>
           <a:xfrm>
-            <a:off x="1134842" y="507999"/>
-            <a:ext cx="3733801" cy="4648201"/>
+            <a:off x="4879632" y="0"/>
+            <a:ext cx="4571931" cy="5664201"/>
           </a:xfrm>
           <a:prstGeom prst="rect">
             <a:avLst/>
@@ -3926,9 +3666,9 @@
       </p:pic>
       <p:pic>
         <p:nvPicPr>
-          <p:cNvPr id="177" name="Image" descr="Image"/>
+          <p:cNvPr id="209" name="Image" descr="Image"/>
           <p:cNvPicPr>
-            <a:picLocks noChangeAspect="0"/>
+            <a:picLocks noChangeAspect="1"/>
           </p:cNvPicPr>
           <p:nvPr/>
         </p:nvPicPr>
@@ -3942,8 +3682,8 @@
         </p:blipFill>
         <p:spPr>
           <a:xfrm>
-            <a:off x="4978953" y="1067844"/>
-            <a:ext cx="3741235" cy="4107406"/>
+            <a:off x="296148" y="-1"/>
+            <a:ext cx="4590493" cy="5664201"/>
           </a:xfrm>
           <a:prstGeom prst="rect">
             <a:avLst/>
@@ -3953,6 +3693,43 @@
           </a:ln>
         </p:spPr>
       </p:pic>
+      <p:sp>
+        <p:nvSpPr>
+          <p:cNvPr id="210" name="Line"/>
+          <p:cNvSpPr/>
+          <p:nvPr/>
+        </p:nvSpPr>
+        <p:spPr>
+          <a:xfrm>
+            <a:off x="1964638" y="465164"/>
+            <a:ext cx="3177450" cy="1"/>
+          </a:xfrm>
+          <a:prstGeom prst="line">
+            <a:avLst/>
+          </a:prstGeom>
+          <a:ln w="25400">
+            <a:solidFill>
+              <a:schemeClr val="accent1"/>
+            </a:solidFill>
+            <a:miter/>
+            <a:tailEnd type="triangle"/>
+          </a:ln>
+          <a:effectLst>
+            <a:outerShdw sx="100000" sy="100000" kx="0" ky="0" algn="b" rotWithShape="0" blurRad="38100" dist="20000" dir="5400000">
+              <a:srgbClr val="000000">
+                <a:alpha val="38000"/>
+              </a:srgbClr>
+            </a:outerShdw>
+          </a:effectLst>
+        </p:spPr>
+        <p:txBody>
+          <a:bodyPr lIns="0" tIns="0" rIns="0" bIns="0"/>
+          <a:lstStyle/>
+          <a:p>
+            <a:pPr/>
+          </a:p>
+        </p:txBody>
+      </p:sp>
     </p:spTree>
   </p:cSld>
   <p:clrMapOvr>
@@ -3986,9 +3763,49 @@
           <a:chExt cx="0" cy="0"/>
         </a:xfrm>
       </p:grpSpPr>
+      <p:sp>
+        <p:nvSpPr>
+          <p:cNvPr id="212" name="TextShape 1"/>
+          <p:cNvSpPr txBox="1"/>
+          <p:nvPr/>
+        </p:nvSpPr>
+        <p:spPr>
+          <a:xfrm>
+            <a:off x="5856831" y="433158"/>
+            <a:ext cx="3815626" cy="394767"/>
+          </a:xfrm>
+          <a:prstGeom prst="rect">
+            <a:avLst/>
+          </a:prstGeom>
+          <a:ln w="12700">
+            <a:miter lim="400000"/>
+          </a:ln>
+          <a:extLst>
+            <a:ext uri="{C572A759-6A51-4108-AA02-DFA0A04FC94B}">
+              <ma14:wrappingTextBoxFlag xmlns:ma14="http://schemas.microsoft.com/office/mac/drawingml/2011/main" val="1"/>
+            </a:ext>
+          </a:extLst>
+        </p:spPr>
+        <p:txBody>
+          <a:bodyPr lIns="0" tIns="0" rIns="0" bIns="0" anchor="ctr">
+            <a:spAutoFit/>
+          </a:bodyPr>
+          <a:lstStyle>
+            <a:lvl1pPr algn="ctr">
+              <a:defRPr spc="-1" sz="2800"/>
+            </a:lvl1pPr>
+          </a:lstStyle>
+          <a:p>
+            <a:pPr/>
+            <a:r>
+              <a:t>Citations</a:t>
+            </a:r>
+          </a:p>
+        </p:txBody>
+      </p:sp>
       <p:pic>
         <p:nvPicPr>
-          <p:cNvPr id="179" name="Image" descr="Image"/>
+          <p:cNvPr id="213" name="Image" descr="Image"/>
           <p:cNvPicPr>
             <a:picLocks noChangeAspect="1"/>
           </p:cNvPicPr>
@@ -4004,8 +3821,8 @@
         </p:blipFill>
         <p:spPr>
           <a:xfrm>
-            <a:off x="942089" y="1800540"/>
-            <a:ext cx="3670301" cy="2298701"/>
+            <a:off x="2971725" y="252268"/>
+            <a:ext cx="2729108" cy="1680165"/>
           </a:xfrm>
           <a:prstGeom prst="rect">
             <a:avLst/>
@@ -4017,9 +3834,9 @@
       </p:pic>
       <p:pic>
         <p:nvPicPr>
-          <p:cNvPr id="180" name="Image" descr="Image"/>
+          <p:cNvPr id="214" name="Image" descr="Image"/>
           <p:cNvPicPr>
-            <a:picLocks noChangeAspect="0"/>
+            <a:picLocks noChangeAspect="1"/>
           </p:cNvPicPr>
           <p:nvPr/>
         </p:nvPicPr>
@@ -4033,8 +3850,8 @@
         </p:blipFill>
         <p:spPr>
           <a:xfrm>
-            <a:off x="5426229" y="1074908"/>
-            <a:ext cx="3771901" cy="3030683"/>
+            <a:off x="2979239" y="1980445"/>
+            <a:ext cx="2730268" cy="1680166"/>
           </a:xfrm>
           <a:prstGeom prst="rect">
             <a:avLst/>
@@ -4044,6 +3861,194 @@
           </a:ln>
         </p:spPr>
       </p:pic>
+      <p:pic>
+        <p:nvPicPr>
+          <p:cNvPr id="215" name="Image" descr="Image"/>
+          <p:cNvPicPr>
+            <a:picLocks noChangeAspect="1"/>
+          </p:cNvPicPr>
+          <p:nvPr/>
+        </p:nvPicPr>
+        <p:blipFill>
+          <a:blip r:embed="rId4">
+            <a:extLst/>
+          </a:blip>
+          <a:stretch>
+            <a:fillRect/>
+          </a:stretch>
+        </p:blipFill>
+        <p:spPr>
+          <a:xfrm>
+            <a:off x="2968841" y="3708624"/>
+            <a:ext cx="2751063" cy="1728709"/>
+          </a:xfrm>
+          <a:prstGeom prst="rect">
+            <a:avLst/>
+          </a:prstGeom>
+          <a:ln w="12700">
+            <a:miter lim="400000"/>
+          </a:ln>
+        </p:spPr>
+      </p:pic>
+      <p:pic>
+        <p:nvPicPr>
+          <p:cNvPr id="216" name="Image" descr="Image"/>
+          <p:cNvPicPr>
+            <a:picLocks noChangeAspect="1"/>
+          </p:cNvPicPr>
+          <p:nvPr/>
+        </p:nvPicPr>
+        <p:blipFill>
+          <a:blip r:embed="rId5">
+            <a:extLst/>
+          </a:blip>
+          <a:stretch>
+            <a:fillRect/>
+          </a:stretch>
+        </p:blipFill>
+        <p:spPr>
+          <a:xfrm>
+            <a:off x="84159" y="185573"/>
+            <a:ext cx="2737337" cy="1727888"/>
+          </a:xfrm>
+          <a:prstGeom prst="rect">
+            <a:avLst/>
+          </a:prstGeom>
+          <a:ln w="12700">
+            <a:miter lim="400000"/>
+          </a:ln>
+        </p:spPr>
+      </p:pic>
+      <p:pic>
+        <p:nvPicPr>
+          <p:cNvPr id="217" name="Image" descr="Image"/>
+          <p:cNvPicPr>
+            <a:picLocks noChangeAspect="1"/>
+          </p:cNvPicPr>
+          <p:nvPr/>
+        </p:nvPicPr>
+        <p:blipFill>
+          <a:blip r:embed="rId6">
+            <a:extLst/>
+          </a:blip>
+          <a:stretch>
+            <a:fillRect/>
+          </a:stretch>
+        </p:blipFill>
+        <p:spPr>
+          <a:xfrm>
+            <a:off x="82413" y="1992835"/>
+            <a:ext cx="2740828" cy="1680165"/>
+          </a:xfrm>
+          <a:prstGeom prst="rect">
+            <a:avLst/>
+          </a:prstGeom>
+          <a:ln w="12700">
+            <a:miter lim="400000"/>
+          </a:ln>
+        </p:spPr>
+      </p:pic>
+      <p:pic>
+        <p:nvPicPr>
+          <p:cNvPr id="218" name="Image" descr="Image"/>
+          <p:cNvPicPr>
+            <a:picLocks noChangeAspect="1"/>
+          </p:cNvPicPr>
+          <p:nvPr/>
+        </p:nvPicPr>
+        <p:blipFill>
+          <a:blip r:embed="rId7">
+            <a:extLst/>
+          </a:blip>
+          <a:stretch>
+            <a:fillRect/>
+          </a:stretch>
+        </p:blipFill>
+        <p:spPr>
+          <a:xfrm>
+            <a:off x="80111" y="3750740"/>
+            <a:ext cx="2740466" cy="1727887"/>
+          </a:xfrm>
+          <a:prstGeom prst="rect">
+            <a:avLst/>
+          </a:prstGeom>
+          <a:ln w="12700">
+            <a:miter lim="400000"/>
+          </a:ln>
+        </p:spPr>
+      </p:pic>
+      <p:sp>
+        <p:nvSpPr>
+          <p:cNvPr id="219" name="Line"/>
+          <p:cNvSpPr/>
+          <p:nvPr/>
+        </p:nvSpPr>
+        <p:spPr>
+          <a:xfrm flipV="1">
+            <a:off x="423121" y="636115"/>
+            <a:ext cx="2626588" cy="826804"/>
+          </a:xfrm>
+          <a:prstGeom prst="line">
+            <a:avLst/>
+          </a:prstGeom>
+          <a:ln w="25400">
+            <a:solidFill>
+              <a:schemeClr val="accent1"/>
+            </a:solidFill>
+            <a:miter/>
+          </a:ln>
+          <a:effectLst>
+            <a:outerShdw sx="100000" sy="100000" kx="0" ky="0" algn="b" rotWithShape="0" blurRad="38100" dist="20000" dir="5400000">
+              <a:srgbClr val="000000">
+                <a:alpha val="38000"/>
+              </a:srgbClr>
+            </a:outerShdw>
+          </a:effectLst>
+        </p:spPr>
+        <p:txBody>
+          <a:bodyPr lIns="0" tIns="0" rIns="0" bIns="0"/>
+          <a:lstStyle/>
+          <a:p>
+            <a:pPr/>
+          </a:p>
+        </p:txBody>
+      </p:sp>
+      <p:sp>
+        <p:nvSpPr>
+          <p:cNvPr id="220" name="Line"/>
+          <p:cNvSpPr/>
+          <p:nvPr/>
+        </p:nvSpPr>
+        <p:spPr>
+          <a:xfrm flipV="1">
+            <a:off x="390983" y="2366019"/>
+            <a:ext cx="2690864" cy="909019"/>
+          </a:xfrm>
+          <a:prstGeom prst="line">
+            <a:avLst/>
+          </a:prstGeom>
+          <a:ln w="25400">
+            <a:solidFill>
+              <a:schemeClr val="accent1"/>
+            </a:solidFill>
+            <a:miter/>
+          </a:ln>
+          <a:effectLst>
+            <a:outerShdw sx="100000" sy="100000" kx="0" ky="0" algn="b" rotWithShape="0" blurRad="38100" dist="20000" dir="5400000">
+              <a:srgbClr val="000000">
+                <a:alpha val="38000"/>
+              </a:srgbClr>
+            </a:outerShdw>
+          </a:effectLst>
+        </p:spPr>
+        <p:txBody>
+          <a:bodyPr lIns="0" tIns="0" rIns="0" bIns="0"/>
+          <a:lstStyle/>
+          <a:p>
+            <a:pPr/>
+          </a:p>
+        </p:txBody>
+      </p:sp>
     </p:spTree>
   </p:cSld>
   <p:clrMapOvr>
@@ -4077,46 +4082,64 @@
           <a:chExt cx="0" cy="0"/>
         </a:xfrm>
       </p:grpSpPr>
-      <p:sp>
-        <p:nvSpPr>
-          <p:cNvPr id="182" name="TextShape 1"/>
-          <p:cNvSpPr txBox="1"/>
-          <p:nvPr/>
-        </p:nvSpPr>
-        <p:spPr>
-          <a:xfrm>
-            <a:off x="481384" y="1993884"/>
-            <a:ext cx="9108331" cy="394768"/>
-          </a:xfrm>
-          <a:prstGeom prst="rect">
-            <a:avLst/>
-          </a:prstGeom>
-          <a:ln w="12700">
-            <a:miter lim="400000"/>
-          </a:ln>
-          <a:extLst>
-            <a:ext uri="{C572A759-6A51-4108-AA02-DFA0A04FC94B}">
-              <ma14:wrappingTextBoxFlag xmlns:ma14="http://schemas.microsoft.com/office/mac/drawingml/2011/main" val="1"/>
-            </a:ext>
-          </a:extLst>
-        </p:spPr>
-        <p:txBody>
-          <a:bodyPr lIns="0" tIns="0" rIns="0" bIns="0" anchor="ctr">
-            <a:spAutoFit/>
-          </a:bodyPr>
-          <a:lstStyle>
-            <a:lvl1pPr algn="ctr">
-              <a:defRPr spc="-1" sz="2800"/>
-            </a:lvl1pPr>
-          </a:lstStyle>
-          <a:p>
-            <a:pPr/>
-            <a:r>
-              <a:t>Biochemistry, genetics, and molecular biology</a:t>
-            </a:r>
-          </a:p>
-        </p:txBody>
-      </p:sp>
+      <p:pic>
+        <p:nvPicPr>
+          <p:cNvPr id="222" name="Image" descr="Image"/>
+          <p:cNvPicPr>
+            <a:picLocks noChangeAspect="1"/>
+          </p:cNvPicPr>
+          <p:nvPr/>
+        </p:nvPicPr>
+        <p:blipFill>
+          <a:blip r:embed="rId2">
+            <a:extLst/>
+          </a:blip>
+          <a:stretch>
+            <a:fillRect/>
+          </a:stretch>
+        </p:blipFill>
+        <p:spPr>
+          <a:xfrm>
+            <a:off x="1352047" y="1048794"/>
+            <a:ext cx="3299392" cy="4107406"/>
+          </a:xfrm>
+          <a:prstGeom prst="rect">
+            <a:avLst/>
+          </a:prstGeom>
+          <a:ln w="12700">
+            <a:miter lim="400000"/>
+          </a:ln>
+        </p:spPr>
+      </p:pic>
+      <p:pic>
+        <p:nvPicPr>
+          <p:cNvPr id="223" name="Image" descr="Image"/>
+          <p:cNvPicPr>
+            <a:picLocks noChangeAspect="0"/>
+          </p:cNvPicPr>
+          <p:nvPr/>
+        </p:nvPicPr>
+        <p:blipFill>
+          <a:blip r:embed="rId3">
+            <a:extLst/>
+          </a:blip>
+          <a:stretch>
+            <a:fillRect/>
+          </a:stretch>
+        </p:blipFill>
+        <p:spPr>
+          <a:xfrm>
+            <a:off x="4978953" y="1067844"/>
+            <a:ext cx="3741235" cy="4107406"/>
+          </a:xfrm>
+          <a:prstGeom prst="rect">
+            <a:avLst/>
+          </a:prstGeom>
+          <a:ln w="12700">
+            <a:miter lim="400000"/>
+          </a:ln>
+        </p:spPr>
+      </p:pic>
     </p:spTree>
   </p:cSld>
   <p:clrMapOvr>
@@ -4152,7 +4175,7 @@
       </p:grpSpPr>
       <p:pic>
         <p:nvPicPr>
-          <p:cNvPr id="184" name="Image" descr="Image"/>
+          <p:cNvPr id="225" name="Image" descr="Image"/>
           <p:cNvPicPr>
             <a:picLocks noChangeAspect="1"/>
           </p:cNvPicPr>
@@ -4168,8 +4191,8 @@
         </p:blipFill>
         <p:spPr>
           <a:xfrm>
-            <a:off x="4987198" y="0"/>
-            <a:ext cx="4553117" cy="5664201"/>
+            <a:off x="942089" y="1800540"/>
+            <a:ext cx="3670301" cy="2298701"/>
           </a:xfrm>
           <a:prstGeom prst="rect">
             <a:avLst/>
@@ -4181,9 +4204,9 @@
       </p:pic>
       <p:pic>
         <p:nvPicPr>
-          <p:cNvPr id="185" name="Image" descr="Image"/>
+          <p:cNvPr id="226" name="Image" descr="Image"/>
           <p:cNvPicPr>
-            <a:picLocks noChangeAspect="1"/>
+            <a:picLocks noChangeAspect="0"/>
           </p:cNvPicPr>
           <p:nvPr/>
         </p:nvPicPr>
@@ -4197,8 +4220,8 @@
         </p:blipFill>
         <p:spPr>
           <a:xfrm>
-            <a:off x="296148" y="-1"/>
-            <a:ext cx="4590493" cy="5664201"/>
+            <a:off x="5426229" y="1794190"/>
+            <a:ext cx="3771901" cy="2311401"/>
           </a:xfrm>
           <a:prstGeom prst="rect">
             <a:avLst/>
@@ -4208,43 +4231,6 @@
           </a:ln>
         </p:spPr>
       </p:pic>
-      <p:sp>
-        <p:nvSpPr>
-          <p:cNvPr id="186" name="Line"/>
-          <p:cNvSpPr/>
-          <p:nvPr/>
-        </p:nvSpPr>
-        <p:spPr>
-          <a:xfrm>
-            <a:off x="1964638" y="820764"/>
-            <a:ext cx="3177450" cy="1"/>
-          </a:xfrm>
-          <a:prstGeom prst="line">
-            <a:avLst/>
-          </a:prstGeom>
-          <a:ln w="25400">
-            <a:solidFill>
-              <a:schemeClr val="accent1"/>
-            </a:solidFill>
-            <a:miter/>
-            <a:tailEnd type="triangle"/>
-          </a:ln>
-          <a:effectLst>
-            <a:outerShdw sx="100000" sy="100000" kx="0" ky="0" algn="b" rotWithShape="0" blurRad="38100" dist="20000" dir="5400000">
-              <a:srgbClr val="000000">
-                <a:alpha val="38000"/>
-              </a:srgbClr>
-            </a:outerShdw>
-          </a:effectLst>
-        </p:spPr>
-        <p:txBody>
-          <a:bodyPr lIns="0" tIns="0" rIns="0" bIns="0"/>
-          <a:lstStyle/>
-          <a:p>
-            <a:pPr/>
-          </a:p>
-        </p:txBody>
-      </p:sp>
     </p:spTree>
   </p:cSld>
   <p:clrMapOvr>
@@ -4280,14 +4266,14 @@
       </p:grpSpPr>
       <p:sp>
         <p:nvSpPr>
-          <p:cNvPr id="188" name="TextShape 1"/>
+          <p:cNvPr id="228" name="TextShape 1"/>
           <p:cNvSpPr txBox="1"/>
           <p:nvPr/>
         </p:nvSpPr>
         <p:spPr>
           <a:xfrm>
-            <a:off x="5856831" y="433158"/>
-            <a:ext cx="3815626" cy="394767"/>
+            <a:off x="481384" y="1993884"/>
+            <a:ext cx="9108331" cy="394768"/>
           </a:xfrm>
           <a:prstGeom prst="rect">
             <a:avLst/>
@@ -4313,260 +4299,11 @@
           <a:p>
             <a:pPr/>
             <a:r>
-              <a:t>Citations</a:t>
-            </a:r>
-          </a:p>
-        </p:txBody>
-      </p:sp>
-      <p:pic>
-        <p:nvPicPr>
-          <p:cNvPr id="189" name="Image" descr="Image"/>
-          <p:cNvPicPr>
-            <a:picLocks noChangeAspect="1"/>
-          </p:cNvPicPr>
-          <p:nvPr/>
-        </p:nvPicPr>
-        <p:blipFill>
-          <a:blip r:embed="rId2">
-            <a:extLst/>
-          </a:blip>
-          <a:stretch>
-            <a:fillRect/>
-          </a:stretch>
-        </p:blipFill>
-        <p:spPr>
-          <a:xfrm>
-            <a:off x="84159" y="185573"/>
-            <a:ext cx="2737337" cy="1727888"/>
-          </a:xfrm>
-          <a:prstGeom prst="rect">
-            <a:avLst/>
-          </a:prstGeom>
-          <a:ln w="12700">
-            <a:miter lim="400000"/>
-          </a:ln>
-        </p:spPr>
-      </p:pic>
-      <p:pic>
-        <p:nvPicPr>
-          <p:cNvPr id="190" name="Image" descr="Image"/>
-          <p:cNvPicPr>
-            <a:picLocks noChangeAspect="1"/>
-          </p:cNvPicPr>
-          <p:nvPr/>
-        </p:nvPicPr>
-        <p:blipFill>
-          <a:blip r:embed="rId3">
-            <a:extLst/>
-          </a:blip>
-          <a:stretch>
-            <a:fillRect/>
-          </a:stretch>
-        </p:blipFill>
-        <p:spPr>
-          <a:xfrm>
-            <a:off x="82413" y="1992835"/>
-            <a:ext cx="2740828" cy="1680165"/>
-          </a:xfrm>
-          <a:prstGeom prst="rect">
-            <a:avLst/>
-          </a:prstGeom>
-          <a:ln w="12700">
-            <a:miter lim="400000"/>
-          </a:ln>
-        </p:spPr>
-      </p:pic>
-      <p:pic>
-        <p:nvPicPr>
-          <p:cNvPr id="191" name="Image" descr="Image"/>
-          <p:cNvPicPr>
-            <a:picLocks noChangeAspect="1"/>
-          </p:cNvPicPr>
-          <p:nvPr/>
-        </p:nvPicPr>
-        <p:blipFill>
-          <a:blip r:embed="rId4">
-            <a:extLst/>
-          </a:blip>
-          <a:stretch>
-            <a:fillRect/>
-          </a:stretch>
-        </p:blipFill>
-        <p:spPr>
-          <a:xfrm>
-            <a:off x="80111" y="3750740"/>
-            <a:ext cx="2740466" cy="1727887"/>
-          </a:xfrm>
-          <a:prstGeom prst="rect">
-            <a:avLst/>
-          </a:prstGeom>
-          <a:ln w="12700">
-            <a:miter lim="400000"/>
-          </a:ln>
-        </p:spPr>
-      </p:pic>
-      <p:sp>
-        <p:nvSpPr>
-          <p:cNvPr id="192" name="Line"/>
-          <p:cNvSpPr/>
-          <p:nvPr/>
-        </p:nvSpPr>
-        <p:spPr>
-          <a:xfrm flipV="1">
-            <a:off x="423121" y="636115"/>
-            <a:ext cx="2626588" cy="826804"/>
-          </a:xfrm>
-          <a:prstGeom prst="line">
-            <a:avLst/>
-          </a:prstGeom>
-          <a:ln w="25400">
-            <a:solidFill>
-              <a:schemeClr val="accent1"/>
-            </a:solidFill>
-            <a:miter/>
-          </a:ln>
-          <a:effectLst>
-            <a:outerShdw sx="100000" sy="100000" kx="0" ky="0" algn="b" rotWithShape="0" blurRad="38100" dist="20000" dir="5400000">
-              <a:srgbClr val="000000">
-                <a:alpha val="38000"/>
-              </a:srgbClr>
-            </a:outerShdw>
-          </a:effectLst>
-        </p:spPr>
-        <p:txBody>
-          <a:bodyPr lIns="0" tIns="0" rIns="0" bIns="0"/>
-          <a:lstStyle/>
-          <a:p>
-            <a:pPr/>
-          </a:p>
-        </p:txBody>
-      </p:sp>
-      <p:sp>
-        <p:nvSpPr>
-          <p:cNvPr id="193" name="Line"/>
-          <p:cNvSpPr/>
-          <p:nvPr/>
-        </p:nvSpPr>
-        <p:spPr>
-          <a:xfrm flipV="1">
-            <a:off x="390983" y="2366019"/>
-            <a:ext cx="2690864" cy="909019"/>
-          </a:xfrm>
-          <a:prstGeom prst="line">
-            <a:avLst/>
-          </a:prstGeom>
-          <a:ln w="25400">
-            <a:solidFill>
-              <a:schemeClr val="accent1"/>
-            </a:solidFill>
-            <a:miter/>
-          </a:ln>
-          <a:effectLst>
-            <a:outerShdw sx="100000" sy="100000" kx="0" ky="0" algn="b" rotWithShape="0" blurRad="38100" dist="20000" dir="5400000">
-              <a:srgbClr val="000000">
-                <a:alpha val="38000"/>
-              </a:srgbClr>
-            </a:outerShdw>
-          </a:effectLst>
-        </p:spPr>
-        <p:txBody>
-          <a:bodyPr lIns="0" tIns="0" rIns="0" bIns="0"/>
-          <a:lstStyle/>
-          <a:p>
-            <a:pPr/>
-          </a:p>
-        </p:txBody>
-      </p:sp>
-      <p:pic>
-        <p:nvPicPr>
-          <p:cNvPr id="194" name="Image" descr="Image"/>
-          <p:cNvPicPr>
-            <a:picLocks noChangeAspect="1"/>
-          </p:cNvPicPr>
-          <p:nvPr/>
-        </p:nvPicPr>
-        <p:blipFill>
-          <a:blip r:embed="rId5">
-            <a:extLst/>
-          </a:blip>
-          <a:srcRect l="0" t="0" r="0" b="75692"/>
-          <a:stretch>
-            <a:fillRect/>
-          </a:stretch>
-        </p:blipFill>
-        <p:spPr>
-          <a:xfrm>
-            <a:off x="3422690" y="361137"/>
-            <a:ext cx="2303027" cy="1376844"/>
-          </a:xfrm>
-          <a:prstGeom prst="rect">
-            <a:avLst/>
-          </a:prstGeom>
-          <a:ln w="12700">
-            <a:miter lim="400000"/>
-          </a:ln>
-        </p:spPr>
-      </p:pic>
-      <p:pic>
-        <p:nvPicPr>
-          <p:cNvPr id="195" name="Image" descr="Image"/>
-          <p:cNvPicPr>
-            <a:picLocks noChangeAspect="1"/>
-          </p:cNvPicPr>
-          <p:nvPr/>
-        </p:nvPicPr>
-        <p:blipFill>
-          <a:blip r:embed="rId5">
-            <a:extLst/>
-          </a:blip>
-          <a:srcRect l="0" t="50501" r="0" b="24851"/>
-          <a:stretch>
-            <a:fillRect/>
-          </a:stretch>
-        </p:blipFill>
-        <p:spPr>
-          <a:xfrm>
-            <a:off x="3422690" y="2210921"/>
-            <a:ext cx="2303027" cy="1396016"/>
-          </a:xfrm>
-          <a:prstGeom prst="rect">
-            <a:avLst/>
-          </a:prstGeom>
-          <a:ln w="12700">
-            <a:miter lim="400000"/>
-          </a:ln>
-        </p:spPr>
-      </p:pic>
-      <p:pic>
-        <p:nvPicPr>
-          <p:cNvPr id="196" name="Image" descr="Image"/>
-          <p:cNvPicPr>
-            <a:picLocks noChangeAspect="1"/>
-          </p:cNvPicPr>
-          <p:nvPr/>
-        </p:nvPicPr>
-        <p:blipFill>
-          <a:blip r:embed="rId5">
-            <a:extLst/>
-          </a:blip>
-          <a:srcRect l="0" t="74966" r="0" b="0"/>
-          <a:stretch>
-            <a:fillRect/>
-          </a:stretch>
-        </p:blipFill>
-        <p:spPr>
-          <a:xfrm>
-            <a:off x="3303080" y="4000249"/>
-            <a:ext cx="2303027" cy="1417948"/>
-          </a:xfrm>
-          <a:prstGeom prst="rect">
-            <a:avLst/>
-          </a:prstGeom>
-          <a:ln w="12700">
-            <a:miter lim="400000"/>
-          </a:ln>
-        </p:spPr>
-      </p:pic>
+              <a:t>Biochemistry, genetics, and molecular biology</a:t>
+            </a:r>
+          </a:p>
+        </p:txBody>
+      </p:sp>
     </p:spTree>
   </p:cSld>
   <p:clrMapOvr>
@@ -4602,7 +4339,7 @@
       </p:grpSpPr>
       <p:pic>
         <p:nvPicPr>
-          <p:cNvPr id="198" name="Image" descr="Image"/>
+          <p:cNvPr id="230" name="Image" descr="Image"/>
           <p:cNvPicPr>
             <a:picLocks noChangeAspect="1"/>
           </p:cNvPicPr>
@@ -4618,8 +4355,8 @@
         </p:blipFill>
         <p:spPr>
           <a:xfrm>
-            <a:off x="1134842" y="508000"/>
-            <a:ext cx="3733801" cy="4648200"/>
+            <a:off x="4987198" y="0"/>
+            <a:ext cx="4553117" cy="5664201"/>
           </a:xfrm>
           <a:prstGeom prst="rect">
             <a:avLst/>
@@ -4631,9 +4368,9 @@
       </p:pic>
       <p:pic>
         <p:nvPicPr>
-          <p:cNvPr id="199" name="Image" descr="Image"/>
+          <p:cNvPr id="231" name="Image" descr="Image"/>
           <p:cNvPicPr>
-            <a:picLocks noChangeAspect="0"/>
+            <a:picLocks noChangeAspect="1"/>
           </p:cNvPicPr>
           <p:nvPr/>
         </p:nvPicPr>
@@ -4647,8 +4384,8 @@
         </p:blipFill>
         <p:spPr>
           <a:xfrm>
-            <a:off x="4978953" y="1067844"/>
-            <a:ext cx="3741235" cy="4107406"/>
+            <a:off x="296148" y="-1"/>
+            <a:ext cx="4590493" cy="5664201"/>
           </a:xfrm>
           <a:prstGeom prst="rect">
             <a:avLst/>
@@ -4658,6 +4395,43 @@
           </a:ln>
         </p:spPr>
       </p:pic>
+      <p:sp>
+        <p:nvSpPr>
+          <p:cNvPr id="232" name="Line"/>
+          <p:cNvSpPr/>
+          <p:nvPr/>
+        </p:nvSpPr>
+        <p:spPr>
+          <a:xfrm>
+            <a:off x="1964638" y="820764"/>
+            <a:ext cx="3177450" cy="1"/>
+          </a:xfrm>
+          <a:prstGeom prst="line">
+            <a:avLst/>
+          </a:prstGeom>
+          <a:ln w="25400">
+            <a:solidFill>
+              <a:schemeClr val="accent1"/>
+            </a:solidFill>
+            <a:miter/>
+            <a:tailEnd type="triangle"/>
+          </a:ln>
+          <a:effectLst>
+            <a:outerShdw sx="100000" sy="100000" kx="0" ky="0" algn="b" rotWithShape="0" blurRad="38100" dist="20000" dir="5400000">
+              <a:srgbClr val="000000">
+                <a:alpha val="38000"/>
+              </a:srgbClr>
+            </a:outerShdw>
+          </a:effectLst>
+        </p:spPr>
+        <p:txBody>
+          <a:bodyPr lIns="0" tIns="0" rIns="0" bIns="0"/>
+          <a:lstStyle/>
+          <a:p>
+            <a:pPr/>
+          </a:p>
+        </p:txBody>
+      </p:sp>
     </p:spTree>
   </p:cSld>
   <p:clrMapOvr>
@@ -4693,7 +4467,329 @@
       </p:grpSpPr>
       <p:pic>
         <p:nvPicPr>
-          <p:cNvPr id="201" name="Image" descr="Image"/>
+          <p:cNvPr id="234" name="Image" descr="Image"/>
+          <p:cNvPicPr>
+            <a:picLocks noChangeAspect="1"/>
+          </p:cNvPicPr>
+          <p:nvPr/>
+        </p:nvPicPr>
+        <p:blipFill>
+          <a:blip r:embed="rId2">
+            <a:extLst/>
+          </a:blip>
+          <a:srcRect l="0" t="0" r="0" b="75692"/>
+          <a:stretch>
+            <a:fillRect/>
+          </a:stretch>
+        </p:blipFill>
+        <p:spPr>
+          <a:xfrm>
+            <a:off x="3422690" y="361137"/>
+            <a:ext cx="2303027" cy="1376844"/>
+          </a:xfrm>
+          <a:prstGeom prst="rect">
+            <a:avLst/>
+          </a:prstGeom>
+          <a:ln w="12700">
+            <a:miter lim="400000"/>
+          </a:ln>
+        </p:spPr>
+      </p:pic>
+      <p:pic>
+        <p:nvPicPr>
+          <p:cNvPr id="235" name="Image" descr="Image"/>
+          <p:cNvPicPr>
+            <a:picLocks noChangeAspect="1"/>
+          </p:cNvPicPr>
+          <p:nvPr/>
+        </p:nvPicPr>
+        <p:blipFill>
+          <a:blip r:embed="rId2">
+            <a:extLst/>
+          </a:blip>
+          <a:srcRect l="0" t="50501" r="0" b="24851"/>
+          <a:stretch>
+            <a:fillRect/>
+          </a:stretch>
+        </p:blipFill>
+        <p:spPr>
+          <a:xfrm>
+            <a:off x="3422690" y="2210921"/>
+            <a:ext cx="2303027" cy="1396016"/>
+          </a:xfrm>
+          <a:prstGeom prst="rect">
+            <a:avLst/>
+          </a:prstGeom>
+          <a:ln w="12700">
+            <a:miter lim="400000"/>
+          </a:ln>
+        </p:spPr>
+      </p:pic>
+      <p:pic>
+        <p:nvPicPr>
+          <p:cNvPr id="236" name="Image" descr="Image"/>
+          <p:cNvPicPr>
+            <a:picLocks noChangeAspect="1"/>
+          </p:cNvPicPr>
+          <p:nvPr/>
+        </p:nvPicPr>
+        <p:blipFill>
+          <a:blip r:embed="rId2">
+            <a:extLst/>
+          </a:blip>
+          <a:srcRect l="0" t="74966" r="0" b="0"/>
+          <a:stretch>
+            <a:fillRect/>
+          </a:stretch>
+        </p:blipFill>
+        <p:spPr>
+          <a:xfrm>
+            <a:off x="3421278" y="3774697"/>
+            <a:ext cx="2728640" cy="1679992"/>
+          </a:xfrm>
+          <a:prstGeom prst="rect">
+            <a:avLst/>
+          </a:prstGeom>
+          <a:ln w="12700">
+            <a:miter lim="400000"/>
+          </a:ln>
+        </p:spPr>
+      </p:pic>
+      <p:sp>
+        <p:nvSpPr>
+          <p:cNvPr id="237" name="TextShape 1"/>
+          <p:cNvSpPr txBox="1"/>
+          <p:nvPr/>
+        </p:nvSpPr>
+        <p:spPr>
+          <a:xfrm>
+            <a:off x="5856831" y="433158"/>
+            <a:ext cx="3815626" cy="394767"/>
+          </a:xfrm>
+          <a:prstGeom prst="rect">
+            <a:avLst/>
+          </a:prstGeom>
+          <a:ln w="12700">
+            <a:miter lim="400000"/>
+          </a:ln>
+          <a:extLst>
+            <a:ext uri="{C572A759-6A51-4108-AA02-DFA0A04FC94B}">
+              <ma14:wrappingTextBoxFlag xmlns:ma14="http://schemas.microsoft.com/office/mac/drawingml/2011/main" val="1"/>
+            </a:ext>
+          </a:extLst>
+        </p:spPr>
+        <p:txBody>
+          <a:bodyPr lIns="0" tIns="0" rIns="0" bIns="0" anchor="ctr">
+            <a:spAutoFit/>
+          </a:bodyPr>
+          <a:lstStyle>
+            <a:lvl1pPr algn="ctr">
+              <a:defRPr spc="-1" sz="2800"/>
+            </a:lvl1pPr>
+          </a:lstStyle>
+          <a:p>
+            <a:pPr/>
+            <a:r>
+              <a:t>Citations</a:t>
+            </a:r>
+          </a:p>
+        </p:txBody>
+      </p:sp>
+      <p:pic>
+        <p:nvPicPr>
+          <p:cNvPr id="238" name="Image" descr="Image"/>
+          <p:cNvPicPr>
+            <a:picLocks noChangeAspect="1"/>
+          </p:cNvPicPr>
+          <p:nvPr/>
+        </p:nvPicPr>
+        <p:blipFill>
+          <a:blip r:embed="rId3">
+            <a:extLst/>
+          </a:blip>
+          <a:stretch>
+            <a:fillRect/>
+          </a:stretch>
+        </p:blipFill>
+        <p:spPr>
+          <a:xfrm>
+            <a:off x="84159" y="185573"/>
+            <a:ext cx="2737337" cy="1727888"/>
+          </a:xfrm>
+          <a:prstGeom prst="rect">
+            <a:avLst/>
+          </a:prstGeom>
+          <a:ln w="12700">
+            <a:miter lim="400000"/>
+          </a:ln>
+        </p:spPr>
+      </p:pic>
+      <p:pic>
+        <p:nvPicPr>
+          <p:cNvPr id="239" name="Image" descr="Image"/>
+          <p:cNvPicPr>
+            <a:picLocks noChangeAspect="1"/>
+          </p:cNvPicPr>
+          <p:nvPr/>
+        </p:nvPicPr>
+        <p:blipFill>
+          <a:blip r:embed="rId4">
+            <a:extLst/>
+          </a:blip>
+          <a:stretch>
+            <a:fillRect/>
+          </a:stretch>
+        </p:blipFill>
+        <p:spPr>
+          <a:xfrm>
+            <a:off x="82413" y="1992835"/>
+            <a:ext cx="2740828" cy="1680165"/>
+          </a:xfrm>
+          <a:prstGeom prst="rect">
+            <a:avLst/>
+          </a:prstGeom>
+          <a:ln w="12700">
+            <a:miter lim="400000"/>
+          </a:ln>
+        </p:spPr>
+      </p:pic>
+      <p:pic>
+        <p:nvPicPr>
+          <p:cNvPr id="240" name="Image" descr="Image"/>
+          <p:cNvPicPr>
+            <a:picLocks noChangeAspect="1"/>
+          </p:cNvPicPr>
+          <p:nvPr/>
+        </p:nvPicPr>
+        <p:blipFill>
+          <a:blip r:embed="rId5">
+            <a:extLst/>
+          </a:blip>
+          <a:stretch>
+            <a:fillRect/>
+          </a:stretch>
+        </p:blipFill>
+        <p:spPr>
+          <a:xfrm>
+            <a:off x="80111" y="3750740"/>
+            <a:ext cx="2740466" cy="1727887"/>
+          </a:xfrm>
+          <a:prstGeom prst="rect">
+            <a:avLst/>
+          </a:prstGeom>
+          <a:ln w="12700">
+            <a:miter lim="400000"/>
+          </a:ln>
+        </p:spPr>
+      </p:pic>
+      <p:sp>
+        <p:nvSpPr>
+          <p:cNvPr id="241" name="Line"/>
+          <p:cNvSpPr/>
+          <p:nvPr/>
+        </p:nvSpPr>
+        <p:spPr>
+          <a:xfrm flipV="1">
+            <a:off x="2666612" y="636115"/>
+            <a:ext cx="876555" cy="876555"/>
+          </a:xfrm>
+          <a:prstGeom prst="line">
+            <a:avLst/>
+          </a:prstGeom>
+          <a:ln w="25400">
+            <a:solidFill>
+              <a:schemeClr val="accent1"/>
+            </a:solidFill>
+            <a:miter/>
+          </a:ln>
+          <a:effectLst>
+            <a:outerShdw sx="100000" sy="100000" kx="0" ky="0" algn="b" rotWithShape="0" blurRad="38100" dist="20000" dir="5400000">
+              <a:srgbClr val="000000">
+                <a:alpha val="38000"/>
+              </a:srgbClr>
+            </a:outerShdw>
+          </a:effectLst>
+        </p:spPr>
+        <p:txBody>
+          <a:bodyPr lIns="0" tIns="0" rIns="0" bIns="0"/>
+          <a:lstStyle/>
+          <a:p>
+            <a:pPr/>
+          </a:p>
+        </p:txBody>
+      </p:sp>
+      <p:sp>
+        <p:nvSpPr>
+          <p:cNvPr id="242" name="Line"/>
+          <p:cNvSpPr/>
+          <p:nvPr/>
+        </p:nvSpPr>
+        <p:spPr>
+          <a:xfrm flipV="1">
+            <a:off x="2797539" y="2519868"/>
+            <a:ext cx="614701" cy="778313"/>
+          </a:xfrm>
+          <a:prstGeom prst="line">
+            <a:avLst/>
+          </a:prstGeom>
+          <a:ln w="25400">
+            <a:solidFill>
+              <a:schemeClr val="accent1"/>
+            </a:solidFill>
+            <a:miter/>
+          </a:ln>
+          <a:effectLst>
+            <a:outerShdw sx="100000" sy="100000" kx="0" ky="0" algn="b" rotWithShape="0" blurRad="38100" dist="20000" dir="5400000">
+              <a:srgbClr val="000000">
+                <a:alpha val="38000"/>
+              </a:srgbClr>
+            </a:outerShdw>
+          </a:effectLst>
+        </p:spPr>
+        <p:txBody>
+          <a:bodyPr lIns="0" tIns="0" rIns="0" bIns="0"/>
+          <a:lstStyle/>
+          <a:p>
+            <a:pPr/>
+          </a:p>
+        </p:txBody>
+      </p:sp>
+    </p:spTree>
+  </p:cSld>
+  <p:clrMapOvr>
+    <a:masterClrMapping/>
+  </p:clrMapOvr>
+  <p:transition xmlns:p14="http://schemas.microsoft.com/office/powerpoint/2010/main" spd="med" advClick="1"/>
+</p:sld>
+</file>
+
+<file path=ppt/slides/slide19.xml><?xml version="1.0" encoding="utf-8"?>
+<p:sld xmlns:a="http://schemas.openxmlformats.org/drawingml/2006/main" xmlns:r="http://schemas.openxmlformats.org/officeDocument/2006/relationships" xmlns:p="http://schemas.openxmlformats.org/presentationml/2006/main" xmlns:m="http://schemas.openxmlformats.org/officeDocument/2006/math" xmlns:a14="http://schemas.microsoft.com/office/drawing/2010/main" showMasterSp="1" showMasterPhAnim="1">
+  <p:cSld>
+    <p:bg>
+      <p:bgPr>
+        <a:solidFill>
+          <a:srgbClr val="DDDDDD"/>
+        </a:solidFill>
+      </p:bgPr>
+    </p:bg>
+    <p:spTree>
+      <p:nvGrpSpPr>
+        <p:cNvPr id="1" name=""/>
+        <p:cNvGrpSpPr/>
+        <p:nvPr/>
+      </p:nvGrpSpPr>
+      <p:grpSpPr>
+        <a:xfrm>
+          <a:off x="0" y="0"/>
+          <a:ext cx="0" cy="0"/>
+          <a:chOff x="0" y="0"/>
+          <a:chExt cx="0" cy="0"/>
+        </a:xfrm>
+      </p:grpSpPr>
+      <p:pic>
+        <p:nvPicPr>
+          <p:cNvPr id="244" name="Image" descr="Image"/>
           <p:cNvPicPr>
             <a:picLocks noChangeAspect="1"/>
           </p:cNvPicPr>
@@ -4709,8 +4805,8 @@
         </p:blipFill>
         <p:spPr>
           <a:xfrm>
-            <a:off x="942089" y="1800540"/>
-            <a:ext cx="3670301" cy="2298701"/>
+            <a:off x="1352047" y="1048794"/>
+            <a:ext cx="3299392" cy="4107406"/>
           </a:xfrm>
           <a:prstGeom prst="rect">
             <a:avLst/>
@@ -4722,7 +4818,7 @@
       </p:pic>
       <p:pic>
         <p:nvPicPr>
-          <p:cNvPr id="202" name="Image" descr="Image"/>
+          <p:cNvPr id="245" name="Image" descr="Image"/>
           <p:cNvPicPr>
             <a:picLocks noChangeAspect="0"/>
           </p:cNvPicPr>
@@ -4732,15 +4828,14 @@
           <a:blip r:embed="rId3">
             <a:extLst/>
           </a:blip>
-          <a:srcRect l="0" t="25057" r="0" b="49536"/>
           <a:stretch>
             <a:fillRect/>
           </a:stretch>
         </p:blipFill>
         <p:spPr>
           <a:xfrm>
-            <a:off x="5286496" y="1429553"/>
-            <a:ext cx="3611054" cy="2648565"/>
+            <a:off x="4978953" y="1067844"/>
+            <a:ext cx="3741235" cy="4107406"/>
           </a:xfrm>
           <a:prstGeom prst="rect">
             <a:avLst/>
@@ -4901,6 +4996,1486 @@
 </p:sld>
 </file>
 
+<file path=ppt/slides/slide20.xml><?xml version="1.0" encoding="utf-8"?>
+<p:sld xmlns:a="http://schemas.openxmlformats.org/drawingml/2006/main" xmlns:r="http://schemas.openxmlformats.org/officeDocument/2006/relationships" xmlns:p="http://schemas.openxmlformats.org/presentationml/2006/main" xmlns:m="http://schemas.openxmlformats.org/officeDocument/2006/math" xmlns:a14="http://schemas.microsoft.com/office/drawing/2010/main" showMasterSp="1" showMasterPhAnim="1">
+  <p:cSld>
+    <p:bg>
+      <p:bgPr>
+        <a:solidFill>
+          <a:srgbClr val="DDDDDD"/>
+        </a:solidFill>
+      </p:bgPr>
+    </p:bg>
+    <p:spTree>
+      <p:nvGrpSpPr>
+        <p:cNvPr id="1" name=""/>
+        <p:cNvGrpSpPr/>
+        <p:nvPr/>
+      </p:nvGrpSpPr>
+      <p:grpSpPr>
+        <a:xfrm>
+          <a:off x="0" y="0"/>
+          <a:ext cx="0" cy="0"/>
+          <a:chOff x="0" y="0"/>
+          <a:chExt cx="0" cy="0"/>
+        </a:xfrm>
+      </p:grpSpPr>
+      <p:pic>
+        <p:nvPicPr>
+          <p:cNvPr id="247" name="Image" descr="Image"/>
+          <p:cNvPicPr>
+            <a:picLocks noChangeAspect="1"/>
+          </p:cNvPicPr>
+          <p:nvPr/>
+        </p:nvPicPr>
+        <p:blipFill>
+          <a:blip r:embed="rId2">
+            <a:extLst/>
+          </a:blip>
+          <a:stretch>
+            <a:fillRect/>
+          </a:stretch>
+        </p:blipFill>
+        <p:spPr>
+          <a:xfrm>
+            <a:off x="942089" y="1800540"/>
+            <a:ext cx="3670301" cy="2298701"/>
+          </a:xfrm>
+          <a:prstGeom prst="rect">
+            <a:avLst/>
+          </a:prstGeom>
+          <a:ln w="12700">
+            <a:miter lim="400000"/>
+          </a:ln>
+        </p:spPr>
+      </p:pic>
+      <p:pic>
+        <p:nvPicPr>
+          <p:cNvPr id="248" name="Image" descr="Image"/>
+          <p:cNvPicPr>
+            <a:picLocks noChangeAspect="0"/>
+          </p:cNvPicPr>
+          <p:nvPr/>
+        </p:nvPicPr>
+        <p:blipFill>
+          <a:blip r:embed="rId3">
+            <a:extLst/>
+          </a:blip>
+          <a:srcRect l="0" t="25057" r="0" b="49536"/>
+          <a:stretch>
+            <a:fillRect/>
+          </a:stretch>
+        </p:blipFill>
+        <p:spPr>
+          <a:xfrm>
+            <a:off x="5286496" y="1429553"/>
+            <a:ext cx="3611054" cy="2648565"/>
+          </a:xfrm>
+          <a:prstGeom prst="rect">
+            <a:avLst/>
+          </a:prstGeom>
+          <a:ln w="12700">
+            <a:miter lim="400000"/>
+          </a:ln>
+        </p:spPr>
+      </p:pic>
+    </p:spTree>
+  </p:cSld>
+  <p:clrMapOvr>
+    <a:masterClrMapping/>
+  </p:clrMapOvr>
+  <p:transition xmlns:p14="http://schemas.microsoft.com/office/powerpoint/2010/main" spd="med" advClick="1"/>
+</p:sld>
+</file>
+
+<file path=ppt/slides/slide21.xml><?xml version="1.0" encoding="utf-8"?>
+<p:sld xmlns:a="http://schemas.openxmlformats.org/drawingml/2006/main" xmlns:r="http://schemas.openxmlformats.org/officeDocument/2006/relationships" xmlns:p="http://schemas.openxmlformats.org/presentationml/2006/main" xmlns:m="http://schemas.openxmlformats.org/officeDocument/2006/math" xmlns:a14="http://schemas.microsoft.com/office/drawing/2010/main" showMasterSp="1" showMasterPhAnim="1">
+  <p:cSld>
+    <p:bg>
+      <p:bgPr>
+        <a:solidFill>
+          <a:srgbClr val="DDDDDD"/>
+        </a:solidFill>
+      </p:bgPr>
+    </p:bg>
+    <p:spTree>
+      <p:nvGrpSpPr>
+        <p:cNvPr id="1" name=""/>
+        <p:cNvGrpSpPr/>
+        <p:nvPr/>
+      </p:nvGrpSpPr>
+      <p:grpSpPr>
+        <a:xfrm>
+          <a:off x="0" y="0"/>
+          <a:ext cx="0" cy="0"/>
+          <a:chOff x="0" y="0"/>
+          <a:chExt cx="0" cy="0"/>
+        </a:xfrm>
+      </p:grpSpPr>
+      <p:sp>
+        <p:nvSpPr>
+          <p:cNvPr id="250" name="TextShape 1"/>
+          <p:cNvSpPr txBox="1"/>
+          <p:nvPr/>
+        </p:nvSpPr>
+        <p:spPr>
+          <a:xfrm>
+            <a:off x="481384" y="1993884"/>
+            <a:ext cx="9108331" cy="394768"/>
+          </a:xfrm>
+          <a:prstGeom prst="rect">
+            <a:avLst/>
+          </a:prstGeom>
+          <a:ln w="12700">
+            <a:miter lim="400000"/>
+          </a:ln>
+          <a:extLst>
+            <a:ext uri="{C572A759-6A51-4108-AA02-DFA0A04FC94B}">
+              <ma14:wrappingTextBoxFlag xmlns:ma14="http://schemas.microsoft.com/office/mac/drawingml/2011/main" val="1"/>
+            </a:ext>
+          </a:extLst>
+        </p:spPr>
+        <p:txBody>
+          <a:bodyPr lIns="0" tIns="0" rIns="0" bIns="0" anchor="ctr">
+            <a:spAutoFit/>
+          </a:bodyPr>
+          <a:lstStyle>
+            <a:lvl1pPr algn="ctr">
+              <a:defRPr spc="-1" sz="2800"/>
+            </a:lvl1pPr>
+          </a:lstStyle>
+          <a:p>
+            <a:pPr/>
+            <a:r>
+              <a:t>Business, management, accounting</a:t>
+            </a:r>
+          </a:p>
+        </p:txBody>
+      </p:sp>
+    </p:spTree>
+  </p:cSld>
+  <p:clrMapOvr>
+    <a:masterClrMapping/>
+  </p:clrMapOvr>
+  <p:transition xmlns:p14="http://schemas.microsoft.com/office/powerpoint/2010/main" spd="med" advClick="1"/>
+</p:sld>
+</file>
+
+<file path=ppt/slides/slide22.xml><?xml version="1.0" encoding="utf-8"?>
+<p:sld xmlns:a="http://schemas.openxmlformats.org/drawingml/2006/main" xmlns:r="http://schemas.openxmlformats.org/officeDocument/2006/relationships" xmlns:p="http://schemas.openxmlformats.org/presentationml/2006/main" xmlns:m="http://schemas.openxmlformats.org/officeDocument/2006/math" xmlns:a14="http://schemas.microsoft.com/office/drawing/2010/main" showMasterSp="1" showMasterPhAnim="1">
+  <p:cSld>
+    <p:bg>
+      <p:bgPr>
+        <a:solidFill>
+          <a:srgbClr val="DDDDDD"/>
+        </a:solidFill>
+      </p:bgPr>
+    </p:bg>
+    <p:spTree>
+      <p:nvGrpSpPr>
+        <p:cNvPr id="1" name=""/>
+        <p:cNvGrpSpPr/>
+        <p:nvPr/>
+      </p:nvGrpSpPr>
+      <p:grpSpPr>
+        <a:xfrm>
+          <a:off x="0" y="0"/>
+          <a:ext cx="0" cy="0"/>
+          <a:chOff x="0" y="0"/>
+          <a:chExt cx="0" cy="0"/>
+        </a:xfrm>
+      </p:grpSpPr>
+      <p:pic>
+        <p:nvPicPr>
+          <p:cNvPr id="252" name="Image" descr="Image"/>
+          <p:cNvPicPr>
+            <a:picLocks noChangeAspect="1"/>
+          </p:cNvPicPr>
+          <p:nvPr/>
+        </p:nvPicPr>
+        <p:blipFill>
+          <a:blip r:embed="rId2">
+            <a:extLst/>
+          </a:blip>
+          <a:stretch>
+            <a:fillRect/>
+          </a:stretch>
+        </p:blipFill>
+        <p:spPr>
+          <a:xfrm>
+            <a:off x="5175355" y="-1"/>
+            <a:ext cx="4543810" cy="5664201"/>
+          </a:xfrm>
+          <a:prstGeom prst="rect">
+            <a:avLst/>
+          </a:prstGeom>
+          <a:ln w="12700">
+            <a:miter lim="400000"/>
+          </a:ln>
+        </p:spPr>
+      </p:pic>
+      <p:pic>
+        <p:nvPicPr>
+          <p:cNvPr id="253" name="Image" descr="Image"/>
+          <p:cNvPicPr>
+            <a:picLocks noChangeAspect="1"/>
+          </p:cNvPicPr>
+          <p:nvPr/>
+        </p:nvPicPr>
+        <p:blipFill>
+          <a:blip r:embed="rId3">
+            <a:extLst/>
+          </a:blip>
+          <a:stretch>
+            <a:fillRect/>
+          </a:stretch>
+        </p:blipFill>
+        <p:spPr>
+          <a:xfrm>
+            <a:off x="296148" y="-1"/>
+            <a:ext cx="4590493" cy="5664201"/>
+          </a:xfrm>
+          <a:prstGeom prst="rect">
+            <a:avLst/>
+          </a:prstGeom>
+          <a:ln w="12700">
+            <a:miter lim="400000"/>
+          </a:ln>
+        </p:spPr>
+      </p:pic>
+      <p:sp>
+        <p:nvSpPr>
+          <p:cNvPr id="254" name="Line"/>
+          <p:cNvSpPr/>
+          <p:nvPr/>
+        </p:nvSpPr>
+        <p:spPr>
+          <a:xfrm>
+            <a:off x="1964638" y="998564"/>
+            <a:ext cx="3619527" cy="1"/>
+          </a:xfrm>
+          <a:prstGeom prst="line">
+            <a:avLst/>
+          </a:prstGeom>
+          <a:ln w="25400">
+            <a:solidFill>
+              <a:schemeClr val="accent1"/>
+            </a:solidFill>
+            <a:miter/>
+            <a:tailEnd type="triangle"/>
+          </a:ln>
+          <a:effectLst>
+            <a:outerShdw sx="100000" sy="100000" kx="0" ky="0" algn="b" rotWithShape="0" blurRad="38100" dist="20000" dir="5400000">
+              <a:srgbClr val="000000">
+                <a:alpha val="38000"/>
+              </a:srgbClr>
+            </a:outerShdw>
+          </a:effectLst>
+        </p:spPr>
+        <p:txBody>
+          <a:bodyPr lIns="0" tIns="0" rIns="0" bIns="0"/>
+          <a:lstStyle/>
+          <a:p>
+            <a:pPr/>
+          </a:p>
+        </p:txBody>
+      </p:sp>
+    </p:spTree>
+  </p:cSld>
+  <p:clrMapOvr>
+    <a:masterClrMapping/>
+  </p:clrMapOvr>
+  <p:transition xmlns:p14="http://schemas.microsoft.com/office/powerpoint/2010/main" spd="med" advClick="1"/>
+</p:sld>
+</file>
+
+<file path=ppt/slides/slide23.xml><?xml version="1.0" encoding="utf-8"?>
+<p:sld xmlns:a="http://schemas.openxmlformats.org/drawingml/2006/main" xmlns:r="http://schemas.openxmlformats.org/officeDocument/2006/relationships" xmlns:p="http://schemas.openxmlformats.org/presentationml/2006/main" xmlns:m="http://schemas.openxmlformats.org/officeDocument/2006/math" xmlns:a14="http://schemas.microsoft.com/office/drawing/2010/main" showMasterSp="1" showMasterPhAnim="1">
+  <p:cSld>
+    <p:bg>
+      <p:bgPr>
+        <a:solidFill>
+          <a:srgbClr val="DDDDDD"/>
+        </a:solidFill>
+      </p:bgPr>
+    </p:bg>
+    <p:spTree>
+      <p:nvGrpSpPr>
+        <p:cNvPr id="1" name=""/>
+        <p:cNvGrpSpPr/>
+        <p:nvPr/>
+      </p:nvGrpSpPr>
+      <p:grpSpPr>
+        <a:xfrm>
+          <a:off x="0" y="0"/>
+          <a:ext cx="0" cy="0"/>
+          <a:chOff x="0" y="0"/>
+          <a:chExt cx="0" cy="0"/>
+        </a:xfrm>
+      </p:grpSpPr>
+      <p:pic>
+        <p:nvPicPr>
+          <p:cNvPr id="256" name="Image" descr="Image"/>
+          <p:cNvPicPr>
+            <a:picLocks noChangeAspect="1"/>
+          </p:cNvPicPr>
+          <p:nvPr/>
+        </p:nvPicPr>
+        <p:blipFill>
+          <a:blip r:embed="rId2">
+            <a:extLst/>
+          </a:blip>
+          <a:stretch>
+            <a:fillRect/>
+          </a:stretch>
+        </p:blipFill>
+        <p:spPr>
+          <a:xfrm>
+            <a:off x="3168650" y="1980173"/>
+            <a:ext cx="2737337" cy="1703854"/>
+          </a:xfrm>
+          <a:prstGeom prst="rect">
+            <a:avLst/>
+          </a:prstGeom>
+          <a:ln w="12700">
+            <a:miter lim="400000"/>
+          </a:ln>
+        </p:spPr>
+      </p:pic>
+      <p:sp>
+        <p:nvSpPr>
+          <p:cNvPr id="257" name="TextShape 1"/>
+          <p:cNvSpPr txBox="1"/>
+          <p:nvPr/>
+        </p:nvSpPr>
+        <p:spPr>
+          <a:xfrm>
+            <a:off x="5856831" y="433158"/>
+            <a:ext cx="3815626" cy="394767"/>
+          </a:xfrm>
+          <a:prstGeom prst="rect">
+            <a:avLst/>
+          </a:prstGeom>
+          <a:ln w="12700">
+            <a:miter lim="400000"/>
+          </a:ln>
+          <a:extLst>
+            <a:ext uri="{C572A759-6A51-4108-AA02-DFA0A04FC94B}">
+              <ma14:wrappingTextBoxFlag xmlns:ma14="http://schemas.microsoft.com/office/mac/drawingml/2011/main" val="1"/>
+            </a:ext>
+          </a:extLst>
+        </p:spPr>
+        <p:txBody>
+          <a:bodyPr lIns="0" tIns="0" rIns="0" bIns="0" anchor="ctr">
+            <a:spAutoFit/>
+          </a:bodyPr>
+          <a:lstStyle>
+            <a:lvl1pPr algn="ctr">
+              <a:defRPr spc="-1" sz="2800"/>
+            </a:lvl1pPr>
+          </a:lstStyle>
+          <a:p>
+            <a:pPr/>
+            <a:r>
+              <a:t>Citations</a:t>
+            </a:r>
+          </a:p>
+        </p:txBody>
+      </p:sp>
+      <p:pic>
+        <p:nvPicPr>
+          <p:cNvPr id="258" name="Image" descr="Image"/>
+          <p:cNvPicPr>
+            <a:picLocks noChangeAspect="1"/>
+          </p:cNvPicPr>
+          <p:nvPr/>
+        </p:nvPicPr>
+        <p:blipFill>
+          <a:blip r:embed="rId3">
+            <a:extLst/>
+          </a:blip>
+          <a:stretch>
+            <a:fillRect/>
+          </a:stretch>
+        </p:blipFill>
+        <p:spPr>
+          <a:xfrm>
+            <a:off x="84159" y="185573"/>
+            <a:ext cx="2737337" cy="1727888"/>
+          </a:xfrm>
+          <a:prstGeom prst="rect">
+            <a:avLst/>
+          </a:prstGeom>
+          <a:ln w="12700">
+            <a:miter lim="400000"/>
+          </a:ln>
+        </p:spPr>
+      </p:pic>
+      <p:pic>
+        <p:nvPicPr>
+          <p:cNvPr id="259" name="Image" descr="Image"/>
+          <p:cNvPicPr>
+            <a:picLocks noChangeAspect="1"/>
+          </p:cNvPicPr>
+          <p:nvPr/>
+        </p:nvPicPr>
+        <p:blipFill>
+          <a:blip r:embed="rId4">
+            <a:extLst/>
+          </a:blip>
+          <a:stretch>
+            <a:fillRect/>
+          </a:stretch>
+        </p:blipFill>
+        <p:spPr>
+          <a:xfrm>
+            <a:off x="82413" y="1992835"/>
+            <a:ext cx="2740828" cy="1680165"/>
+          </a:xfrm>
+          <a:prstGeom prst="rect">
+            <a:avLst/>
+          </a:prstGeom>
+          <a:ln w="12700">
+            <a:miter lim="400000"/>
+          </a:ln>
+        </p:spPr>
+      </p:pic>
+      <p:pic>
+        <p:nvPicPr>
+          <p:cNvPr id="260" name="Image" descr="Image"/>
+          <p:cNvPicPr>
+            <a:picLocks noChangeAspect="1"/>
+          </p:cNvPicPr>
+          <p:nvPr/>
+        </p:nvPicPr>
+        <p:blipFill>
+          <a:blip r:embed="rId5">
+            <a:extLst/>
+          </a:blip>
+          <a:stretch>
+            <a:fillRect/>
+          </a:stretch>
+        </p:blipFill>
+        <p:spPr>
+          <a:xfrm>
+            <a:off x="80111" y="3750740"/>
+            <a:ext cx="2740466" cy="1727887"/>
+          </a:xfrm>
+          <a:prstGeom prst="rect">
+            <a:avLst/>
+          </a:prstGeom>
+          <a:ln w="12700">
+            <a:miter lim="400000"/>
+          </a:ln>
+        </p:spPr>
+      </p:pic>
+      <p:sp>
+        <p:nvSpPr>
+          <p:cNvPr id="261" name="Line"/>
+          <p:cNvSpPr/>
+          <p:nvPr/>
+        </p:nvSpPr>
+        <p:spPr>
+          <a:xfrm flipV="1">
+            <a:off x="2688864" y="616372"/>
+            <a:ext cx="549070" cy="846547"/>
+          </a:xfrm>
+          <a:prstGeom prst="line">
+            <a:avLst/>
+          </a:prstGeom>
+          <a:ln w="25400">
+            <a:solidFill>
+              <a:schemeClr val="accent1"/>
+            </a:solidFill>
+            <a:miter/>
+          </a:ln>
+          <a:effectLst>
+            <a:outerShdw sx="100000" sy="100000" kx="0" ky="0" algn="b" rotWithShape="0" blurRad="38100" dist="20000" dir="5400000">
+              <a:srgbClr val="000000">
+                <a:alpha val="38000"/>
+              </a:srgbClr>
+            </a:outerShdw>
+          </a:effectLst>
+        </p:spPr>
+        <p:txBody>
+          <a:bodyPr lIns="0" tIns="0" rIns="0" bIns="0"/>
+          <a:lstStyle/>
+          <a:p>
+            <a:pPr/>
+          </a:p>
+        </p:txBody>
+      </p:sp>
+      <p:sp>
+        <p:nvSpPr>
+          <p:cNvPr id="262" name="Line"/>
+          <p:cNvSpPr/>
+          <p:nvPr/>
+        </p:nvSpPr>
+        <p:spPr>
+          <a:xfrm flipV="1">
+            <a:off x="2844951" y="2366018"/>
+            <a:ext cx="395194" cy="932164"/>
+          </a:xfrm>
+          <a:prstGeom prst="line">
+            <a:avLst/>
+          </a:prstGeom>
+          <a:ln w="25400">
+            <a:solidFill>
+              <a:schemeClr val="accent1"/>
+            </a:solidFill>
+            <a:miter/>
+          </a:ln>
+          <a:effectLst>
+            <a:outerShdw sx="100000" sy="100000" kx="0" ky="0" algn="b" rotWithShape="0" blurRad="38100" dist="20000" dir="5400000">
+              <a:srgbClr val="000000">
+                <a:alpha val="38000"/>
+              </a:srgbClr>
+            </a:outerShdw>
+          </a:effectLst>
+        </p:spPr>
+        <p:txBody>
+          <a:bodyPr lIns="0" tIns="0" rIns="0" bIns="0"/>
+          <a:lstStyle/>
+          <a:p>
+            <a:pPr/>
+          </a:p>
+        </p:txBody>
+      </p:sp>
+      <p:pic>
+        <p:nvPicPr>
+          <p:cNvPr id="263" name="Image" descr="Image"/>
+          <p:cNvPicPr>
+            <a:picLocks noChangeAspect="1"/>
+          </p:cNvPicPr>
+          <p:nvPr/>
+        </p:nvPicPr>
+        <p:blipFill>
+          <a:blip r:embed="rId6">
+            <a:extLst/>
+          </a:blip>
+          <a:srcRect l="0" t="74966" r="0" b="0"/>
+          <a:stretch>
+            <a:fillRect/>
+          </a:stretch>
+        </p:blipFill>
+        <p:spPr>
+          <a:xfrm>
+            <a:off x="3166143" y="3734933"/>
+            <a:ext cx="2728738" cy="1680053"/>
+          </a:xfrm>
+          <a:prstGeom prst="rect">
+            <a:avLst/>
+          </a:prstGeom>
+          <a:ln w="12700">
+            <a:miter lim="400000"/>
+          </a:ln>
+        </p:spPr>
+      </p:pic>
+      <p:pic>
+        <p:nvPicPr>
+          <p:cNvPr id="264" name="Image" descr="Image"/>
+          <p:cNvPicPr>
+            <a:picLocks noChangeAspect="1"/>
+          </p:cNvPicPr>
+          <p:nvPr/>
+        </p:nvPicPr>
+        <p:blipFill>
+          <a:blip r:embed="rId7">
+            <a:extLst/>
+          </a:blip>
+          <a:stretch>
+            <a:fillRect/>
+          </a:stretch>
+        </p:blipFill>
+        <p:spPr>
+          <a:xfrm>
+            <a:off x="3168650" y="183064"/>
+            <a:ext cx="2737337" cy="1713163"/>
+          </a:xfrm>
+          <a:prstGeom prst="rect">
+            <a:avLst/>
+          </a:prstGeom>
+          <a:ln w="12700">
+            <a:miter lim="400000"/>
+          </a:ln>
+        </p:spPr>
+      </p:pic>
+    </p:spTree>
+  </p:cSld>
+  <p:clrMapOvr>
+    <a:masterClrMapping/>
+  </p:clrMapOvr>
+  <p:transition xmlns:p14="http://schemas.microsoft.com/office/powerpoint/2010/main" spd="med" advClick="1"/>
+</p:sld>
+</file>
+
+<file path=ppt/slides/slide24.xml><?xml version="1.0" encoding="utf-8"?>
+<p:sld xmlns:a="http://schemas.openxmlformats.org/drawingml/2006/main" xmlns:r="http://schemas.openxmlformats.org/officeDocument/2006/relationships" xmlns:p="http://schemas.openxmlformats.org/presentationml/2006/main" xmlns:m="http://schemas.openxmlformats.org/officeDocument/2006/math" xmlns:a14="http://schemas.microsoft.com/office/drawing/2010/main" showMasterSp="1" showMasterPhAnim="1">
+  <p:cSld>
+    <p:bg>
+      <p:bgPr>
+        <a:solidFill>
+          <a:srgbClr val="DDDDDD"/>
+        </a:solidFill>
+      </p:bgPr>
+    </p:bg>
+    <p:spTree>
+      <p:nvGrpSpPr>
+        <p:cNvPr id="1" name=""/>
+        <p:cNvGrpSpPr/>
+        <p:nvPr/>
+      </p:nvGrpSpPr>
+      <p:grpSpPr>
+        <a:xfrm>
+          <a:off x="0" y="0"/>
+          <a:ext cx="0" cy="0"/>
+          <a:chOff x="0" y="0"/>
+          <a:chExt cx="0" cy="0"/>
+        </a:xfrm>
+      </p:grpSpPr>
+      <p:pic>
+        <p:nvPicPr>
+          <p:cNvPr id="266" name="Image" descr="Image"/>
+          <p:cNvPicPr>
+            <a:picLocks noChangeAspect="0"/>
+          </p:cNvPicPr>
+          <p:nvPr/>
+        </p:nvPicPr>
+        <p:blipFill>
+          <a:blip r:embed="rId2">
+            <a:extLst/>
+          </a:blip>
+          <a:stretch>
+            <a:fillRect/>
+          </a:stretch>
+        </p:blipFill>
+        <p:spPr>
+          <a:xfrm>
+            <a:off x="1134842" y="516589"/>
+            <a:ext cx="3733801" cy="4639611"/>
+          </a:xfrm>
+          <a:prstGeom prst="rect">
+            <a:avLst/>
+          </a:prstGeom>
+          <a:ln w="12700">
+            <a:miter lim="400000"/>
+          </a:ln>
+        </p:spPr>
+      </p:pic>
+      <p:pic>
+        <p:nvPicPr>
+          <p:cNvPr id="267" name="Image" descr="Image"/>
+          <p:cNvPicPr>
+            <a:picLocks noChangeAspect="1"/>
+          </p:cNvPicPr>
+          <p:nvPr/>
+        </p:nvPicPr>
+        <p:blipFill>
+          <a:blip r:embed="rId3">
+            <a:extLst/>
+          </a:blip>
+          <a:stretch>
+            <a:fillRect/>
+          </a:stretch>
+        </p:blipFill>
+        <p:spPr>
+          <a:xfrm>
+            <a:off x="5509286" y="508000"/>
+            <a:ext cx="3708401" cy="4648201"/>
+          </a:xfrm>
+          <a:prstGeom prst="rect">
+            <a:avLst/>
+          </a:prstGeom>
+          <a:ln w="12700">
+            <a:miter lim="400000"/>
+          </a:ln>
+        </p:spPr>
+      </p:pic>
+      <p:sp>
+        <p:nvSpPr>
+          <p:cNvPr id="268" name="Line"/>
+          <p:cNvSpPr/>
+          <p:nvPr/>
+        </p:nvSpPr>
+        <p:spPr>
+          <a:xfrm>
+            <a:off x="4889259" y="1494062"/>
+            <a:ext cx="898904" cy="2122528"/>
+          </a:xfrm>
+          <a:prstGeom prst="line">
+            <a:avLst/>
+          </a:prstGeom>
+          <a:ln w="25400">
+            <a:solidFill>
+              <a:schemeClr val="accent1"/>
+            </a:solidFill>
+            <a:miter/>
+          </a:ln>
+          <a:effectLst>
+            <a:outerShdw sx="100000" sy="100000" kx="0" ky="0" algn="b" rotWithShape="0" blurRad="38100" dist="20000" dir="5400000">
+              <a:srgbClr val="000000">
+                <a:alpha val="38000"/>
+              </a:srgbClr>
+            </a:outerShdw>
+          </a:effectLst>
+        </p:spPr>
+        <p:txBody>
+          <a:bodyPr lIns="0" tIns="0" rIns="0" bIns="0"/>
+          <a:lstStyle/>
+          <a:p>
+            <a:pPr/>
+          </a:p>
+        </p:txBody>
+      </p:sp>
+    </p:spTree>
+  </p:cSld>
+  <p:clrMapOvr>
+    <a:masterClrMapping/>
+  </p:clrMapOvr>
+  <p:transition xmlns:p14="http://schemas.microsoft.com/office/powerpoint/2010/main" spd="med" advClick="1"/>
+</p:sld>
+</file>
+
+<file path=ppt/slides/slide25.xml><?xml version="1.0" encoding="utf-8"?>
+<p:sld xmlns:a="http://schemas.openxmlformats.org/drawingml/2006/main" xmlns:r="http://schemas.openxmlformats.org/officeDocument/2006/relationships" xmlns:p="http://schemas.openxmlformats.org/presentationml/2006/main" xmlns:m="http://schemas.openxmlformats.org/officeDocument/2006/math" xmlns:a14="http://schemas.microsoft.com/office/drawing/2010/main" showMasterSp="1" showMasterPhAnim="1">
+  <p:cSld>
+    <p:bg>
+      <p:bgPr>
+        <a:solidFill>
+          <a:srgbClr val="DDDDDD"/>
+        </a:solidFill>
+      </p:bgPr>
+    </p:bg>
+    <p:spTree>
+      <p:nvGrpSpPr>
+        <p:cNvPr id="1" name=""/>
+        <p:cNvGrpSpPr/>
+        <p:nvPr/>
+      </p:nvGrpSpPr>
+      <p:grpSpPr>
+        <a:xfrm>
+          <a:off x="0" y="0"/>
+          <a:ext cx="0" cy="0"/>
+          <a:chOff x="0" y="0"/>
+          <a:chExt cx="0" cy="0"/>
+        </a:xfrm>
+      </p:grpSpPr>
+      <p:pic>
+        <p:nvPicPr>
+          <p:cNvPr id="270" name="Image" descr="Image"/>
+          <p:cNvPicPr>
+            <a:picLocks noChangeAspect="1"/>
+          </p:cNvPicPr>
+          <p:nvPr/>
+        </p:nvPicPr>
+        <p:blipFill>
+          <a:blip r:embed="rId2">
+            <a:extLst/>
+          </a:blip>
+          <a:stretch>
+            <a:fillRect/>
+          </a:stretch>
+        </p:blipFill>
+        <p:spPr>
+          <a:xfrm>
+            <a:off x="942089" y="1800540"/>
+            <a:ext cx="3670301" cy="2298701"/>
+          </a:xfrm>
+          <a:prstGeom prst="rect">
+            <a:avLst/>
+          </a:prstGeom>
+          <a:ln w="12700">
+            <a:miter lim="400000"/>
+          </a:ln>
+        </p:spPr>
+      </p:pic>
+      <p:pic>
+        <p:nvPicPr>
+          <p:cNvPr id="271" name="Image" descr="Image"/>
+          <p:cNvPicPr>
+            <a:picLocks noChangeAspect="0"/>
+          </p:cNvPicPr>
+          <p:nvPr/>
+        </p:nvPicPr>
+        <p:blipFill>
+          <a:blip r:embed="rId3">
+            <a:extLst/>
+          </a:blip>
+          <a:stretch>
+            <a:fillRect/>
+          </a:stretch>
+        </p:blipFill>
+        <p:spPr>
+          <a:xfrm>
+            <a:off x="4964730" y="1315905"/>
+            <a:ext cx="4227822" cy="2808736"/>
+          </a:xfrm>
+          <a:prstGeom prst="rect">
+            <a:avLst/>
+          </a:prstGeom>
+          <a:ln w="12700">
+            <a:miter lim="400000"/>
+          </a:ln>
+        </p:spPr>
+      </p:pic>
+    </p:spTree>
+  </p:cSld>
+  <p:clrMapOvr>
+    <a:masterClrMapping/>
+  </p:clrMapOvr>
+  <p:transition xmlns:p14="http://schemas.microsoft.com/office/powerpoint/2010/main" spd="med" advClick="1"/>
+</p:sld>
+</file>
+
+<file path=ppt/slides/slide26.xml><?xml version="1.0" encoding="utf-8"?>
+<p:sld xmlns:a="http://schemas.openxmlformats.org/drawingml/2006/main" xmlns:r="http://schemas.openxmlformats.org/officeDocument/2006/relationships" xmlns:p="http://schemas.openxmlformats.org/presentationml/2006/main" xmlns:m="http://schemas.openxmlformats.org/officeDocument/2006/math" xmlns:a14="http://schemas.microsoft.com/office/drawing/2010/main" showMasterSp="1" showMasterPhAnim="1">
+  <p:cSld>
+    <p:bg>
+      <p:bgPr>
+        <a:solidFill>
+          <a:srgbClr val="DDDDDD"/>
+        </a:solidFill>
+      </p:bgPr>
+    </p:bg>
+    <p:spTree>
+      <p:nvGrpSpPr>
+        <p:cNvPr id="1" name=""/>
+        <p:cNvGrpSpPr/>
+        <p:nvPr/>
+      </p:nvGrpSpPr>
+      <p:grpSpPr>
+        <a:xfrm>
+          <a:off x="0" y="0"/>
+          <a:ext cx="0" cy="0"/>
+          <a:chOff x="0" y="0"/>
+          <a:chExt cx="0" cy="0"/>
+        </a:xfrm>
+      </p:grpSpPr>
+      <p:sp>
+        <p:nvSpPr>
+          <p:cNvPr id="273" name="TextShape 1"/>
+          <p:cNvSpPr txBox="1"/>
+          <p:nvPr/>
+        </p:nvSpPr>
+        <p:spPr>
+          <a:xfrm>
+            <a:off x="481384" y="1993884"/>
+            <a:ext cx="9108331" cy="394768"/>
+          </a:xfrm>
+          <a:prstGeom prst="rect">
+            <a:avLst/>
+          </a:prstGeom>
+          <a:ln w="12700">
+            <a:miter lim="400000"/>
+          </a:ln>
+          <a:extLst>
+            <a:ext uri="{C572A759-6A51-4108-AA02-DFA0A04FC94B}">
+              <ma14:wrappingTextBoxFlag xmlns:ma14="http://schemas.microsoft.com/office/mac/drawingml/2011/main" val="1"/>
+            </a:ext>
+          </a:extLst>
+        </p:spPr>
+        <p:txBody>
+          <a:bodyPr lIns="0" tIns="0" rIns="0" bIns="0" anchor="ctr">
+            <a:spAutoFit/>
+          </a:bodyPr>
+          <a:lstStyle>
+            <a:lvl1pPr algn="ctr">
+              <a:defRPr spc="-1" sz="2800"/>
+            </a:lvl1pPr>
+          </a:lstStyle>
+          <a:p>
+            <a:pPr/>
+            <a:r>
+              <a:t>Chemical engineering</a:t>
+            </a:r>
+          </a:p>
+        </p:txBody>
+      </p:sp>
+    </p:spTree>
+  </p:cSld>
+  <p:clrMapOvr>
+    <a:masterClrMapping/>
+  </p:clrMapOvr>
+  <p:transition xmlns:p14="http://schemas.microsoft.com/office/powerpoint/2010/main" spd="med" advClick="1"/>
+</p:sld>
+</file>
+
+<file path=ppt/slides/slide27.xml><?xml version="1.0" encoding="utf-8"?>
+<p:sld xmlns:a="http://schemas.openxmlformats.org/drawingml/2006/main" xmlns:r="http://schemas.openxmlformats.org/officeDocument/2006/relationships" xmlns:p="http://schemas.openxmlformats.org/presentationml/2006/main" xmlns:m="http://schemas.openxmlformats.org/officeDocument/2006/math" xmlns:a14="http://schemas.microsoft.com/office/drawing/2010/main" showMasterSp="1" showMasterPhAnim="1">
+  <p:cSld>
+    <p:bg>
+      <p:bgPr>
+        <a:solidFill>
+          <a:srgbClr val="DDDDDD"/>
+        </a:solidFill>
+      </p:bgPr>
+    </p:bg>
+    <p:spTree>
+      <p:nvGrpSpPr>
+        <p:cNvPr id="1" name=""/>
+        <p:cNvGrpSpPr/>
+        <p:nvPr/>
+      </p:nvGrpSpPr>
+      <p:grpSpPr>
+        <a:xfrm>
+          <a:off x="0" y="0"/>
+          <a:ext cx="0" cy="0"/>
+          <a:chOff x="0" y="0"/>
+          <a:chExt cx="0" cy="0"/>
+        </a:xfrm>
+      </p:grpSpPr>
+      <p:pic>
+        <p:nvPicPr>
+          <p:cNvPr id="275" name="Image" descr="Image"/>
+          <p:cNvPicPr>
+            <a:picLocks noChangeAspect="1"/>
+          </p:cNvPicPr>
+          <p:nvPr/>
+        </p:nvPicPr>
+        <p:blipFill>
+          <a:blip r:embed="rId2">
+            <a:extLst/>
+          </a:blip>
+          <a:stretch>
+            <a:fillRect/>
+          </a:stretch>
+        </p:blipFill>
+        <p:spPr>
+          <a:xfrm>
+            <a:off x="5064314" y="-1"/>
+            <a:ext cx="4582712" cy="5664201"/>
+          </a:xfrm>
+          <a:prstGeom prst="rect">
+            <a:avLst/>
+          </a:prstGeom>
+          <a:ln w="12700">
+            <a:miter lim="400000"/>
+          </a:ln>
+        </p:spPr>
+      </p:pic>
+      <p:pic>
+        <p:nvPicPr>
+          <p:cNvPr id="276" name="Image" descr="Image"/>
+          <p:cNvPicPr>
+            <a:picLocks noChangeAspect="1"/>
+          </p:cNvPicPr>
+          <p:nvPr/>
+        </p:nvPicPr>
+        <p:blipFill>
+          <a:blip r:embed="rId3">
+            <a:extLst/>
+          </a:blip>
+          <a:stretch>
+            <a:fillRect/>
+          </a:stretch>
+        </p:blipFill>
+        <p:spPr>
+          <a:xfrm>
+            <a:off x="296148" y="-1"/>
+            <a:ext cx="4590493" cy="5664201"/>
+          </a:xfrm>
+          <a:prstGeom prst="rect">
+            <a:avLst/>
+          </a:prstGeom>
+          <a:ln w="12700">
+            <a:miter lim="400000"/>
+          </a:ln>
+        </p:spPr>
+      </p:pic>
+      <p:sp>
+        <p:nvSpPr>
+          <p:cNvPr id="277" name="Line"/>
+          <p:cNvSpPr/>
+          <p:nvPr/>
+        </p:nvSpPr>
+        <p:spPr>
+          <a:xfrm>
+            <a:off x="1964638" y="998564"/>
+            <a:ext cx="3619527" cy="1"/>
+          </a:xfrm>
+          <a:prstGeom prst="line">
+            <a:avLst/>
+          </a:prstGeom>
+          <a:ln w="25400">
+            <a:solidFill>
+              <a:schemeClr val="accent1"/>
+            </a:solidFill>
+            <a:miter/>
+            <a:tailEnd type="triangle"/>
+          </a:ln>
+          <a:effectLst>
+            <a:outerShdw sx="100000" sy="100000" kx="0" ky="0" algn="b" rotWithShape="0" blurRad="38100" dist="20000" dir="5400000">
+              <a:srgbClr val="000000">
+                <a:alpha val="38000"/>
+              </a:srgbClr>
+            </a:outerShdw>
+          </a:effectLst>
+        </p:spPr>
+        <p:txBody>
+          <a:bodyPr lIns="0" tIns="0" rIns="0" bIns="0"/>
+          <a:lstStyle/>
+          <a:p>
+            <a:pPr/>
+          </a:p>
+        </p:txBody>
+      </p:sp>
+    </p:spTree>
+  </p:cSld>
+  <p:clrMapOvr>
+    <a:masterClrMapping/>
+  </p:clrMapOvr>
+  <p:transition xmlns:p14="http://schemas.microsoft.com/office/powerpoint/2010/main" spd="med" advClick="1"/>
+</p:sld>
+</file>
+
+<file path=ppt/slides/slide28.xml><?xml version="1.0" encoding="utf-8"?>
+<p:sld xmlns:a="http://schemas.openxmlformats.org/drawingml/2006/main" xmlns:r="http://schemas.openxmlformats.org/officeDocument/2006/relationships" xmlns:p="http://schemas.openxmlformats.org/presentationml/2006/main" xmlns:m="http://schemas.openxmlformats.org/officeDocument/2006/math" xmlns:a14="http://schemas.microsoft.com/office/drawing/2010/main" showMasterSp="1" showMasterPhAnim="1">
+  <p:cSld>
+    <p:bg>
+      <p:bgPr>
+        <a:solidFill>
+          <a:srgbClr val="DDDDDD"/>
+        </a:solidFill>
+      </p:bgPr>
+    </p:bg>
+    <p:spTree>
+      <p:nvGrpSpPr>
+        <p:cNvPr id="1" name=""/>
+        <p:cNvGrpSpPr/>
+        <p:nvPr/>
+      </p:nvGrpSpPr>
+      <p:grpSpPr>
+        <a:xfrm>
+          <a:off x="0" y="0"/>
+          <a:ext cx="0" cy="0"/>
+          <a:chOff x="0" y="0"/>
+          <a:chExt cx="0" cy="0"/>
+        </a:xfrm>
+      </p:grpSpPr>
+      <p:pic>
+        <p:nvPicPr>
+          <p:cNvPr id="279" name="Image" descr="Image"/>
+          <p:cNvPicPr>
+            <a:picLocks noChangeAspect="1"/>
+          </p:cNvPicPr>
+          <p:nvPr/>
+        </p:nvPicPr>
+        <p:blipFill>
+          <a:blip r:embed="rId2">
+            <a:extLst/>
+          </a:blip>
+          <a:srcRect l="0" t="0" r="0" b="66905"/>
+          <a:stretch>
+            <a:fillRect/>
+          </a:stretch>
+        </p:blipFill>
+        <p:spPr>
+          <a:xfrm>
+            <a:off x="3526813" y="0"/>
+            <a:ext cx="3017474" cy="1874527"/>
+          </a:xfrm>
+          <a:prstGeom prst="rect">
+            <a:avLst/>
+          </a:prstGeom>
+          <a:ln w="12700">
+            <a:miter lim="400000"/>
+          </a:ln>
+        </p:spPr>
+      </p:pic>
+      <p:pic>
+        <p:nvPicPr>
+          <p:cNvPr id="280" name="Image" descr="Image"/>
+          <p:cNvPicPr>
+            <a:picLocks noChangeAspect="1"/>
+          </p:cNvPicPr>
+          <p:nvPr/>
+        </p:nvPicPr>
+        <p:blipFill>
+          <a:blip r:embed="rId2">
+            <a:extLst/>
+          </a:blip>
+          <a:srcRect l="0" t="66718" r="0" b="0"/>
+          <a:stretch>
+            <a:fillRect/>
+          </a:stretch>
+        </p:blipFill>
+        <p:spPr>
+          <a:xfrm>
+            <a:off x="3526813" y="1877950"/>
+            <a:ext cx="3017474" cy="1885146"/>
+          </a:xfrm>
+          <a:prstGeom prst="rect">
+            <a:avLst/>
+          </a:prstGeom>
+          <a:ln w="12700">
+            <a:miter lim="400000"/>
+          </a:ln>
+        </p:spPr>
+      </p:pic>
+      <p:pic>
+        <p:nvPicPr>
+          <p:cNvPr id="281" name="Image" descr="Image"/>
+          <p:cNvPicPr>
+            <a:picLocks noChangeAspect="1"/>
+          </p:cNvPicPr>
+          <p:nvPr/>
+        </p:nvPicPr>
+        <p:blipFill>
+          <a:blip r:embed="rId3">
+            <a:extLst/>
+          </a:blip>
+          <a:stretch>
+            <a:fillRect/>
+          </a:stretch>
+        </p:blipFill>
+        <p:spPr>
+          <a:xfrm>
+            <a:off x="3531679" y="3726768"/>
+            <a:ext cx="3017442" cy="1914515"/>
+          </a:xfrm>
+          <a:prstGeom prst="rect">
+            <a:avLst/>
+          </a:prstGeom>
+          <a:ln w="12700">
+            <a:miter lim="400000"/>
+          </a:ln>
+        </p:spPr>
+      </p:pic>
+      <p:sp>
+        <p:nvSpPr>
+          <p:cNvPr id="282" name="TextShape 1"/>
+          <p:cNvSpPr txBox="1"/>
+          <p:nvPr/>
+        </p:nvSpPr>
+        <p:spPr>
+          <a:xfrm>
+            <a:off x="5856831" y="433158"/>
+            <a:ext cx="3815626" cy="394767"/>
+          </a:xfrm>
+          <a:prstGeom prst="rect">
+            <a:avLst/>
+          </a:prstGeom>
+          <a:ln w="12700">
+            <a:miter lim="400000"/>
+          </a:ln>
+          <a:extLst>
+            <a:ext uri="{C572A759-6A51-4108-AA02-DFA0A04FC94B}">
+              <ma14:wrappingTextBoxFlag xmlns:ma14="http://schemas.microsoft.com/office/mac/drawingml/2011/main" val="1"/>
+            </a:ext>
+          </a:extLst>
+        </p:spPr>
+        <p:txBody>
+          <a:bodyPr lIns="0" tIns="0" rIns="0" bIns="0" anchor="ctr">
+            <a:spAutoFit/>
+          </a:bodyPr>
+          <a:lstStyle>
+            <a:lvl1pPr algn="ctr">
+              <a:defRPr spc="-1" sz="2800"/>
+            </a:lvl1pPr>
+          </a:lstStyle>
+          <a:p>
+            <a:pPr/>
+            <a:r>
+              <a:t>Citations</a:t>
+            </a:r>
+          </a:p>
+        </p:txBody>
+      </p:sp>
+      <p:pic>
+        <p:nvPicPr>
+          <p:cNvPr id="283" name="Image" descr="Image"/>
+          <p:cNvPicPr>
+            <a:picLocks noChangeAspect="1"/>
+          </p:cNvPicPr>
+          <p:nvPr/>
+        </p:nvPicPr>
+        <p:blipFill>
+          <a:blip r:embed="rId4">
+            <a:extLst/>
+          </a:blip>
+          <a:stretch>
+            <a:fillRect/>
+          </a:stretch>
+        </p:blipFill>
+        <p:spPr>
+          <a:xfrm>
+            <a:off x="84159" y="185573"/>
+            <a:ext cx="2737337" cy="1727888"/>
+          </a:xfrm>
+          <a:prstGeom prst="rect">
+            <a:avLst/>
+          </a:prstGeom>
+          <a:ln w="12700">
+            <a:miter lim="400000"/>
+          </a:ln>
+        </p:spPr>
+      </p:pic>
+      <p:pic>
+        <p:nvPicPr>
+          <p:cNvPr id="284" name="Image" descr="Image"/>
+          <p:cNvPicPr>
+            <a:picLocks noChangeAspect="1"/>
+          </p:cNvPicPr>
+          <p:nvPr/>
+        </p:nvPicPr>
+        <p:blipFill>
+          <a:blip r:embed="rId5">
+            <a:extLst/>
+          </a:blip>
+          <a:stretch>
+            <a:fillRect/>
+          </a:stretch>
+        </p:blipFill>
+        <p:spPr>
+          <a:xfrm>
+            <a:off x="82413" y="1992835"/>
+            <a:ext cx="2740828" cy="1680165"/>
+          </a:xfrm>
+          <a:prstGeom prst="rect">
+            <a:avLst/>
+          </a:prstGeom>
+          <a:ln w="12700">
+            <a:miter lim="400000"/>
+          </a:ln>
+        </p:spPr>
+      </p:pic>
+      <p:pic>
+        <p:nvPicPr>
+          <p:cNvPr id="285" name="Image" descr="Image"/>
+          <p:cNvPicPr>
+            <a:picLocks noChangeAspect="1"/>
+          </p:cNvPicPr>
+          <p:nvPr/>
+        </p:nvPicPr>
+        <p:blipFill>
+          <a:blip r:embed="rId6">
+            <a:extLst/>
+          </a:blip>
+          <a:stretch>
+            <a:fillRect/>
+          </a:stretch>
+        </p:blipFill>
+        <p:spPr>
+          <a:xfrm>
+            <a:off x="80111" y="3750740"/>
+            <a:ext cx="2740466" cy="1727887"/>
+          </a:xfrm>
+          <a:prstGeom prst="rect">
+            <a:avLst/>
+          </a:prstGeom>
+          <a:ln w="12700">
+            <a:miter lim="400000"/>
+          </a:ln>
+        </p:spPr>
+      </p:pic>
+      <p:sp>
+        <p:nvSpPr>
+          <p:cNvPr id="286" name="Line"/>
+          <p:cNvSpPr/>
+          <p:nvPr/>
+        </p:nvSpPr>
+        <p:spPr>
+          <a:xfrm flipV="1">
+            <a:off x="2831233" y="457426"/>
+            <a:ext cx="675648" cy="959589"/>
+          </a:xfrm>
+          <a:prstGeom prst="line">
+            <a:avLst/>
+          </a:prstGeom>
+          <a:ln w="25400">
+            <a:solidFill>
+              <a:schemeClr val="accent1"/>
+            </a:solidFill>
+            <a:miter/>
+          </a:ln>
+          <a:effectLst>
+            <a:outerShdw sx="100000" sy="100000" kx="0" ky="0" algn="b" rotWithShape="0" blurRad="38100" dist="20000" dir="5400000">
+              <a:srgbClr val="000000">
+                <a:alpha val="38000"/>
+              </a:srgbClr>
+            </a:outerShdw>
+          </a:effectLst>
+        </p:spPr>
+        <p:txBody>
+          <a:bodyPr lIns="0" tIns="0" rIns="0" bIns="0"/>
+          <a:lstStyle/>
+          <a:p>
+            <a:pPr/>
+          </a:p>
+        </p:txBody>
+      </p:sp>
+      <p:sp>
+        <p:nvSpPr>
+          <p:cNvPr id="287" name="Line"/>
+          <p:cNvSpPr/>
+          <p:nvPr/>
+        </p:nvSpPr>
+        <p:spPr>
+          <a:xfrm flipV="1">
+            <a:off x="2799095" y="2199977"/>
+            <a:ext cx="739925" cy="1072525"/>
+          </a:xfrm>
+          <a:prstGeom prst="line">
+            <a:avLst/>
+          </a:prstGeom>
+          <a:ln w="25400">
+            <a:solidFill>
+              <a:schemeClr val="accent1"/>
+            </a:solidFill>
+            <a:miter/>
+          </a:ln>
+          <a:effectLst>
+            <a:outerShdw sx="100000" sy="100000" kx="0" ky="0" algn="b" rotWithShape="0" blurRad="38100" dist="20000" dir="5400000">
+              <a:srgbClr val="000000">
+                <a:alpha val="38000"/>
+              </a:srgbClr>
+            </a:outerShdw>
+          </a:effectLst>
+        </p:spPr>
+        <p:txBody>
+          <a:bodyPr lIns="0" tIns="0" rIns="0" bIns="0"/>
+          <a:lstStyle/>
+          <a:p>
+            <a:pPr/>
+          </a:p>
+        </p:txBody>
+      </p:sp>
+    </p:spTree>
+  </p:cSld>
+  <p:clrMapOvr>
+    <a:masterClrMapping/>
+  </p:clrMapOvr>
+  <p:transition xmlns:p14="http://schemas.microsoft.com/office/powerpoint/2010/main" spd="med" advClick="1"/>
+</p:sld>
+</file>
+
+<file path=ppt/slides/slide29.xml><?xml version="1.0" encoding="utf-8"?>
+<p:sld xmlns:a="http://schemas.openxmlformats.org/drawingml/2006/main" xmlns:r="http://schemas.openxmlformats.org/officeDocument/2006/relationships" xmlns:p="http://schemas.openxmlformats.org/presentationml/2006/main" xmlns:m="http://schemas.openxmlformats.org/officeDocument/2006/math" xmlns:a14="http://schemas.microsoft.com/office/drawing/2010/main" showMasterSp="1" showMasterPhAnim="1">
+  <p:cSld>
+    <p:bg>
+      <p:bgPr>
+        <a:solidFill>
+          <a:srgbClr val="DDDDDD"/>
+        </a:solidFill>
+      </p:bgPr>
+    </p:bg>
+    <p:spTree>
+      <p:nvGrpSpPr>
+        <p:cNvPr id="1" name=""/>
+        <p:cNvGrpSpPr/>
+        <p:nvPr/>
+      </p:nvGrpSpPr>
+      <p:grpSpPr>
+        <a:xfrm>
+          <a:off x="0" y="0"/>
+          <a:ext cx="0" cy="0"/>
+          <a:chOff x="0" y="0"/>
+          <a:chExt cx="0" cy="0"/>
+        </a:xfrm>
+      </p:grpSpPr>
+      <p:pic>
+        <p:nvPicPr>
+          <p:cNvPr id="289" name="Image" descr="Image"/>
+          <p:cNvPicPr>
+            <a:picLocks noChangeAspect="0"/>
+          </p:cNvPicPr>
+          <p:nvPr/>
+        </p:nvPicPr>
+        <p:blipFill>
+          <a:blip r:embed="rId2">
+            <a:extLst/>
+          </a:blip>
+          <a:stretch>
+            <a:fillRect/>
+          </a:stretch>
+        </p:blipFill>
+        <p:spPr>
+          <a:xfrm>
+            <a:off x="1134842" y="730144"/>
+            <a:ext cx="3733801" cy="4426057"/>
+          </a:xfrm>
+          <a:prstGeom prst="rect">
+            <a:avLst/>
+          </a:prstGeom>
+          <a:ln w="12700">
+            <a:miter lim="400000"/>
+          </a:ln>
+        </p:spPr>
+      </p:pic>
+      <p:pic>
+        <p:nvPicPr>
+          <p:cNvPr id="290" name="Image" descr="Image"/>
+          <p:cNvPicPr>
+            <a:picLocks noChangeAspect="0"/>
+          </p:cNvPicPr>
+          <p:nvPr/>
+        </p:nvPicPr>
+        <p:blipFill>
+          <a:blip r:embed="rId3">
+            <a:extLst/>
+          </a:blip>
+          <a:stretch>
+            <a:fillRect/>
+          </a:stretch>
+        </p:blipFill>
+        <p:spPr>
+          <a:xfrm>
+            <a:off x="5430476" y="501649"/>
+            <a:ext cx="3746501" cy="4660901"/>
+          </a:xfrm>
+          <a:prstGeom prst="rect">
+            <a:avLst/>
+          </a:prstGeom>
+          <a:ln w="12700">
+            <a:miter lim="400000"/>
+          </a:ln>
+        </p:spPr>
+      </p:pic>
+      <p:sp>
+        <p:nvSpPr>
+          <p:cNvPr id="291" name="Line"/>
+          <p:cNvSpPr/>
+          <p:nvPr/>
+        </p:nvSpPr>
+        <p:spPr>
+          <a:xfrm flipV="1">
+            <a:off x="4861089" y="1479031"/>
+            <a:ext cx="689978" cy="2086833"/>
+          </a:xfrm>
+          <a:prstGeom prst="line">
+            <a:avLst/>
+          </a:prstGeom>
+          <a:ln w="25400">
+            <a:solidFill>
+              <a:schemeClr val="accent1"/>
+            </a:solidFill>
+            <a:miter/>
+          </a:ln>
+          <a:effectLst>
+            <a:outerShdw sx="100000" sy="100000" kx="0" ky="0" algn="b" rotWithShape="0" blurRad="38100" dist="20000" dir="5400000">
+              <a:srgbClr val="000000">
+                <a:alpha val="38000"/>
+              </a:srgbClr>
+            </a:outerShdw>
+          </a:effectLst>
+        </p:spPr>
+        <p:txBody>
+          <a:bodyPr lIns="0" tIns="0" rIns="0" bIns="0"/>
+          <a:lstStyle/>
+          <a:p>
+            <a:pPr/>
+          </a:p>
+        </p:txBody>
+      </p:sp>
+    </p:spTree>
+  </p:cSld>
+  <p:clrMapOvr>
+    <a:masterClrMapping/>
+  </p:clrMapOvr>
+  <p:transition xmlns:p14="http://schemas.microsoft.com/office/powerpoint/2010/main" spd="med" advClick="1"/>
+</p:sld>
+</file>
+
 <file path=ppt/slides/slide3.xml><?xml version="1.0" encoding="utf-8"?>
 <p:sld xmlns:a="http://schemas.openxmlformats.org/drawingml/2006/main" xmlns:r="http://schemas.openxmlformats.org/officeDocument/2006/relationships" xmlns:p="http://schemas.openxmlformats.org/presentationml/2006/main" xmlns:m="http://schemas.openxmlformats.org/officeDocument/2006/math" xmlns:a14="http://schemas.microsoft.com/office/drawing/2010/main" showMasterSp="1" showMasterPhAnim="1">
   <p:cSld>
@@ -4962,6 +6537,1560 @@
             <a:r>
               <a:t>Country graph</a:t>
             </a:r>
+          </a:p>
+        </p:txBody>
+      </p:sp>
+    </p:spTree>
+  </p:cSld>
+  <p:clrMapOvr>
+    <a:masterClrMapping/>
+  </p:clrMapOvr>
+  <p:transition xmlns:p14="http://schemas.microsoft.com/office/powerpoint/2010/main" spd="med" advClick="1"/>
+</p:sld>
+</file>
+
+<file path=ppt/slides/slide30.xml><?xml version="1.0" encoding="utf-8"?>
+<p:sld xmlns:a="http://schemas.openxmlformats.org/drawingml/2006/main" xmlns:r="http://schemas.openxmlformats.org/officeDocument/2006/relationships" xmlns:p="http://schemas.openxmlformats.org/presentationml/2006/main" xmlns:m="http://schemas.openxmlformats.org/officeDocument/2006/math" xmlns:a14="http://schemas.microsoft.com/office/drawing/2010/main" showMasterSp="1" showMasterPhAnim="1">
+  <p:cSld>
+    <p:bg>
+      <p:bgPr>
+        <a:solidFill>
+          <a:srgbClr val="DDDDDD"/>
+        </a:solidFill>
+      </p:bgPr>
+    </p:bg>
+    <p:spTree>
+      <p:nvGrpSpPr>
+        <p:cNvPr id="1" name=""/>
+        <p:cNvGrpSpPr/>
+        <p:nvPr/>
+      </p:nvGrpSpPr>
+      <p:grpSpPr>
+        <a:xfrm>
+          <a:off x="0" y="0"/>
+          <a:ext cx="0" cy="0"/>
+          <a:chOff x="0" y="0"/>
+          <a:chExt cx="0" cy="0"/>
+        </a:xfrm>
+      </p:grpSpPr>
+      <p:pic>
+        <p:nvPicPr>
+          <p:cNvPr id="293" name="Image" descr="Image"/>
+          <p:cNvPicPr>
+            <a:picLocks noChangeAspect="1"/>
+          </p:cNvPicPr>
+          <p:nvPr/>
+        </p:nvPicPr>
+        <p:blipFill>
+          <a:blip r:embed="rId2">
+            <a:extLst/>
+          </a:blip>
+          <a:stretch>
+            <a:fillRect/>
+          </a:stretch>
+        </p:blipFill>
+        <p:spPr>
+          <a:xfrm>
+            <a:off x="575462" y="1341305"/>
+            <a:ext cx="4403556" cy="2757936"/>
+          </a:xfrm>
+          <a:prstGeom prst="rect">
+            <a:avLst/>
+          </a:prstGeom>
+          <a:ln w="12700">
+            <a:miter lim="400000"/>
+          </a:ln>
+        </p:spPr>
+      </p:pic>
+      <p:pic>
+        <p:nvPicPr>
+          <p:cNvPr id="294" name="Image" descr="Image"/>
+          <p:cNvPicPr>
+            <a:picLocks noChangeAspect="0"/>
+          </p:cNvPicPr>
+          <p:nvPr/>
+        </p:nvPicPr>
+        <p:blipFill>
+          <a:blip r:embed="rId3">
+            <a:extLst/>
+          </a:blip>
+          <a:stretch>
+            <a:fillRect/>
+          </a:stretch>
+        </p:blipFill>
+        <p:spPr>
+          <a:xfrm>
+            <a:off x="5233102" y="1315905"/>
+            <a:ext cx="4227821" cy="2808736"/>
+          </a:xfrm>
+          <a:prstGeom prst="rect">
+            <a:avLst/>
+          </a:prstGeom>
+          <a:ln w="12700">
+            <a:miter lim="400000"/>
+          </a:ln>
+        </p:spPr>
+      </p:pic>
+      <p:sp>
+        <p:nvSpPr>
+          <p:cNvPr id="295" name="Line"/>
+          <p:cNvSpPr/>
+          <p:nvPr/>
+        </p:nvSpPr>
+        <p:spPr>
+          <a:xfrm>
+            <a:off x="4839350" y="2060890"/>
+            <a:ext cx="777626" cy="325859"/>
+          </a:xfrm>
+          <a:prstGeom prst="line">
+            <a:avLst/>
+          </a:prstGeom>
+          <a:ln w="25400">
+            <a:solidFill>
+              <a:schemeClr val="accent1"/>
+            </a:solidFill>
+            <a:miter/>
+          </a:ln>
+          <a:effectLst>
+            <a:outerShdw sx="100000" sy="100000" kx="0" ky="0" algn="b" rotWithShape="0" blurRad="38100" dist="20000" dir="5400000">
+              <a:srgbClr val="000000">
+                <a:alpha val="38000"/>
+              </a:srgbClr>
+            </a:outerShdw>
+          </a:effectLst>
+        </p:spPr>
+        <p:txBody>
+          <a:bodyPr lIns="0" tIns="0" rIns="0" bIns="0"/>
+          <a:lstStyle/>
+          <a:p>
+            <a:pPr/>
+          </a:p>
+        </p:txBody>
+      </p:sp>
+    </p:spTree>
+  </p:cSld>
+  <p:clrMapOvr>
+    <a:masterClrMapping/>
+  </p:clrMapOvr>
+  <p:transition xmlns:p14="http://schemas.microsoft.com/office/powerpoint/2010/main" spd="med" advClick="1"/>
+</p:sld>
+</file>
+
+<file path=ppt/slides/slide31.xml><?xml version="1.0" encoding="utf-8"?>
+<p:sld xmlns:a="http://schemas.openxmlformats.org/drawingml/2006/main" xmlns:r="http://schemas.openxmlformats.org/officeDocument/2006/relationships" xmlns:p="http://schemas.openxmlformats.org/presentationml/2006/main" xmlns:m="http://schemas.openxmlformats.org/officeDocument/2006/math" xmlns:a14="http://schemas.microsoft.com/office/drawing/2010/main" showMasterSp="1" showMasterPhAnim="1">
+  <p:cSld>
+    <p:bg>
+      <p:bgPr>
+        <a:solidFill>
+          <a:srgbClr val="DDDDDD"/>
+        </a:solidFill>
+      </p:bgPr>
+    </p:bg>
+    <p:spTree>
+      <p:nvGrpSpPr>
+        <p:cNvPr id="1" name=""/>
+        <p:cNvGrpSpPr/>
+        <p:nvPr/>
+      </p:nvGrpSpPr>
+      <p:grpSpPr>
+        <a:xfrm>
+          <a:off x="0" y="0"/>
+          <a:ext cx="0" cy="0"/>
+          <a:chOff x="0" y="0"/>
+          <a:chExt cx="0" cy="0"/>
+        </a:xfrm>
+      </p:grpSpPr>
+      <p:sp>
+        <p:nvSpPr>
+          <p:cNvPr id="297" name="TextShape 1"/>
+          <p:cNvSpPr txBox="1"/>
+          <p:nvPr/>
+        </p:nvSpPr>
+        <p:spPr>
+          <a:xfrm>
+            <a:off x="481384" y="1993884"/>
+            <a:ext cx="9108331" cy="394768"/>
+          </a:xfrm>
+          <a:prstGeom prst="rect">
+            <a:avLst/>
+          </a:prstGeom>
+          <a:ln w="12700">
+            <a:miter lim="400000"/>
+          </a:ln>
+          <a:extLst>
+            <a:ext uri="{C572A759-6A51-4108-AA02-DFA0A04FC94B}">
+              <ma14:wrappingTextBoxFlag xmlns:ma14="http://schemas.microsoft.com/office/mac/drawingml/2011/main" val="1"/>
+            </a:ext>
+          </a:extLst>
+        </p:spPr>
+        <p:txBody>
+          <a:bodyPr lIns="0" tIns="0" rIns="0" bIns="0" anchor="ctr">
+            <a:spAutoFit/>
+          </a:bodyPr>
+          <a:lstStyle>
+            <a:lvl1pPr algn="ctr">
+              <a:defRPr spc="-1" sz="2800"/>
+            </a:lvl1pPr>
+          </a:lstStyle>
+          <a:p>
+            <a:pPr/>
+            <a:r>
+              <a:t>Computer sciences</a:t>
+            </a:r>
+          </a:p>
+        </p:txBody>
+      </p:sp>
+    </p:spTree>
+  </p:cSld>
+  <p:clrMapOvr>
+    <a:masterClrMapping/>
+  </p:clrMapOvr>
+  <p:transition xmlns:p14="http://schemas.microsoft.com/office/powerpoint/2010/main" spd="med" advClick="1"/>
+</p:sld>
+</file>
+
+<file path=ppt/slides/slide32.xml><?xml version="1.0" encoding="utf-8"?>
+<p:sld xmlns:a="http://schemas.openxmlformats.org/drawingml/2006/main" xmlns:r="http://schemas.openxmlformats.org/officeDocument/2006/relationships" xmlns:p="http://schemas.openxmlformats.org/presentationml/2006/main" xmlns:m="http://schemas.openxmlformats.org/officeDocument/2006/math" xmlns:a14="http://schemas.microsoft.com/office/drawing/2010/main" showMasterSp="1" showMasterPhAnim="1">
+  <p:cSld>
+    <p:bg>
+      <p:bgPr>
+        <a:solidFill>
+          <a:srgbClr val="DDDDDD"/>
+        </a:solidFill>
+      </p:bgPr>
+    </p:bg>
+    <p:spTree>
+      <p:nvGrpSpPr>
+        <p:cNvPr id="1" name=""/>
+        <p:cNvGrpSpPr/>
+        <p:nvPr/>
+      </p:nvGrpSpPr>
+      <p:grpSpPr>
+        <a:xfrm>
+          <a:off x="0" y="0"/>
+          <a:ext cx="0" cy="0"/>
+          <a:chOff x="0" y="0"/>
+          <a:chExt cx="0" cy="0"/>
+        </a:xfrm>
+      </p:grpSpPr>
+      <p:pic>
+        <p:nvPicPr>
+          <p:cNvPr id="299" name="Image" descr="Image"/>
+          <p:cNvPicPr>
+            <a:picLocks noChangeAspect="1"/>
+          </p:cNvPicPr>
+          <p:nvPr/>
+        </p:nvPicPr>
+        <p:blipFill>
+          <a:blip r:embed="rId2">
+            <a:extLst/>
+          </a:blip>
+          <a:stretch>
+            <a:fillRect/>
+          </a:stretch>
+        </p:blipFill>
+        <p:spPr>
+          <a:xfrm>
+            <a:off x="5013058" y="0"/>
+            <a:ext cx="4546879" cy="5664201"/>
+          </a:xfrm>
+          <a:prstGeom prst="rect">
+            <a:avLst/>
+          </a:prstGeom>
+          <a:ln w="12700">
+            <a:miter lim="400000"/>
+          </a:ln>
+        </p:spPr>
+      </p:pic>
+      <p:pic>
+        <p:nvPicPr>
+          <p:cNvPr id="300" name="Image" descr="Image"/>
+          <p:cNvPicPr>
+            <a:picLocks noChangeAspect="1"/>
+          </p:cNvPicPr>
+          <p:nvPr/>
+        </p:nvPicPr>
+        <p:blipFill>
+          <a:blip r:embed="rId3">
+            <a:extLst/>
+          </a:blip>
+          <a:stretch>
+            <a:fillRect/>
+          </a:stretch>
+        </p:blipFill>
+        <p:spPr>
+          <a:xfrm>
+            <a:off x="296148" y="-1"/>
+            <a:ext cx="4590493" cy="5664201"/>
+          </a:xfrm>
+          <a:prstGeom prst="rect">
+            <a:avLst/>
+          </a:prstGeom>
+          <a:ln w="12700">
+            <a:miter lim="400000"/>
+          </a:ln>
+        </p:spPr>
+      </p:pic>
+      <p:sp>
+        <p:nvSpPr>
+          <p:cNvPr id="301" name="Line"/>
+          <p:cNvSpPr/>
+          <p:nvPr/>
+        </p:nvSpPr>
+        <p:spPr>
+          <a:xfrm>
+            <a:off x="2022629" y="1549478"/>
+            <a:ext cx="3619527" cy="1"/>
+          </a:xfrm>
+          <a:prstGeom prst="line">
+            <a:avLst/>
+          </a:prstGeom>
+          <a:ln w="25400">
+            <a:solidFill>
+              <a:schemeClr val="accent1"/>
+            </a:solidFill>
+            <a:miter/>
+            <a:tailEnd type="triangle"/>
+          </a:ln>
+          <a:effectLst>
+            <a:outerShdw sx="100000" sy="100000" kx="0" ky="0" algn="b" rotWithShape="0" blurRad="38100" dist="20000" dir="5400000">
+              <a:srgbClr val="000000">
+                <a:alpha val="38000"/>
+              </a:srgbClr>
+            </a:outerShdw>
+          </a:effectLst>
+        </p:spPr>
+        <p:txBody>
+          <a:bodyPr lIns="0" tIns="0" rIns="0" bIns="0"/>
+          <a:lstStyle/>
+          <a:p>
+            <a:pPr/>
+          </a:p>
+        </p:txBody>
+      </p:sp>
+    </p:spTree>
+  </p:cSld>
+  <p:clrMapOvr>
+    <a:masterClrMapping/>
+  </p:clrMapOvr>
+  <p:transition xmlns:p14="http://schemas.microsoft.com/office/powerpoint/2010/main" spd="med" advClick="1"/>
+</p:sld>
+</file>
+
+<file path=ppt/slides/slide33.xml><?xml version="1.0" encoding="utf-8"?>
+<p:sld xmlns:a="http://schemas.openxmlformats.org/drawingml/2006/main" xmlns:r="http://schemas.openxmlformats.org/officeDocument/2006/relationships" xmlns:p="http://schemas.openxmlformats.org/presentationml/2006/main" xmlns:m="http://schemas.openxmlformats.org/officeDocument/2006/math" xmlns:a14="http://schemas.microsoft.com/office/drawing/2010/main" showMasterSp="1" showMasterPhAnim="1">
+  <p:cSld>
+    <p:bg>
+      <p:bgPr>
+        <a:solidFill>
+          <a:srgbClr val="DDDDDD"/>
+        </a:solidFill>
+      </p:bgPr>
+    </p:bg>
+    <p:spTree>
+      <p:nvGrpSpPr>
+        <p:cNvPr id="1" name=""/>
+        <p:cNvGrpSpPr/>
+        <p:nvPr/>
+      </p:nvGrpSpPr>
+      <p:grpSpPr>
+        <a:xfrm>
+          <a:off x="0" y="0"/>
+          <a:ext cx="0" cy="0"/>
+          <a:chOff x="0" y="0"/>
+          <a:chExt cx="0" cy="0"/>
+        </a:xfrm>
+      </p:grpSpPr>
+      <p:pic>
+        <p:nvPicPr>
+          <p:cNvPr id="303" name="Image" descr="Image"/>
+          <p:cNvPicPr>
+            <a:picLocks noChangeAspect="1"/>
+          </p:cNvPicPr>
+          <p:nvPr/>
+        </p:nvPicPr>
+        <p:blipFill>
+          <a:blip r:embed="rId2">
+            <a:extLst/>
+          </a:blip>
+          <a:srcRect l="0" t="0" r="0" b="66788"/>
+          <a:stretch>
+            <a:fillRect/>
+          </a:stretch>
+        </p:blipFill>
+        <p:spPr>
+          <a:xfrm>
+            <a:off x="3263879" y="19578"/>
+            <a:ext cx="3035511" cy="1881156"/>
+          </a:xfrm>
+          <a:prstGeom prst="rect">
+            <a:avLst/>
+          </a:prstGeom>
+          <a:ln w="12700">
+            <a:miter lim="400000"/>
+          </a:ln>
+        </p:spPr>
+      </p:pic>
+      <p:pic>
+        <p:nvPicPr>
+          <p:cNvPr id="304" name="Image" descr="Image"/>
+          <p:cNvPicPr>
+            <a:picLocks noChangeAspect="1"/>
+          </p:cNvPicPr>
+          <p:nvPr/>
+        </p:nvPicPr>
+        <p:blipFill>
+          <a:blip r:embed="rId2">
+            <a:extLst/>
+          </a:blip>
+          <a:srcRect l="0" t="66946" r="0" b="0"/>
+          <a:stretch>
+            <a:fillRect/>
+          </a:stretch>
+        </p:blipFill>
+        <p:spPr>
+          <a:xfrm>
+            <a:off x="3263879" y="1896070"/>
+            <a:ext cx="3035511" cy="1872228"/>
+          </a:xfrm>
+          <a:prstGeom prst="rect">
+            <a:avLst/>
+          </a:prstGeom>
+          <a:ln w="12700">
+            <a:miter lim="400000"/>
+          </a:ln>
+        </p:spPr>
+      </p:pic>
+      <p:sp>
+        <p:nvSpPr>
+          <p:cNvPr id="305" name="TextShape 1"/>
+          <p:cNvSpPr txBox="1"/>
+          <p:nvPr/>
+        </p:nvSpPr>
+        <p:spPr>
+          <a:xfrm>
+            <a:off x="5856831" y="433158"/>
+            <a:ext cx="3815626" cy="394767"/>
+          </a:xfrm>
+          <a:prstGeom prst="rect">
+            <a:avLst/>
+          </a:prstGeom>
+          <a:ln w="12700">
+            <a:miter lim="400000"/>
+          </a:ln>
+          <a:extLst>
+            <a:ext uri="{C572A759-6A51-4108-AA02-DFA0A04FC94B}">
+              <ma14:wrappingTextBoxFlag xmlns:ma14="http://schemas.microsoft.com/office/mac/drawingml/2011/main" val="1"/>
+            </a:ext>
+          </a:extLst>
+        </p:spPr>
+        <p:txBody>
+          <a:bodyPr lIns="0" tIns="0" rIns="0" bIns="0" anchor="ctr">
+            <a:spAutoFit/>
+          </a:bodyPr>
+          <a:lstStyle>
+            <a:lvl1pPr algn="ctr">
+              <a:defRPr spc="-1" sz="2800"/>
+            </a:lvl1pPr>
+          </a:lstStyle>
+          <a:p>
+            <a:pPr/>
+            <a:r>
+              <a:t>Citations</a:t>
+            </a:r>
+          </a:p>
+        </p:txBody>
+      </p:sp>
+      <p:pic>
+        <p:nvPicPr>
+          <p:cNvPr id="306" name="Image" descr="Image"/>
+          <p:cNvPicPr>
+            <a:picLocks noChangeAspect="1"/>
+          </p:cNvPicPr>
+          <p:nvPr/>
+        </p:nvPicPr>
+        <p:blipFill>
+          <a:blip r:embed="rId3">
+            <a:extLst/>
+          </a:blip>
+          <a:stretch>
+            <a:fillRect/>
+          </a:stretch>
+        </p:blipFill>
+        <p:spPr>
+          <a:xfrm>
+            <a:off x="84159" y="185573"/>
+            <a:ext cx="2737337" cy="1727888"/>
+          </a:xfrm>
+          <a:prstGeom prst="rect">
+            <a:avLst/>
+          </a:prstGeom>
+          <a:ln w="12700">
+            <a:miter lim="400000"/>
+          </a:ln>
+        </p:spPr>
+      </p:pic>
+      <p:pic>
+        <p:nvPicPr>
+          <p:cNvPr id="307" name="Image" descr="Image"/>
+          <p:cNvPicPr>
+            <a:picLocks noChangeAspect="1"/>
+          </p:cNvPicPr>
+          <p:nvPr/>
+        </p:nvPicPr>
+        <p:blipFill>
+          <a:blip r:embed="rId4">
+            <a:extLst/>
+          </a:blip>
+          <a:stretch>
+            <a:fillRect/>
+          </a:stretch>
+        </p:blipFill>
+        <p:spPr>
+          <a:xfrm>
+            <a:off x="82413" y="1992835"/>
+            <a:ext cx="2740828" cy="1680165"/>
+          </a:xfrm>
+          <a:prstGeom prst="rect">
+            <a:avLst/>
+          </a:prstGeom>
+          <a:ln w="12700">
+            <a:miter lim="400000"/>
+          </a:ln>
+        </p:spPr>
+      </p:pic>
+      <p:pic>
+        <p:nvPicPr>
+          <p:cNvPr id="308" name="Image" descr="Image"/>
+          <p:cNvPicPr>
+            <a:picLocks noChangeAspect="1"/>
+          </p:cNvPicPr>
+          <p:nvPr/>
+        </p:nvPicPr>
+        <p:blipFill>
+          <a:blip r:embed="rId5">
+            <a:extLst/>
+          </a:blip>
+          <a:stretch>
+            <a:fillRect/>
+          </a:stretch>
+        </p:blipFill>
+        <p:spPr>
+          <a:xfrm>
+            <a:off x="80111" y="3750740"/>
+            <a:ext cx="2740466" cy="1727887"/>
+          </a:xfrm>
+          <a:prstGeom prst="rect">
+            <a:avLst/>
+          </a:prstGeom>
+          <a:ln w="12700">
+            <a:miter lim="400000"/>
+          </a:ln>
+        </p:spPr>
+      </p:pic>
+      <p:sp>
+        <p:nvSpPr>
+          <p:cNvPr id="309" name="Line"/>
+          <p:cNvSpPr/>
+          <p:nvPr/>
+        </p:nvSpPr>
+        <p:spPr>
+          <a:xfrm flipV="1">
+            <a:off x="2815441" y="457426"/>
+            <a:ext cx="691440" cy="1005493"/>
+          </a:xfrm>
+          <a:prstGeom prst="line">
+            <a:avLst/>
+          </a:prstGeom>
+          <a:ln w="25400">
+            <a:solidFill>
+              <a:schemeClr val="accent1"/>
+            </a:solidFill>
+            <a:miter/>
+          </a:ln>
+          <a:effectLst>
+            <a:outerShdw sx="100000" sy="100000" kx="0" ky="0" algn="b" rotWithShape="0" blurRad="38100" dist="20000" dir="5400000">
+              <a:srgbClr val="000000">
+                <a:alpha val="38000"/>
+              </a:srgbClr>
+            </a:outerShdw>
+          </a:effectLst>
+        </p:spPr>
+        <p:txBody>
+          <a:bodyPr lIns="0" tIns="0" rIns="0" bIns="0"/>
+          <a:lstStyle/>
+          <a:p>
+            <a:pPr/>
+          </a:p>
+        </p:txBody>
+      </p:sp>
+      <p:sp>
+        <p:nvSpPr>
+          <p:cNvPr id="310" name="Line"/>
+          <p:cNvSpPr/>
+          <p:nvPr/>
+        </p:nvSpPr>
+        <p:spPr>
+          <a:xfrm flipV="1">
+            <a:off x="2783302" y="2199977"/>
+            <a:ext cx="755718" cy="1099274"/>
+          </a:xfrm>
+          <a:prstGeom prst="line">
+            <a:avLst/>
+          </a:prstGeom>
+          <a:ln w="25400">
+            <a:solidFill>
+              <a:schemeClr val="accent1"/>
+            </a:solidFill>
+            <a:miter/>
+          </a:ln>
+          <a:effectLst>
+            <a:outerShdw sx="100000" sy="100000" kx="0" ky="0" algn="b" rotWithShape="0" blurRad="38100" dist="20000" dir="5400000">
+              <a:srgbClr val="000000">
+                <a:alpha val="38000"/>
+              </a:srgbClr>
+            </a:outerShdw>
+          </a:effectLst>
+        </p:spPr>
+        <p:txBody>
+          <a:bodyPr lIns="0" tIns="0" rIns="0" bIns="0"/>
+          <a:lstStyle/>
+          <a:p>
+            <a:pPr/>
+          </a:p>
+        </p:txBody>
+      </p:sp>
+      <p:pic>
+        <p:nvPicPr>
+          <p:cNvPr id="311" name="Image" descr="Image"/>
+          <p:cNvPicPr>
+            <a:picLocks noChangeAspect="1"/>
+          </p:cNvPicPr>
+          <p:nvPr/>
+        </p:nvPicPr>
+        <p:blipFill>
+          <a:blip r:embed="rId6">
+            <a:extLst/>
+          </a:blip>
+          <a:stretch>
+            <a:fillRect/>
+          </a:stretch>
+        </p:blipFill>
+        <p:spPr>
+          <a:xfrm>
+            <a:off x="3262826" y="3678374"/>
+            <a:ext cx="3037804" cy="1872619"/>
+          </a:xfrm>
+          <a:prstGeom prst="rect">
+            <a:avLst/>
+          </a:prstGeom>
+          <a:ln w="12700">
+            <a:miter lim="400000"/>
+          </a:ln>
+        </p:spPr>
+      </p:pic>
+    </p:spTree>
+  </p:cSld>
+  <p:clrMapOvr>
+    <a:masterClrMapping/>
+  </p:clrMapOvr>
+  <p:transition xmlns:p14="http://schemas.microsoft.com/office/powerpoint/2010/main" spd="med" advClick="1"/>
+</p:sld>
+</file>
+
+<file path=ppt/slides/slide34.xml><?xml version="1.0" encoding="utf-8"?>
+<p:sld xmlns:a="http://schemas.openxmlformats.org/drawingml/2006/main" xmlns:r="http://schemas.openxmlformats.org/officeDocument/2006/relationships" xmlns:p="http://schemas.openxmlformats.org/presentationml/2006/main" xmlns:m="http://schemas.openxmlformats.org/officeDocument/2006/math" xmlns:a14="http://schemas.microsoft.com/office/drawing/2010/main" showMasterSp="1" showMasterPhAnim="1">
+  <p:cSld>
+    <p:bg>
+      <p:bgPr>
+        <a:solidFill>
+          <a:srgbClr val="DDDDDD"/>
+        </a:solidFill>
+      </p:bgPr>
+    </p:bg>
+    <p:spTree>
+      <p:nvGrpSpPr>
+        <p:cNvPr id="1" name=""/>
+        <p:cNvGrpSpPr/>
+        <p:nvPr/>
+      </p:nvGrpSpPr>
+      <p:grpSpPr>
+        <a:xfrm>
+          <a:off x="0" y="0"/>
+          <a:ext cx="0" cy="0"/>
+          <a:chOff x="0" y="0"/>
+          <a:chExt cx="0" cy="0"/>
+        </a:xfrm>
+      </p:grpSpPr>
+      <p:pic>
+        <p:nvPicPr>
+          <p:cNvPr id="313" name="Image" descr="Image"/>
+          <p:cNvPicPr>
+            <a:picLocks noChangeAspect="0"/>
+          </p:cNvPicPr>
+          <p:nvPr/>
+        </p:nvPicPr>
+        <p:blipFill>
+          <a:blip r:embed="rId2">
+            <a:extLst/>
+          </a:blip>
+          <a:stretch>
+            <a:fillRect/>
+          </a:stretch>
+        </p:blipFill>
+        <p:spPr>
+          <a:xfrm>
+            <a:off x="1134842" y="730144"/>
+            <a:ext cx="3733801" cy="4426057"/>
+          </a:xfrm>
+          <a:prstGeom prst="rect">
+            <a:avLst/>
+          </a:prstGeom>
+          <a:ln w="12700">
+            <a:miter lim="400000"/>
+          </a:ln>
+        </p:spPr>
+      </p:pic>
+      <p:pic>
+        <p:nvPicPr>
+          <p:cNvPr id="314" name="Image" descr="Image"/>
+          <p:cNvPicPr>
+            <a:picLocks noChangeAspect="0"/>
+          </p:cNvPicPr>
+          <p:nvPr/>
+        </p:nvPicPr>
+        <p:blipFill>
+          <a:blip r:embed="rId3">
+            <a:extLst/>
+          </a:blip>
+          <a:stretch>
+            <a:fillRect/>
+          </a:stretch>
+        </p:blipFill>
+        <p:spPr>
+          <a:xfrm>
+            <a:off x="5430477" y="501650"/>
+            <a:ext cx="3746501" cy="4660900"/>
+          </a:xfrm>
+          <a:prstGeom prst="rect">
+            <a:avLst/>
+          </a:prstGeom>
+          <a:ln w="12700">
+            <a:miter lim="400000"/>
+          </a:ln>
+        </p:spPr>
+      </p:pic>
+      <p:sp>
+        <p:nvSpPr>
+          <p:cNvPr id="315" name="Line"/>
+          <p:cNvSpPr/>
+          <p:nvPr/>
+        </p:nvSpPr>
+        <p:spPr>
+          <a:xfrm flipV="1">
+            <a:off x="4861089" y="1479031"/>
+            <a:ext cx="689978" cy="2086833"/>
+          </a:xfrm>
+          <a:prstGeom prst="line">
+            <a:avLst/>
+          </a:prstGeom>
+          <a:ln w="25400">
+            <a:solidFill>
+              <a:schemeClr val="accent1"/>
+            </a:solidFill>
+            <a:miter/>
+          </a:ln>
+          <a:effectLst>
+            <a:outerShdw sx="100000" sy="100000" kx="0" ky="0" algn="b" rotWithShape="0" blurRad="38100" dist="20000" dir="5400000">
+              <a:srgbClr val="000000">
+                <a:alpha val="38000"/>
+              </a:srgbClr>
+            </a:outerShdw>
+          </a:effectLst>
+        </p:spPr>
+        <p:txBody>
+          <a:bodyPr lIns="0" tIns="0" rIns="0" bIns="0"/>
+          <a:lstStyle/>
+          <a:p>
+            <a:pPr/>
+          </a:p>
+        </p:txBody>
+      </p:sp>
+    </p:spTree>
+  </p:cSld>
+  <p:clrMapOvr>
+    <a:masterClrMapping/>
+  </p:clrMapOvr>
+  <p:transition xmlns:p14="http://schemas.microsoft.com/office/powerpoint/2010/main" spd="med" advClick="1"/>
+</p:sld>
+</file>
+
+<file path=ppt/slides/slide35.xml><?xml version="1.0" encoding="utf-8"?>
+<p:sld xmlns:a="http://schemas.openxmlformats.org/drawingml/2006/main" xmlns:r="http://schemas.openxmlformats.org/officeDocument/2006/relationships" xmlns:p="http://schemas.openxmlformats.org/presentationml/2006/main" xmlns:m="http://schemas.openxmlformats.org/officeDocument/2006/math" xmlns:a14="http://schemas.microsoft.com/office/drawing/2010/main" showMasterSp="1" showMasterPhAnim="1">
+  <p:cSld>
+    <p:bg>
+      <p:bgPr>
+        <a:solidFill>
+          <a:srgbClr val="DDDDDD"/>
+        </a:solidFill>
+      </p:bgPr>
+    </p:bg>
+    <p:spTree>
+      <p:nvGrpSpPr>
+        <p:cNvPr id="1" name=""/>
+        <p:cNvGrpSpPr/>
+        <p:nvPr/>
+      </p:nvGrpSpPr>
+      <p:grpSpPr>
+        <a:xfrm>
+          <a:off x="0" y="0"/>
+          <a:ext cx="0" cy="0"/>
+          <a:chOff x="0" y="0"/>
+          <a:chExt cx="0" cy="0"/>
+        </a:xfrm>
+      </p:grpSpPr>
+      <p:pic>
+        <p:nvPicPr>
+          <p:cNvPr id="317" name="Image" descr="Image"/>
+          <p:cNvPicPr>
+            <a:picLocks noChangeAspect="1"/>
+          </p:cNvPicPr>
+          <p:nvPr/>
+        </p:nvPicPr>
+        <p:blipFill>
+          <a:blip r:embed="rId2">
+            <a:extLst/>
+          </a:blip>
+          <a:stretch>
+            <a:fillRect/>
+          </a:stretch>
+        </p:blipFill>
+        <p:spPr>
+          <a:xfrm>
+            <a:off x="5166147" y="1356084"/>
+            <a:ext cx="4392387" cy="2728377"/>
+          </a:xfrm>
+          <a:prstGeom prst="rect">
+            <a:avLst/>
+          </a:prstGeom>
+          <a:ln w="12700">
+            <a:miter lim="400000"/>
+          </a:ln>
+        </p:spPr>
+      </p:pic>
+      <p:pic>
+        <p:nvPicPr>
+          <p:cNvPr id="318" name="Image" descr="Image"/>
+          <p:cNvPicPr>
+            <a:picLocks noChangeAspect="1"/>
+          </p:cNvPicPr>
+          <p:nvPr/>
+        </p:nvPicPr>
+        <p:blipFill>
+          <a:blip r:embed="rId3">
+            <a:extLst/>
+          </a:blip>
+          <a:stretch>
+            <a:fillRect/>
+          </a:stretch>
+        </p:blipFill>
+        <p:spPr>
+          <a:xfrm>
+            <a:off x="575462" y="1341305"/>
+            <a:ext cx="4403556" cy="2757936"/>
+          </a:xfrm>
+          <a:prstGeom prst="rect">
+            <a:avLst/>
+          </a:prstGeom>
+          <a:ln w="12700">
+            <a:miter lim="400000"/>
+          </a:ln>
+        </p:spPr>
+      </p:pic>
+      <p:sp>
+        <p:nvSpPr>
+          <p:cNvPr id="319" name="Line"/>
+          <p:cNvSpPr/>
+          <p:nvPr/>
+        </p:nvSpPr>
+        <p:spPr>
+          <a:xfrm>
+            <a:off x="4839349" y="2060890"/>
+            <a:ext cx="806885" cy="1"/>
+          </a:xfrm>
+          <a:prstGeom prst="line">
+            <a:avLst/>
+          </a:prstGeom>
+          <a:ln w="25400">
+            <a:solidFill>
+              <a:schemeClr val="accent1"/>
+            </a:solidFill>
+            <a:miter/>
+          </a:ln>
+          <a:effectLst>
+            <a:outerShdw sx="100000" sy="100000" kx="0" ky="0" algn="b" rotWithShape="0" blurRad="38100" dist="20000" dir="5400000">
+              <a:srgbClr val="000000">
+                <a:alpha val="38000"/>
+              </a:srgbClr>
+            </a:outerShdw>
+          </a:effectLst>
+        </p:spPr>
+        <p:txBody>
+          <a:bodyPr lIns="0" tIns="0" rIns="0" bIns="0"/>
+          <a:lstStyle/>
+          <a:p>
+            <a:pPr/>
+          </a:p>
+        </p:txBody>
+      </p:sp>
+    </p:spTree>
+  </p:cSld>
+  <p:clrMapOvr>
+    <a:masterClrMapping/>
+  </p:clrMapOvr>
+  <p:transition xmlns:p14="http://schemas.microsoft.com/office/powerpoint/2010/main" spd="med" advClick="1"/>
+</p:sld>
+</file>
+
+<file path=ppt/slides/slide36.xml><?xml version="1.0" encoding="utf-8"?>
+<p:sld xmlns:a="http://schemas.openxmlformats.org/drawingml/2006/main" xmlns:r="http://schemas.openxmlformats.org/officeDocument/2006/relationships" xmlns:p="http://schemas.openxmlformats.org/presentationml/2006/main" xmlns:m="http://schemas.openxmlformats.org/officeDocument/2006/math" xmlns:a14="http://schemas.microsoft.com/office/drawing/2010/main" showMasterSp="1" showMasterPhAnim="1">
+  <p:cSld>
+    <p:bg>
+      <p:bgPr>
+        <a:solidFill>
+          <a:srgbClr val="DDDDDD"/>
+        </a:solidFill>
+      </p:bgPr>
+    </p:bg>
+    <p:spTree>
+      <p:nvGrpSpPr>
+        <p:cNvPr id="1" name=""/>
+        <p:cNvGrpSpPr/>
+        <p:nvPr/>
+      </p:nvGrpSpPr>
+      <p:grpSpPr>
+        <a:xfrm>
+          <a:off x="0" y="0"/>
+          <a:ext cx="0" cy="0"/>
+          <a:chOff x="0" y="0"/>
+          <a:chExt cx="0" cy="0"/>
+        </a:xfrm>
+      </p:grpSpPr>
+      <p:sp>
+        <p:nvSpPr>
+          <p:cNvPr id="321" name="TextShape 1"/>
+          <p:cNvSpPr txBox="1"/>
+          <p:nvPr/>
+        </p:nvSpPr>
+        <p:spPr>
+          <a:xfrm>
+            <a:off x="481384" y="1993884"/>
+            <a:ext cx="9108331" cy="394768"/>
+          </a:xfrm>
+          <a:prstGeom prst="rect">
+            <a:avLst/>
+          </a:prstGeom>
+          <a:ln w="12700">
+            <a:miter lim="400000"/>
+          </a:ln>
+          <a:extLst>
+            <a:ext uri="{C572A759-6A51-4108-AA02-DFA0A04FC94B}">
+              <ma14:wrappingTextBoxFlag xmlns:ma14="http://schemas.microsoft.com/office/mac/drawingml/2011/main" val="1"/>
+            </a:ext>
+          </a:extLst>
+        </p:spPr>
+        <p:txBody>
+          <a:bodyPr lIns="0" tIns="0" rIns="0" bIns="0" anchor="ctr">
+            <a:spAutoFit/>
+          </a:bodyPr>
+          <a:lstStyle>
+            <a:lvl1pPr algn="ctr">
+              <a:defRPr spc="-1" sz="2800"/>
+            </a:lvl1pPr>
+          </a:lstStyle>
+          <a:p>
+            <a:pPr/>
+            <a:r>
+              <a:t>Material sciences</a:t>
+            </a:r>
+          </a:p>
+        </p:txBody>
+      </p:sp>
+    </p:spTree>
+  </p:cSld>
+  <p:clrMapOvr>
+    <a:masterClrMapping/>
+  </p:clrMapOvr>
+  <p:transition xmlns:p14="http://schemas.microsoft.com/office/powerpoint/2010/main" spd="med" advClick="1"/>
+</p:sld>
+</file>
+
+<file path=ppt/slides/slide37.xml><?xml version="1.0" encoding="utf-8"?>
+<p:sld xmlns:a="http://schemas.openxmlformats.org/drawingml/2006/main" xmlns:r="http://schemas.openxmlformats.org/officeDocument/2006/relationships" xmlns:p="http://schemas.openxmlformats.org/presentationml/2006/main" xmlns:m="http://schemas.openxmlformats.org/officeDocument/2006/math" xmlns:a14="http://schemas.microsoft.com/office/drawing/2010/main" showMasterSp="1" showMasterPhAnim="1">
+  <p:cSld>
+    <p:bg>
+      <p:bgPr>
+        <a:solidFill>
+          <a:srgbClr val="DDDDDD"/>
+        </a:solidFill>
+      </p:bgPr>
+    </p:bg>
+    <p:spTree>
+      <p:nvGrpSpPr>
+        <p:cNvPr id="1" name=""/>
+        <p:cNvGrpSpPr/>
+        <p:nvPr/>
+      </p:nvGrpSpPr>
+      <p:grpSpPr>
+        <a:xfrm>
+          <a:off x="0" y="0"/>
+          <a:ext cx="0" cy="0"/>
+          <a:chOff x="0" y="0"/>
+          <a:chExt cx="0" cy="0"/>
+        </a:xfrm>
+      </p:grpSpPr>
+      <p:pic>
+        <p:nvPicPr>
+          <p:cNvPr id="323" name="Image" descr="Image"/>
+          <p:cNvPicPr>
+            <a:picLocks noChangeAspect="1"/>
+          </p:cNvPicPr>
+          <p:nvPr/>
+        </p:nvPicPr>
+        <p:blipFill>
+          <a:blip r:embed="rId2">
+            <a:extLst/>
+          </a:blip>
+          <a:srcRect l="33509" t="0" r="0" b="0"/>
+          <a:stretch>
+            <a:fillRect/>
+          </a:stretch>
+        </p:blipFill>
+        <p:spPr>
+          <a:xfrm>
+            <a:off x="5114318" y="-1"/>
+            <a:ext cx="4527617" cy="5664201"/>
+          </a:xfrm>
+          <a:prstGeom prst="rect">
+            <a:avLst/>
+          </a:prstGeom>
+          <a:ln w="12700">
+            <a:miter lim="400000"/>
+          </a:ln>
+        </p:spPr>
+      </p:pic>
+      <p:pic>
+        <p:nvPicPr>
+          <p:cNvPr id="324" name="Image" descr="Image"/>
+          <p:cNvPicPr>
+            <a:picLocks noChangeAspect="1"/>
+          </p:cNvPicPr>
+          <p:nvPr/>
+        </p:nvPicPr>
+        <p:blipFill>
+          <a:blip r:embed="rId3">
+            <a:extLst/>
+          </a:blip>
+          <a:stretch>
+            <a:fillRect/>
+          </a:stretch>
+        </p:blipFill>
+        <p:spPr>
+          <a:xfrm>
+            <a:off x="296148" y="-1"/>
+            <a:ext cx="4590493" cy="5664201"/>
+          </a:xfrm>
+          <a:prstGeom prst="rect">
+            <a:avLst/>
+          </a:prstGeom>
+          <a:ln w="12700">
+            <a:miter lim="400000"/>
+          </a:ln>
+        </p:spPr>
+      </p:pic>
+      <p:sp>
+        <p:nvSpPr>
+          <p:cNvPr id="325" name="Line"/>
+          <p:cNvSpPr/>
+          <p:nvPr/>
+        </p:nvSpPr>
+        <p:spPr>
+          <a:xfrm>
+            <a:off x="1993633" y="3366529"/>
+            <a:ext cx="3619527" cy="1"/>
+          </a:xfrm>
+          <a:prstGeom prst="line">
+            <a:avLst/>
+          </a:prstGeom>
+          <a:ln w="25400">
+            <a:solidFill>
+              <a:schemeClr val="accent1"/>
+            </a:solidFill>
+            <a:miter/>
+            <a:tailEnd type="triangle"/>
+          </a:ln>
+          <a:effectLst>
+            <a:outerShdw sx="100000" sy="100000" kx="0" ky="0" algn="b" rotWithShape="0" blurRad="38100" dist="20000" dir="5400000">
+              <a:srgbClr val="000000">
+                <a:alpha val="38000"/>
+              </a:srgbClr>
+            </a:outerShdw>
+          </a:effectLst>
+        </p:spPr>
+        <p:txBody>
+          <a:bodyPr lIns="0" tIns="0" rIns="0" bIns="0"/>
+          <a:lstStyle/>
+          <a:p>
+            <a:pPr/>
+          </a:p>
+        </p:txBody>
+      </p:sp>
+    </p:spTree>
+  </p:cSld>
+  <p:clrMapOvr>
+    <a:masterClrMapping/>
+  </p:clrMapOvr>
+  <p:transition xmlns:p14="http://schemas.microsoft.com/office/powerpoint/2010/main" spd="med" advClick="1"/>
+</p:sld>
+</file>
+
+<file path=ppt/slides/slide38.xml><?xml version="1.0" encoding="utf-8"?>
+<p:sld xmlns:a="http://schemas.openxmlformats.org/drawingml/2006/main" xmlns:r="http://schemas.openxmlformats.org/officeDocument/2006/relationships" xmlns:p="http://schemas.openxmlformats.org/presentationml/2006/main" xmlns:m="http://schemas.openxmlformats.org/officeDocument/2006/math" xmlns:a14="http://schemas.microsoft.com/office/drawing/2010/main" showMasterSp="1" showMasterPhAnim="1">
+  <p:cSld>
+    <p:bg>
+      <p:bgPr>
+        <a:solidFill>
+          <a:srgbClr val="DDDDDD"/>
+        </a:solidFill>
+      </p:bgPr>
+    </p:bg>
+    <p:spTree>
+      <p:nvGrpSpPr>
+        <p:cNvPr id="1" name=""/>
+        <p:cNvGrpSpPr/>
+        <p:nvPr/>
+      </p:nvGrpSpPr>
+      <p:grpSpPr>
+        <a:xfrm>
+          <a:off x="0" y="0"/>
+          <a:ext cx="0" cy="0"/>
+          <a:chOff x="0" y="0"/>
+          <a:chExt cx="0" cy="0"/>
+        </a:xfrm>
+      </p:grpSpPr>
+      <p:pic>
+        <p:nvPicPr>
+          <p:cNvPr id="327" name="Image" descr="Image"/>
+          <p:cNvPicPr>
+            <a:picLocks noChangeAspect="1"/>
+          </p:cNvPicPr>
+          <p:nvPr/>
+        </p:nvPicPr>
+        <p:blipFill>
+          <a:blip r:embed="rId2">
+            <a:extLst/>
+          </a:blip>
+          <a:srcRect l="0" t="49942" r="66655" b="25625"/>
+          <a:stretch>
+            <a:fillRect/>
+          </a:stretch>
+        </p:blipFill>
+        <p:spPr>
+          <a:xfrm>
+            <a:off x="3168957" y="1997775"/>
+            <a:ext cx="2701772" cy="1646626"/>
+          </a:xfrm>
+          <a:prstGeom prst="rect">
+            <a:avLst/>
+          </a:prstGeom>
+          <a:ln w="12700">
+            <a:miter lim="400000"/>
+          </a:ln>
+        </p:spPr>
+      </p:pic>
+      <p:pic>
+        <p:nvPicPr>
+          <p:cNvPr id="328" name="Image" descr="Image"/>
+          <p:cNvPicPr>
+            <a:picLocks noChangeAspect="1"/>
+          </p:cNvPicPr>
+          <p:nvPr/>
+        </p:nvPicPr>
+        <p:blipFill>
+          <a:blip r:embed="rId2">
+            <a:extLst/>
+          </a:blip>
+          <a:srcRect l="0" t="0" r="66655" b="75279"/>
+          <a:stretch>
+            <a:fillRect/>
+          </a:stretch>
+        </p:blipFill>
+        <p:spPr>
+          <a:xfrm>
+            <a:off x="3168957" y="216429"/>
+            <a:ext cx="2701740" cy="1666120"/>
+          </a:xfrm>
+          <a:prstGeom prst="rect">
+            <a:avLst/>
+          </a:prstGeom>
+          <a:ln w="12700">
+            <a:miter lim="400000"/>
+          </a:ln>
+        </p:spPr>
+      </p:pic>
+      <p:sp>
+        <p:nvSpPr>
+          <p:cNvPr id="329" name="TextShape 1"/>
+          <p:cNvSpPr txBox="1"/>
+          <p:nvPr/>
+        </p:nvSpPr>
+        <p:spPr>
+          <a:xfrm>
+            <a:off x="5856831" y="433158"/>
+            <a:ext cx="3815626" cy="394767"/>
+          </a:xfrm>
+          <a:prstGeom prst="rect">
+            <a:avLst/>
+          </a:prstGeom>
+          <a:ln w="12700">
+            <a:miter lim="400000"/>
+          </a:ln>
+          <a:extLst>
+            <a:ext uri="{C572A759-6A51-4108-AA02-DFA0A04FC94B}">
+              <ma14:wrappingTextBoxFlag xmlns:ma14="http://schemas.microsoft.com/office/mac/drawingml/2011/main" val="1"/>
+            </a:ext>
+          </a:extLst>
+        </p:spPr>
+        <p:txBody>
+          <a:bodyPr lIns="0" tIns="0" rIns="0" bIns="0" anchor="ctr">
+            <a:spAutoFit/>
+          </a:bodyPr>
+          <a:lstStyle>
+            <a:lvl1pPr algn="ctr">
+              <a:defRPr spc="-1" sz="2800"/>
+            </a:lvl1pPr>
+          </a:lstStyle>
+          <a:p>
+            <a:pPr/>
+            <a:r>
+              <a:t>Citations</a:t>
+            </a:r>
+          </a:p>
+        </p:txBody>
+      </p:sp>
+      <p:pic>
+        <p:nvPicPr>
+          <p:cNvPr id="330" name="Image" descr="Image"/>
+          <p:cNvPicPr>
+            <a:picLocks noChangeAspect="1"/>
+          </p:cNvPicPr>
+          <p:nvPr/>
+        </p:nvPicPr>
+        <p:blipFill>
+          <a:blip r:embed="rId3">
+            <a:extLst/>
+          </a:blip>
+          <a:stretch>
+            <a:fillRect/>
+          </a:stretch>
+        </p:blipFill>
+        <p:spPr>
+          <a:xfrm>
+            <a:off x="84159" y="185573"/>
+            <a:ext cx="2737337" cy="1727888"/>
+          </a:xfrm>
+          <a:prstGeom prst="rect">
+            <a:avLst/>
+          </a:prstGeom>
+          <a:ln w="12700">
+            <a:miter lim="400000"/>
+          </a:ln>
+        </p:spPr>
+      </p:pic>
+      <p:pic>
+        <p:nvPicPr>
+          <p:cNvPr id="331" name="Image" descr="Image"/>
+          <p:cNvPicPr>
+            <a:picLocks noChangeAspect="1"/>
+          </p:cNvPicPr>
+          <p:nvPr/>
+        </p:nvPicPr>
+        <p:blipFill>
+          <a:blip r:embed="rId4">
+            <a:extLst/>
+          </a:blip>
+          <a:stretch>
+            <a:fillRect/>
+          </a:stretch>
+        </p:blipFill>
+        <p:spPr>
+          <a:xfrm>
+            <a:off x="82413" y="1992835"/>
+            <a:ext cx="2740828" cy="1680165"/>
+          </a:xfrm>
+          <a:prstGeom prst="rect">
+            <a:avLst/>
+          </a:prstGeom>
+          <a:ln w="12700">
+            <a:miter lim="400000"/>
+          </a:ln>
+        </p:spPr>
+      </p:pic>
+      <p:pic>
+        <p:nvPicPr>
+          <p:cNvPr id="332" name="Image" descr="Image"/>
+          <p:cNvPicPr>
+            <a:picLocks noChangeAspect="1"/>
+          </p:cNvPicPr>
+          <p:nvPr/>
+        </p:nvPicPr>
+        <p:blipFill>
+          <a:blip r:embed="rId5">
+            <a:extLst/>
+          </a:blip>
+          <a:stretch>
+            <a:fillRect/>
+          </a:stretch>
+        </p:blipFill>
+        <p:spPr>
+          <a:xfrm>
+            <a:off x="80111" y="3750740"/>
+            <a:ext cx="2740466" cy="1727887"/>
+          </a:xfrm>
+          <a:prstGeom prst="rect">
+            <a:avLst/>
+          </a:prstGeom>
+          <a:ln w="12700">
+            <a:miter lim="400000"/>
+          </a:ln>
+        </p:spPr>
+      </p:pic>
+      <p:sp>
+        <p:nvSpPr>
+          <p:cNvPr id="333" name="Line"/>
+          <p:cNvSpPr/>
+          <p:nvPr/>
+        </p:nvSpPr>
+        <p:spPr>
+          <a:xfrm flipV="1">
+            <a:off x="2815441" y="636021"/>
+            <a:ext cx="403995" cy="826898"/>
+          </a:xfrm>
+          <a:prstGeom prst="line">
+            <a:avLst/>
+          </a:prstGeom>
+          <a:ln w="25400">
+            <a:solidFill>
+              <a:schemeClr val="accent1"/>
+            </a:solidFill>
+            <a:miter/>
+          </a:ln>
+          <a:effectLst>
+            <a:outerShdw sx="100000" sy="100000" kx="0" ky="0" algn="b" rotWithShape="0" blurRad="38100" dist="20000" dir="5400000">
+              <a:srgbClr val="000000">
+                <a:alpha val="38000"/>
+              </a:srgbClr>
+            </a:outerShdw>
+          </a:effectLst>
+        </p:spPr>
+        <p:txBody>
+          <a:bodyPr lIns="0" tIns="0" rIns="0" bIns="0"/>
+          <a:lstStyle/>
+          <a:p>
+            <a:pPr/>
+          </a:p>
+        </p:txBody>
+      </p:sp>
+      <p:sp>
+        <p:nvSpPr>
+          <p:cNvPr id="334" name="Line"/>
+          <p:cNvSpPr/>
+          <p:nvPr/>
+        </p:nvSpPr>
+        <p:spPr>
+          <a:xfrm flipV="1">
+            <a:off x="2783302" y="2364949"/>
+            <a:ext cx="468273" cy="934302"/>
+          </a:xfrm>
+          <a:prstGeom prst="line">
+            <a:avLst/>
+          </a:prstGeom>
+          <a:ln w="25400">
+            <a:solidFill>
+              <a:schemeClr val="accent1"/>
+            </a:solidFill>
+            <a:miter/>
+          </a:ln>
+          <a:effectLst>
+            <a:outerShdw sx="100000" sy="100000" kx="0" ky="0" algn="b" rotWithShape="0" blurRad="38100" dist="20000" dir="5400000">
+              <a:srgbClr val="000000">
+                <a:alpha val="38000"/>
+              </a:srgbClr>
+            </a:outerShdw>
+          </a:effectLst>
+        </p:spPr>
+        <p:txBody>
+          <a:bodyPr lIns="0" tIns="0" rIns="0" bIns="0"/>
+          <a:lstStyle/>
+          <a:p>
+            <a:pPr/>
+          </a:p>
+        </p:txBody>
+      </p:sp>
+      <p:pic>
+        <p:nvPicPr>
+          <p:cNvPr id="335" name="Image" descr="Image"/>
+          <p:cNvPicPr>
+            <a:picLocks noChangeAspect="1"/>
+          </p:cNvPicPr>
+          <p:nvPr/>
+        </p:nvPicPr>
+        <p:blipFill>
+          <a:blip r:embed="rId2">
+            <a:extLst/>
+          </a:blip>
+          <a:srcRect l="0" t="74402" r="66333" b="0"/>
+          <a:stretch>
+            <a:fillRect/>
+          </a:stretch>
+        </p:blipFill>
+        <p:spPr>
+          <a:xfrm>
+            <a:off x="3163157" y="3720822"/>
+            <a:ext cx="3047445" cy="1927412"/>
+          </a:xfrm>
+          <a:prstGeom prst="rect">
+            <a:avLst/>
+          </a:prstGeom>
+          <a:ln w="12700">
+            <a:miter lim="400000"/>
+          </a:ln>
+        </p:spPr>
+      </p:pic>
+    </p:spTree>
+  </p:cSld>
+  <p:clrMapOvr>
+    <a:masterClrMapping/>
+  </p:clrMapOvr>
+  <p:transition xmlns:p14="http://schemas.microsoft.com/office/powerpoint/2010/main" spd="med" advClick="1"/>
+</p:sld>
+</file>
+
+<file path=ppt/slides/slide39.xml><?xml version="1.0" encoding="utf-8"?>
+<p:sld xmlns:a="http://schemas.openxmlformats.org/drawingml/2006/main" xmlns:r="http://schemas.openxmlformats.org/officeDocument/2006/relationships" xmlns:p="http://schemas.openxmlformats.org/presentationml/2006/main" xmlns:m="http://schemas.openxmlformats.org/officeDocument/2006/math" xmlns:a14="http://schemas.microsoft.com/office/drawing/2010/main" showMasterSp="1" showMasterPhAnim="1">
+  <p:cSld>
+    <p:bg>
+      <p:bgPr>
+        <a:solidFill>
+          <a:srgbClr val="DDDDDD"/>
+        </a:solidFill>
+      </p:bgPr>
+    </p:bg>
+    <p:spTree>
+      <p:nvGrpSpPr>
+        <p:cNvPr id="1" name=""/>
+        <p:cNvGrpSpPr/>
+        <p:nvPr/>
+      </p:nvGrpSpPr>
+      <p:grpSpPr>
+        <a:xfrm>
+          <a:off x="0" y="0"/>
+          <a:ext cx="0" cy="0"/>
+          <a:chOff x="0" y="0"/>
+          <a:chExt cx="0" cy="0"/>
+        </a:xfrm>
+      </p:grpSpPr>
+      <p:pic>
+        <p:nvPicPr>
+          <p:cNvPr id="337" name="Image" descr="Image"/>
+          <p:cNvPicPr>
+            <a:picLocks noChangeAspect="0"/>
+          </p:cNvPicPr>
+          <p:nvPr/>
+        </p:nvPicPr>
+        <p:blipFill>
+          <a:blip r:embed="rId2">
+            <a:extLst/>
+          </a:blip>
+          <a:stretch>
+            <a:fillRect/>
+          </a:stretch>
+        </p:blipFill>
+        <p:spPr>
+          <a:xfrm>
+            <a:off x="1134842" y="730144"/>
+            <a:ext cx="3733801" cy="4426057"/>
+          </a:xfrm>
+          <a:prstGeom prst="rect">
+            <a:avLst/>
+          </a:prstGeom>
+          <a:ln w="12700">
+            <a:miter lim="400000"/>
+          </a:ln>
+        </p:spPr>
+      </p:pic>
+      <p:pic>
+        <p:nvPicPr>
+          <p:cNvPr id="338" name="Image" descr="Image"/>
+          <p:cNvPicPr>
+            <a:picLocks noChangeAspect="1"/>
+          </p:cNvPicPr>
+          <p:nvPr/>
+        </p:nvPicPr>
+        <p:blipFill>
+          <a:blip r:embed="rId3">
+            <a:extLst/>
+          </a:blip>
+          <a:stretch>
+            <a:fillRect/>
+          </a:stretch>
+        </p:blipFill>
+        <p:spPr>
+          <a:xfrm>
+            <a:off x="5064674" y="726291"/>
+            <a:ext cx="3556754" cy="4433762"/>
+          </a:xfrm>
+          <a:prstGeom prst="rect">
+            <a:avLst/>
+          </a:prstGeom>
+          <a:ln w="12700">
+            <a:miter lim="400000"/>
+          </a:ln>
+        </p:spPr>
+      </p:pic>
+      <p:sp>
+        <p:nvSpPr>
+          <p:cNvPr id="339" name="Line"/>
+          <p:cNvSpPr/>
+          <p:nvPr/>
+        </p:nvSpPr>
+        <p:spPr>
+          <a:xfrm flipV="1">
+            <a:off x="4852590" y="1602632"/>
+            <a:ext cx="365920" cy="821434"/>
+          </a:xfrm>
+          <a:prstGeom prst="line">
+            <a:avLst/>
+          </a:prstGeom>
+          <a:ln w="25400">
+            <a:solidFill>
+              <a:schemeClr val="accent1"/>
+            </a:solidFill>
+            <a:miter/>
+          </a:ln>
+          <a:effectLst>
+            <a:outerShdw sx="100000" sy="100000" kx="0" ky="0" algn="b" rotWithShape="0" blurRad="38100" dist="20000" dir="5400000">
+              <a:srgbClr val="000000">
+                <a:alpha val="38000"/>
+              </a:srgbClr>
+            </a:outerShdw>
+          </a:effectLst>
+        </p:spPr>
+        <p:txBody>
+          <a:bodyPr lIns="0" tIns="0" rIns="0" bIns="0"/>
+          <a:lstStyle/>
+          <a:p>
+            <a:pPr/>
           </a:p>
         </p:txBody>
       </p:sp>
@@ -4998,49 +8127,9 @@
           <a:chExt cx="0" cy="0"/>
         </a:xfrm>
       </p:grpSpPr>
-      <p:sp>
-        <p:nvSpPr>
-          <p:cNvPr id="140" name="TextShape 1"/>
-          <p:cNvSpPr txBox="1"/>
-          <p:nvPr/>
-        </p:nvSpPr>
-        <p:spPr>
-          <a:xfrm>
-            <a:off x="5081965" y="433158"/>
-            <a:ext cx="4590492" cy="394768"/>
-          </a:xfrm>
-          <a:prstGeom prst="rect">
-            <a:avLst/>
-          </a:prstGeom>
-          <a:ln w="12700">
-            <a:miter lim="400000"/>
-          </a:ln>
-          <a:extLst>
-            <a:ext uri="{C572A759-6A51-4108-AA02-DFA0A04FC94B}">
-              <ma14:wrappingTextBoxFlag xmlns:ma14="http://schemas.microsoft.com/office/mac/drawingml/2011/main" val="1"/>
-            </a:ext>
-          </a:extLst>
-        </p:spPr>
-        <p:txBody>
-          <a:bodyPr lIns="0" tIns="0" rIns="0" bIns="0" anchor="ctr">
-            <a:spAutoFit/>
-          </a:bodyPr>
-          <a:lstStyle>
-            <a:lvl1pPr algn="ctr">
-              <a:defRPr spc="-1" sz="2800"/>
-            </a:lvl1pPr>
-          </a:lstStyle>
-          <a:p>
-            <a:pPr/>
-            <a:r>
-              <a:t>Docs by subject areas</a:t>
-            </a:r>
-          </a:p>
-        </p:txBody>
-      </p:sp>
       <p:pic>
         <p:nvPicPr>
-          <p:cNvPr id="141" name="Image" descr="Image"/>
+          <p:cNvPr id="140" name="Image" descr="Image"/>
           <p:cNvPicPr>
             <a:picLocks noChangeAspect="1"/>
           </p:cNvPicPr>
@@ -5056,8 +8145,8 @@
         </p:blipFill>
         <p:spPr>
           <a:xfrm>
-            <a:off x="178357" y="-1"/>
-            <a:ext cx="4590493" cy="5664201"/>
+            <a:off x="6757436" y="4153073"/>
+            <a:ext cx="2179830" cy="1371025"/>
           </a:xfrm>
           <a:prstGeom prst="rect">
             <a:avLst/>
@@ -5067,16 +8156,45 @@
           </a:ln>
         </p:spPr>
       </p:pic>
-      <p:sp>
-        <p:nvSpPr>
-          <p:cNvPr id="142" name="Menunjukkan perkembangan jumlah docs per subject areas tahun 1996-2020…"/>
+      <p:pic>
+        <p:nvPicPr>
+          <p:cNvPr id="141" name="Image" descr="Image"/>
+          <p:cNvPicPr>
+            <a:picLocks noChangeAspect="1"/>
+          </p:cNvPicPr>
+          <p:nvPr/>
+        </p:nvPicPr>
+        <p:blipFill>
+          <a:blip r:embed="rId3">
+            <a:extLst/>
+          </a:blip>
+          <a:stretch>
+            <a:fillRect/>
+          </a:stretch>
+        </p:blipFill>
+        <p:spPr>
+          <a:xfrm>
+            <a:off x="4613562" y="4153073"/>
+            <a:ext cx="2160104" cy="1371025"/>
+          </a:xfrm>
+          <a:prstGeom prst="rect">
+            <a:avLst/>
+          </a:prstGeom>
+          <a:ln w="12700">
+            <a:miter lim="400000"/>
+          </a:ln>
+        </p:spPr>
+      </p:pic>
+      <p:sp>
+        <p:nvSpPr>
+          <p:cNvPr id="142" name="TextShape 1"/>
           <p:cNvSpPr txBox="1"/>
           <p:nvPr/>
         </p:nvSpPr>
         <p:spPr>
           <a:xfrm>
-            <a:off x="5349633" y="1249738"/>
-            <a:ext cx="4196699" cy="3459622"/>
+            <a:off x="499729" y="418535"/>
+            <a:ext cx="9071642" cy="616720"/>
           </a:xfrm>
           <a:prstGeom prst="rect">
             <a:avLst/>
@@ -5091,42 +8209,2298 @@
           </a:extLst>
         </p:spPr>
         <p:txBody>
-          <a:bodyPr lIns="0" tIns="0" rIns="0" bIns="0">
+          <a:bodyPr lIns="0" tIns="0" rIns="0" bIns="0" anchor="ctr">
+            <a:spAutoFit/>
+          </a:bodyPr>
+          <a:lstStyle>
+            <a:lvl1pPr algn="ctr">
+              <a:defRPr spc="-1" sz="4400"/>
+            </a:lvl1pPr>
+          </a:lstStyle>
+          <a:p>
+            <a:pPr/>
+            <a:r>
+              <a:t>Self vs external cites</a:t>
+            </a:r>
+          </a:p>
+        </p:txBody>
+      </p:sp>
+      <p:pic>
+        <p:nvPicPr>
+          <p:cNvPr id="143" name="Image" descr="Image"/>
+          <p:cNvPicPr>
+            <a:picLocks noChangeAspect="1"/>
+          </p:cNvPicPr>
+          <p:nvPr/>
+        </p:nvPicPr>
+        <p:blipFill>
+          <a:blip r:embed="rId4">
+            <a:extLst/>
+          </a:blip>
+          <a:stretch>
+            <a:fillRect/>
+          </a:stretch>
+        </p:blipFill>
+        <p:spPr>
+          <a:xfrm>
+            <a:off x="221277" y="1207241"/>
+            <a:ext cx="2122144" cy="1344344"/>
+          </a:xfrm>
+          <a:prstGeom prst="rect">
+            <a:avLst/>
+          </a:prstGeom>
+          <a:ln w="12700">
+            <a:miter lim="400000"/>
+          </a:ln>
+        </p:spPr>
+      </p:pic>
+      <p:sp>
+        <p:nvSpPr>
+          <p:cNvPr id="144" name="ID"/>
+          <p:cNvSpPr txBox="1"/>
+          <p:nvPr/>
+        </p:nvSpPr>
+        <p:spPr>
+          <a:xfrm>
+            <a:off x="267621" y="1475669"/>
+            <a:ext cx="241301" cy="259222"/>
+          </a:xfrm>
+          <a:prstGeom prst="rect">
+            <a:avLst/>
+          </a:prstGeom>
+          <a:ln w="12700">
+            <a:miter lim="400000"/>
+          </a:ln>
+          <a:extLst>
+            <a:ext uri="{C572A759-6A51-4108-AA02-DFA0A04FC94B}">
+              <ma14:wrappingTextBoxFlag xmlns:ma14="http://schemas.microsoft.com/office/mac/drawingml/2011/main" val="1"/>
+            </a:ext>
+          </a:extLst>
+        </p:spPr>
+        <p:txBody>
+          <a:bodyPr wrap="none" lIns="0" tIns="0" rIns="0" bIns="0">
             <a:spAutoFit/>
           </a:bodyPr>
           <a:lstStyle/>
           <a:p>
             <a:pPr/>
             <a:r>
-              <a:t>Menunjukkan perkembangan jumlah docs per subject areas tahun 1996-2020</a:t>
-            </a:r>
-          </a:p>
-          <a:p>
-            <a:pPr/>
-          </a:p>
-          <a:p>
-            <a:pPr/>
-            <a:r>
-              <a:t>Ada yang berkembang sejak lama (seperti engineering, computer science) </a:t>
-            </a:r>
-          </a:p>
-          <a:p>
-            <a:pPr/>
-          </a:p>
-          <a:p>
-            <a:pPr/>
-            <a:r>
-              <a:t>Ada yang belakangan (seperti earth and planetary sciences, energy, physics and astronomy)</a:t>
-            </a:r>
-          </a:p>
-          <a:p>
-            <a:pPr/>
-          </a:p>
-          <a:p>
-            <a:pPr/>
-            <a:r>
-              <a:t>Banyak juga yang stagnan (seperti matematika, arts and humanities, agricultural biological sciences)  </a:t>
-            </a:r>
+              <a:t>ID</a:t>
+            </a:r>
+          </a:p>
+        </p:txBody>
+      </p:sp>
+      <p:pic>
+        <p:nvPicPr>
+          <p:cNvPr id="145" name="Image" descr="Image"/>
+          <p:cNvPicPr>
+            <a:picLocks noChangeAspect="1"/>
+          </p:cNvPicPr>
+          <p:nvPr/>
+        </p:nvPicPr>
+        <p:blipFill>
+          <a:blip r:embed="rId5">
+            <a:extLst/>
+          </a:blip>
+          <a:stretch>
+            <a:fillRect/>
+          </a:stretch>
+        </p:blipFill>
+        <p:spPr>
+          <a:xfrm>
+            <a:off x="2426547" y="1222248"/>
+            <a:ext cx="2127739" cy="1344345"/>
+          </a:xfrm>
+          <a:prstGeom prst="rect">
+            <a:avLst/>
+          </a:prstGeom>
+          <a:ln w="12700">
+            <a:miter lim="400000"/>
+          </a:ln>
+        </p:spPr>
+      </p:pic>
+      <p:sp>
+        <p:nvSpPr>
+          <p:cNvPr id="146" name="US"/>
+          <p:cNvSpPr txBox="1"/>
+          <p:nvPr/>
+        </p:nvSpPr>
+        <p:spPr>
+          <a:xfrm>
+            <a:off x="2472341" y="1475669"/>
+            <a:ext cx="330263" cy="259222"/>
+          </a:xfrm>
+          <a:prstGeom prst="rect">
+            <a:avLst/>
+          </a:prstGeom>
+          <a:ln w="12700">
+            <a:miter lim="400000"/>
+          </a:ln>
+          <a:extLst>
+            <a:ext uri="{C572A759-6A51-4108-AA02-DFA0A04FC94B}">
+              <ma14:wrappingTextBoxFlag xmlns:ma14="http://schemas.microsoft.com/office/mac/drawingml/2011/main" val="1"/>
+            </a:ext>
+          </a:extLst>
+        </p:spPr>
+        <p:txBody>
+          <a:bodyPr wrap="none" lIns="0" tIns="0" rIns="0" bIns="0">
+            <a:spAutoFit/>
+          </a:bodyPr>
+          <a:lstStyle/>
+          <a:p>
+            <a:pPr/>
+            <a:r>
+              <a:t>US</a:t>
+            </a:r>
+          </a:p>
+        </p:txBody>
+      </p:sp>
+      <p:pic>
+        <p:nvPicPr>
+          <p:cNvPr id="147" name="Image" descr="Image"/>
+          <p:cNvPicPr>
+            <a:picLocks noChangeAspect="1"/>
+          </p:cNvPicPr>
+          <p:nvPr/>
+        </p:nvPicPr>
+        <p:blipFill>
+          <a:blip r:embed="rId6">
+            <a:extLst/>
+          </a:blip>
+          <a:stretch>
+            <a:fillRect/>
+          </a:stretch>
+        </p:blipFill>
+        <p:spPr>
+          <a:xfrm>
+            <a:off x="4615073" y="1218205"/>
+            <a:ext cx="2126162" cy="1344345"/>
+          </a:xfrm>
+          <a:prstGeom prst="rect">
+            <a:avLst/>
+          </a:prstGeom>
+          <a:ln w="12700">
+            <a:miter lim="400000"/>
+          </a:ln>
+        </p:spPr>
+      </p:pic>
+      <p:sp>
+        <p:nvSpPr>
+          <p:cNvPr id="148" name="SA"/>
+          <p:cNvSpPr txBox="1"/>
+          <p:nvPr/>
+        </p:nvSpPr>
+        <p:spPr>
+          <a:xfrm>
+            <a:off x="4668403" y="1475669"/>
+            <a:ext cx="317650" cy="259222"/>
+          </a:xfrm>
+          <a:prstGeom prst="rect">
+            <a:avLst/>
+          </a:prstGeom>
+          <a:ln w="12700">
+            <a:miter lim="400000"/>
+          </a:ln>
+          <a:extLst>
+            <a:ext uri="{C572A759-6A51-4108-AA02-DFA0A04FC94B}">
+              <ma14:wrappingTextBoxFlag xmlns:ma14="http://schemas.microsoft.com/office/mac/drawingml/2011/main" val="1"/>
+            </a:ext>
+          </a:extLst>
+        </p:spPr>
+        <p:txBody>
+          <a:bodyPr wrap="none" lIns="0" tIns="0" rIns="0" bIns="0">
+            <a:spAutoFit/>
+          </a:bodyPr>
+          <a:lstStyle/>
+          <a:p>
+            <a:pPr/>
+            <a:r>
+              <a:t>SA</a:t>
+            </a:r>
+          </a:p>
+        </p:txBody>
+      </p:sp>
+      <p:pic>
+        <p:nvPicPr>
+          <p:cNvPr id="149" name="Image" descr="Image"/>
+          <p:cNvPicPr>
+            <a:picLocks noChangeAspect="1"/>
+          </p:cNvPicPr>
+          <p:nvPr/>
+        </p:nvPicPr>
+        <p:blipFill>
+          <a:blip r:embed="rId7">
+            <a:extLst/>
+          </a:blip>
+          <a:stretch>
+            <a:fillRect/>
+          </a:stretch>
+        </p:blipFill>
+        <p:spPr>
+          <a:xfrm>
+            <a:off x="6787450" y="1207241"/>
+            <a:ext cx="2102939" cy="1344344"/>
+          </a:xfrm>
+          <a:prstGeom prst="rect">
+            <a:avLst/>
+          </a:prstGeom>
+          <a:ln w="12700">
+            <a:miter lim="400000"/>
+          </a:ln>
+        </p:spPr>
+      </p:pic>
+      <p:sp>
+        <p:nvSpPr>
+          <p:cNvPr id="150" name="RU"/>
+          <p:cNvSpPr txBox="1"/>
+          <p:nvPr/>
+        </p:nvSpPr>
+        <p:spPr>
+          <a:xfrm>
+            <a:off x="6838494" y="1475669"/>
+            <a:ext cx="342876" cy="259222"/>
+          </a:xfrm>
+          <a:prstGeom prst="rect">
+            <a:avLst/>
+          </a:prstGeom>
+          <a:ln w="12700">
+            <a:miter lim="400000"/>
+          </a:ln>
+          <a:extLst>
+            <a:ext uri="{C572A759-6A51-4108-AA02-DFA0A04FC94B}">
+              <ma14:wrappingTextBoxFlag xmlns:ma14="http://schemas.microsoft.com/office/mac/drawingml/2011/main" val="1"/>
+            </a:ext>
+          </a:extLst>
+        </p:spPr>
+        <p:txBody>
+          <a:bodyPr wrap="none" lIns="0" tIns="0" rIns="0" bIns="0">
+            <a:spAutoFit/>
+          </a:bodyPr>
+          <a:lstStyle/>
+          <a:p>
+            <a:pPr/>
+            <a:r>
+              <a:t>RU</a:t>
+            </a:r>
+          </a:p>
+        </p:txBody>
+      </p:sp>
+      <p:pic>
+        <p:nvPicPr>
+          <p:cNvPr id="151" name="Image" descr="Image"/>
+          <p:cNvPicPr>
+            <a:picLocks noChangeAspect="1"/>
+          </p:cNvPicPr>
+          <p:nvPr/>
+        </p:nvPicPr>
+        <p:blipFill>
+          <a:blip r:embed="rId8">
+            <a:extLst/>
+          </a:blip>
+          <a:stretch>
+            <a:fillRect/>
+          </a:stretch>
+        </p:blipFill>
+        <p:spPr>
+          <a:xfrm>
+            <a:off x="214927" y="2661644"/>
+            <a:ext cx="2131746" cy="1344345"/>
+          </a:xfrm>
+          <a:prstGeom prst="rect">
+            <a:avLst/>
+          </a:prstGeom>
+          <a:ln w="12700">
+            <a:miter lim="400000"/>
+          </a:ln>
+        </p:spPr>
+      </p:pic>
+      <p:sp>
+        <p:nvSpPr>
+          <p:cNvPr id="152" name="BR"/>
+          <p:cNvSpPr txBox="1"/>
+          <p:nvPr/>
+        </p:nvSpPr>
+        <p:spPr>
+          <a:xfrm>
+            <a:off x="267621" y="2927215"/>
+            <a:ext cx="330263" cy="259222"/>
+          </a:xfrm>
+          <a:prstGeom prst="rect">
+            <a:avLst/>
+          </a:prstGeom>
+          <a:ln w="12700">
+            <a:miter lim="400000"/>
+          </a:ln>
+          <a:extLst>
+            <a:ext uri="{C572A759-6A51-4108-AA02-DFA0A04FC94B}">
+              <ma14:wrappingTextBoxFlag xmlns:ma14="http://schemas.microsoft.com/office/mac/drawingml/2011/main" val="1"/>
+            </a:ext>
+          </a:extLst>
+        </p:spPr>
+        <p:txBody>
+          <a:bodyPr wrap="none" lIns="0" tIns="0" rIns="0" bIns="0">
+            <a:spAutoFit/>
+          </a:bodyPr>
+          <a:lstStyle/>
+          <a:p>
+            <a:pPr/>
+            <a:r>
+              <a:t>BR</a:t>
+            </a:r>
+          </a:p>
+        </p:txBody>
+      </p:sp>
+      <p:pic>
+        <p:nvPicPr>
+          <p:cNvPr id="153" name="Image" descr="Image"/>
+          <p:cNvPicPr>
+            <a:picLocks noChangeAspect="1"/>
+          </p:cNvPicPr>
+          <p:nvPr/>
+        </p:nvPicPr>
+        <p:blipFill>
+          <a:blip r:embed="rId9">
+            <a:extLst/>
+          </a:blip>
+          <a:stretch>
+            <a:fillRect/>
+          </a:stretch>
+        </p:blipFill>
+        <p:spPr>
+          <a:xfrm>
+            <a:off x="2415582" y="2639715"/>
+            <a:ext cx="2203016" cy="1388203"/>
+          </a:xfrm>
+          <a:prstGeom prst="rect">
+            <a:avLst/>
+          </a:prstGeom>
+          <a:ln w="12700">
+            <a:miter lim="400000"/>
+          </a:ln>
+        </p:spPr>
+      </p:pic>
+      <p:sp>
+        <p:nvSpPr>
+          <p:cNvPr id="154" name="IR"/>
+          <p:cNvSpPr txBox="1"/>
+          <p:nvPr/>
+        </p:nvSpPr>
+        <p:spPr>
+          <a:xfrm>
+            <a:off x="2472341" y="2927215"/>
+            <a:ext cx="241301" cy="259222"/>
+          </a:xfrm>
+          <a:prstGeom prst="rect">
+            <a:avLst/>
+          </a:prstGeom>
+          <a:ln w="12700">
+            <a:miter lim="400000"/>
+          </a:ln>
+          <a:extLst>
+            <a:ext uri="{C572A759-6A51-4108-AA02-DFA0A04FC94B}">
+              <ma14:wrappingTextBoxFlag xmlns:ma14="http://schemas.microsoft.com/office/mac/drawingml/2011/main" val="1"/>
+            </a:ext>
+          </a:extLst>
+        </p:spPr>
+        <p:txBody>
+          <a:bodyPr wrap="none" lIns="0" tIns="0" rIns="0" bIns="0">
+            <a:spAutoFit/>
+          </a:bodyPr>
+          <a:lstStyle/>
+          <a:p>
+            <a:pPr/>
+            <a:r>
+              <a:t>IR</a:t>
+            </a:r>
+          </a:p>
+        </p:txBody>
+      </p:sp>
+      <p:pic>
+        <p:nvPicPr>
+          <p:cNvPr id="155" name="Image" descr="Image"/>
+          <p:cNvPicPr>
+            <a:picLocks noChangeAspect="1"/>
+          </p:cNvPicPr>
+          <p:nvPr/>
+        </p:nvPicPr>
+        <p:blipFill>
+          <a:blip r:embed="rId10">
+            <a:extLst/>
+          </a:blip>
+          <a:stretch>
+            <a:fillRect/>
+          </a:stretch>
+        </p:blipFill>
+        <p:spPr>
+          <a:xfrm>
+            <a:off x="4605845" y="2648373"/>
+            <a:ext cx="2175539" cy="1370887"/>
+          </a:xfrm>
+          <a:prstGeom prst="rect">
+            <a:avLst/>
+          </a:prstGeom>
+          <a:ln w="12700">
+            <a:miter lim="400000"/>
+          </a:ln>
+        </p:spPr>
+      </p:pic>
+      <p:sp>
+        <p:nvSpPr>
+          <p:cNvPr id="156" name="AU"/>
+          <p:cNvSpPr txBox="1"/>
+          <p:nvPr/>
+        </p:nvSpPr>
+        <p:spPr>
+          <a:xfrm>
+            <a:off x="4633774" y="2927215"/>
+            <a:ext cx="330263" cy="259222"/>
+          </a:xfrm>
+          <a:prstGeom prst="rect">
+            <a:avLst/>
+          </a:prstGeom>
+          <a:ln w="12700">
+            <a:miter lim="400000"/>
+          </a:ln>
+          <a:extLst>
+            <a:ext uri="{C572A759-6A51-4108-AA02-DFA0A04FC94B}">
+              <ma14:wrappingTextBoxFlag xmlns:ma14="http://schemas.microsoft.com/office/mac/drawingml/2011/main" val="1"/>
+            </a:ext>
+          </a:extLst>
+        </p:spPr>
+        <p:txBody>
+          <a:bodyPr wrap="none" lIns="0" tIns="0" rIns="0" bIns="0">
+            <a:spAutoFit/>
+          </a:bodyPr>
+          <a:lstStyle/>
+          <a:p>
+            <a:pPr/>
+            <a:r>
+              <a:t>AU</a:t>
+            </a:r>
+          </a:p>
+        </p:txBody>
+      </p:sp>
+      <p:pic>
+        <p:nvPicPr>
+          <p:cNvPr id="157" name="Image" descr="Image"/>
+          <p:cNvPicPr>
+            <a:picLocks noChangeAspect="1"/>
+          </p:cNvPicPr>
+          <p:nvPr/>
+        </p:nvPicPr>
+        <p:blipFill>
+          <a:blip r:embed="rId10">
+            <a:extLst/>
+          </a:blip>
+          <a:stretch>
+            <a:fillRect/>
+          </a:stretch>
+        </p:blipFill>
+        <p:spPr>
+          <a:xfrm>
+            <a:off x="6737411" y="2639715"/>
+            <a:ext cx="2203017" cy="1388203"/>
+          </a:xfrm>
+          <a:prstGeom prst="rect">
+            <a:avLst/>
+          </a:prstGeom>
+          <a:ln w="12700">
+            <a:miter lim="400000"/>
+          </a:ln>
+        </p:spPr>
+      </p:pic>
+      <p:sp>
+        <p:nvSpPr>
+          <p:cNvPr id="158" name="UK"/>
+          <p:cNvSpPr txBox="1"/>
+          <p:nvPr/>
+        </p:nvSpPr>
+        <p:spPr>
+          <a:xfrm>
+            <a:off x="6777893" y="2863757"/>
+            <a:ext cx="330263" cy="259223"/>
+          </a:xfrm>
+          <a:prstGeom prst="rect">
+            <a:avLst/>
+          </a:prstGeom>
+          <a:ln w="12700">
+            <a:miter lim="400000"/>
+          </a:ln>
+          <a:extLst>
+            <a:ext uri="{C572A759-6A51-4108-AA02-DFA0A04FC94B}">
+              <ma14:wrappingTextBoxFlag xmlns:ma14="http://schemas.microsoft.com/office/mac/drawingml/2011/main" val="1"/>
+            </a:ext>
+          </a:extLst>
+        </p:spPr>
+        <p:txBody>
+          <a:bodyPr wrap="none" lIns="0" tIns="0" rIns="0" bIns="0">
+            <a:spAutoFit/>
+          </a:bodyPr>
+          <a:lstStyle/>
+          <a:p>
+            <a:pPr/>
+            <a:r>
+              <a:t>UK</a:t>
+            </a:r>
+          </a:p>
+        </p:txBody>
+      </p:sp>
+      <p:pic>
+        <p:nvPicPr>
+          <p:cNvPr id="159" name="Image" descr="Image"/>
+          <p:cNvPicPr>
+            <a:picLocks noChangeAspect="1"/>
+          </p:cNvPicPr>
+          <p:nvPr/>
+        </p:nvPicPr>
+        <p:blipFill>
+          <a:blip r:embed="rId11">
+            <a:extLst/>
+          </a:blip>
+          <a:stretch>
+            <a:fillRect/>
+          </a:stretch>
+        </p:blipFill>
+        <p:spPr>
+          <a:xfrm>
+            <a:off x="212620" y="4181796"/>
+            <a:ext cx="2139458" cy="1335952"/>
+          </a:xfrm>
+          <a:prstGeom prst="rect">
+            <a:avLst/>
+          </a:prstGeom>
+          <a:ln w="12700">
+            <a:miter lim="400000"/>
+          </a:ln>
+        </p:spPr>
+      </p:pic>
+      <p:sp>
+        <p:nvSpPr>
+          <p:cNvPr id="160" name="CN"/>
+          <p:cNvSpPr txBox="1"/>
+          <p:nvPr/>
+        </p:nvSpPr>
+        <p:spPr>
+          <a:xfrm>
+            <a:off x="267621" y="4430704"/>
+            <a:ext cx="342876" cy="259222"/>
+          </a:xfrm>
+          <a:prstGeom prst="rect">
+            <a:avLst/>
+          </a:prstGeom>
+          <a:ln w="12700">
+            <a:miter lim="400000"/>
+          </a:ln>
+          <a:extLst>
+            <a:ext uri="{C572A759-6A51-4108-AA02-DFA0A04FC94B}">
+              <ma14:wrappingTextBoxFlag xmlns:ma14="http://schemas.microsoft.com/office/mac/drawingml/2011/main" val="1"/>
+            </a:ext>
+          </a:extLst>
+        </p:spPr>
+        <p:txBody>
+          <a:bodyPr wrap="none" lIns="0" tIns="0" rIns="0" bIns="0">
+            <a:spAutoFit/>
+          </a:bodyPr>
+          <a:lstStyle/>
+          <a:p>
+            <a:pPr/>
+            <a:r>
+              <a:t>CN</a:t>
+            </a:r>
+          </a:p>
+        </p:txBody>
+      </p:sp>
+      <p:pic>
+        <p:nvPicPr>
+          <p:cNvPr id="161" name="Image" descr="Image"/>
+          <p:cNvPicPr>
+            <a:picLocks noChangeAspect="1"/>
+          </p:cNvPicPr>
+          <p:nvPr/>
+        </p:nvPicPr>
+        <p:blipFill>
+          <a:blip r:embed="rId12">
+            <a:extLst/>
+          </a:blip>
+          <a:stretch>
+            <a:fillRect/>
+          </a:stretch>
+        </p:blipFill>
+        <p:spPr>
+          <a:xfrm>
+            <a:off x="2420197" y="4150766"/>
+            <a:ext cx="2203015" cy="1375639"/>
+          </a:xfrm>
+          <a:prstGeom prst="rect">
+            <a:avLst/>
+          </a:prstGeom>
+          <a:ln w="12700">
+            <a:miter lim="400000"/>
+          </a:ln>
+        </p:spPr>
+      </p:pic>
+      <p:sp>
+        <p:nvSpPr>
+          <p:cNvPr id="162" name="JP"/>
+          <p:cNvSpPr txBox="1"/>
+          <p:nvPr/>
+        </p:nvSpPr>
+        <p:spPr>
+          <a:xfrm>
+            <a:off x="2466034" y="4430704"/>
+            <a:ext cx="279475" cy="259222"/>
+          </a:xfrm>
+          <a:prstGeom prst="rect">
+            <a:avLst/>
+          </a:prstGeom>
+          <a:ln w="12700">
+            <a:miter lim="400000"/>
+          </a:ln>
+          <a:extLst>
+            <a:ext uri="{C572A759-6A51-4108-AA02-DFA0A04FC94B}">
+              <ma14:wrappingTextBoxFlag xmlns:ma14="http://schemas.microsoft.com/office/mac/drawingml/2011/main" val="1"/>
+            </a:ext>
+          </a:extLst>
+        </p:spPr>
+        <p:txBody>
+          <a:bodyPr wrap="none" lIns="0" tIns="0" rIns="0" bIns="0">
+            <a:spAutoFit/>
+          </a:bodyPr>
+          <a:lstStyle/>
+          <a:p>
+            <a:pPr/>
+            <a:r>
+              <a:t>JP</a:t>
+            </a:r>
+          </a:p>
+        </p:txBody>
+      </p:sp>
+      <p:sp>
+        <p:nvSpPr>
+          <p:cNvPr id="163" name="IN"/>
+          <p:cNvSpPr txBox="1"/>
+          <p:nvPr/>
+        </p:nvSpPr>
+        <p:spPr>
+          <a:xfrm>
+            <a:off x="4687490" y="4358589"/>
+            <a:ext cx="241301" cy="259222"/>
+          </a:xfrm>
+          <a:prstGeom prst="rect">
+            <a:avLst/>
+          </a:prstGeom>
+          <a:ln w="12700">
+            <a:miter lim="400000"/>
+          </a:ln>
+          <a:extLst>
+            <a:ext uri="{C572A759-6A51-4108-AA02-DFA0A04FC94B}">
+              <ma14:wrappingTextBoxFlag xmlns:ma14="http://schemas.microsoft.com/office/mac/drawingml/2011/main" val="1"/>
+            </a:ext>
+          </a:extLst>
+        </p:spPr>
+        <p:txBody>
+          <a:bodyPr wrap="none" lIns="0" tIns="0" rIns="0" bIns="0">
+            <a:spAutoFit/>
+          </a:bodyPr>
+          <a:lstStyle/>
+          <a:p>
+            <a:pPr/>
+            <a:r>
+              <a:t>IN</a:t>
+            </a:r>
+          </a:p>
+        </p:txBody>
+      </p:sp>
+      <p:sp>
+        <p:nvSpPr>
+          <p:cNvPr id="164" name="MY"/>
+          <p:cNvSpPr txBox="1"/>
+          <p:nvPr/>
+        </p:nvSpPr>
+        <p:spPr>
+          <a:xfrm>
+            <a:off x="6870194" y="4430704"/>
+            <a:ext cx="355601" cy="259222"/>
+          </a:xfrm>
+          <a:prstGeom prst="rect">
+            <a:avLst/>
+          </a:prstGeom>
+          <a:ln w="12700">
+            <a:miter lim="400000"/>
+          </a:ln>
+          <a:extLst>
+            <a:ext uri="{C572A759-6A51-4108-AA02-DFA0A04FC94B}">
+              <ma14:wrappingTextBoxFlag xmlns:ma14="http://schemas.microsoft.com/office/mac/drawingml/2011/main" val="1"/>
+            </a:ext>
+          </a:extLst>
+        </p:spPr>
+        <p:txBody>
+          <a:bodyPr wrap="none" lIns="0" tIns="0" rIns="0" bIns="0">
+            <a:spAutoFit/>
+          </a:bodyPr>
+          <a:lstStyle/>
+          <a:p>
+            <a:pPr/>
+            <a:r>
+              <a:t>MY</a:t>
+            </a:r>
+          </a:p>
+        </p:txBody>
+      </p:sp>
+    </p:spTree>
+  </p:cSld>
+  <p:clrMapOvr>
+    <a:masterClrMapping/>
+  </p:clrMapOvr>
+  <p:transition xmlns:p14="http://schemas.microsoft.com/office/powerpoint/2010/main" spd="med" advClick="1"/>
+</p:sld>
+</file>
+
+<file path=ppt/slides/slide40.xml><?xml version="1.0" encoding="utf-8"?>
+<p:sld xmlns:a="http://schemas.openxmlformats.org/drawingml/2006/main" xmlns:r="http://schemas.openxmlformats.org/officeDocument/2006/relationships" xmlns:p="http://schemas.openxmlformats.org/presentationml/2006/main" xmlns:m="http://schemas.openxmlformats.org/officeDocument/2006/math" xmlns:a14="http://schemas.microsoft.com/office/drawing/2010/main" showMasterSp="1" showMasterPhAnim="1">
+  <p:cSld>
+    <p:bg>
+      <p:bgPr>
+        <a:solidFill>
+          <a:srgbClr val="DDDDDD"/>
+        </a:solidFill>
+      </p:bgPr>
+    </p:bg>
+    <p:spTree>
+      <p:nvGrpSpPr>
+        <p:cNvPr id="1" name=""/>
+        <p:cNvGrpSpPr/>
+        <p:nvPr/>
+      </p:nvGrpSpPr>
+      <p:grpSpPr>
+        <a:xfrm>
+          <a:off x="0" y="0"/>
+          <a:ext cx="0" cy="0"/>
+          <a:chOff x="0" y="0"/>
+          <a:chExt cx="0" cy="0"/>
+        </a:xfrm>
+      </p:grpSpPr>
+      <p:pic>
+        <p:nvPicPr>
+          <p:cNvPr id="341" name="Image" descr="Image"/>
+          <p:cNvPicPr>
+            <a:picLocks noChangeAspect="1"/>
+          </p:cNvPicPr>
+          <p:nvPr/>
+        </p:nvPicPr>
+        <p:blipFill>
+          <a:blip r:embed="rId2">
+            <a:extLst/>
+          </a:blip>
+          <a:srcRect l="0" t="24786" r="66836" b="50250"/>
+          <a:stretch>
+            <a:fillRect/>
+          </a:stretch>
+        </p:blipFill>
+        <p:spPr>
+          <a:xfrm>
+            <a:off x="5111019" y="1334725"/>
+            <a:ext cx="4426070" cy="2771250"/>
+          </a:xfrm>
+          <a:prstGeom prst="rect">
+            <a:avLst/>
+          </a:prstGeom>
+          <a:ln w="12700">
+            <a:miter lim="400000"/>
+          </a:ln>
+        </p:spPr>
+      </p:pic>
+      <p:pic>
+        <p:nvPicPr>
+          <p:cNvPr id="342" name="Image" descr="Image"/>
+          <p:cNvPicPr>
+            <a:picLocks noChangeAspect="1"/>
+          </p:cNvPicPr>
+          <p:nvPr/>
+        </p:nvPicPr>
+        <p:blipFill>
+          <a:blip r:embed="rId3">
+            <a:extLst/>
+          </a:blip>
+          <a:stretch>
+            <a:fillRect/>
+          </a:stretch>
+        </p:blipFill>
+        <p:spPr>
+          <a:xfrm>
+            <a:off x="575462" y="1341305"/>
+            <a:ext cx="4403556" cy="2757936"/>
+          </a:xfrm>
+          <a:prstGeom prst="rect">
+            <a:avLst/>
+          </a:prstGeom>
+          <a:ln w="12700">
+            <a:miter lim="400000"/>
+          </a:ln>
+        </p:spPr>
+      </p:pic>
+      <p:sp>
+        <p:nvSpPr>
+          <p:cNvPr id="343" name="Line"/>
+          <p:cNvSpPr/>
+          <p:nvPr/>
+        </p:nvSpPr>
+        <p:spPr>
+          <a:xfrm>
+            <a:off x="4942775" y="2136073"/>
+            <a:ext cx="388769" cy="187314"/>
+          </a:xfrm>
+          <a:prstGeom prst="line">
+            <a:avLst/>
+          </a:prstGeom>
+          <a:ln w="25400">
+            <a:solidFill>
+              <a:schemeClr val="accent1"/>
+            </a:solidFill>
+            <a:miter/>
+          </a:ln>
+          <a:effectLst>
+            <a:outerShdw sx="100000" sy="100000" kx="0" ky="0" algn="b" rotWithShape="0" blurRad="38100" dist="20000" dir="5400000">
+              <a:srgbClr val="000000">
+                <a:alpha val="38000"/>
+              </a:srgbClr>
+            </a:outerShdw>
+          </a:effectLst>
+        </p:spPr>
+        <p:txBody>
+          <a:bodyPr lIns="0" tIns="0" rIns="0" bIns="0"/>
+          <a:lstStyle/>
+          <a:p>
+            <a:pPr/>
+          </a:p>
+        </p:txBody>
+      </p:sp>
+    </p:spTree>
+  </p:cSld>
+  <p:clrMapOvr>
+    <a:masterClrMapping/>
+  </p:clrMapOvr>
+  <p:transition xmlns:p14="http://schemas.microsoft.com/office/powerpoint/2010/main" spd="med" advClick="1"/>
+</p:sld>
+</file>
+
+<file path=ppt/slides/slide41.xml><?xml version="1.0" encoding="utf-8"?>
+<p:sld xmlns:a="http://schemas.openxmlformats.org/drawingml/2006/main" xmlns:r="http://schemas.openxmlformats.org/officeDocument/2006/relationships" xmlns:p="http://schemas.openxmlformats.org/presentationml/2006/main" xmlns:m="http://schemas.openxmlformats.org/officeDocument/2006/math" xmlns:a14="http://schemas.microsoft.com/office/drawing/2010/main" showMasterSp="1" showMasterPhAnim="1">
+  <p:cSld>
+    <p:bg>
+      <p:bgPr>
+        <a:solidFill>
+          <a:srgbClr val="DDDDDD"/>
+        </a:solidFill>
+      </p:bgPr>
+    </p:bg>
+    <p:spTree>
+      <p:nvGrpSpPr>
+        <p:cNvPr id="1" name=""/>
+        <p:cNvGrpSpPr/>
+        <p:nvPr/>
+      </p:nvGrpSpPr>
+      <p:grpSpPr>
+        <a:xfrm>
+          <a:off x="0" y="0"/>
+          <a:ext cx="0" cy="0"/>
+          <a:chOff x="0" y="0"/>
+          <a:chExt cx="0" cy="0"/>
+        </a:xfrm>
+      </p:grpSpPr>
+      <p:sp>
+        <p:nvSpPr>
+          <p:cNvPr id="345" name="TextShape 1"/>
+          <p:cNvSpPr txBox="1"/>
+          <p:nvPr/>
+        </p:nvSpPr>
+        <p:spPr>
+          <a:xfrm>
+            <a:off x="481384" y="1993884"/>
+            <a:ext cx="9108331" cy="394768"/>
+          </a:xfrm>
+          <a:prstGeom prst="rect">
+            <a:avLst/>
+          </a:prstGeom>
+          <a:ln w="12700">
+            <a:miter lim="400000"/>
+          </a:ln>
+          <a:extLst>
+            <a:ext uri="{C572A759-6A51-4108-AA02-DFA0A04FC94B}">
+              <ma14:wrappingTextBoxFlag xmlns:ma14="http://schemas.microsoft.com/office/mac/drawingml/2011/main" val="1"/>
+            </a:ext>
+          </a:extLst>
+        </p:spPr>
+        <p:txBody>
+          <a:bodyPr lIns="0" tIns="0" rIns="0" bIns="0" anchor="ctr">
+            <a:spAutoFit/>
+          </a:bodyPr>
+          <a:lstStyle>
+            <a:lvl1pPr algn="ctr">
+              <a:defRPr spc="-1" sz="2800"/>
+            </a:lvl1pPr>
+          </a:lstStyle>
+          <a:p>
+            <a:pPr/>
+            <a:r>
+              <a:t>Energy</a:t>
+            </a:r>
+          </a:p>
+        </p:txBody>
+      </p:sp>
+    </p:spTree>
+  </p:cSld>
+  <p:clrMapOvr>
+    <a:masterClrMapping/>
+  </p:clrMapOvr>
+  <p:transition xmlns:p14="http://schemas.microsoft.com/office/powerpoint/2010/main" spd="med" advClick="1"/>
+</p:sld>
+</file>
+
+<file path=ppt/slides/slide42.xml><?xml version="1.0" encoding="utf-8"?>
+<p:sld xmlns:a="http://schemas.openxmlformats.org/drawingml/2006/main" xmlns:r="http://schemas.openxmlformats.org/officeDocument/2006/relationships" xmlns:p="http://schemas.openxmlformats.org/presentationml/2006/main" xmlns:m="http://schemas.openxmlformats.org/officeDocument/2006/math" xmlns:a14="http://schemas.microsoft.com/office/drawing/2010/main" showMasterSp="1" showMasterPhAnim="1">
+  <p:cSld>
+    <p:bg>
+      <p:bgPr>
+        <a:solidFill>
+          <a:srgbClr val="DDDDDD"/>
+        </a:solidFill>
+      </p:bgPr>
+    </p:bg>
+    <p:spTree>
+      <p:nvGrpSpPr>
+        <p:cNvPr id="1" name=""/>
+        <p:cNvGrpSpPr/>
+        <p:nvPr/>
+      </p:nvGrpSpPr>
+      <p:grpSpPr>
+        <a:xfrm>
+          <a:off x="0" y="0"/>
+          <a:ext cx="0" cy="0"/>
+          <a:chOff x="0" y="0"/>
+          <a:chExt cx="0" cy="0"/>
+        </a:xfrm>
+      </p:grpSpPr>
+      <p:pic>
+        <p:nvPicPr>
+          <p:cNvPr id="347" name="Image" descr="Image"/>
+          <p:cNvPicPr>
+            <a:picLocks noChangeAspect="1"/>
+          </p:cNvPicPr>
+          <p:nvPr/>
+        </p:nvPicPr>
+        <p:blipFill>
+          <a:blip r:embed="rId2">
+            <a:extLst/>
+          </a:blip>
+          <a:stretch>
+            <a:fillRect/>
+          </a:stretch>
+        </p:blipFill>
+        <p:spPr>
+          <a:xfrm>
+            <a:off x="4373074" y="0"/>
+            <a:ext cx="4568571" cy="5664201"/>
+          </a:xfrm>
+          <a:prstGeom prst="rect">
+            <a:avLst/>
+          </a:prstGeom>
+          <a:ln w="12700">
+            <a:miter lim="400000"/>
+          </a:ln>
+        </p:spPr>
+      </p:pic>
+      <p:pic>
+        <p:nvPicPr>
+          <p:cNvPr id="348" name="Image" descr="Image"/>
+          <p:cNvPicPr>
+            <a:picLocks noChangeAspect="1"/>
+          </p:cNvPicPr>
+          <p:nvPr/>
+        </p:nvPicPr>
+        <p:blipFill>
+          <a:blip r:embed="rId3">
+            <a:extLst/>
+          </a:blip>
+          <a:stretch>
+            <a:fillRect/>
+          </a:stretch>
+        </p:blipFill>
+        <p:spPr>
+          <a:xfrm>
+            <a:off x="-122952" y="-1"/>
+            <a:ext cx="4590493" cy="5664201"/>
+          </a:xfrm>
+          <a:prstGeom prst="rect">
+            <a:avLst/>
+          </a:prstGeom>
+          <a:ln w="12700">
+            <a:miter lim="400000"/>
+          </a:ln>
+        </p:spPr>
+      </p:pic>
+      <p:sp>
+        <p:nvSpPr>
+          <p:cNvPr id="349" name="Line"/>
+          <p:cNvSpPr/>
+          <p:nvPr/>
+        </p:nvSpPr>
+        <p:spPr>
+          <a:xfrm>
+            <a:off x="1765523" y="2461624"/>
+            <a:ext cx="3619527" cy="1"/>
+          </a:xfrm>
+          <a:prstGeom prst="line">
+            <a:avLst/>
+          </a:prstGeom>
+          <a:ln w="25400">
+            <a:solidFill>
+              <a:schemeClr val="accent1"/>
+            </a:solidFill>
+            <a:miter/>
+            <a:tailEnd type="triangle"/>
+          </a:ln>
+          <a:effectLst>
+            <a:outerShdw sx="100000" sy="100000" kx="0" ky="0" algn="b" rotWithShape="0" blurRad="38100" dist="20000" dir="5400000">
+              <a:srgbClr val="000000">
+                <a:alpha val="38000"/>
+              </a:srgbClr>
+            </a:outerShdw>
+          </a:effectLst>
+        </p:spPr>
+        <p:txBody>
+          <a:bodyPr lIns="0" tIns="0" rIns="0" bIns="0"/>
+          <a:lstStyle/>
+          <a:p>
+            <a:pPr/>
+          </a:p>
+        </p:txBody>
+      </p:sp>
+    </p:spTree>
+  </p:cSld>
+  <p:clrMapOvr>
+    <a:masterClrMapping/>
+  </p:clrMapOvr>
+  <p:transition xmlns:p14="http://schemas.microsoft.com/office/powerpoint/2010/main" spd="med" advClick="1"/>
+</p:sld>
+</file>
+
+<file path=ppt/slides/slide43.xml><?xml version="1.0" encoding="utf-8"?>
+<p:sld xmlns:a="http://schemas.openxmlformats.org/drawingml/2006/main" xmlns:r="http://schemas.openxmlformats.org/officeDocument/2006/relationships" xmlns:p="http://schemas.openxmlformats.org/presentationml/2006/main" xmlns:m="http://schemas.openxmlformats.org/officeDocument/2006/math" xmlns:a14="http://schemas.microsoft.com/office/drawing/2010/main" showMasterSp="1" showMasterPhAnim="1">
+  <p:cSld>
+    <p:bg>
+      <p:bgPr>
+        <a:solidFill>
+          <a:srgbClr val="DDDDDD"/>
+        </a:solidFill>
+      </p:bgPr>
+    </p:bg>
+    <p:spTree>
+      <p:nvGrpSpPr>
+        <p:cNvPr id="1" name=""/>
+        <p:cNvGrpSpPr/>
+        <p:nvPr/>
+      </p:nvGrpSpPr>
+      <p:grpSpPr>
+        <a:xfrm>
+          <a:off x="0" y="0"/>
+          <a:ext cx="0" cy="0"/>
+          <a:chOff x="0" y="0"/>
+          <a:chExt cx="0" cy="0"/>
+        </a:xfrm>
+      </p:grpSpPr>
+      <p:pic>
+        <p:nvPicPr>
+          <p:cNvPr id="351" name="Image" descr="Image"/>
+          <p:cNvPicPr>
+            <a:picLocks noChangeAspect="1"/>
+          </p:cNvPicPr>
+          <p:nvPr/>
+        </p:nvPicPr>
+        <p:blipFill>
+          <a:blip r:embed="rId2">
+            <a:extLst/>
+          </a:blip>
+          <a:srcRect l="0" t="50545" r="0" b="24992"/>
+          <a:stretch>
+            <a:fillRect/>
+          </a:stretch>
+        </p:blipFill>
+        <p:spPr>
+          <a:xfrm>
+            <a:off x="3223411" y="2056661"/>
+            <a:ext cx="2288256" cy="1385600"/>
+          </a:xfrm>
+          <a:prstGeom prst="rect">
+            <a:avLst/>
+          </a:prstGeom>
+          <a:ln w="12700">
+            <a:miter lim="400000"/>
+          </a:ln>
+        </p:spPr>
+      </p:pic>
+      <p:sp>
+        <p:nvSpPr>
+          <p:cNvPr id="352" name="TextShape 1"/>
+          <p:cNvSpPr txBox="1"/>
+          <p:nvPr/>
+        </p:nvSpPr>
+        <p:spPr>
+          <a:xfrm>
+            <a:off x="5856831" y="433158"/>
+            <a:ext cx="3815626" cy="394767"/>
+          </a:xfrm>
+          <a:prstGeom prst="rect">
+            <a:avLst/>
+          </a:prstGeom>
+          <a:ln w="12700">
+            <a:miter lim="400000"/>
+          </a:ln>
+          <a:extLst>
+            <a:ext uri="{C572A759-6A51-4108-AA02-DFA0A04FC94B}">
+              <ma14:wrappingTextBoxFlag xmlns:ma14="http://schemas.microsoft.com/office/mac/drawingml/2011/main" val="1"/>
+            </a:ext>
+          </a:extLst>
+        </p:spPr>
+        <p:txBody>
+          <a:bodyPr lIns="0" tIns="0" rIns="0" bIns="0" anchor="ctr">
+            <a:spAutoFit/>
+          </a:bodyPr>
+          <a:lstStyle>
+            <a:lvl1pPr algn="ctr">
+              <a:defRPr spc="-1" sz="2800"/>
+            </a:lvl1pPr>
+          </a:lstStyle>
+          <a:p>
+            <a:pPr/>
+            <a:r>
+              <a:t>Citations</a:t>
+            </a:r>
+          </a:p>
+        </p:txBody>
+      </p:sp>
+      <p:pic>
+        <p:nvPicPr>
+          <p:cNvPr id="353" name="Image" descr="Image"/>
+          <p:cNvPicPr>
+            <a:picLocks noChangeAspect="1"/>
+          </p:cNvPicPr>
+          <p:nvPr/>
+        </p:nvPicPr>
+        <p:blipFill>
+          <a:blip r:embed="rId3">
+            <a:extLst/>
+          </a:blip>
+          <a:stretch>
+            <a:fillRect/>
+          </a:stretch>
+        </p:blipFill>
+        <p:spPr>
+          <a:xfrm>
+            <a:off x="84159" y="185573"/>
+            <a:ext cx="2737337" cy="1727888"/>
+          </a:xfrm>
+          <a:prstGeom prst="rect">
+            <a:avLst/>
+          </a:prstGeom>
+          <a:ln w="12700">
+            <a:miter lim="400000"/>
+          </a:ln>
+        </p:spPr>
+      </p:pic>
+      <p:pic>
+        <p:nvPicPr>
+          <p:cNvPr id="354" name="Image" descr="Image"/>
+          <p:cNvPicPr>
+            <a:picLocks noChangeAspect="1"/>
+          </p:cNvPicPr>
+          <p:nvPr/>
+        </p:nvPicPr>
+        <p:blipFill>
+          <a:blip r:embed="rId4">
+            <a:extLst/>
+          </a:blip>
+          <a:stretch>
+            <a:fillRect/>
+          </a:stretch>
+        </p:blipFill>
+        <p:spPr>
+          <a:xfrm>
+            <a:off x="82413" y="1992835"/>
+            <a:ext cx="2740828" cy="1680165"/>
+          </a:xfrm>
+          <a:prstGeom prst="rect">
+            <a:avLst/>
+          </a:prstGeom>
+          <a:ln w="12700">
+            <a:miter lim="400000"/>
+          </a:ln>
+        </p:spPr>
+      </p:pic>
+      <p:pic>
+        <p:nvPicPr>
+          <p:cNvPr id="355" name="Image" descr="Image"/>
+          <p:cNvPicPr>
+            <a:picLocks noChangeAspect="1"/>
+          </p:cNvPicPr>
+          <p:nvPr/>
+        </p:nvPicPr>
+        <p:blipFill>
+          <a:blip r:embed="rId5">
+            <a:extLst/>
+          </a:blip>
+          <a:stretch>
+            <a:fillRect/>
+          </a:stretch>
+        </p:blipFill>
+        <p:spPr>
+          <a:xfrm>
+            <a:off x="80111" y="3750740"/>
+            <a:ext cx="2740466" cy="1727887"/>
+          </a:xfrm>
+          <a:prstGeom prst="rect">
+            <a:avLst/>
+          </a:prstGeom>
+          <a:ln w="12700">
+            <a:miter lim="400000"/>
+          </a:ln>
+        </p:spPr>
+      </p:pic>
+      <p:sp>
+        <p:nvSpPr>
+          <p:cNvPr id="356" name="Line"/>
+          <p:cNvSpPr/>
+          <p:nvPr/>
+        </p:nvSpPr>
+        <p:spPr>
+          <a:xfrm flipV="1">
+            <a:off x="2815441" y="636021"/>
+            <a:ext cx="403995" cy="826898"/>
+          </a:xfrm>
+          <a:prstGeom prst="line">
+            <a:avLst/>
+          </a:prstGeom>
+          <a:ln w="25400">
+            <a:solidFill>
+              <a:schemeClr val="accent1"/>
+            </a:solidFill>
+            <a:miter/>
+          </a:ln>
+          <a:effectLst>
+            <a:outerShdw sx="100000" sy="100000" kx="0" ky="0" algn="b" rotWithShape="0" blurRad="38100" dist="20000" dir="5400000">
+              <a:srgbClr val="000000">
+                <a:alpha val="38000"/>
+              </a:srgbClr>
+            </a:outerShdw>
+          </a:effectLst>
+        </p:spPr>
+        <p:txBody>
+          <a:bodyPr lIns="0" tIns="0" rIns="0" bIns="0"/>
+          <a:lstStyle/>
+          <a:p>
+            <a:pPr/>
+          </a:p>
+        </p:txBody>
+      </p:sp>
+      <p:sp>
+        <p:nvSpPr>
+          <p:cNvPr id="357" name="Line"/>
+          <p:cNvSpPr/>
+          <p:nvPr/>
+        </p:nvSpPr>
+        <p:spPr>
+          <a:xfrm flipV="1">
+            <a:off x="2783302" y="2364949"/>
+            <a:ext cx="468273" cy="934302"/>
+          </a:xfrm>
+          <a:prstGeom prst="line">
+            <a:avLst/>
+          </a:prstGeom>
+          <a:ln w="25400">
+            <a:solidFill>
+              <a:schemeClr val="accent1"/>
+            </a:solidFill>
+            <a:miter/>
+          </a:ln>
+          <a:effectLst>
+            <a:outerShdw sx="100000" sy="100000" kx="0" ky="0" algn="b" rotWithShape="0" blurRad="38100" dist="20000" dir="5400000">
+              <a:srgbClr val="000000">
+                <a:alpha val="38000"/>
+              </a:srgbClr>
+            </a:outerShdw>
+          </a:effectLst>
+        </p:spPr>
+        <p:txBody>
+          <a:bodyPr lIns="0" tIns="0" rIns="0" bIns="0"/>
+          <a:lstStyle/>
+          <a:p>
+            <a:pPr/>
+          </a:p>
+        </p:txBody>
+      </p:sp>
+      <p:pic>
+        <p:nvPicPr>
+          <p:cNvPr id="358" name="Image" descr="Image"/>
+          <p:cNvPicPr>
+            <a:picLocks noChangeAspect="1"/>
+          </p:cNvPicPr>
+          <p:nvPr/>
+        </p:nvPicPr>
+        <p:blipFill>
+          <a:blip r:embed="rId2">
+            <a:extLst/>
+          </a:blip>
+          <a:srcRect l="0" t="75175" r="0" b="0"/>
+          <a:stretch>
+            <a:fillRect/>
+          </a:stretch>
+        </p:blipFill>
+        <p:spPr>
+          <a:xfrm>
+            <a:off x="3348940" y="3798036"/>
+            <a:ext cx="2288256" cy="1406127"/>
+          </a:xfrm>
+          <a:prstGeom prst="rect">
+            <a:avLst/>
+          </a:prstGeom>
+          <a:ln w="12700">
+            <a:miter lim="400000"/>
+          </a:ln>
+        </p:spPr>
+      </p:pic>
+      <p:pic>
+        <p:nvPicPr>
+          <p:cNvPr id="359" name="Image" descr="Image"/>
+          <p:cNvPicPr>
+            <a:picLocks noChangeAspect="1"/>
+          </p:cNvPicPr>
+          <p:nvPr/>
+        </p:nvPicPr>
+        <p:blipFill>
+          <a:blip r:embed="rId2">
+            <a:extLst/>
+          </a:blip>
+          <a:srcRect l="0" t="0" r="0" b="74531"/>
+          <a:stretch>
+            <a:fillRect/>
+          </a:stretch>
+        </p:blipFill>
+        <p:spPr>
+          <a:xfrm>
+            <a:off x="3223411" y="215221"/>
+            <a:ext cx="2288256" cy="1442616"/>
+          </a:xfrm>
+          <a:prstGeom prst="rect">
+            <a:avLst/>
+          </a:prstGeom>
+          <a:ln w="12700">
+            <a:miter lim="400000"/>
+          </a:ln>
+        </p:spPr>
+      </p:pic>
+    </p:spTree>
+  </p:cSld>
+  <p:clrMapOvr>
+    <a:masterClrMapping/>
+  </p:clrMapOvr>
+  <p:transition xmlns:p14="http://schemas.microsoft.com/office/powerpoint/2010/main" spd="med" advClick="1"/>
+</p:sld>
+</file>
+
+<file path=ppt/slides/slide44.xml><?xml version="1.0" encoding="utf-8"?>
+<p:sld xmlns:a="http://schemas.openxmlformats.org/drawingml/2006/main" xmlns:r="http://schemas.openxmlformats.org/officeDocument/2006/relationships" xmlns:p="http://schemas.openxmlformats.org/presentationml/2006/main" xmlns:m="http://schemas.openxmlformats.org/officeDocument/2006/math" xmlns:a14="http://schemas.microsoft.com/office/drawing/2010/main" showMasterSp="1" showMasterPhAnim="1">
+  <p:cSld>
+    <p:bg>
+      <p:bgPr>
+        <a:solidFill>
+          <a:srgbClr val="DDDDDD"/>
+        </a:solidFill>
+      </p:bgPr>
+    </p:bg>
+    <p:spTree>
+      <p:nvGrpSpPr>
+        <p:cNvPr id="1" name=""/>
+        <p:cNvGrpSpPr/>
+        <p:nvPr/>
+      </p:nvGrpSpPr>
+      <p:grpSpPr>
+        <a:xfrm>
+          <a:off x="0" y="0"/>
+          <a:ext cx="0" cy="0"/>
+          <a:chOff x="0" y="0"/>
+          <a:chExt cx="0" cy="0"/>
+        </a:xfrm>
+      </p:grpSpPr>
+      <p:pic>
+        <p:nvPicPr>
+          <p:cNvPr id="361" name="Image" descr="Image"/>
+          <p:cNvPicPr>
+            <a:picLocks noChangeAspect="1"/>
+          </p:cNvPicPr>
+          <p:nvPr/>
+        </p:nvPicPr>
+        <p:blipFill>
+          <a:blip r:embed="rId2">
+            <a:extLst/>
+          </a:blip>
+          <a:stretch>
+            <a:fillRect/>
+          </a:stretch>
+        </p:blipFill>
+        <p:spPr>
+          <a:xfrm>
+            <a:off x="5364245" y="757977"/>
+            <a:ext cx="2794001" cy="3505201"/>
+          </a:xfrm>
+          <a:prstGeom prst="rect">
+            <a:avLst/>
+          </a:prstGeom>
+          <a:ln w="12700">
+            <a:miter lim="400000"/>
+          </a:ln>
+        </p:spPr>
+      </p:pic>
+      <p:pic>
+        <p:nvPicPr>
+          <p:cNvPr id="362" name="Image" descr="Image"/>
+          <p:cNvPicPr>
+            <a:picLocks noChangeAspect="0"/>
+          </p:cNvPicPr>
+          <p:nvPr/>
+        </p:nvPicPr>
+        <p:blipFill>
+          <a:blip r:embed="rId3">
+            <a:extLst/>
+          </a:blip>
+          <a:stretch>
+            <a:fillRect/>
+          </a:stretch>
+        </p:blipFill>
+        <p:spPr>
+          <a:xfrm>
+            <a:off x="1134842" y="730144"/>
+            <a:ext cx="3733801" cy="4426057"/>
+          </a:xfrm>
+          <a:prstGeom prst="rect">
+            <a:avLst/>
+          </a:prstGeom>
+          <a:ln w="12700">
+            <a:miter lim="400000"/>
+          </a:ln>
+        </p:spPr>
+      </p:pic>
+      <p:sp>
+        <p:nvSpPr>
+          <p:cNvPr id="363" name="Line"/>
+          <p:cNvSpPr/>
+          <p:nvPr/>
+        </p:nvSpPr>
+        <p:spPr>
+          <a:xfrm flipV="1">
+            <a:off x="4852590" y="1414162"/>
+            <a:ext cx="554390" cy="554390"/>
+          </a:xfrm>
+          <a:prstGeom prst="line">
+            <a:avLst/>
+          </a:prstGeom>
+          <a:ln w="25400">
+            <a:solidFill>
+              <a:schemeClr val="accent1"/>
+            </a:solidFill>
+            <a:miter/>
+          </a:ln>
+          <a:effectLst>
+            <a:outerShdw sx="100000" sy="100000" kx="0" ky="0" algn="b" rotWithShape="0" blurRad="38100" dist="20000" dir="5400000">
+              <a:srgbClr val="000000">
+                <a:alpha val="38000"/>
+              </a:srgbClr>
+            </a:outerShdw>
+          </a:effectLst>
+        </p:spPr>
+        <p:txBody>
+          <a:bodyPr lIns="0" tIns="0" rIns="0" bIns="0"/>
+          <a:lstStyle/>
+          <a:p>
+            <a:pPr/>
+          </a:p>
+        </p:txBody>
+      </p:sp>
+    </p:spTree>
+  </p:cSld>
+  <p:clrMapOvr>
+    <a:masterClrMapping/>
+  </p:clrMapOvr>
+  <p:transition xmlns:p14="http://schemas.microsoft.com/office/powerpoint/2010/main" spd="med" advClick="1"/>
+</p:sld>
+</file>
+
+<file path=ppt/slides/slide45.xml><?xml version="1.0" encoding="utf-8"?>
+<p:sld xmlns:a="http://schemas.openxmlformats.org/drawingml/2006/main" xmlns:r="http://schemas.openxmlformats.org/officeDocument/2006/relationships" xmlns:p="http://schemas.openxmlformats.org/presentationml/2006/main" xmlns:m="http://schemas.openxmlformats.org/officeDocument/2006/math" xmlns:a14="http://schemas.microsoft.com/office/drawing/2010/main" showMasterSp="1" showMasterPhAnim="1">
+  <p:cSld>
+    <p:bg>
+      <p:bgPr>
+        <a:solidFill>
+          <a:srgbClr val="DDDDDD"/>
+        </a:solidFill>
+      </p:bgPr>
+    </p:bg>
+    <p:spTree>
+      <p:nvGrpSpPr>
+        <p:cNvPr id="1" name=""/>
+        <p:cNvGrpSpPr/>
+        <p:nvPr/>
+      </p:nvGrpSpPr>
+      <p:grpSpPr>
+        <a:xfrm>
+          <a:off x="0" y="0"/>
+          <a:ext cx="0" cy="0"/>
+          <a:chOff x="0" y="0"/>
+          <a:chExt cx="0" cy="0"/>
+        </a:xfrm>
+      </p:grpSpPr>
+      <p:pic>
+        <p:nvPicPr>
+          <p:cNvPr id="365" name="Image" descr="Image"/>
+          <p:cNvPicPr>
+            <a:picLocks noChangeAspect="1"/>
+          </p:cNvPicPr>
+          <p:nvPr/>
+        </p:nvPicPr>
+        <p:blipFill>
+          <a:blip r:embed="rId2">
+            <a:extLst/>
+          </a:blip>
+          <a:srcRect l="0" t="25646" r="0" b="49773"/>
+          <a:stretch>
+            <a:fillRect/>
+          </a:stretch>
+        </p:blipFill>
+        <p:spPr>
+          <a:xfrm>
+            <a:off x="5262174" y="1356242"/>
+            <a:ext cx="3823018" cy="2326015"/>
+          </a:xfrm>
+          <a:prstGeom prst="rect">
+            <a:avLst/>
+          </a:prstGeom>
+          <a:ln w="12700">
+            <a:miter lim="400000"/>
+          </a:ln>
+        </p:spPr>
+      </p:pic>
+      <p:pic>
+        <p:nvPicPr>
+          <p:cNvPr id="366" name="Image" descr="Image"/>
+          <p:cNvPicPr>
+            <a:picLocks noChangeAspect="1"/>
+          </p:cNvPicPr>
+          <p:nvPr/>
+        </p:nvPicPr>
+        <p:blipFill>
+          <a:blip r:embed="rId3">
+            <a:extLst/>
+          </a:blip>
+          <a:stretch>
+            <a:fillRect/>
+          </a:stretch>
+        </p:blipFill>
+        <p:spPr>
+          <a:xfrm>
+            <a:off x="575462" y="1341305"/>
+            <a:ext cx="4403556" cy="2757936"/>
+          </a:xfrm>
+          <a:prstGeom prst="rect">
+            <a:avLst/>
+          </a:prstGeom>
+          <a:ln w="12700">
+            <a:miter lim="400000"/>
+          </a:ln>
+        </p:spPr>
+      </p:pic>
+      <p:sp>
+        <p:nvSpPr>
+          <p:cNvPr id="367" name="Line"/>
+          <p:cNvSpPr/>
+          <p:nvPr/>
+        </p:nvSpPr>
+        <p:spPr>
+          <a:xfrm flipV="1">
+            <a:off x="4900354" y="2018829"/>
+            <a:ext cx="505791" cy="196918"/>
+          </a:xfrm>
+          <a:prstGeom prst="line">
+            <a:avLst/>
+          </a:prstGeom>
+          <a:ln w="25400">
+            <a:solidFill>
+              <a:schemeClr val="accent1"/>
+            </a:solidFill>
+            <a:miter/>
+          </a:ln>
+          <a:effectLst>
+            <a:outerShdw sx="100000" sy="100000" kx="0" ky="0" algn="b" rotWithShape="0" blurRad="38100" dist="20000" dir="5400000">
+              <a:srgbClr val="000000">
+                <a:alpha val="38000"/>
+              </a:srgbClr>
+            </a:outerShdw>
+          </a:effectLst>
+        </p:spPr>
+        <p:txBody>
+          <a:bodyPr lIns="0" tIns="0" rIns="0" bIns="0"/>
+          <a:lstStyle/>
+          <a:p>
+            <a:pPr/>
+          </a:p>
+        </p:txBody>
+      </p:sp>
+    </p:spTree>
+  </p:cSld>
+  <p:clrMapOvr>
+    <a:masterClrMapping/>
+  </p:clrMapOvr>
+  <p:transition xmlns:p14="http://schemas.microsoft.com/office/powerpoint/2010/main" spd="med" advClick="1"/>
+</p:sld>
+</file>
+
+<file path=ppt/slides/slide46.xml><?xml version="1.0" encoding="utf-8"?>
+<p:sld xmlns:a="http://schemas.openxmlformats.org/drawingml/2006/main" xmlns:r="http://schemas.openxmlformats.org/officeDocument/2006/relationships" xmlns:p="http://schemas.openxmlformats.org/presentationml/2006/main" xmlns:m="http://schemas.openxmlformats.org/officeDocument/2006/math" xmlns:a14="http://schemas.microsoft.com/office/drawing/2010/main" showMasterSp="1" showMasterPhAnim="1">
+  <p:cSld>
+    <p:bg>
+      <p:bgPr>
+        <a:solidFill>
+          <a:srgbClr val="DDDDDD"/>
+        </a:solidFill>
+      </p:bgPr>
+    </p:bg>
+    <p:spTree>
+      <p:nvGrpSpPr>
+        <p:cNvPr id="1" name=""/>
+        <p:cNvGrpSpPr/>
+        <p:nvPr/>
+      </p:nvGrpSpPr>
+      <p:grpSpPr>
+        <a:xfrm>
+          <a:off x="0" y="0"/>
+          <a:ext cx="0" cy="0"/>
+          <a:chOff x="0" y="0"/>
+          <a:chExt cx="0" cy="0"/>
+        </a:xfrm>
+      </p:grpSpPr>
+      <p:sp>
+        <p:nvSpPr>
+          <p:cNvPr id="369" name="TextShape 1"/>
+          <p:cNvSpPr txBox="1"/>
+          <p:nvPr/>
+        </p:nvSpPr>
+        <p:spPr>
+          <a:xfrm>
+            <a:off x="481384" y="1993884"/>
+            <a:ext cx="9108331" cy="394768"/>
+          </a:xfrm>
+          <a:prstGeom prst="rect">
+            <a:avLst/>
+          </a:prstGeom>
+          <a:ln w="12700">
+            <a:miter lim="400000"/>
+          </a:ln>
+          <a:extLst>
+            <a:ext uri="{C572A759-6A51-4108-AA02-DFA0A04FC94B}">
+              <ma14:wrappingTextBoxFlag xmlns:ma14="http://schemas.microsoft.com/office/mac/drawingml/2011/main" val="1"/>
+            </a:ext>
+          </a:extLst>
+        </p:spPr>
+        <p:txBody>
+          <a:bodyPr lIns="0" tIns="0" rIns="0" bIns="0" anchor="ctr">
+            <a:spAutoFit/>
+          </a:bodyPr>
+          <a:lstStyle>
+            <a:lvl1pPr algn="ctr">
+              <a:defRPr spc="-1" sz="2800"/>
+            </a:lvl1pPr>
+          </a:lstStyle>
+          <a:p>
+            <a:pPr/>
+            <a:r>
+              <a:t>Mathematics</a:t>
+            </a:r>
+          </a:p>
+        </p:txBody>
+      </p:sp>
+    </p:spTree>
+  </p:cSld>
+  <p:clrMapOvr>
+    <a:masterClrMapping/>
+  </p:clrMapOvr>
+  <p:transition xmlns:p14="http://schemas.microsoft.com/office/powerpoint/2010/main" spd="med" advClick="1"/>
+</p:sld>
+</file>
+
+<file path=ppt/slides/slide47.xml><?xml version="1.0" encoding="utf-8"?>
+<p:sld xmlns:a="http://schemas.openxmlformats.org/drawingml/2006/main" xmlns:r="http://schemas.openxmlformats.org/officeDocument/2006/relationships" xmlns:p="http://schemas.openxmlformats.org/presentationml/2006/main" xmlns:m="http://schemas.openxmlformats.org/officeDocument/2006/math" xmlns:a14="http://schemas.microsoft.com/office/drawing/2010/main" showMasterSp="1" showMasterPhAnim="1">
+  <p:cSld>
+    <p:bg>
+      <p:bgPr>
+        <a:solidFill>
+          <a:srgbClr val="DDDDDD"/>
+        </a:solidFill>
+      </p:bgPr>
+    </p:bg>
+    <p:spTree>
+      <p:nvGrpSpPr>
+        <p:cNvPr id="1" name=""/>
+        <p:cNvGrpSpPr/>
+        <p:nvPr/>
+      </p:nvGrpSpPr>
+      <p:grpSpPr>
+        <a:xfrm>
+          <a:off x="0" y="0"/>
+          <a:ext cx="0" cy="0"/>
+          <a:chOff x="0" y="0"/>
+          <a:chExt cx="0" cy="0"/>
+        </a:xfrm>
+      </p:grpSpPr>
+      <p:pic>
+        <p:nvPicPr>
+          <p:cNvPr id="371" name="Image" descr="Image"/>
+          <p:cNvPicPr>
+            <a:picLocks noChangeAspect="1"/>
+          </p:cNvPicPr>
+          <p:nvPr/>
+        </p:nvPicPr>
+        <p:blipFill>
+          <a:blip r:embed="rId2">
+            <a:extLst/>
+          </a:blip>
+          <a:srcRect l="33707" t="0" r="0" b="0"/>
+          <a:stretch>
+            <a:fillRect/>
+          </a:stretch>
+        </p:blipFill>
+        <p:spPr>
+          <a:xfrm>
+            <a:off x="4771868" y="-1208"/>
+            <a:ext cx="4573311" cy="5664201"/>
+          </a:xfrm>
+          <a:prstGeom prst="rect">
+            <a:avLst/>
+          </a:prstGeom>
+          <a:ln w="12700">
+            <a:miter lim="400000"/>
+          </a:ln>
+        </p:spPr>
+      </p:pic>
+      <p:pic>
+        <p:nvPicPr>
+          <p:cNvPr id="372" name="Image" descr="Image"/>
+          <p:cNvPicPr>
+            <a:picLocks noChangeAspect="1"/>
+          </p:cNvPicPr>
+          <p:nvPr/>
+        </p:nvPicPr>
+        <p:blipFill>
+          <a:blip r:embed="rId3">
+            <a:extLst/>
+          </a:blip>
+          <a:stretch>
+            <a:fillRect/>
+          </a:stretch>
+        </p:blipFill>
+        <p:spPr>
+          <a:xfrm>
+            <a:off x="296148" y="-1"/>
+            <a:ext cx="4590493" cy="5664201"/>
+          </a:xfrm>
+          <a:prstGeom prst="rect">
+            <a:avLst/>
+          </a:prstGeom>
+          <a:ln w="12700">
+            <a:miter lim="400000"/>
+          </a:ln>
+        </p:spPr>
+      </p:pic>
+      <p:sp>
+        <p:nvSpPr>
+          <p:cNvPr id="373" name="Line"/>
+          <p:cNvSpPr/>
+          <p:nvPr/>
+        </p:nvSpPr>
+        <p:spPr>
+          <a:xfrm>
+            <a:off x="1990609" y="3543770"/>
+            <a:ext cx="3619527" cy="1"/>
+          </a:xfrm>
+          <a:prstGeom prst="line">
+            <a:avLst/>
+          </a:prstGeom>
+          <a:ln w="25400">
+            <a:solidFill>
+              <a:schemeClr val="accent1"/>
+            </a:solidFill>
+            <a:miter/>
+            <a:tailEnd type="triangle"/>
+          </a:ln>
+          <a:effectLst>
+            <a:outerShdw sx="100000" sy="100000" kx="0" ky="0" algn="b" rotWithShape="0" blurRad="38100" dist="20000" dir="5400000">
+              <a:srgbClr val="000000">
+                <a:alpha val="38000"/>
+              </a:srgbClr>
+            </a:outerShdw>
+          </a:effectLst>
+        </p:spPr>
+        <p:txBody>
+          <a:bodyPr lIns="0" tIns="0" rIns="0" bIns="0"/>
+          <a:lstStyle/>
+          <a:p>
+            <a:pPr/>
+          </a:p>
+        </p:txBody>
+      </p:sp>
+    </p:spTree>
+  </p:cSld>
+  <p:clrMapOvr>
+    <a:masterClrMapping/>
+  </p:clrMapOvr>
+  <p:transition xmlns:p14="http://schemas.microsoft.com/office/powerpoint/2010/main" spd="med" advClick="1"/>
+</p:sld>
+</file>
+
+<file path=ppt/slides/slide48.xml><?xml version="1.0" encoding="utf-8"?>
+<p:sld xmlns:a="http://schemas.openxmlformats.org/drawingml/2006/main" xmlns:r="http://schemas.openxmlformats.org/officeDocument/2006/relationships" xmlns:p="http://schemas.openxmlformats.org/presentationml/2006/main" xmlns:m="http://schemas.openxmlformats.org/officeDocument/2006/math" xmlns:a14="http://schemas.microsoft.com/office/drawing/2010/main" showMasterSp="1" showMasterPhAnim="1">
+  <p:cSld>
+    <p:bg>
+      <p:bgPr>
+        <a:solidFill>
+          <a:srgbClr val="DDDDDD"/>
+        </a:solidFill>
+      </p:bgPr>
+    </p:bg>
+    <p:spTree>
+      <p:nvGrpSpPr>
+        <p:cNvPr id="1" name=""/>
+        <p:cNvGrpSpPr/>
+        <p:nvPr/>
+      </p:nvGrpSpPr>
+      <p:grpSpPr>
+        <a:xfrm>
+          <a:off x="0" y="0"/>
+          <a:ext cx="0" cy="0"/>
+          <a:chOff x="0" y="0"/>
+          <a:chExt cx="0" cy="0"/>
+        </a:xfrm>
+      </p:grpSpPr>
+      <p:pic>
+        <p:nvPicPr>
+          <p:cNvPr id="375" name="Image" descr="Image"/>
+          <p:cNvPicPr>
+            <a:picLocks noChangeAspect="1"/>
+          </p:cNvPicPr>
+          <p:nvPr/>
+        </p:nvPicPr>
+        <p:blipFill>
+          <a:blip r:embed="rId2">
+            <a:extLst/>
+          </a:blip>
+          <a:srcRect l="0" t="50004" r="66724" b="24852"/>
+          <a:stretch>
+            <a:fillRect/>
+          </a:stretch>
+        </p:blipFill>
+        <p:spPr>
+          <a:xfrm>
+            <a:off x="3151735" y="2027230"/>
+            <a:ext cx="2295563" cy="1424152"/>
+          </a:xfrm>
+          <a:prstGeom prst="rect">
+            <a:avLst/>
+          </a:prstGeom>
+          <a:ln w="12700">
+            <a:miter lim="400000"/>
+          </a:ln>
+        </p:spPr>
+      </p:pic>
+      <p:pic>
+        <p:nvPicPr>
+          <p:cNvPr id="376" name="Image" descr="Image"/>
+          <p:cNvPicPr>
+            <a:picLocks noChangeAspect="1"/>
+          </p:cNvPicPr>
+          <p:nvPr/>
+        </p:nvPicPr>
+        <p:blipFill>
+          <a:blip r:embed="rId2">
+            <a:extLst/>
+          </a:blip>
+          <a:srcRect l="0" t="0" r="66724" b="74912"/>
+          <a:stretch>
+            <a:fillRect/>
+          </a:stretch>
+        </p:blipFill>
+        <p:spPr>
+          <a:xfrm>
+            <a:off x="3151735" y="268372"/>
+            <a:ext cx="2295563" cy="1421007"/>
+          </a:xfrm>
+          <a:prstGeom prst="rect">
+            <a:avLst/>
+          </a:prstGeom>
+          <a:ln w="12700">
+            <a:miter lim="400000"/>
+          </a:ln>
+        </p:spPr>
+      </p:pic>
+      <p:sp>
+        <p:nvSpPr>
+          <p:cNvPr id="377" name="TextShape 1"/>
+          <p:cNvSpPr txBox="1"/>
+          <p:nvPr/>
+        </p:nvSpPr>
+        <p:spPr>
+          <a:xfrm>
+            <a:off x="5856831" y="433158"/>
+            <a:ext cx="3815626" cy="394767"/>
+          </a:xfrm>
+          <a:prstGeom prst="rect">
+            <a:avLst/>
+          </a:prstGeom>
+          <a:ln w="12700">
+            <a:miter lim="400000"/>
+          </a:ln>
+          <a:extLst>
+            <a:ext uri="{C572A759-6A51-4108-AA02-DFA0A04FC94B}">
+              <ma14:wrappingTextBoxFlag xmlns:ma14="http://schemas.microsoft.com/office/mac/drawingml/2011/main" val="1"/>
+            </a:ext>
+          </a:extLst>
+        </p:spPr>
+        <p:txBody>
+          <a:bodyPr lIns="0" tIns="0" rIns="0" bIns="0" anchor="ctr">
+            <a:spAutoFit/>
+          </a:bodyPr>
+          <a:lstStyle>
+            <a:lvl1pPr algn="ctr">
+              <a:defRPr spc="-1" sz="2800"/>
+            </a:lvl1pPr>
+          </a:lstStyle>
+          <a:p>
+            <a:pPr/>
+            <a:r>
+              <a:t>Citations</a:t>
+            </a:r>
+          </a:p>
+        </p:txBody>
+      </p:sp>
+      <p:pic>
+        <p:nvPicPr>
+          <p:cNvPr id="378" name="Image" descr="Image"/>
+          <p:cNvPicPr>
+            <a:picLocks noChangeAspect="1"/>
+          </p:cNvPicPr>
+          <p:nvPr/>
+        </p:nvPicPr>
+        <p:blipFill>
+          <a:blip r:embed="rId3">
+            <a:extLst/>
+          </a:blip>
+          <a:stretch>
+            <a:fillRect/>
+          </a:stretch>
+        </p:blipFill>
+        <p:spPr>
+          <a:xfrm>
+            <a:off x="84159" y="185573"/>
+            <a:ext cx="2737337" cy="1727888"/>
+          </a:xfrm>
+          <a:prstGeom prst="rect">
+            <a:avLst/>
+          </a:prstGeom>
+          <a:ln w="12700">
+            <a:miter lim="400000"/>
+          </a:ln>
+        </p:spPr>
+      </p:pic>
+      <p:pic>
+        <p:nvPicPr>
+          <p:cNvPr id="379" name="Image" descr="Image"/>
+          <p:cNvPicPr>
+            <a:picLocks noChangeAspect="1"/>
+          </p:cNvPicPr>
+          <p:nvPr/>
+        </p:nvPicPr>
+        <p:blipFill>
+          <a:blip r:embed="rId4">
+            <a:extLst/>
+          </a:blip>
+          <a:stretch>
+            <a:fillRect/>
+          </a:stretch>
+        </p:blipFill>
+        <p:spPr>
+          <a:xfrm>
+            <a:off x="82413" y="1992835"/>
+            <a:ext cx="2740828" cy="1680165"/>
+          </a:xfrm>
+          <a:prstGeom prst="rect">
+            <a:avLst/>
+          </a:prstGeom>
+          <a:ln w="12700">
+            <a:miter lim="400000"/>
+          </a:ln>
+        </p:spPr>
+      </p:pic>
+      <p:pic>
+        <p:nvPicPr>
+          <p:cNvPr id="380" name="Image" descr="Image"/>
+          <p:cNvPicPr>
+            <a:picLocks noChangeAspect="1"/>
+          </p:cNvPicPr>
+          <p:nvPr/>
+        </p:nvPicPr>
+        <p:blipFill>
+          <a:blip r:embed="rId5">
+            <a:extLst/>
+          </a:blip>
+          <a:stretch>
+            <a:fillRect/>
+          </a:stretch>
+        </p:blipFill>
+        <p:spPr>
+          <a:xfrm>
+            <a:off x="80111" y="3750740"/>
+            <a:ext cx="2740466" cy="1727887"/>
+          </a:xfrm>
+          <a:prstGeom prst="rect">
+            <a:avLst/>
+          </a:prstGeom>
+          <a:ln w="12700">
+            <a:miter lim="400000"/>
+          </a:ln>
+        </p:spPr>
+      </p:pic>
+      <p:sp>
+        <p:nvSpPr>
+          <p:cNvPr id="381" name="Line"/>
+          <p:cNvSpPr/>
+          <p:nvPr/>
+        </p:nvSpPr>
+        <p:spPr>
+          <a:xfrm flipV="1">
+            <a:off x="2815441" y="636021"/>
+            <a:ext cx="403995" cy="826898"/>
+          </a:xfrm>
+          <a:prstGeom prst="line">
+            <a:avLst/>
+          </a:prstGeom>
+          <a:ln w="25400">
+            <a:solidFill>
+              <a:schemeClr val="accent1"/>
+            </a:solidFill>
+            <a:miter/>
+          </a:ln>
+          <a:effectLst>
+            <a:outerShdw sx="100000" sy="100000" kx="0" ky="0" algn="b" rotWithShape="0" blurRad="38100" dist="20000" dir="5400000">
+              <a:srgbClr val="000000">
+                <a:alpha val="38000"/>
+              </a:srgbClr>
+            </a:outerShdw>
+          </a:effectLst>
+        </p:spPr>
+        <p:txBody>
+          <a:bodyPr lIns="0" tIns="0" rIns="0" bIns="0"/>
+          <a:lstStyle/>
+          <a:p>
+            <a:pPr/>
+          </a:p>
+        </p:txBody>
+      </p:sp>
+      <p:sp>
+        <p:nvSpPr>
+          <p:cNvPr id="382" name="Line"/>
+          <p:cNvSpPr/>
+          <p:nvPr/>
+        </p:nvSpPr>
+        <p:spPr>
+          <a:xfrm flipV="1">
+            <a:off x="2783302" y="2364949"/>
+            <a:ext cx="468273" cy="934302"/>
+          </a:xfrm>
+          <a:prstGeom prst="line">
+            <a:avLst/>
+          </a:prstGeom>
+          <a:ln w="25400">
+            <a:solidFill>
+              <a:schemeClr val="accent1"/>
+            </a:solidFill>
+            <a:miter/>
+          </a:ln>
+          <a:effectLst>
+            <a:outerShdw sx="100000" sy="100000" kx="0" ky="0" algn="b" rotWithShape="0" blurRad="38100" dist="20000" dir="5400000">
+              <a:srgbClr val="000000">
+                <a:alpha val="38000"/>
+              </a:srgbClr>
+            </a:outerShdw>
+          </a:effectLst>
+        </p:spPr>
+        <p:txBody>
+          <a:bodyPr lIns="0" tIns="0" rIns="0" bIns="0"/>
+          <a:lstStyle/>
+          <a:p>
+            <a:pPr/>
+          </a:p>
+        </p:txBody>
+      </p:sp>
+      <p:pic>
+        <p:nvPicPr>
+          <p:cNvPr id="383" name="Image" descr="Image"/>
+          <p:cNvPicPr>
+            <a:picLocks noChangeAspect="1"/>
+          </p:cNvPicPr>
+          <p:nvPr/>
+        </p:nvPicPr>
+        <p:blipFill>
+          <a:blip r:embed="rId2">
+            <a:extLst/>
+          </a:blip>
+          <a:srcRect l="0" t="75323" r="66724" b="0"/>
+          <a:stretch>
+            <a:fillRect/>
+          </a:stretch>
+        </p:blipFill>
+        <p:spPr>
+          <a:xfrm>
+            <a:off x="3151735" y="3747030"/>
+            <a:ext cx="2837932" cy="1727983"/>
+          </a:xfrm>
+          <a:prstGeom prst="rect">
+            <a:avLst/>
+          </a:prstGeom>
+          <a:ln w="12700">
+            <a:miter lim="400000"/>
+          </a:ln>
+        </p:spPr>
+      </p:pic>
+    </p:spTree>
+  </p:cSld>
+  <p:clrMapOvr>
+    <a:masterClrMapping/>
+  </p:clrMapOvr>
+  <p:transition xmlns:p14="http://schemas.microsoft.com/office/powerpoint/2010/main" spd="med" advClick="1"/>
+</p:sld>
+</file>
+
+<file path=ppt/slides/slide49.xml><?xml version="1.0" encoding="utf-8"?>
+<p:sld xmlns:a="http://schemas.openxmlformats.org/drawingml/2006/main" xmlns:r="http://schemas.openxmlformats.org/officeDocument/2006/relationships" xmlns:p="http://schemas.openxmlformats.org/presentationml/2006/main" xmlns:m="http://schemas.openxmlformats.org/officeDocument/2006/math" xmlns:a14="http://schemas.microsoft.com/office/drawing/2010/main" showMasterSp="1" showMasterPhAnim="1">
+  <p:cSld>
+    <p:bg>
+      <p:bgPr>
+        <a:solidFill>
+          <a:srgbClr val="DDDDDD"/>
+        </a:solidFill>
+      </p:bgPr>
+    </p:bg>
+    <p:spTree>
+      <p:nvGrpSpPr>
+        <p:cNvPr id="1" name=""/>
+        <p:cNvGrpSpPr/>
+        <p:nvPr/>
+      </p:nvGrpSpPr>
+      <p:grpSpPr>
+        <a:xfrm>
+          <a:off x="0" y="0"/>
+          <a:ext cx="0" cy="0"/>
+          <a:chOff x="0" y="0"/>
+          <a:chExt cx="0" cy="0"/>
+        </a:xfrm>
+      </p:grpSpPr>
+      <p:pic>
+        <p:nvPicPr>
+          <p:cNvPr id="385" name="Image" descr="Image"/>
+          <p:cNvPicPr>
+            <a:picLocks noChangeAspect="1"/>
+          </p:cNvPicPr>
+          <p:nvPr/>
+        </p:nvPicPr>
+        <p:blipFill>
+          <a:blip r:embed="rId2">
+            <a:extLst/>
+          </a:blip>
+          <a:stretch>
+            <a:fillRect/>
+          </a:stretch>
+        </p:blipFill>
+        <p:spPr>
+          <a:xfrm>
+            <a:off x="5090722" y="718492"/>
+            <a:ext cx="3508457" cy="4449361"/>
+          </a:xfrm>
+          <a:prstGeom prst="rect">
+            <a:avLst/>
+          </a:prstGeom>
+          <a:ln w="12700">
+            <a:miter lim="400000"/>
+          </a:ln>
+        </p:spPr>
+      </p:pic>
+      <p:pic>
+        <p:nvPicPr>
+          <p:cNvPr id="386" name="Image" descr="Image"/>
+          <p:cNvPicPr>
+            <a:picLocks noChangeAspect="0"/>
+          </p:cNvPicPr>
+          <p:nvPr/>
+        </p:nvPicPr>
+        <p:blipFill>
+          <a:blip r:embed="rId3">
+            <a:extLst/>
+          </a:blip>
+          <a:stretch>
+            <a:fillRect/>
+          </a:stretch>
+        </p:blipFill>
+        <p:spPr>
+          <a:xfrm>
+            <a:off x="1134842" y="730144"/>
+            <a:ext cx="3733801" cy="4426057"/>
+          </a:xfrm>
+          <a:prstGeom prst="rect">
+            <a:avLst/>
+          </a:prstGeom>
+          <a:ln w="12700">
+            <a:miter lim="400000"/>
+          </a:ln>
+        </p:spPr>
+      </p:pic>
+      <p:sp>
+        <p:nvSpPr>
+          <p:cNvPr id="387" name="Line"/>
+          <p:cNvSpPr/>
+          <p:nvPr/>
+        </p:nvSpPr>
+        <p:spPr>
+          <a:xfrm flipV="1">
+            <a:off x="4852590" y="1602632"/>
+            <a:ext cx="365920" cy="821434"/>
+          </a:xfrm>
+          <a:prstGeom prst="line">
+            <a:avLst/>
+          </a:prstGeom>
+          <a:ln w="25400">
+            <a:solidFill>
+              <a:schemeClr val="accent1"/>
+            </a:solidFill>
+            <a:miter/>
+          </a:ln>
+          <a:effectLst>
+            <a:outerShdw sx="100000" sy="100000" kx="0" ky="0" algn="b" rotWithShape="0" blurRad="38100" dist="20000" dir="5400000">
+              <a:srgbClr val="000000">
+                <a:alpha val="38000"/>
+              </a:srgbClr>
+            </a:outerShdw>
+          </a:effectLst>
+        </p:spPr>
+        <p:txBody>
+          <a:bodyPr lIns="0" tIns="0" rIns="0" bIns="0"/>
+          <a:lstStyle/>
+          <a:p>
+            <a:pPr/>
           </a:p>
         </p:txBody>
       </p:sp>
@@ -5165,14 +10539,14 @@
       </p:grpSpPr>
       <p:sp>
         <p:nvSpPr>
-          <p:cNvPr id="144" name="TextShape 1"/>
+          <p:cNvPr id="166" name="TextShape 1"/>
           <p:cNvSpPr txBox="1"/>
           <p:nvPr/>
         </p:nvSpPr>
         <p:spPr>
           <a:xfrm>
-            <a:off x="5081964" y="433158"/>
-            <a:ext cx="4590493" cy="394767"/>
+            <a:off x="138900" y="322921"/>
+            <a:ext cx="1016398" cy="1328099"/>
           </a:xfrm>
           <a:prstGeom prst="rect">
             <a:avLst/>
@@ -5192,88 +10566,20 @@
           </a:bodyPr>
           <a:lstStyle>
             <a:lvl1pPr algn="ctr">
-              <a:defRPr spc="-1" sz="2800"/>
+              <a:defRPr spc="0" sz="1300"/>
             </a:lvl1pPr>
           </a:lstStyle>
           <a:p>
             <a:pPr/>
             <a:r>
-              <a:t>Citations</a:t>
-            </a:r>
-          </a:p>
-        </p:txBody>
-      </p:sp>
-      <p:sp>
-        <p:nvSpPr>
-          <p:cNvPr id="145" name="Jumlah totalnya mengalami peningkatan yang ditandai dengan “tekuk lereng”/slope break (istilah geomorfologi) pada tahun 2008 (1294), 2012 (3288), 2015 (6106), 2016 (8446).…"/>
-          <p:cNvSpPr txBox="1"/>
-          <p:nvPr/>
-        </p:nvSpPr>
-        <p:spPr>
-          <a:xfrm>
-            <a:off x="5349633" y="1249738"/>
-            <a:ext cx="4196699" cy="3726322"/>
-          </a:xfrm>
-          <a:prstGeom prst="rect">
-            <a:avLst/>
-          </a:prstGeom>
-          <a:ln w="12700">
-            <a:miter lim="400000"/>
-          </a:ln>
-          <a:extLst>
-            <a:ext uri="{C572A759-6A51-4108-AA02-DFA0A04FC94B}">
-              <ma14:wrappingTextBoxFlag xmlns:ma14="http://schemas.microsoft.com/office/mac/drawingml/2011/main" val="1"/>
-            </a:ext>
-          </a:extLst>
-        </p:spPr>
-        <p:txBody>
-          <a:bodyPr lIns="0" tIns="0" rIns="0" bIns="0">
-            <a:spAutoFit/>
-          </a:bodyPr>
-          <a:lstStyle/>
-          <a:p>
-            <a:pPr/>
-            <a:r>
-              <a:t>Jumlah totalnya mengalami peningkatan yang ditandai dengan “tekuk lereng”/</a:t>
-            </a:r>
-            <a:r>
-              <a:rPr i="1"/>
-              <a:t>slope break </a:t>
-            </a:r>
-            <a:r>
-              <a:t>(istilah geomorfologi) pada tahun 2008 (1294), 2012 (3288), 2015 (6106), 2016 (8446).</a:t>
-            </a:r>
-          </a:p>
-          <a:p>
-            <a:pPr/>
-          </a:p>
-          <a:p>
-            <a:pPr/>
-            <a:r>
-              <a:t>Jumlah external cites dan selfcites meningkat secara proporsional dengan </a:t>
-            </a:r>
-            <a:r>
-              <a:rPr i="1"/>
-              <a:t>spike </a:t>
-            </a:r>
-            <a:r>
-              <a:t>terjadi di tahun 2000, 2009 dan 2014. Penyebab? </a:t>
-            </a:r>
-          </a:p>
-          <a:p>
-            <a:pPr/>
-          </a:p>
-          <a:p>
-            <a:pPr/>
-            <a:r>
-              <a:t>Peningkatan jumlah sitasi (sepertinya) berhubungan dengan peningkatan jumlah dokumen berjenis OA.</a:t>
+              <a:t>Self vs external cites dari Indonesia pada berbagai kategori</a:t>
             </a:r>
           </a:p>
         </p:txBody>
       </p:sp>
       <p:pic>
         <p:nvPicPr>
-          <p:cNvPr id="146" name="Image" descr="Image"/>
+          <p:cNvPr id="167" name="Image" descr="Image"/>
           <p:cNvPicPr>
             <a:picLocks noChangeAspect="1"/>
           </p:cNvPicPr>
@@ -5289,8 +10595,8 @@
         </p:blipFill>
         <p:spPr>
           <a:xfrm>
-            <a:off x="682928" y="182714"/>
-            <a:ext cx="2737337" cy="1727887"/>
+            <a:off x="7089223" y="3813629"/>
+            <a:ext cx="2781301" cy="1739901"/>
           </a:xfrm>
           <a:prstGeom prst="rect">
             <a:avLst/>
@@ -5300,9 +10606,45 @@
           </a:ln>
         </p:spPr>
       </p:pic>
+      <p:sp>
+        <p:nvSpPr>
+          <p:cNvPr id="168" name="Math"/>
+          <p:cNvSpPr txBox="1"/>
+          <p:nvPr/>
+        </p:nvSpPr>
+        <p:spPr>
+          <a:xfrm>
+            <a:off x="7251010" y="4259625"/>
+            <a:ext cx="520912" cy="259222"/>
+          </a:xfrm>
+          <a:prstGeom prst="rect">
+            <a:avLst/>
+          </a:prstGeom>
+          <a:ln w="12700">
+            <a:miter lim="400000"/>
+          </a:ln>
+          <a:extLst>
+            <a:ext uri="{C572A759-6A51-4108-AA02-DFA0A04FC94B}">
+              <ma14:wrappingTextBoxFlag xmlns:ma14="http://schemas.microsoft.com/office/mac/drawingml/2011/main" val="1"/>
+            </a:ext>
+          </a:extLst>
+        </p:spPr>
+        <p:txBody>
+          <a:bodyPr wrap="none" lIns="0" tIns="0" rIns="0" bIns="0">
+            <a:spAutoFit/>
+          </a:bodyPr>
+          <a:lstStyle/>
+          <a:p>
+            <a:pPr/>
+            <a:r>
+              <a:t>Math</a:t>
+            </a:r>
+          </a:p>
+        </p:txBody>
+      </p:sp>
       <p:pic>
         <p:nvPicPr>
-          <p:cNvPr id="147" name="Image" descr="Image"/>
+          <p:cNvPr id="169" name="Image" descr="Image"/>
           <p:cNvPicPr>
             <a:picLocks noChangeAspect="1"/>
           </p:cNvPicPr>
@@ -5318,8 +10660,8 @@
         </p:blipFill>
         <p:spPr>
           <a:xfrm>
-            <a:off x="681182" y="1989976"/>
-            <a:ext cx="2740828" cy="1680165"/>
+            <a:off x="4174066" y="3807279"/>
+            <a:ext cx="2794001" cy="1752601"/>
           </a:xfrm>
           <a:prstGeom prst="rect">
             <a:avLst/>
@@ -5329,9 +10671,51 @@
           </a:ln>
         </p:spPr>
       </p:pic>
+      <p:sp>
+        <p:nvSpPr>
+          <p:cNvPr id="170" name="Material…"/>
+          <p:cNvSpPr txBox="1"/>
+          <p:nvPr/>
+        </p:nvSpPr>
+        <p:spPr>
+          <a:xfrm>
+            <a:off x="4278746" y="4178853"/>
+            <a:ext cx="825749" cy="525922"/>
+          </a:xfrm>
+          <a:prstGeom prst="rect">
+            <a:avLst/>
+          </a:prstGeom>
+          <a:ln w="12700">
+            <a:miter lim="400000"/>
+          </a:ln>
+          <a:extLst>
+            <a:ext uri="{C572A759-6A51-4108-AA02-DFA0A04FC94B}">
+              <ma14:wrappingTextBoxFlag xmlns:ma14="http://schemas.microsoft.com/office/mac/drawingml/2011/main" val="1"/>
+            </a:ext>
+          </a:extLst>
+        </p:spPr>
+        <p:txBody>
+          <a:bodyPr wrap="none" lIns="0" tIns="0" rIns="0" bIns="0">
+            <a:spAutoFit/>
+          </a:bodyPr>
+          <a:lstStyle/>
+          <a:p>
+            <a:pPr/>
+            <a:r>
+              <a:t>Material</a:t>
+            </a:r>
+          </a:p>
+          <a:p>
+            <a:pPr/>
+            <a:r>
+              <a:t>Sci</a:t>
+            </a:r>
+          </a:p>
+        </p:txBody>
+      </p:sp>
       <p:pic>
         <p:nvPicPr>
-          <p:cNvPr id="148" name="Image" descr="Image"/>
+          <p:cNvPr id="171" name="Image" descr="Image"/>
           <p:cNvPicPr>
             <a:picLocks noChangeAspect="1"/>
           </p:cNvPicPr>
@@ -5347,8 +10731,8 @@
         </p:blipFill>
         <p:spPr>
           <a:xfrm>
-            <a:off x="678880" y="3747880"/>
-            <a:ext cx="2740466" cy="1727888"/>
+            <a:off x="1258909" y="3800929"/>
+            <a:ext cx="2806701" cy="1765301"/>
           </a:xfrm>
           <a:prstGeom prst="rect">
             <a:avLst/>
@@ -5358,6 +10742,1222 @@
           </a:ln>
         </p:spPr>
       </p:pic>
+      <p:sp>
+        <p:nvSpPr>
+          <p:cNvPr id="172" name="Energy"/>
+          <p:cNvSpPr txBox="1"/>
+          <p:nvPr/>
+        </p:nvSpPr>
+        <p:spPr>
+          <a:xfrm>
+            <a:off x="1358424" y="4178853"/>
+            <a:ext cx="737010" cy="259222"/>
+          </a:xfrm>
+          <a:prstGeom prst="rect">
+            <a:avLst/>
+          </a:prstGeom>
+          <a:ln w="12700">
+            <a:miter lim="400000"/>
+          </a:ln>
+          <a:extLst>
+            <a:ext uri="{C572A759-6A51-4108-AA02-DFA0A04FC94B}">
+              <ma14:wrappingTextBoxFlag xmlns:ma14="http://schemas.microsoft.com/office/mac/drawingml/2011/main" val="1"/>
+            </a:ext>
+          </a:extLst>
+        </p:spPr>
+        <p:txBody>
+          <a:bodyPr wrap="none" lIns="0" tIns="0" rIns="0" bIns="0">
+            <a:spAutoFit/>
+          </a:bodyPr>
+          <a:lstStyle/>
+          <a:p>
+            <a:pPr/>
+            <a:r>
+              <a:t>Energy</a:t>
+            </a:r>
+          </a:p>
+        </p:txBody>
+      </p:sp>
+      <p:pic>
+        <p:nvPicPr>
+          <p:cNvPr id="173" name="Image" descr="Image"/>
+          <p:cNvPicPr>
+            <a:picLocks noChangeAspect="1"/>
+          </p:cNvPicPr>
+          <p:nvPr/>
+        </p:nvPicPr>
+        <p:blipFill>
+          <a:blip r:embed="rId5">
+            <a:extLst/>
+          </a:blip>
+          <a:stretch>
+            <a:fillRect/>
+          </a:stretch>
+        </p:blipFill>
+        <p:spPr>
+          <a:xfrm>
+            <a:off x="7076523" y="1971960"/>
+            <a:ext cx="2806701" cy="1752601"/>
+          </a:xfrm>
+          <a:prstGeom prst="rect">
+            <a:avLst/>
+          </a:prstGeom>
+          <a:ln w="12700">
+            <a:miter lim="400000"/>
+          </a:ln>
+        </p:spPr>
+      </p:pic>
+      <p:sp>
+        <p:nvSpPr>
+          <p:cNvPr id="174" name="Earth…"/>
+          <p:cNvSpPr txBox="1"/>
+          <p:nvPr/>
+        </p:nvSpPr>
+        <p:spPr>
+          <a:xfrm>
+            <a:off x="7161581" y="2326220"/>
+            <a:ext cx="660885" cy="792622"/>
+          </a:xfrm>
+          <a:prstGeom prst="rect">
+            <a:avLst/>
+          </a:prstGeom>
+          <a:ln w="12700">
+            <a:miter lim="400000"/>
+          </a:ln>
+          <a:extLst>
+            <a:ext uri="{C572A759-6A51-4108-AA02-DFA0A04FC94B}">
+              <ma14:wrappingTextBoxFlag xmlns:ma14="http://schemas.microsoft.com/office/mac/drawingml/2011/main" val="1"/>
+            </a:ext>
+          </a:extLst>
+        </p:spPr>
+        <p:txBody>
+          <a:bodyPr wrap="none" lIns="0" tIns="0" rIns="0" bIns="0">
+            <a:spAutoFit/>
+          </a:bodyPr>
+          <a:lstStyle/>
+          <a:p>
+            <a:pPr/>
+            <a:r>
+              <a:t>Earth</a:t>
+            </a:r>
+          </a:p>
+          <a:p>
+            <a:pPr/>
+            <a:r>
+              <a:t>Planet</a:t>
+            </a:r>
+          </a:p>
+          <a:p>
+            <a:pPr/>
+            <a:r>
+              <a:t>Sci</a:t>
+            </a:r>
+          </a:p>
+        </p:txBody>
+      </p:sp>
+      <p:pic>
+        <p:nvPicPr>
+          <p:cNvPr id="175" name="Image" descr="Image"/>
+          <p:cNvPicPr>
+            <a:picLocks noChangeAspect="1"/>
+          </p:cNvPicPr>
+          <p:nvPr/>
+        </p:nvPicPr>
+        <p:blipFill>
+          <a:blip r:embed="rId6">
+            <a:extLst/>
+          </a:blip>
+          <a:stretch>
+            <a:fillRect/>
+          </a:stretch>
+        </p:blipFill>
+        <p:spPr>
+          <a:xfrm>
+            <a:off x="4180416" y="1971960"/>
+            <a:ext cx="2781301" cy="1752601"/>
+          </a:xfrm>
+          <a:prstGeom prst="rect">
+            <a:avLst/>
+          </a:prstGeom>
+          <a:ln w="12700">
+            <a:miter lim="400000"/>
+          </a:ln>
+        </p:spPr>
+      </p:pic>
+      <p:sp>
+        <p:nvSpPr>
+          <p:cNvPr id="176" name="Computer…"/>
+          <p:cNvSpPr txBox="1"/>
+          <p:nvPr/>
+        </p:nvSpPr>
+        <p:spPr>
+          <a:xfrm>
+            <a:off x="4267231" y="2326220"/>
+            <a:ext cx="1016398" cy="525922"/>
+          </a:xfrm>
+          <a:prstGeom prst="rect">
+            <a:avLst/>
+          </a:prstGeom>
+          <a:ln w="12700">
+            <a:miter lim="400000"/>
+          </a:ln>
+          <a:extLst>
+            <a:ext uri="{C572A759-6A51-4108-AA02-DFA0A04FC94B}">
+              <ma14:wrappingTextBoxFlag xmlns:ma14="http://schemas.microsoft.com/office/mac/drawingml/2011/main" val="1"/>
+            </a:ext>
+          </a:extLst>
+        </p:spPr>
+        <p:txBody>
+          <a:bodyPr wrap="none" lIns="0" tIns="0" rIns="0" bIns="0">
+            <a:spAutoFit/>
+          </a:bodyPr>
+          <a:lstStyle/>
+          <a:p>
+            <a:pPr/>
+            <a:r>
+              <a:t>Computer</a:t>
+            </a:r>
+          </a:p>
+          <a:p>
+            <a:pPr/>
+            <a:r>
+              <a:t>Sci</a:t>
+            </a:r>
+          </a:p>
+        </p:txBody>
+      </p:sp>
+      <p:pic>
+        <p:nvPicPr>
+          <p:cNvPr id="177" name="Image" descr="Image"/>
+          <p:cNvPicPr>
+            <a:picLocks noChangeAspect="1"/>
+          </p:cNvPicPr>
+          <p:nvPr/>
+        </p:nvPicPr>
+        <p:blipFill>
+          <a:blip r:embed="rId7">
+            <a:extLst/>
+          </a:blip>
+          <a:stretch>
+            <a:fillRect/>
+          </a:stretch>
+        </p:blipFill>
+        <p:spPr>
+          <a:xfrm>
+            <a:off x="1265259" y="1978310"/>
+            <a:ext cx="2794001" cy="1739901"/>
+          </a:xfrm>
+          <a:prstGeom prst="rect">
+            <a:avLst/>
+          </a:prstGeom>
+          <a:ln w="12700">
+            <a:miter lim="400000"/>
+          </a:ln>
+        </p:spPr>
+      </p:pic>
+      <p:sp>
+        <p:nvSpPr>
+          <p:cNvPr id="178" name="Chemical…"/>
+          <p:cNvSpPr txBox="1"/>
+          <p:nvPr/>
+        </p:nvSpPr>
+        <p:spPr>
+          <a:xfrm>
+            <a:off x="1358424" y="2332019"/>
+            <a:ext cx="965499" cy="525923"/>
+          </a:xfrm>
+          <a:prstGeom prst="rect">
+            <a:avLst/>
+          </a:prstGeom>
+          <a:ln w="12700">
+            <a:miter lim="400000"/>
+          </a:ln>
+          <a:extLst>
+            <a:ext uri="{C572A759-6A51-4108-AA02-DFA0A04FC94B}">
+              <ma14:wrappingTextBoxFlag xmlns:ma14="http://schemas.microsoft.com/office/mac/drawingml/2011/main" val="1"/>
+            </a:ext>
+          </a:extLst>
+        </p:spPr>
+        <p:txBody>
+          <a:bodyPr wrap="none" lIns="0" tIns="0" rIns="0" bIns="0">
+            <a:spAutoFit/>
+          </a:bodyPr>
+          <a:lstStyle/>
+          <a:p>
+            <a:pPr/>
+            <a:r>
+              <a:t>Chemical</a:t>
+            </a:r>
+          </a:p>
+          <a:p>
+            <a:pPr/>
+            <a:r>
+              <a:t>Eng</a:t>
+            </a:r>
+          </a:p>
+        </p:txBody>
+      </p:sp>
+      <p:pic>
+        <p:nvPicPr>
+          <p:cNvPr id="179" name="Image" descr="Image"/>
+          <p:cNvPicPr>
+            <a:picLocks noChangeAspect="1"/>
+          </p:cNvPicPr>
+          <p:nvPr/>
+        </p:nvPicPr>
+        <p:blipFill>
+          <a:blip r:embed="rId8">
+            <a:extLst/>
+          </a:blip>
+          <a:stretch>
+            <a:fillRect/>
+          </a:stretch>
+        </p:blipFill>
+        <p:spPr>
+          <a:xfrm>
+            <a:off x="1258909" y="97970"/>
+            <a:ext cx="2806701" cy="1778001"/>
+          </a:xfrm>
+          <a:prstGeom prst="rect">
+            <a:avLst/>
+          </a:prstGeom>
+          <a:ln w="12700">
+            <a:miter lim="400000"/>
+          </a:ln>
+        </p:spPr>
+      </p:pic>
+      <p:sp>
+        <p:nvSpPr>
+          <p:cNvPr id="180" name="Business"/>
+          <p:cNvSpPr txBox="1"/>
+          <p:nvPr/>
+        </p:nvSpPr>
+        <p:spPr>
+          <a:xfrm>
+            <a:off x="1358424" y="514723"/>
+            <a:ext cx="940272" cy="259223"/>
+          </a:xfrm>
+          <a:prstGeom prst="rect">
+            <a:avLst/>
+          </a:prstGeom>
+          <a:ln w="12700">
+            <a:miter lim="400000"/>
+          </a:ln>
+          <a:extLst>
+            <a:ext uri="{C572A759-6A51-4108-AA02-DFA0A04FC94B}">
+              <ma14:wrappingTextBoxFlag xmlns:ma14="http://schemas.microsoft.com/office/mac/drawingml/2011/main" val="1"/>
+            </a:ext>
+          </a:extLst>
+        </p:spPr>
+        <p:txBody>
+          <a:bodyPr wrap="none" lIns="0" tIns="0" rIns="0" bIns="0">
+            <a:spAutoFit/>
+          </a:bodyPr>
+          <a:lstStyle/>
+          <a:p>
+            <a:pPr/>
+            <a:r>
+              <a:t>Business</a:t>
+            </a:r>
+          </a:p>
+        </p:txBody>
+      </p:sp>
+      <p:pic>
+        <p:nvPicPr>
+          <p:cNvPr id="181" name="Image" descr="Image"/>
+          <p:cNvPicPr>
+            <a:picLocks noChangeAspect="1"/>
+          </p:cNvPicPr>
+          <p:nvPr/>
+        </p:nvPicPr>
+        <p:blipFill>
+          <a:blip r:embed="rId9">
+            <a:extLst/>
+          </a:blip>
+          <a:stretch>
+            <a:fillRect/>
+          </a:stretch>
+        </p:blipFill>
+        <p:spPr>
+          <a:xfrm>
+            <a:off x="4174066" y="97970"/>
+            <a:ext cx="2794001" cy="1778001"/>
+          </a:xfrm>
+          <a:prstGeom prst="rect">
+            <a:avLst/>
+          </a:prstGeom>
+          <a:ln w="12700">
+            <a:miter lim="400000"/>
+          </a:ln>
+        </p:spPr>
+      </p:pic>
+      <p:sp>
+        <p:nvSpPr>
+          <p:cNvPr id="182" name="Biochem"/>
+          <p:cNvSpPr txBox="1"/>
+          <p:nvPr/>
+        </p:nvSpPr>
+        <p:spPr>
+          <a:xfrm>
+            <a:off x="4221484" y="442609"/>
+            <a:ext cx="902098" cy="259222"/>
+          </a:xfrm>
+          <a:prstGeom prst="rect">
+            <a:avLst/>
+          </a:prstGeom>
+          <a:ln w="12700">
+            <a:miter lim="400000"/>
+          </a:ln>
+          <a:extLst>
+            <a:ext uri="{C572A759-6A51-4108-AA02-DFA0A04FC94B}">
+              <ma14:wrappingTextBoxFlag xmlns:ma14="http://schemas.microsoft.com/office/mac/drawingml/2011/main" val="1"/>
+            </a:ext>
+          </a:extLst>
+        </p:spPr>
+        <p:txBody>
+          <a:bodyPr wrap="none" lIns="0" tIns="0" rIns="0" bIns="0">
+            <a:spAutoFit/>
+          </a:bodyPr>
+          <a:lstStyle/>
+          <a:p>
+            <a:pPr/>
+            <a:r>
+              <a:t>Biochem</a:t>
+            </a:r>
+          </a:p>
+        </p:txBody>
+      </p:sp>
+      <p:pic>
+        <p:nvPicPr>
+          <p:cNvPr id="183" name="Image" descr="Image"/>
+          <p:cNvPicPr>
+            <a:picLocks noChangeAspect="1"/>
+          </p:cNvPicPr>
+          <p:nvPr/>
+        </p:nvPicPr>
+        <p:blipFill>
+          <a:blip r:embed="rId10">
+            <a:extLst/>
+          </a:blip>
+          <a:stretch>
+            <a:fillRect/>
+          </a:stretch>
+        </p:blipFill>
+        <p:spPr>
+          <a:xfrm>
+            <a:off x="7082873" y="110670"/>
+            <a:ext cx="2794001" cy="1752601"/>
+          </a:xfrm>
+          <a:prstGeom prst="rect">
+            <a:avLst/>
+          </a:prstGeom>
+          <a:ln w="12700">
+            <a:miter lim="400000"/>
+          </a:ln>
+        </p:spPr>
+      </p:pic>
+      <p:sp>
+        <p:nvSpPr>
+          <p:cNvPr id="184" name="Agricultural…"/>
+          <p:cNvSpPr txBox="1"/>
+          <p:nvPr/>
+        </p:nvSpPr>
+        <p:spPr>
+          <a:xfrm>
+            <a:off x="7144748" y="442609"/>
+            <a:ext cx="1156148" cy="792622"/>
+          </a:xfrm>
+          <a:prstGeom prst="rect">
+            <a:avLst/>
+          </a:prstGeom>
+          <a:ln w="12700">
+            <a:miter lim="400000"/>
+          </a:ln>
+          <a:extLst>
+            <a:ext uri="{C572A759-6A51-4108-AA02-DFA0A04FC94B}">
+              <ma14:wrappingTextBoxFlag xmlns:ma14="http://schemas.microsoft.com/office/mac/drawingml/2011/main" val="1"/>
+            </a:ext>
+          </a:extLst>
+        </p:spPr>
+        <p:txBody>
+          <a:bodyPr wrap="none" lIns="0" tIns="0" rIns="0" bIns="0">
+            <a:spAutoFit/>
+          </a:bodyPr>
+          <a:lstStyle/>
+          <a:p>
+            <a:pPr/>
+            <a:r>
+              <a:t>Agricultural</a:t>
+            </a:r>
+          </a:p>
+          <a:p>
+            <a:pPr/>
+            <a:r>
+              <a:t>Bio</a:t>
+            </a:r>
+          </a:p>
+          <a:p>
+            <a:pPr/>
+            <a:r>
+              <a:t>Sci</a:t>
+            </a:r>
+          </a:p>
+        </p:txBody>
+      </p:sp>
+    </p:spTree>
+  </p:cSld>
+  <p:clrMapOvr>
+    <a:masterClrMapping/>
+  </p:clrMapOvr>
+  <p:transition xmlns:p14="http://schemas.microsoft.com/office/powerpoint/2010/main" spd="med" advClick="1"/>
+</p:sld>
+</file>
+
+<file path=ppt/slides/slide50.xml><?xml version="1.0" encoding="utf-8"?>
+<p:sld xmlns:a="http://schemas.openxmlformats.org/drawingml/2006/main" xmlns:r="http://schemas.openxmlformats.org/officeDocument/2006/relationships" xmlns:p="http://schemas.openxmlformats.org/presentationml/2006/main" xmlns:m="http://schemas.openxmlformats.org/officeDocument/2006/math" xmlns:a14="http://schemas.microsoft.com/office/drawing/2010/main" showMasterSp="1" showMasterPhAnim="1">
+  <p:cSld>
+    <p:bg>
+      <p:bgPr>
+        <a:solidFill>
+          <a:srgbClr val="DDDDDD"/>
+        </a:solidFill>
+      </p:bgPr>
+    </p:bg>
+    <p:spTree>
+      <p:nvGrpSpPr>
+        <p:cNvPr id="1" name=""/>
+        <p:cNvGrpSpPr/>
+        <p:nvPr/>
+      </p:nvGrpSpPr>
+      <p:grpSpPr>
+        <a:xfrm>
+          <a:off x="0" y="0"/>
+          <a:ext cx="0" cy="0"/>
+          <a:chOff x="0" y="0"/>
+          <a:chExt cx="0" cy="0"/>
+        </a:xfrm>
+      </p:grpSpPr>
+      <p:sp>
+        <p:nvSpPr>
+          <p:cNvPr id="389" name="TextShape 1"/>
+          <p:cNvSpPr txBox="1"/>
+          <p:nvPr/>
+        </p:nvSpPr>
+        <p:spPr>
+          <a:xfrm>
+            <a:off x="481384" y="1587484"/>
+            <a:ext cx="9108331" cy="1207568"/>
+          </a:xfrm>
+          <a:prstGeom prst="rect">
+            <a:avLst/>
+          </a:prstGeom>
+          <a:ln w="12700">
+            <a:miter lim="400000"/>
+          </a:ln>
+          <a:extLst>
+            <a:ext uri="{C572A759-6A51-4108-AA02-DFA0A04FC94B}">
+              <ma14:wrappingTextBoxFlag xmlns:ma14="http://schemas.microsoft.com/office/mac/drawingml/2011/main" val="1"/>
+            </a:ext>
+          </a:extLst>
+        </p:spPr>
+        <p:txBody>
+          <a:bodyPr lIns="0" tIns="0" rIns="0" bIns="0" anchor="ctr">
+            <a:spAutoFit/>
+          </a:bodyPr>
+          <a:lstStyle/>
+          <a:p>
+            <a:pPr algn="ctr">
+              <a:defRPr spc="-1" sz="2800"/>
+            </a:pPr>
+            <a:r>
+              <a:t>H index and cites per doc</a:t>
+            </a:r>
+          </a:p>
+          <a:p>
+            <a:pPr algn="ctr">
+              <a:defRPr spc="-1" sz="2800"/>
+            </a:pPr>
+          </a:p>
+          <a:p>
+            <a:pPr algn="ctr">
+              <a:defRPr spc="-1" sz="2800"/>
+            </a:pPr>
+            <a:r>
+              <a:t>Scimagojr -&gt; VizTools -&gt; Bubble chart</a:t>
+            </a:r>
+          </a:p>
+        </p:txBody>
+      </p:sp>
+    </p:spTree>
+  </p:cSld>
+  <p:clrMapOvr>
+    <a:masterClrMapping/>
+  </p:clrMapOvr>
+  <p:transition xmlns:p14="http://schemas.microsoft.com/office/powerpoint/2010/main" spd="med" advClick="1"/>
+</p:sld>
+</file>
+
+<file path=ppt/slides/slide51.xml><?xml version="1.0" encoding="utf-8"?>
+<p:sld xmlns:a="http://schemas.openxmlformats.org/drawingml/2006/main" xmlns:r="http://schemas.openxmlformats.org/officeDocument/2006/relationships" xmlns:p="http://schemas.openxmlformats.org/presentationml/2006/main" xmlns:m="http://schemas.openxmlformats.org/officeDocument/2006/math" xmlns:a14="http://schemas.microsoft.com/office/drawing/2010/main" showMasterSp="1" showMasterPhAnim="1">
+  <p:cSld>
+    <p:bg>
+      <p:bgPr>
+        <a:solidFill>
+          <a:srgbClr val="DDDDDD"/>
+        </a:solidFill>
+      </p:bgPr>
+    </p:bg>
+    <p:spTree>
+      <p:nvGrpSpPr>
+        <p:cNvPr id="1" name=""/>
+        <p:cNvGrpSpPr/>
+        <p:nvPr/>
+      </p:nvGrpSpPr>
+      <p:grpSpPr>
+        <a:xfrm>
+          <a:off x="0" y="0"/>
+          <a:ext cx="0" cy="0"/>
+          <a:chOff x="0" y="0"/>
+          <a:chExt cx="0" cy="0"/>
+        </a:xfrm>
+      </p:grpSpPr>
+      <p:pic>
+        <p:nvPicPr>
+          <p:cNvPr id="391" name="Image" descr="Image"/>
+          <p:cNvPicPr>
+            <a:picLocks noChangeAspect="1"/>
+          </p:cNvPicPr>
+          <p:nvPr/>
+        </p:nvPicPr>
+        <p:blipFill>
+          <a:blip r:embed="rId2">
+            <a:extLst/>
+          </a:blip>
+          <a:stretch>
+            <a:fillRect/>
+          </a:stretch>
+        </p:blipFill>
+        <p:spPr>
+          <a:xfrm>
+            <a:off x="4551436" y="2486506"/>
+            <a:ext cx="4154542" cy="1969319"/>
+          </a:xfrm>
+          <a:prstGeom prst="rect">
+            <a:avLst/>
+          </a:prstGeom>
+          <a:ln w="12700">
+            <a:miter lim="400000"/>
+          </a:ln>
+        </p:spPr>
+      </p:pic>
+      <p:pic>
+        <p:nvPicPr>
+          <p:cNvPr id="392" name="Image" descr="Image"/>
+          <p:cNvPicPr>
+            <a:picLocks noChangeAspect="1"/>
+          </p:cNvPicPr>
+          <p:nvPr/>
+        </p:nvPicPr>
+        <p:blipFill>
+          <a:blip r:embed="rId3">
+            <a:extLst/>
+          </a:blip>
+          <a:stretch>
+            <a:fillRect/>
+          </a:stretch>
+        </p:blipFill>
+        <p:spPr>
+          <a:xfrm>
+            <a:off x="298882" y="2501594"/>
+            <a:ext cx="4073659" cy="2013571"/>
+          </a:xfrm>
+          <a:prstGeom prst="rect">
+            <a:avLst/>
+          </a:prstGeom>
+          <a:ln w="12700">
+            <a:miter lim="400000"/>
+          </a:ln>
+        </p:spPr>
+      </p:pic>
+      <p:pic>
+        <p:nvPicPr>
+          <p:cNvPr id="393" name="Image" descr="Image"/>
+          <p:cNvPicPr>
+            <a:picLocks noChangeAspect="1"/>
+          </p:cNvPicPr>
+          <p:nvPr/>
+        </p:nvPicPr>
+        <p:blipFill>
+          <a:blip r:embed="rId4">
+            <a:extLst/>
+          </a:blip>
+          <a:stretch>
+            <a:fillRect/>
+          </a:stretch>
+        </p:blipFill>
+        <p:spPr>
+          <a:xfrm>
+            <a:off x="4564040" y="449748"/>
+            <a:ext cx="4069489" cy="1950235"/>
+          </a:xfrm>
+          <a:prstGeom prst="rect">
+            <a:avLst/>
+          </a:prstGeom>
+          <a:ln w="12700">
+            <a:miter lim="400000"/>
+          </a:ln>
+        </p:spPr>
+      </p:pic>
+      <p:pic>
+        <p:nvPicPr>
+          <p:cNvPr id="394" name="Image" descr="Image"/>
+          <p:cNvPicPr>
+            <a:picLocks noChangeAspect="1"/>
+          </p:cNvPicPr>
+          <p:nvPr/>
+        </p:nvPicPr>
+        <p:blipFill>
+          <a:blip r:embed="rId5">
+            <a:extLst/>
+          </a:blip>
+          <a:stretch>
+            <a:fillRect/>
+          </a:stretch>
+        </p:blipFill>
+        <p:spPr>
+          <a:xfrm>
+            <a:off x="300967" y="460712"/>
+            <a:ext cx="4069488" cy="1969319"/>
+          </a:xfrm>
+          <a:prstGeom prst="rect">
+            <a:avLst/>
+          </a:prstGeom>
+          <a:ln w="12700">
+            <a:miter lim="400000"/>
+          </a:ln>
+        </p:spPr>
+      </p:pic>
+      <p:sp>
+        <p:nvSpPr>
+          <p:cNvPr id="395" name="US"/>
+          <p:cNvSpPr txBox="1"/>
+          <p:nvPr/>
+        </p:nvSpPr>
+        <p:spPr>
+          <a:xfrm>
+            <a:off x="736313" y="606248"/>
+            <a:ext cx="330263" cy="259222"/>
+          </a:xfrm>
+          <a:prstGeom prst="rect">
+            <a:avLst/>
+          </a:prstGeom>
+          <a:ln w="12700">
+            <a:miter lim="400000"/>
+          </a:ln>
+          <a:extLst>
+            <a:ext uri="{C572A759-6A51-4108-AA02-DFA0A04FC94B}">
+              <ma14:wrappingTextBoxFlag xmlns:ma14="http://schemas.microsoft.com/office/mac/drawingml/2011/main" val="1"/>
+            </a:ext>
+          </a:extLst>
+        </p:spPr>
+        <p:txBody>
+          <a:bodyPr wrap="none" lIns="0" tIns="0" rIns="0" bIns="0">
+            <a:spAutoFit/>
+          </a:bodyPr>
+          <a:lstStyle/>
+          <a:p>
+            <a:pPr/>
+            <a:r>
+              <a:t>US</a:t>
+            </a:r>
+          </a:p>
+        </p:txBody>
+      </p:sp>
+      <p:sp>
+        <p:nvSpPr>
+          <p:cNvPr id="396" name="UK"/>
+          <p:cNvSpPr txBox="1"/>
+          <p:nvPr/>
+        </p:nvSpPr>
+        <p:spPr>
+          <a:xfrm>
+            <a:off x="4870418" y="606248"/>
+            <a:ext cx="330264" cy="259222"/>
+          </a:xfrm>
+          <a:prstGeom prst="rect">
+            <a:avLst/>
+          </a:prstGeom>
+          <a:ln w="12700">
+            <a:miter lim="400000"/>
+          </a:ln>
+          <a:extLst>
+            <a:ext uri="{C572A759-6A51-4108-AA02-DFA0A04FC94B}">
+              <ma14:wrappingTextBoxFlag xmlns:ma14="http://schemas.microsoft.com/office/mac/drawingml/2011/main" val="1"/>
+            </a:ext>
+          </a:extLst>
+        </p:spPr>
+        <p:txBody>
+          <a:bodyPr wrap="none" lIns="0" tIns="0" rIns="0" bIns="0">
+            <a:spAutoFit/>
+          </a:bodyPr>
+          <a:lstStyle/>
+          <a:p>
+            <a:pPr/>
+            <a:r>
+              <a:t>UK</a:t>
+            </a:r>
+          </a:p>
+        </p:txBody>
+      </p:sp>
+      <p:sp>
+        <p:nvSpPr>
+          <p:cNvPr id="397" name="ID"/>
+          <p:cNvSpPr txBox="1"/>
+          <p:nvPr/>
+        </p:nvSpPr>
+        <p:spPr>
+          <a:xfrm>
+            <a:off x="670246" y="2702489"/>
+            <a:ext cx="241301" cy="259222"/>
+          </a:xfrm>
+          <a:prstGeom prst="rect">
+            <a:avLst/>
+          </a:prstGeom>
+          <a:ln w="12700">
+            <a:miter lim="400000"/>
+          </a:ln>
+          <a:extLst>
+            <a:ext uri="{C572A759-6A51-4108-AA02-DFA0A04FC94B}">
+              <ma14:wrappingTextBoxFlag xmlns:ma14="http://schemas.microsoft.com/office/mac/drawingml/2011/main" val="1"/>
+            </a:ext>
+          </a:extLst>
+        </p:spPr>
+        <p:txBody>
+          <a:bodyPr wrap="none" lIns="0" tIns="0" rIns="0" bIns="0">
+            <a:spAutoFit/>
+          </a:bodyPr>
+          <a:lstStyle/>
+          <a:p>
+            <a:pPr/>
+            <a:r>
+              <a:t>ID</a:t>
+            </a:r>
+          </a:p>
+        </p:txBody>
+      </p:sp>
+      <p:sp>
+        <p:nvSpPr>
+          <p:cNvPr id="398" name="SG"/>
+          <p:cNvSpPr txBox="1"/>
+          <p:nvPr/>
+        </p:nvSpPr>
+        <p:spPr>
+          <a:xfrm>
+            <a:off x="5132490" y="3213733"/>
+            <a:ext cx="342988" cy="259222"/>
+          </a:xfrm>
+          <a:prstGeom prst="rect">
+            <a:avLst/>
+          </a:prstGeom>
+          <a:ln w="12700">
+            <a:miter lim="400000"/>
+          </a:ln>
+          <a:extLst>
+            <a:ext uri="{C572A759-6A51-4108-AA02-DFA0A04FC94B}">
+              <ma14:wrappingTextBoxFlag xmlns:ma14="http://schemas.microsoft.com/office/mac/drawingml/2011/main" val="1"/>
+            </a:ext>
+          </a:extLst>
+        </p:spPr>
+        <p:txBody>
+          <a:bodyPr wrap="none" lIns="0" tIns="0" rIns="0" bIns="0">
+            <a:spAutoFit/>
+          </a:bodyPr>
+          <a:lstStyle/>
+          <a:p>
+            <a:pPr/>
+            <a:r>
+              <a:t>SG</a:t>
+            </a:r>
+          </a:p>
+        </p:txBody>
+      </p:sp>
+    </p:spTree>
+  </p:cSld>
+  <p:clrMapOvr>
+    <a:masterClrMapping/>
+  </p:clrMapOvr>
+  <p:transition xmlns:p14="http://schemas.microsoft.com/office/powerpoint/2010/main" spd="med" advClick="1"/>
+</p:sld>
+</file>
+
+<file path=ppt/slides/slide52.xml><?xml version="1.0" encoding="utf-8"?>
+<p:sld xmlns:a="http://schemas.openxmlformats.org/drawingml/2006/main" xmlns:r="http://schemas.openxmlformats.org/officeDocument/2006/relationships" xmlns:p="http://schemas.openxmlformats.org/presentationml/2006/main" xmlns:m="http://schemas.openxmlformats.org/officeDocument/2006/math" xmlns:a14="http://schemas.microsoft.com/office/drawing/2010/main" showMasterSp="1" showMasterPhAnim="1">
+  <p:cSld>
+    <p:bg>
+      <p:bgPr>
+        <a:solidFill>
+          <a:srgbClr val="DDDDDD"/>
+        </a:solidFill>
+      </p:bgPr>
+    </p:bg>
+    <p:spTree>
+      <p:nvGrpSpPr>
+        <p:cNvPr id="1" name=""/>
+        <p:cNvGrpSpPr/>
+        <p:nvPr/>
+      </p:nvGrpSpPr>
+      <p:grpSpPr>
+        <a:xfrm>
+          <a:off x="0" y="0"/>
+          <a:ext cx="0" cy="0"/>
+          <a:chOff x="0" y="0"/>
+          <a:chExt cx="0" cy="0"/>
+        </a:xfrm>
+      </p:grpSpPr>
+      <p:sp>
+        <p:nvSpPr>
+          <p:cNvPr id="400" name="TextShape 1"/>
+          <p:cNvSpPr txBox="1"/>
+          <p:nvPr/>
+        </p:nvSpPr>
+        <p:spPr>
+          <a:xfrm>
+            <a:off x="481384" y="1587484"/>
+            <a:ext cx="9108331" cy="1207568"/>
+          </a:xfrm>
+          <a:prstGeom prst="rect">
+            <a:avLst/>
+          </a:prstGeom>
+          <a:ln w="12700">
+            <a:miter lim="400000"/>
+          </a:ln>
+          <a:extLst>
+            <a:ext uri="{C572A759-6A51-4108-AA02-DFA0A04FC94B}">
+              <ma14:wrappingTextBoxFlag xmlns:ma14="http://schemas.microsoft.com/office/mac/drawingml/2011/main" val="1"/>
+            </a:ext>
+          </a:extLst>
+        </p:spPr>
+        <p:txBody>
+          <a:bodyPr lIns="0" tIns="0" rIns="0" bIns="0" anchor="ctr">
+            <a:spAutoFit/>
+          </a:bodyPr>
+          <a:lstStyle/>
+          <a:p>
+            <a:pPr algn="ctr">
+              <a:defRPr spc="-1" sz="2800"/>
+            </a:pPr>
+            <a:r>
+              <a:t>H index and self cites</a:t>
+            </a:r>
+          </a:p>
+          <a:p>
+            <a:pPr algn="ctr">
+              <a:defRPr spc="-1" sz="2800"/>
+            </a:pPr>
+          </a:p>
+          <a:p>
+            <a:pPr algn="ctr">
+              <a:defRPr spc="-1" sz="2800"/>
+            </a:pPr>
+            <a:r>
+              <a:t>Scimagojr -&gt; VizTools -&gt; Bubble chart</a:t>
+            </a:r>
+          </a:p>
+        </p:txBody>
+      </p:sp>
+    </p:spTree>
+  </p:cSld>
+  <p:clrMapOvr>
+    <a:masterClrMapping/>
+  </p:clrMapOvr>
+  <p:transition xmlns:p14="http://schemas.microsoft.com/office/powerpoint/2010/main" spd="med" advClick="1"/>
+</p:sld>
+</file>
+
+<file path=ppt/slides/slide53.xml><?xml version="1.0" encoding="utf-8"?>
+<p:sld xmlns:a="http://schemas.openxmlformats.org/drawingml/2006/main" xmlns:r="http://schemas.openxmlformats.org/officeDocument/2006/relationships" xmlns:p="http://schemas.openxmlformats.org/presentationml/2006/main" xmlns:m="http://schemas.openxmlformats.org/officeDocument/2006/math" xmlns:a14="http://schemas.microsoft.com/office/drawing/2010/main" showMasterSp="1" showMasterPhAnim="1">
+  <p:cSld>
+    <p:bg>
+      <p:bgPr>
+        <a:solidFill>
+          <a:srgbClr val="DDDDDD"/>
+        </a:solidFill>
+      </p:bgPr>
+    </p:bg>
+    <p:spTree>
+      <p:nvGrpSpPr>
+        <p:cNvPr id="1" name=""/>
+        <p:cNvGrpSpPr/>
+        <p:nvPr/>
+      </p:nvGrpSpPr>
+      <p:grpSpPr>
+        <a:xfrm>
+          <a:off x="0" y="0"/>
+          <a:ext cx="0" cy="0"/>
+          <a:chOff x="0" y="0"/>
+          <a:chExt cx="0" cy="0"/>
+        </a:xfrm>
+      </p:grpSpPr>
+      <p:pic>
+        <p:nvPicPr>
+          <p:cNvPr id="402" name="Image" descr="Image"/>
+          <p:cNvPicPr>
+            <a:picLocks noChangeAspect="1"/>
+          </p:cNvPicPr>
+          <p:nvPr/>
+        </p:nvPicPr>
+        <p:blipFill>
+          <a:blip r:embed="rId2">
+            <a:extLst/>
+          </a:blip>
+          <a:stretch>
+            <a:fillRect/>
+          </a:stretch>
+        </p:blipFill>
+        <p:spPr>
+          <a:xfrm>
+            <a:off x="231710" y="541506"/>
+            <a:ext cx="3814463" cy="1876569"/>
+          </a:xfrm>
+          <a:prstGeom prst="rect">
+            <a:avLst/>
+          </a:prstGeom>
+          <a:ln w="12700">
+            <a:miter lim="400000"/>
+          </a:ln>
+        </p:spPr>
+      </p:pic>
+      <p:pic>
+        <p:nvPicPr>
+          <p:cNvPr id="403" name="Image" descr="Image"/>
+          <p:cNvPicPr>
+            <a:picLocks noChangeAspect="1"/>
+          </p:cNvPicPr>
+          <p:nvPr/>
+        </p:nvPicPr>
+        <p:blipFill>
+          <a:blip r:embed="rId3">
+            <a:extLst/>
+          </a:blip>
+          <a:stretch>
+            <a:fillRect/>
+          </a:stretch>
+        </p:blipFill>
+        <p:spPr>
+          <a:xfrm>
+            <a:off x="4559295" y="545548"/>
+            <a:ext cx="3708595" cy="1821346"/>
+          </a:xfrm>
+          <a:prstGeom prst="rect">
+            <a:avLst/>
+          </a:prstGeom>
+          <a:ln w="12700">
+            <a:miter lim="400000"/>
+          </a:ln>
+        </p:spPr>
+      </p:pic>
+      <p:pic>
+        <p:nvPicPr>
+          <p:cNvPr id="404" name="Image" descr="Image"/>
+          <p:cNvPicPr>
+            <a:picLocks noChangeAspect="1"/>
+          </p:cNvPicPr>
+          <p:nvPr/>
+        </p:nvPicPr>
+        <p:blipFill>
+          <a:blip r:embed="rId3">
+            <a:extLst/>
+          </a:blip>
+          <a:stretch>
+            <a:fillRect/>
+          </a:stretch>
+        </p:blipFill>
+        <p:spPr>
+          <a:xfrm>
+            <a:off x="233445" y="3053032"/>
+            <a:ext cx="3814464" cy="1873339"/>
+          </a:xfrm>
+          <a:prstGeom prst="rect">
+            <a:avLst/>
+          </a:prstGeom>
+          <a:ln w="12700">
+            <a:miter lim="400000"/>
+          </a:ln>
+        </p:spPr>
+      </p:pic>
+      <p:sp>
+        <p:nvSpPr>
+          <p:cNvPr id="405" name="US"/>
+          <p:cNvSpPr txBox="1"/>
+          <p:nvPr/>
+        </p:nvSpPr>
+        <p:spPr>
+          <a:xfrm>
+            <a:off x="736313" y="606248"/>
+            <a:ext cx="330263" cy="259222"/>
+          </a:xfrm>
+          <a:prstGeom prst="rect">
+            <a:avLst/>
+          </a:prstGeom>
+          <a:ln w="12700">
+            <a:miter lim="400000"/>
+          </a:ln>
+          <a:extLst>
+            <a:ext uri="{C572A759-6A51-4108-AA02-DFA0A04FC94B}">
+              <ma14:wrappingTextBoxFlag xmlns:ma14="http://schemas.microsoft.com/office/mac/drawingml/2011/main" val="1"/>
+            </a:ext>
+          </a:extLst>
+        </p:spPr>
+        <p:txBody>
+          <a:bodyPr wrap="none" lIns="0" tIns="0" rIns="0" bIns="0">
+            <a:spAutoFit/>
+          </a:bodyPr>
+          <a:lstStyle/>
+          <a:p>
+            <a:pPr/>
+            <a:r>
+              <a:t>US</a:t>
+            </a:r>
+          </a:p>
+        </p:txBody>
+      </p:sp>
+      <p:sp>
+        <p:nvSpPr>
+          <p:cNvPr id="406" name="UK"/>
+          <p:cNvSpPr txBox="1"/>
+          <p:nvPr/>
+        </p:nvSpPr>
+        <p:spPr>
+          <a:xfrm>
+            <a:off x="4870418" y="606248"/>
+            <a:ext cx="330264" cy="259222"/>
+          </a:xfrm>
+          <a:prstGeom prst="rect">
+            <a:avLst/>
+          </a:prstGeom>
+          <a:ln w="12700">
+            <a:miter lim="400000"/>
+          </a:ln>
+          <a:extLst>
+            <a:ext uri="{C572A759-6A51-4108-AA02-DFA0A04FC94B}">
+              <ma14:wrappingTextBoxFlag xmlns:ma14="http://schemas.microsoft.com/office/mac/drawingml/2011/main" val="1"/>
+            </a:ext>
+          </a:extLst>
+        </p:spPr>
+        <p:txBody>
+          <a:bodyPr wrap="none" lIns="0" tIns="0" rIns="0" bIns="0">
+            <a:spAutoFit/>
+          </a:bodyPr>
+          <a:lstStyle/>
+          <a:p>
+            <a:pPr/>
+            <a:r>
+              <a:t>UK</a:t>
+            </a:r>
+          </a:p>
+        </p:txBody>
+      </p:sp>
+      <p:sp>
+        <p:nvSpPr>
+          <p:cNvPr id="407" name="ID"/>
+          <p:cNvSpPr txBox="1"/>
+          <p:nvPr/>
+        </p:nvSpPr>
+        <p:spPr>
+          <a:xfrm>
+            <a:off x="612255" y="3148597"/>
+            <a:ext cx="241301" cy="259222"/>
+          </a:xfrm>
+          <a:prstGeom prst="rect">
+            <a:avLst/>
+          </a:prstGeom>
+          <a:ln w="12700">
+            <a:miter lim="400000"/>
+          </a:ln>
+          <a:extLst>
+            <a:ext uri="{C572A759-6A51-4108-AA02-DFA0A04FC94B}">
+              <ma14:wrappingTextBoxFlag xmlns:ma14="http://schemas.microsoft.com/office/mac/drawingml/2011/main" val="1"/>
+            </a:ext>
+          </a:extLst>
+        </p:spPr>
+        <p:txBody>
+          <a:bodyPr wrap="none" lIns="0" tIns="0" rIns="0" bIns="0">
+            <a:spAutoFit/>
+          </a:bodyPr>
+          <a:lstStyle/>
+          <a:p>
+            <a:pPr/>
+            <a:r>
+              <a:t>ID</a:t>
+            </a:r>
+          </a:p>
+        </p:txBody>
+      </p:sp>
+      <p:pic>
+        <p:nvPicPr>
+          <p:cNvPr id="408" name="Image" descr="Image"/>
+          <p:cNvPicPr>
+            <a:picLocks noChangeAspect="1"/>
+          </p:cNvPicPr>
+          <p:nvPr/>
+        </p:nvPicPr>
+        <p:blipFill>
+          <a:blip r:embed="rId4">
+            <a:extLst/>
+          </a:blip>
+          <a:stretch>
+            <a:fillRect/>
+          </a:stretch>
+        </p:blipFill>
+        <p:spPr>
+          <a:xfrm>
+            <a:off x="4564369" y="3061418"/>
+            <a:ext cx="3708594" cy="1824196"/>
+          </a:xfrm>
+          <a:prstGeom prst="rect">
+            <a:avLst/>
+          </a:prstGeom>
+          <a:ln w="12700">
+            <a:miter lim="400000"/>
+          </a:ln>
+        </p:spPr>
+      </p:pic>
+      <p:sp>
+        <p:nvSpPr>
+          <p:cNvPr id="409" name="SG"/>
+          <p:cNvSpPr txBox="1"/>
+          <p:nvPr/>
+        </p:nvSpPr>
+        <p:spPr>
+          <a:xfrm>
+            <a:off x="5132490" y="3213733"/>
+            <a:ext cx="342988" cy="259222"/>
+          </a:xfrm>
+          <a:prstGeom prst="rect">
+            <a:avLst/>
+          </a:prstGeom>
+          <a:ln w="12700">
+            <a:miter lim="400000"/>
+          </a:ln>
+          <a:extLst>
+            <a:ext uri="{C572A759-6A51-4108-AA02-DFA0A04FC94B}">
+              <ma14:wrappingTextBoxFlag xmlns:ma14="http://schemas.microsoft.com/office/mac/drawingml/2011/main" val="1"/>
+            </a:ext>
+          </a:extLst>
+        </p:spPr>
+        <p:txBody>
+          <a:bodyPr wrap="none" lIns="0" tIns="0" rIns="0" bIns="0">
+            <a:spAutoFit/>
+          </a:bodyPr>
+          <a:lstStyle/>
+          <a:p>
+            <a:pPr/>
+            <a:r>
+              <a:t>SG</a:t>
+            </a:r>
+          </a:p>
+        </p:txBody>
+      </p:sp>
     </p:spTree>
   </p:cSld>
   <p:clrMapOvr>
@@ -5393,7 +11993,7 @@
       </p:grpSpPr>
       <p:sp>
         <p:nvSpPr>
-          <p:cNvPr id="150" name="TextShape 1"/>
+          <p:cNvPr id="186" name="TextShape 1"/>
           <p:cNvSpPr txBox="1"/>
           <p:nvPr/>
         </p:nvSpPr>
@@ -5426,59 +12026,14 @@
           <a:p>
             <a:pPr/>
             <a:r>
-              <a:t>Proporsi luaran</a:t>
-            </a:r>
-          </a:p>
-        </p:txBody>
-      </p:sp>
-      <p:sp>
-        <p:nvSpPr>
-          <p:cNvPr id="151" name="Pada tahun 2008 = 0,07% dunia dan 0,28% asiatik…"/>
-          <p:cNvSpPr txBox="1"/>
-          <p:nvPr/>
-        </p:nvSpPr>
-        <p:spPr>
-          <a:xfrm>
-            <a:off x="4634799" y="1249738"/>
-            <a:ext cx="5196884" cy="792622"/>
-          </a:xfrm>
-          <a:prstGeom prst="rect">
-            <a:avLst/>
-          </a:prstGeom>
-          <a:ln w="12700">
-            <a:miter lim="400000"/>
-          </a:ln>
-          <a:extLst>
-            <a:ext uri="{C572A759-6A51-4108-AA02-DFA0A04FC94B}">
-              <ma14:wrappingTextBoxFlag xmlns:ma14="http://schemas.microsoft.com/office/mac/drawingml/2011/main" val="1"/>
-            </a:ext>
-          </a:extLst>
-        </p:spPr>
-        <p:txBody>
-          <a:bodyPr lIns="0" tIns="0" rIns="0" bIns="0">
-            <a:spAutoFit/>
-          </a:bodyPr>
-          <a:lstStyle/>
-          <a:p>
-            <a:pPr/>
-            <a:r>
-              <a:t>Pada tahun 2008 = 0,07% dunia dan 0,28% asiatik</a:t>
-            </a:r>
-          </a:p>
-          <a:p>
-            <a:pPr/>
-          </a:p>
-          <a:p>
-            <a:pPr/>
-            <a:r>
-              <a:t>Pada tahun 2019 = 1,36% dunia dan 3,54% asiatik</a:t>
+              <a:t>Docs by subject areas</a:t>
             </a:r>
           </a:p>
         </p:txBody>
       </p:sp>
       <p:pic>
         <p:nvPicPr>
-          <p:cNvPr id="152" name="Image" descr="Image"/>
+          <p:cNvPr id="187" name="Image" descr="Image"/>
           <p:cNvPicPr>
             <a:picLocks noChangeAspect="1"/>
           </p:cNvPicPr>
@@ -5494,8 +12049,8 @@
         </p:blipFill>
         <p:spPr>
           <a:xfrm>
-            <a:off x="675414" y="507999"/>
-            <a:ext cx="3733801" cy="4648201"/>
+            <a:off x="178357" y="-1"/>
+            <a:ext cx="4590493" cy="5664201"/>
           </a:xfrm>
           <a:prstGeom prst="rect">
             <a:avLst/>
@@ -5505,6 +12060,69 @@
           </a:ln>
         </p:spPr>
       </p:pic>
+      <p:sp>
+        <p:nvSpPr>
+          <p:cNvPr id="188" name="Menunjukkan perkembangan jumlah docs per subject areas tahun 1996-2020…"/>
+          <p:cNvSpPr txBox="1"/>
+          <p:nvPr/>
+        </p:nvSpPr>
+        <p:spPr>
+          <a:xfrm>
+            <a:off x="5349633" y="1249738"/>
+            <a:ext cx="4196699" cy="3459622"/>
+          </a:xfrm>
+          <a:prstGeom prst="rect">
+            <a:avLst/>
+          </a:prstGeom>
+          <a:ln w="12700">
+            <a:miter lim="400000"/>
+          </a:ln>
+          <a:extLst>
+            <a:ext uri="{C572A759-6A51-4108-AA02-DFA0A04FC94B}">
+              <ma14:wrappingTextBoxFlag xmlns:ma14="http://schemas.microsoft.com/office/mac/drawingml/2011/main" val="1"/>
+            </a:ext>
+          </a:extLst>
+        </p:spPr>
+        <p:txBody>
+          <a:bodyPr lIns="0" tIns="0" rIns="0" bIns="0">
+            <a:spAutoFit/>
+          </a:bodyPr>
+          <a:lstStyle/>
+          <a:p>
+            <a:pPr/>
+            <a:r>
+              <a:t>Menunjukkan perkembangan jumlah docs per subject areas tahun 1996-2020</a:t>
+            </a:r>
+          </a:p>
+          <a:p>
+            <a:pPr/>
+          </a:p>
+          <a:p>
+            <a:pPr/>
+            <a:r>
+              <a:t>Ada yang berkembang sejak lama (seperti engineering, computer science) </a:t>
+            </a:r>
+          </a:p>
+          <a:p>
+            <a:pPr/>
+          </a:p>
+          <a:p>
+            <a:pPr/>
+            <a:r>
+              <a:t>Ada yang belakangan (seperti earth and planetary sciences, energy, physics and astronomy)</a:t>
+            </a:r>
+          </a:p>
+          <a:p>
+            <a:pPr/>
+          </a:p>
+          <a:p>
+            <a:pPr/>
+            <a:r>
+              <a:t>Banyak juga yang stagnan (seperti matematika, arts and humanities, agricultural biological sciences)  </a:t>
+            </a:r>
+          </a:p>
+        </p:txBody>
+      </p:sp>
     </p:spTree>
   </p:cSld>
   <p:clrMapOvr>
@@ -5540,7 +12158,7 @@
       </p:grpSpPr>
       <p:sp>
         <p:nvSpPr>
-          <p:cNvPr id="154" name="TextShape 1"/>
+          <p:cNvPr id="190" name="TextShape 1"/>
           <p:cNvSpPr txBox="1"/>
           <p:nvPr/>
         </p:nvSpPr>
@@ -5573,21 +12191,21 @@
           <a:p>
             <a:pPr/>
             <a:r>
-              <a:t>% kolaborasi internasional</a:t>
-            </a:r>
-          </a:p>
-        </p:txBody>
-      </p:sp>
-      <p:sp>
-        <p:nvSpPr>
-          <p:cNvPr id="155" name="Menunjukkan % dokumen yang ditulis bersama dengan penulis dari negara lain.…"/>
+              <a:t>Citations</a:t>
+            </a:r>
+          </a:p>
+        </p:txBody>
+      </p:sp>
+      <p:sp>
+        <p:nvSpPr>
+          <p:cNvPr id="191" name="Jumlah totalnya mengalami peningkatan yang ditandai dengan “tekuk lereng”/slope break (istilah geomorfologi) pada tahun 2008 (1294), 2012 (3288), 2015 (6106), 2016 (8446).…"/>
           <p:cNvSpPr txBox="1"/>
           <p:nvPr/>
         </p:nvSpPr>
         <p:spPr>
           <a:xfrm>
             <a:off x="5349633" y="1249738"/>
-            <a:ext cx="4196699" cy="1326022"/>
+            <a:ext cx="4196699" cy="3726322"/>
           </a:xfrm>
           <a:prstGeom prst="rect">
             <a:avLst/>
@@ -5609,23 +12227,46 @@
           <a:p>
             <a:pPr/>
             <a:r>
-              <a:t>Menunjukkan % dokumen yang ditulis bersama dengan penulis dari negara lain.</a:t>
-            </a:r>
-          </a:p>
-          <a:p>
-            <a:pPr/>
-          </a:p>
-          <a:p>
-            <a:pPr/>
-            <a:r>
-              <a:t>Menurun. Penyebab?</a:t>
+              <a:t>Jumlah totalnya mengalami peningkatan yang ditandai dengan “tekuk lereng”/</a:t>
+            </a:r>
+            <a:r>
+              <a:rPr i="1"/>
+              <a:t>slope break </a:t>
+            </a:r>
+            <a:r>
+              <a:t>(istilah geomorfologi) pada tahun 2008 (1294), 2012 (3288), 2015 (6106), 2016 (8446).</a:t>
+            </a:r>
+          </a:p>
+          <a:p>
+            <a:pPr/>
+          </a:p>
+          <a:p>
+            <a:pPr/>
+            <a:r>
+              <a:t>Jumlah external cites dan selfcites meningkat secara proporsional dengan </a:t>
+            </a:r>
+            <a:r>
+              <a:rPr i="1"/>
+              <a:t>spike </a:t>
+            </a:r>
+            <a:r>
+              <a:t>terjadi di tahun 2000, 2009 dan 2014. Penyebab? </a:t>
+            </a:r>
+          </a:p>
+          <a:p>
+            <a:pPr/>
+          </a:p>
+          <a:p>
+            <a:pPr/>
+            <a:r>
+              <a:t>Peningkatan jumlah sitasi (sepertinya) berhubungan dengan peningkatan jumlah dokumen berjenis OA.</a:t>
             </a:r>
           </a:p>
         </p:txBody>
       </p:sp>
       <p:pic>
         <p:nvPicPr>
-          <p:cNvPr id="156" name="Image" descr="Image"/>
+          <p:cNvPr id="192" name="Image" descr="Image"/>
           <p:cNvPicPr>
             <a:picLocks noChangeAspect="1"/>
           </p:cNvPicPr>
@@ -5641,8 +12282,66 @@
         </p:blipFill>
         <p:spPr>
           <a:xfrm>
-            <a:off x="461767" y="1270482"/>
-            <a:ext cx="3670301" cy="2298701"/>
+            <a:off x="682928" y="182714"/>
+            <a:ext cx="2737337" cy="1727887"/>
+          </a:xfrm>
+          <a:prstGeom prst="rect">
+            <a:avLst/>
+          </a:prstGeom>
+          <a:ln w="12700">
+            <a:miter lim="400000"/>
+          </a:ln>
+        </p:spPr>
+      </p:pic>
+      <p:pic>
+        <p:nvPicPr>
+          <p:cNvPr id="193" name="Image" descr="Image"/>
+          <p:cNvPicPr>
+            <a:picLocks noChangeAspect="1"/>
+          </p:cNvPicPr>
+          <p:nvPr/>
+        </p:nvPicPr>
+        <p:blipFill>
+          <a:blip r:embed="rId3">
+            <a:extLst/>
+          </a:blip>
+          <a:stretch>
+            <a:fillRect/>
+          </a:stretch>
+        </p:blipFill>
+        <p:spPr>
+          <a:xfrm>
+            <a:off x="681182" y="1989976"/>
+            <a:ext cx="2740828" cy="1680165"/>
+          </a:xfrm>
+          <a:prstGeom prst="rect">
+            <a:avLst/>
+          </a:prstGeom>
+          <a:ln w="12700">
+            <a:miter lim="400000"/>
+          </a:ln>
+        </p:spPr>
+      </p:pic>
+      <p:pic>
+        <p:nvPicPr>
+          <p:cNvPr id="194" name="Image" descr="Image"/>
+          <p:cNvPicPr>
+            <a:picLocks noChangeAspect="1"/>
+          </p:cNvPicPr>
+          <p:nvPr/>
+        </p:nvPicPr>
+        <p:blipFill>
+          <a:blip r:embed="rId4">
+            <a:extLst/>
+          </a:blip>
+          <a:stretch>
+            <a:fillRect/>
+          </a:stretch>
+        </p:blipFill>
+        <p:spPr>
+          <a:xfrm>
+            <a:off x="678880" y="3747880"/>
+            <a:ext cx="2740466" cy="1727888"/>
           </a:xfrm>
           <a:prstGeom prst="rect">
             <a:avLst/>
@@ -5687,14 +12386,14 @@
       </p:grpSpPr>
       <p:sp>
         <p:nvSpPr>
-          <p:cNvPr id="158" name="TextShape 1"/>
+          <p:cNvPr id="196" name="TextShape 1"/>
           <p:cNvSpPr txBox="1"/>
           <p:nvPr/>
         </p:nvSpPr>
         <p:spPr>
           <a:xfrm>
-            <a:off x="481384" y="1790684"/>
-            <a:ext cx="9108331" cy="801168"/>
+            <a:off x="5081964" y="433158"/>
+            <a:ext cx="4590493" cy="394767"/>
           </a:xfrm>
           <a:prstGeom prst="rect">
             <a:avLst/>
@@ -5712,25 +12411,93 @@
           <a:bodyPr lIns="0" tIns="0" rIns="0" bIns="0" anchor="ctr">
             <a:spAutoFit/>
           </a:bodyPr>
+          <a:lstStyle>
+            <a:lvl1pPr algn="ctr">
+              <a:defRPr spc="-1" sz="2800"/>
+            </a:lvl1pPr>
+          </a:lstStyle>
+          <a:p>
+            <a:pPr/>
+            <a:r>
+              <a:t>Proporsi luaran</a:t>
+            </a:r>
+          </a:p>
+        </p:txBody>
+      </p:sp>
+      <p:sp>
+        <p:nvSpPr>
+          <p:cNvPr id="197" name="Pada tahun 2008 = 0,07% dunia dan 0,28% asiatik…"/>
+          <p:cNvSpPr txBox="1"/>
+          <p:nvPr/>
+        </p:nvSpPr>
+        <p:spPr>
+          <a:xfrm>
+            <a:off x="4634799" y="1249738"/>
+            <a:ext cx="5196884" cy="792622"/>
+          </a:xfrm>
+          <a:prstGeom prst="rect">
+            <a:avLst/>
+          </a:prstGeom>
+          <a:ln w="12700">
+            <a:miter lim="400000"/>
+          </a:ln>
+          <a:extLst>
+            <a:ext uri="{C572A759-6A51-4108-AA02-DFA0A04FC94B}">
+              <ma14:wrappingTextBoxFlag xmlns:ma14="http://schemas.microsoft.com/office/mac/drawingml/2011/main" val="1"/>
+            </a:ext>
+          </a:extLst>
+        </p:spPr>
+        <p:txBody>
+          <a:bodyPr lIns="0" tIns="0" rIns="0" bIns="0">
+            <a:spAutoFit/>
+          </a:bodyPr>
           <a:lstStyle/>
           <a:p>
-            <a:pPr algn="ctr">
-              <a:defRPr spc="-1" sz="2800"/>
-            </a:pPr>
-            <a:r>
-              <a:t>Sekarang kita bandingkan dengan kondisi </a:t>
-            </a:r>
-          </a:p>
-          <a:p>
-            <a:pPr algn="ctr">
-              <a:defRPr spc="-1" sz="2800"/>
-            </a:pPr>
-            <a:r>
-              <a:t>pada beberapa subject area</a:t>
-            </a:r>
-          </a:p>
-        </p:txBody>
-      </p:sp>
+            <a:pPr/>
+            <a:r>
+              <a:t>Pada tahun 2008 = 0,07% dunia dan 0,28% asiatik</a:t>
+            </a:r>
+          </a:p>
+          <a:p>
+            <a:pPr/>
+          </a:p>
+          <a:p>
+            <a:pPr/>
+            <a:r>
+              <a:t>Pada tahun 2019 = 1,36% dunia dan 3,54% asiatik</a:t>
+            </a:r>
+          </a:p>
+        </p:txBody>
+      </p:sp>
+      <p:pic>
+        <p:nvPicPr>
+          <p:cNvPr id="198" name="Image" descr="Image"/>
+          <p:cNvPicPr>
+            <a:picLocks noChangeAspect="1"/>
+          </p:cNvPicPr>
+          <p:nvPr/>
+        </p:nvPicPr>
+        <p:blipFill>
+          <a:blip r:embed="rId2">
+            <a:extLst/>
+          </a:blip>
+          <a:stretch>
+            <a:fillRect/>
+          </a:stretch>
+        </p:blipFill>
+        <p:spPr>
+          <a:xfrm>
+            <a:off x="675414" y="508000"/>
+            <a:ext cx="3733801" cy="4648200"/>
+          </a:xfrm>
+          <a:prstGeom prst="rect">
+            <a:avLst/>
+          </a:prstGeom>
+          <a:ln w="12700">
+            <a:miter lim="400000"/>
+          </a:ln>
+        </p:spPr>
+      </p:pic>
     </p:spTree>
   </p:cSld>
   <p:clrMapOvr>
@@ -5766,14 +12533,14 @@
       </p:grpSpPr>
       <p:sp>
         <p:nvSpPr>
-          <p:cNvPr id="160" name="TextShape 1"/>
+          <p:cNvPr id="200" name="TextShape 1"/>
           <p:cNvSpPr txBox="1"/>
           <p:nvPr/>
         </p:nvSpPr>
         <p:spPr>
           <a:xfrm>
-            <a:off x="481384" y="1993884"/>
-            <a:ext cx="9108331" cy="394768"/>
+            <a:off x="5081964" y="433158"/>
+            <a:ext cx="4590493" cy="394767"/>
           </a:xfrm>
           <a:prstGeom prst="rect">
             <a:avLst/>
@@ -5799,11 +12566,85 @@
           <a:p>
             <a:pPr/>
             <a:r>
-              <a:t>Agricultural and biological sciences</a:t>
-            </a:r>
-          </a:p>
-        </p:txBody>
-      </p:sp>
+              <a:t>% kolaborasi internasional</a:t>
+            </a:r>
+          </a:p>
+        </p:txBody>
+      </p:sp>
+      <p:sp>
+        <p:nvSpPr>
+          <p:cNvPr id="201" name="Menunjukkan % dokumen yang ditulis bersama dengan penulis dari negara lain.…"/>
+          <p:cNvSpPr txBox="1"/>
+          <p:nvPr/>
+        </p:nvSpPr>
+        <p:spPr>
+          <a:xfrm>
+            <a:off x="5349633" y="1249738"/>
+            <a:ext cx="4196699" cy="1326022"/>
+          </a:xfrm>
+          <a:prstGeom prst="rect">
+            <a:avLst/>
+          </a:prstGeom>
+          <a:ln w="12700">
+            <a:miter lim="400000"/>
+          </a:ln>
+          <a:extLst>
+            <a:ext uri="{C572A759-6A51-4108-AA02-DFA0A04FC94B}">
+              <ma14:wrappingTextBoxFlag xmlns:ma14="http://schemas.microsoft.com/office/mac/drawingml/2011/main" val="1"/>
+            </a:ext>
+          </a:extLst>
+        </p:spPr>
+        <p:txBody>
+          <a:bodyPr lIns="0" tIns="0" rIns="0" bIns="0">
+            <a:spAutoFit/>
+          </a:bodyPr>
+          <a:lstStyle/>
+          <a:p>
+            <a:pPr/>
+            <a:r>
+              <a:t>Menunjukkan % dokumen yang ditulis bersama dengan penulis dari negara lain.</a:t>
+            </a:r>
+          </a:p>
+          <a:p>
+            <a:pPr/>
+          </a:p>
+          <a:p>
+            <a:pPr/>
+            <a:r>
+              <a:t>Menurun. Penyebab?</a:t>
+            </a:r>
+          </a:p>
+        </p:txBody>
+      </p:sp>
+      <p:pic>
+        <p:nvPicPr>
+          <p:cNvPr id="202" name="Image" descr="Image"/>
+          <p:cNvPicPr>
+            <a:picLocks noChangeAspect="1"/>
+          </p:cNvPicPr>
+          <p:nvPr/>
+        </p:nvPicPr>
+        <p:blipFill>
+          <a:blip r:embed="rId2">
+            <a:extLst/>
+          </a:blip>
+          <a:stretch>
+            <a:fillRect/>
+          </a:stretch>
+        </p:blipFill>
+        <p:spPr>
+          <a:xfrm>
+            <a:off x="461767" y="1270482"/>
+            <a:ext cx="3670301" cy="2298701"/>
+          </a:xfrm>
+          <a:prstGeom prst="rect">
+            <a:avLst/>
+          </a:prstGeom>
+          <a:ln w="12700">
+            <a:miter lim="400000"/>
+          </a:ln>
+        </p:spPr>
+      </p:pic>
     </p:spTree>
   </p:cSld>
   <p:clrMapOvr>

--- a/TELAAH-SCIMAGO.pptx
+++ b/TELAAH-SCIMAGO.pptx
@@ -61,6 +61,17 @@
     <p:sldId id="306" r:id="rId58"/>
     <p:sldId id="307" r:id="rId59"/>
     <p:sldId id="308" r:id="rId60"/>
+    <p:sldId id="309" r:id="rId61"/>
+    <p:sldId id="310" r:id="rId62"/>
+    <p:sldId id="311" r:id="rId63"/>
+    <p:sldId id="312" r:id="rId64"/>
+    <p:sldId id="313" r:id="rId65"/>
+    <p:sldId id="314" r:id="rId66"/>
+    <p:sldId id="315" r:id="rId67"/>
+    <p:sldId id="316" r:id="rId68"/>
+    <p:sldId id="317" r:id="rId69"/>
+    <p:sldId id="318" r:id="rId70"/>
+    <p:sldId id="319" r:id="rId71"/>
   </p:sldIdLst>
   <p:sldSz cx="10071100" cy="5664200"/>
   <p:notesSz cx="6858000" cy="9144000"/>
@@ -4545,7 +4556,7 @@
         <p:spPr>
           <a:xfrm>
             <a:off x="3421278" y="3774697"/>
-            <a:ext cx="2728640" cy="1679992"/>
+            <a:ext cx="2728640" cy="1679993"/>
           </a:xfrm>
           <a:prstGeom prst="rect">
             <a:avLst/>
@@ -4727,7 +4738,7 @@
         <p:spPr>
           <a:xfrm flipV="1">
             <a:off x="2797539" y="2519868"/>
-            <a:ext cx="614701" cy="778313"/>
+            <a:ext cx="614701" cy="778314"/>
           </a:xfrm>
           <a:prstGeom prst="line">
             <a:avLst/>
@@ -5331,8 +5342,8 @@
         </p:blipFill>
         <p:spPr>
           <a:xfrm>
-            <a:off x="3168650" y="1980173"/>
-            <a:ext cx="2737337" cy="1703854"/>
+            <a:off x="3168650" y="1980174"/>
+            <a:ext cx="2737337" cy="1703853"/>
           </a:xfrm>
           <a:prstGeom prst="rect">
             <a:avLst/>
@@ -5652,7 +5663,7 @@
         <p:spPr>
           <a:xfrm>
             <a:off x="1134842" y="516589"/>
-            <a:ext cx="3733801" cy="4639611"/>
+            <a:ext cx="3733801" cy="4639612"/>
           </a:xfrm>
           <a:prstGeom prst="rect">
             <a:avLst/>
@@ -5681,7 +5692,7 @@
         <p:spPr>
           <a:xfrm>
             <a:off x="5509286" y="508000"/>
-            <a:ext cx="3708401" cy="4648201"/>
+            <a:ext cx="3708401" cy="4648200"/>
           </a:xfrm>
           <a:prstGeom prst="rect">
             <a:avLst/>
@@ -5808,7 +5819,7 @@
         <p:spPr>
           <a:xfrm>
             <a:off x="4964730" y="1315905"/>
-            <a:ext cx="4227822" cy="2808736"/>
+            <a:ext cx="4227821" cy="2808736"/>
           </a:xfrm>
           <a:prstGeom prst="rect">
             <a:avLst/>
@@ -6420,8 +6431,8 @@
         </p:blipFill>
         <p:spPr>
           <a:xfrm>
-            <a:off x="5430476" y="501649"/>
-            <a:ext cx="3746501" cy="4660901"/>
+            <a:off x="5430477" y="501650"/>
+            <a:ext cx="3746501" cy="4660900"/>
           </a:xfrm>
           <a:prstGeom prst="rect">
             <a:avLst/>
@@ -6639,8 +6650,8 @@
         </p:nvSpPr>
         <p:spPr>
           <a:xfrm>
-            <a:off x="4839350" y="2060890"/>
-            <a:ext cx="777626" cy="325859"/>
+            <a:off x="4839349" y="2060890"/>
+            <a:ext cx="777627" cy="325859"/>
           </a:xfrm>
           <a:prstGeom prst="line">
             <a:avLst/>
@@ -7179,7 +7190,7 @@
         <p:spPr>
           <a:xfrm>
             <a:off x="3262826" y="3678374"/>
-            <a:ext cx="3037804" cy="1872619"/>
+            <a:ext cx="3037803" cy="1872619"/>
           </a:xfrm>
           <a:prstGeom prst="rect">
             <a:avLst/>
@@ -7956,8 +7967,8 @@
         </p:blipFill>
         <p:spPr>
           <a:xfrm>
-            <a:off x="3163157" y="3720822"/>
-            <a:ext cx="3047445" cy="1927412"/>
+            <a:off x="3163157" y="3720821"/>
+            <a:ext cx="3047445" cy="1927413"/>
           </a:xfrm>
           <a:prstGeom prst="rect">
             <a:avLst/>
@@ -8048,7 +8059,7 @@
         <p:spPr>
           <a:xfrm>
             <a:off x="5064674" y="726291"/>
-            <a:ext cx="3556754" cy="4433762"/>
+            <a:ext cx="3556755" cy="4433762"/>
           </a:xfrm>
           <a:prstGeom prst="rect">
             <a:avLst/>
@@ -8145,8 +8156,8 @@
         </p:blipFill>
         <p:spPr>
           <a:xfrm>
-            <a:off x="6757436" y="4153073"/>
-            <a:ext cx="2179830" cy="1371025"/>
+            <a:off x="7216462" y="4096055"/>
+            <a:ext cx="2179831" cy="1371025"/>
           </a:xfrm>
           <a:prstGeom prst="rect">
             <a:avLst/>
@@ -8174,8 +8185,8 @@
         </p:blipFill>
         <p:spPr>
           <a:xfrm>
-            <a:off x="4613562" y="4153073"/>
-            <a:ext cx="2160104" cy="1371025"/>
+            <a:off x="5072589" y="4096055"/>
+            <a:ext cx="2160103" cy="1371025"/>
           </a:xfrm>
           <a:prstGeom prst="rect">
             <a:avLst/>
@@ -8243,8 +8254,8 @@
         </p:blipFill>
         <p:spPr>
           <a:xfrm>
-            <a:off x="221277" y="1207241"/>
-            <a:ext cx="2122144" cy="1344344"/>
+            <a:off x="680303" y="1150223"/>
+            <a:ext cx="2122144" cy="1344345"/>
           </a:xfrm>
           <a:prstGeom prst="rect">
             <a:avLst/>
@@ -8262,7 +8273,7 @@
         </p:nvSpPr>
         <p:spPr>
           <a:xfrm>
-            <a:off x="267621" y="1475669"/>
+            <a:off x="726648" y="1418651"/>
             <a:ext cx="241301" cy="259222"/>
           </a:xfrm>
           <a:prstGeom prst="rect">
@@ -8308,7 +8319,7 @@
         </p:blipFill>
         <p:spPr>
           <a:xfrm>
-            <a:off x="2426547" y="1222248"/>
+            <a:off x="2885573" y="1165230"/>
             <a:ext cx="2127739" cy="1344345"/>
           </a:xfrm>
           <a:prstGeom prst="rect">
@@ -8327,7 +8338,7 @@
         </p:nvSpPr>
         <p:spPr>
           <a:xfrm>
-            <a:off x="2472341" y="1475669"/>
+            <a:off x="2931367" y="1418651"/>
             <a:ext cx="330263" cy="259222"/>
           </a:xfrm>
           <a:prstGeom prst="rect">
@@ -8373,8 +8384,8 @@
         </p:blipFill>
         <p:spPr>
           <a:xfrm>
-            <a:off x="4615073" y="1218205"/>
-            <a:ext cx="2126162" cy="1344345"/>
+            <a:off x="5074100" y="1161187"/>
+            <a:ext cx="2126161" cy="1344345"/>
           </a:xfrm>
           <a:prstGeom prst="rect">
             <a:avLst/>
@@ -8392,7 +8403,7 @@
         </p:nvSpPr>
         <p:spPr>
           <a:xfrm>
-            <a:off x="4668403" y="1475669"/>
+            <a:off x="5127429" y="1418651"/>
             <a:ext cx="317650" cy="259222"/>
           </a:xfrm>
           <a:prstGeom prst="rect">
@@ -8438,8 +8449,8 @@
         </p:blipFill>
         <p:spPr>
           <a:xfrm>
-            <a:off x="6787450" y="1207241"/>
-            <a:ext cx="2102939" cy="1344344"/>
+            <a:off x="7246477" y="1150223"/>
+            <a:ext cx="2102939" cy="1344345"/>
           </a:xfrm>
           <a:prstGeom prst="rect">
             <a:avLst/>
@@ -8457,7 +8468,7 @@
         </p:nvSpPr>
         <p:spPr>
           <a:xfrm>
-            <a:off x="6838494" y="1475669"/>
+            <a:off x="7297520" y="1418651"/>
             <a:ext cx="342876" cy="259222"/>
           </a:xfrm>
           <a:prstGeom prst="rect">
@@ -8503,7 +8514,7 @@
         </p:blipFill>
         <p:spPr>
           <a:xfrm>
-            <a:off x="214927" y="2661644"/>
+            <a:off x="673953" y="2604626"/>
             <a:ext cx="2131746" cy="1344345"/>
           </a:xfrm>
           <a:prstGeom prst="rect">
@@ -8522,7 +8533,7 @@
         </p:nvSpPr>
         <p:spPr>
           <a:xfrm>
-            <a:off x="267621" y="2927215"/>
+            <a:off x="726648" y="2870197"/>
             <a:ext cx="330263" cy="259222"/>
           </a:xfrm>
           <a:prstGeom prst="rect">
@@ -8568,8 +8579,8 @@
         </p:blipFill>
         <p:spPr>
           <a:xfrm>
-            <a:off x="2415582" y="2639715"/>
-            <a:ext cx="2203016" cy="1388203"/>
+            <a:off x="2874609" y="2582698"/>
+            <a:ext cx="2203016" cy="1388202"/>
           </a:xfrm>
           <a:prstGeom prst="rect">
             <a:avLst/>
@@ -8587,7 +8598,7 @@
         </p:nvSpPr>
         <p:spPr>
           <a:xfrm>
-            <a:off x="2472341" y="2927215"/>
+            <a:off x="2931367" y="2870197"/>
             <a:ext cx="241301" cy="259222"/>
           </a:xfrm>
           <a:prstGeom prst="rect">
@@ -8633,8 +8644,8 @@
         </p:blipFill>
         <p:spPr>
           <a:xfrm>
-            <a:off x="4605845" y="2648373"/>
-            <a:ext cx="2175539" cy="1370887"/>
+            <a:off x="5064871" y="2591355"/>
+            <a:ext cx="2175539" cy="1370888"/>
           </a:xfrm>
           <a:prstGeom prst="rect">
             <a:avLst/>
@@ -8652,7 +8663,7 @@
         </p:nvSpPr>
         <p:spPr>
           <a:xfrm>
-            <a:off x="4633774" y="2927215"/>
+            <a:off x="5092800" y="2870197"/>
             <a:ext cx="330263" cy="259222"/>
           </a:xfrm>
           <a:prstGeom prst="rect">
@@ -8698,8 +8709,8 @@
         </p:blipFill>
         <p:spPr>
           <a:xfrm>
-            <a:off x="6737411" y="2639715"/>
-            <a:ext cx="2203017" cy="1388203"/>
+            <a:off x="7196438" y="2582698"/>
+            <a:ext cx="2203016" cy="1388202"/>
           </a:xfrm>
           <a:prstGeom prst="rect">
             <a:avLst/>
@@ -8717,7 +8728,7 @@
         </p:nvSpPr>
         <p:spPr>
           <a:xfrm>
-            <a:off x="6777893" y="2863757"/>
+            <a:off x="7236920" y="2806739"/>
             <a:ext cx="330263" cy="259223"/>
           </a:xfrm>
           <a:prstGeom prst="rect">
@@ -8763,7 +8774,7 @@
         </p:blipFill>
         <p:spPr>
           <a:xfrm>
-            <a:off x="212620" y="4181796"/>
+            <a:off x="671646" y="4124778"/>
             <a:ext cx="2139458" cy="1335952"/>
           </a:xfrm>
           <a:prstGeom prst="rect">
@@ -8782,7 +8793,7 @@
         </p:nvSpPr>
         <p:spPr>
           <a:xfrm>
-            <a:off x="267621" y="4430704"/>
+            <a:off x="726648" y="4373686"/>
             <a:ext cx="342876" cy="259222"/>
           </a:xfrm>
           <a:prstGeom prst="rect">
@@ -8828,8 +8839,8 @@
         </p:blipFill>
         <p:spPr>
           <a:xfrm>
-            <a:off x="2420197" y="4150766"/>
-            <a:ext cx="2203015" cy="1375639"/>
+            <a:off x="2879223" y="4093748"/>
+            <a:ext cx="2203016" cy="1375639"/>
           </a:xfrm>
           <a:prstGeom prst="rect">
             <a:avLst/>
@@ -8847,8 +8858,8 @@
         </p:nvSpPr>
         <p:spPr>
           <a:xfrm>
-            <a:off x="2466034" y="4430704"/>
-            <a:ext cx="279475" cy="259222"/>
+            <a:off x="2925060" y="4373686"/>
+            <a:ext cx="279476" cy="259222"/>
           </a:xfrm>
           <a:prstGeom prst="rect">
             <a:avLst/>
@@ -8883,8 +8894,8 @@
         </p:nvSpPr>
         <p:spPr>
           <a:xfrm>
-            <a:off x="4687490" y="4358589"/>
-            <a:ext cx="241301" cy="259222"/>
+            <a:off x="5146516" y="4301571"/>
+            <a:ext cx="241301" cy="259223"/>
           </a:xfrm>
           <a:prstGeom prst="rect">
             <a:avLst/>
@@ -8919,7 +8930,7 @@
         </p:nvSpPr>
         <p:spPr>
           <a:xfrm>
-            <a:off x="6870194" y="4430704"/>
+            <a:off x="7329220" y="4373686"/>
             <a:ext cx="355601" cy="259222"/>
           </a:xfrm>
           <a:prstGeom prst="rect">
@@ -9143,7 +9154,7 @@
           <a:p>
             <a:pPr/>
             <a:r>
-              <a:t>Energy</a:t>
+              <a:t>Earth and planetary science</a:t>
             </a:r>
           </a:p>
         </p:txBody>
@@ -9199,8 +9210,8 @@
         </p:blipFill>
         <p:spPr>
           <a:xfrm>
-            <a:off x="4373074" y="0"/>
-            <a:ext cx="4568571" cy="5664201"/>
+            <a:off x="4727455" y="0"/>
+            <a:ext cx="4578907" cy="5664201"/>
           </a:xfrm>
           <a:prstGeom prst="rect">
             <a:avLst/>
@@ -9247,7 +9258,7 @@
         </p:nvSpPr>
         <p:spPr>
           <a:xfrm>
-            <a:off x="1765523" y="2461624"/>
+            <a:off x="1668871" y="2075018"/>
             <a:ext cx="3619527" cy="1"/>
           </a:xfrm>
           <a:prstGeom prst="line">
@@ -9309,39 +9320,9 @@
           <a:chExt cx="0" cy="0"/>
         </a:xfrm>
       </p:grpSpPr>
-      <p:pic>
-        <p:nvPicPr>
-          <p:cNvPr id="351" name="Image" descr="Image"/>
-          <p:cNvPicPr>
-            <a:picLocks noChangeAspect="1"/>
-          </p:cNvPicPr>
-          <p:nvPr/>
-        </p:nvPicPr>
-        <p:blipFill>
-          <a:blip r:embed="rId2">
-            <a:extLst/>
-          </a:blip>
-          <a:srcRect l="0" t="50545" r="0" b="24992"/>
-          <a:stretch>
-            <a:fillRect/>
-          </a:stretch>
-        </p:blipFill>
-        <p:spPr>
-          <a:xfrm>
-            <a:off x="3223411" y="2056661"/>
-            <a:ext cx="2288256" cy="1385600"/>
-          </a:xfrm>
-          <a:prstGeom prst="rect">
-            <a:avLst/>
-          </a:prstGeom>
-          <a:ln w="12700">
-            <a:miter lim="400000"/>
-          </a:ln>
-        </p:spPr>
-      </p:pic>
-      <p:sp>
-        <p:nvSpPr>
-          <p:cNvPr id="352" name="TextShape 1"/>
+      <p:sp>
+        <p:nvSpPr>
+          <p:cNvPr id="351" name="TextShape 1"/>
           <p:cNvSpPr txBox="1"/>
           <p:nvPr/>
         </p:nvSpPr>
@@ -9379,6 +9360,35 @@
           </a:p>
         </p:txBody>
       </p:sp>
+      <p:pic>
+        <p:nvPicPr>
+          <p:cNvPr id="352" name="Image" descr="Image"/>
+          <p:cNvPicPr>
+            <a:picLocks noChangeAspect="1"/>
+          </p:cNvPicPr>
+          <p:nvPr/>
+        </p:nvPicPr>
+        <p:blipFill>
+          <a:blip r:embed="rId2">
+            <a:extLst/>
+          </a:blip>
+          <a:stretch>
+            <a:fillRect/>
+          </a:stretch>
+        </p:blipFill>
+        <p:spPr>
+          <a:xfrm>
+            <a:off x="84159" y="185573"/>
+            <a:ext cx="2737337" cy="1727888"/>
+          </a:xfrm>
+          <a:prstGeom prst="rect">
+            <a:avLst/>
+          </a:prstGeom>
+          <a:ln w="12700">
+            <a:miter lim="400000"/>
+          </a:ln>
+        </p:spPr>
+      </p:pic>
       <p:pic>
         <p:nvPicPr>
           <p:cNvPr id="353" name="Image" descr="Image"/>
@@ -9397,8 +9407,8 @@
         </p:blipFill>
         <p:spPr>
           <a:xfrm>
-            <a:off x="84159" y="185573"/>
-            <a:ext cx="2737337" cy="1727888"/>
+            <a:off x="82413" y="1992835"/>
+            <a:ext cx="2740828" cy="1680165"/>
           </a:xfrm>
           <a:prstGeom prst="rect">
             <a:avLst/>
@@ -9426,35 +9436,6 @@
         </p:blipFill>
         <p:spPr>
           <a:xfrm>
-            <a:off x="82413" y="1992835"/>
-            <a:ext cx="2740828" cy="1680165"/>
-          </a:xfrm>
-          <a:prstGeom prst="rect">
-            <a:avLst/>
-          </a:prstGeom>
-          <a:ln w="12700">
-            <a:miter lim="400000"/>
-          </a:ln>
-        </p:spPr>
-      </p:pic>
-      <p:pic>
-        <p:nvPicPr>
-          <p:cNvPr id="355" name="Image" descr="Image"/>
-          <p:cNvPicPr>
-            <a:picLocks noChangeAspect="1"/>
-          </p:cNvPicPr>
-          <p:nvPr/>
-        </p:nvPicPr>
-        <p:blipFill>
-          <a:blip r:embed="rId5">
-            <a:extLst/>
-          </a:blip>
-          <a:stretch>
-            <a:fillRect/>
-          </a:stretch>
-        </p:blipFill>
-        <p:spPr>
-          <a:xfrm>
             <a:off x="80111" y="3750740"/>
             <a:ext cx="2740466" cy="1727887"/>
           </a:xfrm>
@@ -9468,7 +9449,7 @@
       </p:pic>
       <p:sp>
         <p:nvSpPr>
-          <p:cNvPr id="356" name="Line"/>
+          <p:cNvPr id="355" name="Line"/>
           <p:cNvSpPr/>
           <p:nvPr/>
         </p:nvSpPr>
@@ -9504,7 +9485,7 @@
       </p:sp>
       <p:sp>
         <p:nvSpPr>
-          <p:cNvPr id="357" name="Line"/>
+          <p:cNvPr id="356" name="Line"/>
           <p:cNvSpPr/>
           <p:nvPr/>
         </p:nvSpPr>
@@ -9540,6 +9521,36 @@
       </p:sp>
       <p:pic>
         <p:nvPicPr>
+          <p:cNvPr id="357" name="Image" descr="Image"/>
+          <p:cNvPicPr>
+            <a:picLocks noChangeAspect="1"/>
+          </p:cNvPicPr>
+          <p:nvPr/>
+        </p:nvPicPr>
+        <p:blipFill>
+          <a:blip r:embed="rId5">
+            <a:extLst/>
+          </a:blip>
+          <a:srcRect l="0" t="50109" r="0" b="25474"/>
+          <a:stretch>
+            <a:fillRect/>
+          </a:stretch>
+        </p:blipFill>
+        <p:spPr>
+          <a:xfrm>
+            <a:off x="3268691" y="2016772"/>
+            <a:ext cx="2296577" cy="1382949"/>
+          </a:xfrm>
+          <a:prstGeom prst="rect">
+            <a:avLst/>
+          </a:prstGeom>
+          <a:ln w="12700">
+            <a:miter lim="400000"/>
+          </a:ln>
+        </p:spPr>
+      </p:pic>
+      <p:pic>
+        <p:nvPicPr>
           <p:cNvPr id="358" name="Image" descr="Image"/>
           <p:cNvPicPr>
             <a:picLocks noChangeAspect="1"/>
@@ -9547,18 +9558,18 @@
           <p:nvPr/>
         </p:nvPicPr>
         <p:blipFill>
-          <a:blip r:embed="rId2">
+          <a:blip r:embed="rId5">
             <a:extLst/>
           </a:blip>
-          <a:srcRect l="0" t="75175" r="0" b="0"/>
+          <a:srcRect l="0" t="75006" r="0" b="0"/>
           <a:stretch>
             <a:fillRect/>
           </a:stretch>
         </p:blipFill>
         <p:spPr>
           <a:xfrm>
-            <a:off x="3348940" y="3798036"/>
-            <a:ext cx="2288256" cy="1406127"/>
+            <a:off x="3268691" y="4026219"/>
+            <a:ext cx="2296577" cy="1415683"/>
           </a:xfrm>
           <a:prstGeom prst="rect">
             <a:avLst/>
@@ -9577,18 +9588,18 @@
           <p:nvPr/>
         </p:nvPicPr>
         <p:blipFill>
-          <a:blip r:embed="rId2">
+          <a:blip r:embed="rId5">
             <a:extLst/>
           </a:blip>
-          <a:srcRect l="0" t="0" r="0" b="74531"/>
+          <a:srcRect l="0" t="0" r="0" b="74799"/>
           <a:stretch>
             <a:fillRect/>
           </a:stretch>
         </p:blipFill>
         <p:spPr>
           <a:xfrm>
-            <a:off x="3223411" y="215221"/>
-            <a:ext cx="2288256" cy="1442616"/>
+            <a:off x="3268691" y="335737"/>
+            <a:ext cx="2296577" cy="1427424"/>
           </a:xfrm>
           <a:prstGeom prst="rect">
             <a:avLst/>
@@ -9649,8 +9660,8 @@
         </p:blipFill>
         <p:spPr>
           <a:xfrm>
-            <a:off x="5364245" y="757977"/>
-            <a:ext cx="2794001" cy="3505201"/>
+            <a:off x="5558602" y="721681"/>
+            <a:ext cx="2781301" cy="3505201"/>
           </a:xfrm>
           <a:prstGeom prst="rect">
             <a:avLst/>
@@ -9696,9 +9707,9 @@
           <p:nvPr/>
         </p:nvSpPr>
         <p:spPr>
-          <a:xfrm flipV="1">
-            <a:off x="4852590" y="1414162"/>
-            <a:ext cx="554390" cy="554390"/>
+          <a:xfrm>
+            <a:off x="4664120" y="1616528"/>
+            <a:ext cx="1046369" cy="1267948"/>
           </a:xfrm>
           <a:prstGeom prst="line">
             <a:avLst/>
@@ -9770,15 +9781,14 @@
           <a:blip r:embed="rId2">
             <a:extLst/>
           </a:blip>
-          <a:srcRect l="0" t="25646" r="0" b="49773"/>
           <a:stretch>
             <a:fillRect/>
           </a:stretch>
         </p:blipFill>
         <p:spPr>
           <a:xfrm>
-            <a:off x="5262174" y="1356242"/>
-            <a:ext cx="3823018" cy="2326015"/>
+            <a:off x="575462" y="1341305"/>
+            <a:ext cx="4403556" cy="2757936"/>
           </a:xfrm>
           <a:prstGeom prst="rect">
             <a:avLst/>
@@ -9806,8 +9816,8 @@
         </p:blipFill>
         <p:spPr>
           <a:xfrm>
-            <a:off x="575462" y="1341305"/>
-            <a:ext cx="4403556" cy="2757936"/>
+            <a:off x="5155980" y="1291788"/>
+            <a:ext cx="4667277" cy="2757936"/>
           </a:xfrm>
           <a:prstGeom prst="rect">
             <a:avLst/>
@@ -9824,9 +9834,9 @@
           <p:nvPr/>
         </p:nvSpPr>
         <p:spPr>
-          <a:xfrm flipV="1">
-            <a:off x="4900354" y="2018829"/>
-            <a:ext cx="505791" cy="196918"/>
+          <a:xfrm>
+            <a:off x="4682625" y="2108572"/>
+            <a:ext cx="865779" cy="236193"/>
           </a:xfrm>
           <a:prstGeom prst="line">
             <a:avLst/>
@@ -9921,7 +9931,7 @@
           <a:p>
             <a:pPr/>
             <a:r>
-              <a:t>Mathematics</a:t>
+              <a:t>Energy</a:t>
             </a:r>
           </a:p>
         </p:txBody>
@@ -9971,15 +9981,14 @@
           <a:blip r:embed="rId2">
             <a:extLst/>
           </a:blip>
-          <a:srcRect l="33707" t="0" r="0" b="0"/>
           <a:stretch>
             <a:fillRect/>
           </a:stretch>
         </p:blipFill>
         <p:spPr>
           <a:xfrm>
-            <a:off x="4771868" y="-1208"/>
-            <a:ext cx="4573311" cy="5664201"/>
+            <a:off x="4373074" y="0"/>
+            <a:ext cx="4568571" cy="5664201"/>
           </a:xfrm>
           <a:prstGeom prst="rect">
             <a:avLst/>
@@ -10007,7 +10016,7 @@
         </p:blipFill>
         <p:spPr>
           <a:xfrm>
-            <a:off x="296148" y="-1"/>
+            <a:off x="-122952" y="-1"/>
             <a:ext cx="4590493" cy="5664201"/>
           </a:xfrm>
           <a:prstGeom prst="rect">
@@ -10026,7 +10035,7 @@
         </p:nvSpPr>
         <p:spPr>
           <a:xfrm>
-            <a:off x="1990609" y="3543770"/>
+            <a:off x="1765523" y="2461624"/>
             <a:ext cx="3619527" cy="1"/>
           </a:xfrm>
           <a:prstGeom prst="line">
@@ -10100,15 +10109,15 @@
           <a:blip r:embed="rId2">
             <a:extLst/>
           </a:blip>
-          <a:srcRect l="0" t="50004" r="66724" b="24852"/>
+          <a:srcRect l="0" t="50545" r="0" b="24992"/>
           <a:stretch>
             <a:fillRect/>
           </a:stretch>
         </p:blipFill>
         <p:spPr>
           <a:xfrm>
-            <a:off x="3151735" y="2027230"/>
-            <a:ext cx="2295563" cy="1424152"/>
+            <a:off x="3223411" y="2056661"/>
+            <a:ext cx="2288256" cy="1385600"/>
           </a:xfrm>
           <a:prstGeom prst="rect">
             <a:avLst/>
@@ -10118,39 +10127,9 @@
           </a:ln>
         </p:spPr>
       </p:pic>
-      <p:pic>
-        <p:nvPicPr>
-          <p:cNvPr id="376" name="Image" descr="Image"/>
-          <p:cNvPicPr>
-            <a:picLocks noChangeAspect="1"/>
-          </p:cNvPicPr>
-          <p:nvPr/>
-        </p:nvPicPr>
-        <p:blipFill>
-          <a:blip r:embed="rId2">
-            <a:extLst/>
-          </a:blip>
-          <a:srcRect l="0" t="0" r="66724" b="74912"/>
-          <a:stretch>
-            <a:fillRect/>
-          </a:stretch>
-        </p:blipFill>
-        <p:spPr>
-          <a:xfrm>
-            <a:off x="3151735" y="268372"/>
-            <a:ext cx="2295563" cy="1421007"/>
-          </a:xfrm>
-          <a:prstGeom prst="rect">
-            <a:avLst/>
-          </a:prstGeom>
-          <a:ln w="12700">
-            <a:miter lim="400000"/>
-          </a:ln>
-        </p:spPr>
-      </p:pic>
-      <p:sp>
-        <p:nvSpPr>
-          <p:cNvPr id="377" name="TextShape 1"/>
+      <p:sp>
+        <p:nvSpPr>
+          <p:cNvPr id="376" name="TextShape 1"/>
           <p:cNvSpPr txBox="1"/>
           <p:nvPr/>
         </p:nvSpPr>
@@ -10190,7 +10169,7 @@
       </p:sp>
       <p:pic>
         <p:nvPicPr>
-          <p:cNvPr id="378" name="Image" descr="Image"/>
+          <p:cNvPr id="377" name="Image" descr="Image"/>
           <p:cNvPicPr>
             <a:picLocks noChangeAspect="1"/>
           </p:cNvPicPr>
@@ -10219,7 +10198,7 @@
       </p:pic>
       <p:pic>
         <p:nvPicPr>
-          <p:cNvPr id="379" name="Image" descr="Image"/>
+          <p:cNvPr id="378" name="Image" descr="Image"/>
           <p:cNvPicPr>
             <a:picLocks noChangeAspect="1"/>
           </p:cNvPicPr>
@@ -10248,7 +10227,7 @@
       </p:pic>
       <p:pic>
         <p:nvPicPr>
-          <p:cNvPr id="380" name="Image" descr="Image"/>
+          <p:cNvPr id="379" name="Image" descr="Image"/>
           <p:cNvPicPr>
             <a:picLocks noChangeAspect="1"/>
           </p:cNvPicPr>
@@ -10277,7 +10256,7 @@
       </p:pic>
       <p:sp>
         <p:nvSpPr>
-          <p:cNvPr id="381" name="Line"/>
+          <p:cNvPr id="380" name="Line"/>
           <p:cNvSpPr/>
           <p:nvPr/>
         </p:nvSpPr>
@@ -10313,7 +10292,7 @@
       </p:sp>
       <p:sp>
         <p:nvSpPr>
-          <p:cNvPr id="382" name="Line"/>
+          <p:cNvPr id="381" name="Line"/>
           <p:cNvSpPr/>
           <p:nvPr/>
         </p:nvSpPr>
@@ -10349,7 +10328,7 @@
       </p:sp>
       <p:pic>
         <p:nvPicPr>
-          <p:cNvPr id="383" name="Image" descr="Image"/>
+          <p:cNvPr id="382" name="Image" descr="Image"/>
           <p:cNvPicPr>
             <a:picLocks noChangeAspect="1"/>
           </p:cNvPicPr>
@@ -10359,15 +10338,45 @@
           <a:blip r:embed="rId2">
             <a:extLst/>
           </a:blip>
-          <a:srcRect l="0" t="75323" r="66724" b="0"/>
+          <a:srcRect l="0" t="75175" r="0" b="0"/>
           <a:stretch>
             <a:fillRect/>
           </a:stretch>
         </p:blipFill>
         <p:spPr>
           <a:xfrm>
-            <a:off x="3151735" y="3747030"/>
-            <a:ext cx="2837932" cy="1727983"/>
+            <a:off x="3348940" y="3798036"/>
+            <a:ext cx="2288256" cy="1406127"/>
+          </a:xfrm>
+          <a:prstGeom prst="rect">
+            <a:avLst/>
+          </a:prstGeom>
+          <a:ln w="12700">
+            <a:miter lim="400000"/>
+          </a:ln>
+        </p:spPr>
+      </p:pic>
+      <p:pic>
+        <p:nvPicPr>
+          <p:cNvPr id="383" name="Image" descr="Image"/>
+          <p:cNvPicPr>
+            <a:picLocks noChangeAspect="1"/>
+          </p:cNvPicPr>
+          <p:nvPr/>
+        </p:nvPicPr>
+        <p:blipFill>
+          <a:blip r:embed="rId2">
+            <a:extLst/>
+          </a:blip>
+          <a:srcRect l="0" t="0" r="0" b="74531"/>
+          <a:stretch>
+            <a:fillRect/>
+          </a:stretch>
+        </p:blipFill>
+        <p:spPr>
+          <a:xfrm>
+            <a:off x="3223411" y="215221"/>
+            <a:ext cx="2288256" cy="1442616"/>
           </a:xfrm>
           <a:prstGeom prst="rect">
             <a:avLst/>
@@ -10428,8 +10437,8 @@
         </p:blipFill>
         <p:spPr>
           <a:xfrm>
-            <a:off x="5090722" y="718492"/>
-            <a:ext cx="3508457" cy="4449361"/>
+            <a:off x="5364245" y="757977"/>
+            <a:ext cx="2794001" cy="3505201"/>
           </a:xfrm>
           <a:prstGeom prst="rect">
             <a:avLst/>
@@ -10476,8 +10485,8 @@
         </p:nvSpPr>
         <p:spPr>
           <a:xfrm flipV="1">
-            <a:off x="4852590" y="1602632"/>
-            <a:ext cx="365920" cy="821434"/>
+            <a:off x="4852590" y="1414162"/>
+            <a:ext cx="554390" cy="554390"/>
           </a:xfrm>
           <a:prstGeom prst="line">
             <a:avLst/>
@@ -10545,8 +10554,8 @@
         </p:nvSpPr>
         <p:spPr>
           <a:xfrm>
-            <a:off x="138900" y="322921"/>
-            <a:ext cx="1016398" cy="1328099"/>
+            <a:off x="152047" y="174870"/>
+            <a:ext cx="1016398" cy="1328100"/>
           </a:xfrm>
           <a:prstGeom prst="rect">
             <a:avLst/>
@@ -10565,7 +10574,7 @@
             <a:spAutoFit/>
           </a:bodyPr>
           <a:lstStyle>
-            <a:lvl1pPr algn="ctr">
+            <a:lvl1pPr algn="r">
               <a:defRPr spc="0" sz="1300"/>
             </a:lvl1pPr>
           </a:lstStyle>
@@ -11034,8 +11043,8 @@
         </p:nvSpPr>
         <p:spPr>
           <a:xfrm>
-            <a:off x="1358424" y="514723"/>
-            <a:ext cx="940272" cy="259223"/>
+            <a:off x="1358424" y="514724"/>
+            <a:ext cx="940272" cy="259222"/>
           </a:xfrm>
           <a:prstGeom prst="rect">
             <a:avLst/>
@@ -11165,7 +11174,7 @@
         <p:spPr>
           <a:xfrm>
             <a:off x="7144748" y="442609"/>
-            <a:ext cx="1156148" cy="792622"/>
+            <a:ext cx="1156147" cy="792622"/>
           </a:xfrm>
           <a:prstGeom prst="rect">
             <a:avLst/>
@@ -11237,54 +11246,98 @@
           <a:chExt cx="0" cy="0"/>
         </a:xfrm>
       </p:grpSpPr>
-      <p:sp>
-        <p:nvSpPr>
-          <p:cNvPr id="389" name="TextShape 1"/>
-          <p:cNvSpPr txBox="1"/>
-          <p:nvPr/>
-        </p:nvSpPr>
-        <p:spPr>
-          <a:xfrm>
-            <a:off x="481384" y="1587484"/>
-            <a:ext cx="9108331" cy="1207568"/>
-          </a:xfrm>
-          <a:prstGeom prst="rect">
-            <a:avLst/>
-          </a:prstGeom>
-          <a:ln w="12700">
-            <a:miter lim="400000"/>
-          </a:ln>
-          <a:extLst>
-            <a:ext uri="{C572A759-6A51-4108-AA02-DFA0A04FC94B}">
-              <ma14:wrappingTextBoxFlag xmlns:ma14="http://schemas.microsoft.com/office/mac/drawingml/2011/main" val="1"/>
-            </a:ext>
-          </a:extLst>
-        </p:spPr>
-        <p:txBody>
-          <a:bodyPr lIns="0" tIns="0" rIns="0" bIns="0" anchor="ctr">
-            <a:spAutoFit/>
-          </a:bodyPr>
+      <p:pic>
+        <p:nvPicPr>
+          <p:cNvPr id="389" name="Image" descr="Image"/>
+          <p:cNvPicPr>
+            <a:picLocks noChangeAspect="1"/>
+          </p:cNvPicPr>
+          <p:nvPr/>
+        </p:nvPicPr>
+        <p:blipFill>
+          <a:blip r:embed="rId2">
+            <a:extLst/>
+          </a:blip>
+          <a:srcRect l="0" t="25646" r="0" b="49773"/>
+          <a:stretch>
+            <a:fillRect/>
+          </a:stretch>
+        </p:blipFill>
+        <p:spPr>
+          <a:xfrm>
+            <a:off x="5262174" y="1356242"/>
+            <a:ext cx="3823018" cy="2326015"/>
+          </a:xfrm>
+          <a:prstGeom prst="rect">
+            <a:avLst/>
+          </a:prstGeom>
+          <a:ln w="12700">
+            <a:miter lim="400000"/>
+          </a:ln>
+        </p:spPr>
+      </p:pic>
+      <p:pic>
+        <p:nvPicPr>
+          <p:cNvPr id="390" name="Image" descr="Image"/>
+          <p:cNvPicPr>
+            <a:picLocks noChangeAspect="1"/>
+          </p:cNvPicPr>
+          <p:nvPr/>
+        </p:nvPicPr>
+        <p:blipFill>
+          <a:blip r:embed="rId3">
+            <a:extLst/>
+          </a:blip>
+          <a:stretch>
+            <a:fillRect/>
+          </a:stretch>
+        </p:blipFill>
+        <p:spPr>
+          <a:xfrm>
+            <a:off x="575462" y="1341305"/>
+            <a:ext cx="4403556" cy="2757936"/>
+          </a:xfrm>
+          <a:prstGeom prst="rect">
+            <a:avLst/>
+          </a:prstGeom>
+          <a:ln w="12700">
+            <a:miter lim="400000"/>
+          </a:ln>
+        </p:spPr>
+      </p:pic>
+      <p:sp>
+        <p:nvSpPr>
+          <p:cNvPr id="391" name="Line"/>
+          <p:cNvSpPr/>
+          <p:nvPr/>
+        </p:nvSpPr>
+        <p:spPr>
+          <a:xfrm flipV="1">
+            <a:off x="4900353" y="2018829"/>
+            <a:ext cx="505791" cy="196918"/>
+          </a:xfrm>
+          <a:prstGeom prst="line">
+            <a:avLst/>
+          </a:prstGeom>
+          <a:ln w="25400">
+            <a:solidFill>
+              <a:schemeClr val="accent1"/>
+            </a:solidFill>
+            <a:miter/>
+          </a:ln>
+          <a:effectLst>
+            <a:outerShdw sx="100000" sy="100000" kx="0" ky="0" algn="b" rotWithShape="0" blurRad="38100" dist="20000" dir="5400000">
+              <a:srgbClr val="000000">
+                <a:alpha val="38000"/>
+              </a:srgbClr>
+            </a:outerShdw>
+          </a:effectLst>
+        </p:spPr>
+        <p:txBody>
+          <a:bodyPr lIns="0" tIns="0" rIns="0" bIns="0"/>
           <a:lstStyle/>
           <a:p>
-            <a:pPr algn="ctr">
-              <a:defRPr spc="-1" sz="2800"/>
-            </a:pPr>
-            <a:r>
-              <a:t>H index and cites per doc</a:t>
-            </a:r>
-          </a:p>
-          <a:p>
-            <a:pPr algn="ctr">
-              <a:defRPr spc="-1" sz="2800"/>
-            </a:pPr>
-          </a:p>
-          <a:p>
-            <a:pPr algn="ctr">
-              <a:defRPr spc="-1" sz="2800"/>
-            </a:pPr>
-            <a:r>
-              <a:t>Scimagojr -&gt; VizTools -&gt; Bubble chart</a:t>
-            </a:r>
+            <a:pPr/>
           </a:p>
         </p:txBody>
       </p:sp>
@@ -11321,132 +11374,16 @@
           <a:chExt cx="0" cy="0"/>
         </a:xfrm>
       </p:grpSpPr>
-      <p:pic>
-        <p:nvPicPr>
-          <p:cNvPr id="391" name="Image" descr="Image"/>
-          <p:cNvPicPr>
-            <a:picLocks noChangeAspect="1"/>
-          </p:cNvPicPr>
-          <p:nvPr/>
-        </p:nvPicPr>
-        <p:blipFill>
-          <a:blip r:embed="rId2">
-            <a:extLst/>
-          </a:blip>
-          <a:stretch>
-            <a:fillRect/>
-          </a:stretch>
-        </p:blipFill>
-        <p:spPr>
-          <a:xfrm>
-            <a:off x="4551436" y="2486506"/>
-            <a:ext cx="4154542" cy="1969319"/>
-          </a:xfrm>
-          <a:prstGeom prst="rect">
-            <a:avLst/>
-          </a:prstGeom>
-          <a:ln w="12700">
-            <a:miter lim="400000"/>
-          </a:ln>
-        </p:spPr>
-      </p:pic>
-      <p:pic>
-        <p:nvPicPr>
-          <p:cNvPr id="392" name="Image" descr="Image"/>
-          <p:cNvPicPr>
-            <a:picLocks noChangeAspect="1"/>
-          </p:cNvPicPr>
-          <p:nvPr/>
-        </p:nvPicPr>
-        <p:blipFill>
-          <a:blip r:embed="rId3">
-            <a:extLst/>
-          </a:blip>
-          <a:stretch>
-            <a:fillRect/>
-          </a:stretch>
-        </p:blipFill>
-        <p:spPr>
-          <a:xfrm>
-            <a:off x="298882" y="2501594"/>
-            <a:ext cx="4073659" cy="2013571"/>
-          </a:xfrm>
-          <a:prstGeom prst="rect">
-            <a:avLst/>
-          </a:prstGeom>
-          <a:ln w="12700">
-            <a:miter lim="400000"/>
-          </a:ln>
-        </p:spPr>
-      </p:pic>
-      <p:pic>
-        <p:nvPicPr>
-          <p:cNvPr id="393" name="Image" descr="Image"/>
-          <p:cNvPicPr>
-            <a:picLocks noChangeAspect="1"/>
-          </p:cNvPicPr>
-          <p:nvPr/>
-        </p:nvPicPr>
-        <p:blipFill>
-          <a:blip r:embed="rId4">
-            <a:extLst/>
-          </a:blip>
-          <a:stretch>
-            <a:fillRect/>
-          </a:stretch>
-        </p:blipFill>
-        <p:spPr>
-          <a:xfrm>
-            <a:off x="4564040" y="449748"/>
-            <a:ext cx="4069489" cy="1950235"/>
-          </a:xfrm>
-          <a:prstGeom prst="rect">
-            <a:avLst/>
-          </a:prstGeom>
-          <a:ln w="12700">
-            <a:miter lim="400000"/>
-          </a:ln>
-        </p:spPr>
-      </p:pic>
-      <p:pic>
-        <p:nvPicPr>
-          <p:cNvPr id="394" name="Image" descr="Image"/>
-          <p:cNvPicPr>
-            <a:picLocks noChangeAspect="1"/>
-          </p:cNvPicPr>
-          <p:nvPr/>
-        </p:nvPicPr>
-        <p:blipFill>
-          <a:blip r:embed="rId5">
-            <a:extLst/>
-          </a:blip>
-          <a:stretch>
-            <a:fillRect/>
-          </a:stretch>
-        </p:blipFill>
-        <p:spPr>
-          <a:xfrm>
-            <a:off x="300967" y="460712"/>
-            <a:ext cx="4069488" cy="1969319"/>
-          </a:xfrm>
-          <a:prstGeom prst="rect">
-            <a:avLst/>
-          </a:prstGeom>
-          <a:ln w="12700">
-            <a:miter lim="400000"/>
-          </a:ln>
-        </p:spPr>
-      </p:pic>
-      <p:sp>
-        <p:nvSpPr>
-          <p:cNvPr id="395" name="US"/>
+      <p:sp>
+        <p:nvSpPr>
+          <p:cNvPr id="393" name="TextShape 1"/>
           <p:cNvSpPr txBox="1"/>
           <p:nvPr/>
         </p:nvSpPr>
         <p:spPr>
           <a:xfrm>
-            <a:off x="736313" y="606248"/>
-            <a:ext cx="330263" cy="259222"/>
+            <a:off x="481384" y="1993884"/>
+            <a:ext cx="9108331" cy="394768"/>
           </a:xfrm>
           <a:prstGeom prst="rect">
             <a:avLst/>
@@ -11461,122 +11398,18 @@
           </a:extLst>
         </p:spPr>
         <p:txBody>
-          <a:bodyPr wrap="none" lIns="0" tIns="0" rIns="0" bIns="0">
+          <a:bodyPr lIns="0" tIns="0" rIns="0" bIns="0" anchor="ctr">
             <a:spAutoFit/>
           </a:bodyPr>
-          <a:lstStyle/>
+          <a:lstStyle>
+            <a:lvl1pPr algn="ctr">
+              <a:defRPr spc="-1" sz="2800"/>
+            </a:lvl1pPr>
+          </a:lstStyle>
           <a:p>
             <a:pPr/>
             <a:r>
-              <a:t>US</a:t>
-            </a:r>
-          </a:p>
-        </p:txBody>
-      </p:sp>
-      <p:sp>
-        <p:nvSpPr>
-          <p:cNvPr id="396" name="UK"/>
-          <p:cNvSpPr txBox="1"/>
-          <p:nvPr/>
-        </p:nvSpPr>
-        <p:spPr>
-          <a:xfrm>
-            <a:off x="4870418" y="606248"/>
-            <a:ext cx="330264" cy="259222"/>
-          </a:xfrm>
-          <a:prstGeom prst="rect">
-            <a:avLst/>
-          </a:prstGeom>
-          <a:ln w="12700">
-            <a:miter lim="400000"/>
-          </a:ln>
-          <a:extLst>
-            <a:ext uri="{C572A759-6A51-4108-AA02-DFA0A04FC94B}">
-              <ma14:wrappingTextBoxFlag xmlns:ma14="http://schemas.microsoft.com/office/mac/drawingml/2011/main" val="1"/>
-            </a:ext>
-          </a:extLst>
-        </p:spPr>
-        <p:txBody>
-          <a:bodyPr wrap="none" lIns="0" tIns="0" rIns="0" bIns="0">
-            <a:spAutoFit/>
-          </a:bodyPr>
-          <a:lstStyle/>
-          <a:p>
-            <a:pPr/>
-            <a:r>
-              <a:t>UK</a:t>
-            </a:r>
-          </a:p>
-        </p:txBody>
-      </p:sp>
-      <p:sp>
-        <p:nvSpPr>
-          <p:cNvPr id="397" name="ID"/>
-          <p:cNvSpPr txBox="1"/>
-          <p:nvPr/>
-        </p:nvSpPr>
-        <p:spPr>
-          <a:xfrm>
-            <a:off x="670246" y="2702489"/>
-            <a:ext cx="241301" cy="259222"/>
-          </a:xfrm>
-          <a:prstGeom prst="rect">
-            <a:avLst/>
-          </a:prstGeom>
-          <a:ln w="12700">
-            <a:miter lim="400000"/>
-          </a:ln>
-          <a:extLst>
-            <a:ext uri="{C572A759-6A51-4108-AA02-DFA0A04FC94B}">
-              <ma14:wrappingTextBoxFlag xmlns:ma14="http://schemas.microsoft.com/office/mac/drawingml/2011/main" val="1"/>
-            </a:ext>
-          </a:extLst>
-        </p:spPr>
-        <p:txBody>
-          <a:bodyPr wrap="none" lIns="0" tIns="0" rIns="0" bIns="0">
-            <a:spAutoFit/>
-          </a:bodyPr>
-          <a:lstStyle/>
-          <a:p>
-            <a:pPr/>
-            <a:r>
-              <a:t>ID</a:t>
-            </a:r>
-          </a:p>
-        </p:txBody>
-      </p:sp>
-      <p:sp>
-        <p:nvSpPr>
-          <p:cNvPr id="398" name="SG"/>
-          <p:cNvSpPr txBox="1"/>
-          <p:nvPr/>
-        </p:nvSpPr>
-        <p:spPr>
-          <a:xfrm>
-            <a:off x="5132490" y="3213733"/>
-            <a:ext cx="342988" cy="259222"/>
-          </a:xfrm>
-          <a:prstGeom prst="rect">
-            <a:avLst/>
-          </a:prstGeom>
-          <a:ln w="12700">
-            <a:miter lim="400000"/>
-          </a:ln>
-          <a:extLst>
-            <a:ext uri="{C572A759-6A51-4108-AA02-DFA0A04FC94B}">
-              <ma14:wrappingTextBoxFlag xmlns:ma14="http://schemas.microsoft.com/office/mac/drawingml/2011/main" val="1"/>
-            </a:ext>
-          </a:extLst>
-        </p:spPr>
-        <p:txBody>
-          <a:bodyPr wrap="none" lIns="0" tIns="0" rIns="0" bIns="0">
-            <a:spAutoFit/>
-          </a:bodyPr>
-          <a:lstStyle/>
-          <a:p>
-            <a:pPr/>
-            <a:r>
-              <a:t>SG</a:t>
+              <a:t>Mathematics</a:t>
             </a:r>
           </a:p>
         </p:txBody>
@@ -11614,54 +11447,99 @@
           <a:chExt cx="0" cy="0"/>
         </a:xfrm>
       </p:grpSpPr>
-      <p:sp>
-        <p:nvSpPr>
-          <p:cNvPr id="400" name="TextShape 1"/>
-          <p:cNvSpPr txBox="1"/>
-          <p:nvPr/>
-        </p:nvSpPr>
-        <p:spPr>
-          <a:xfrm>
-            <a:off x="481384" y="1587484"/>
-            <a:ext cx="9108331" cy="1207568"/>
-          </a:xfrm>
-          <a:prstGeom prst="rect">
-            <a:avLst/>
-          </a:prstGeom>
-          <a:ln w="12700">
-            <a:miter lim="400000"/>
-          </a:ln>
-          <a:extLst>
-            <a:ext uri="{C572A759-6A51-4108-AA02-DFA0A04FC94B}">
-              <ma14:wrappingTextBoxFlag xmlns:ma14="http://schemas.microsoft.com/office/mac/drawingml/2011/main" val="1"/>
-            </a:ext>
-          </a:extLst>
-        </p:spPr>
-        <p:txBody>
-          <a:bodyPr lIns="0" tIns="0" rIns="0" bIns="0" anchor="ctr">
-            <a:spAutoFit/>
-          </a:bodyPr>
+      <p:pic>
+        <p:nvPicPr>
+          <p:cNvPr id="395" name="Image" descr="Image"/>
+          <p:cNvPicPr>
+            <a:picLocks noChangeAspect="1"/>
+          </p:cNvPicPr>
+          <p:nvPr/>
+        </p:nvPicPr>
+        <p:blipFill>
+          <a:blip r:embed="rId2">
+            <a:extLst/>
+          </a:blip>
+          <a:srcRect l="33707" t="0" r="0" b="0"/>
+          <a:stretch>
+            <a:fillRect/>
+          </a:stretch>
+        </p:blipFill>
+        <p:spPr>
+          <a:xfrm>
+            <a:off x="4771868" y="-1208"/>
+            <a:ext cx="4573311" cy="5664201"/>
+          </a:xfrm>
+          <a:prstGeom prst="rect">
+            <a:avLst/>
+          </a:prstGeom>
+          <a:ln w="12700">
+            <a:miter lim="400000"/>
+          </a:ln>
+        </p:spPr>
+      </p:pic>
+      <p:pic>
+        <p:nvPicPr>
+          <p:cNvPr id="396" name="Image" descr="Image"/>
+          <p:cNvPicPr>
+            <a:picLocks noChangeAspect="1"/>
+          </p:cNvPicPr>
+          <p:nvPr/>
+        </p:nvPicPr>
+        <p:blipFill>
+          <a:blip r:embed="rId3">
+            <a:extLst/>
+          </a:blip>
+          <a:stretch>
+            <a:fillRect/>
+          </a:stretch>
+        </p:blipFill>
+        <p:spPr>
+          <a:xfrm>
+            <a:off x="296148" y="-1"/>
+            <a:ext cx="4590493" cy="5664201"/>
+          </a:xfrm>
+          <a:prstGeom prst="rect">
+            <a:avLst/>
+          </a:prstGeom>
+          <a:ln w="12700">
+            <a:miter lim="400000"/>
+          </a:ln>
+        </p:spPr>
+      </p:pic>
+      <p:sp>
+        <p:nvSpPr>
+          <p:cNvPr id="397" name="Line"/>
+          <p:cNvSpPr/>
+          <p:nvPr/>
+        </p:nvSpPr>
+        <p:spPr>
+          <a:xfrm>
+            <a:off x="1990609" y="3543770"/>
+            <a:ext cx="3619527" cy="1"/>
+          </a:xfrm>
+          <a:prstGeom prst="line">
+            <a:avLst/>
+          </a:prstGeom>
+          <a:ln w="25400">
+            <a:solidFill>
+              <a:schemeClr val="accent1"/>
+            </a:solidFill>
+            <a:miter/>
+            <a:tailEnd type="triangle"/>
+          </a:ln>
+          <a:effectLst>
+            <a:outerShdw sx="100000" sy="100000" kx="0" ky="0" algn="b" rotWithShape="0" blurRad="38100" dist="20000" dir="5400000">
+              <a:srgbClr val="000000">
+                <a:alpha val="38000"/>
+              </a:srgbClr>
+            </a:outerShdw>
+          </a:effectLst>
+        </p:spPr>
+        <p:txBody>
+          <a:bodyPr lIns="0" tIns="0" rIns="0" bIns="0"/>
           <a:lstStyle/>
           <a:p>
-            <a:pPr algn="ctr">
-              <a:defRPr spc="-1" sz="2800"/>
-            </a:pPr>
-            <a:r>
-              <a:t>H index and self cites</a:t>
-            </a:r>
-          </a:p>
-          <a:p>
-            <a:pPr algn="ctr">
-              <a:defRPr spc="-1" sz="2800"/>
-            </a:pPr>
-          </a:p>
-          <a:p>
-            <a:pPr algn="ctr">
-              <a:defRPr spc="-1" sz="2800"/>
-            </a:pPr>
-            <a:r>
-              <a:t>Scimagojr -&gt; VizTools -&gt; Bubble chart</a:t>
-            </a:r>
+            <a:pPr/>
           </a:p>
         </p:txBody>
       </p:sp>
@@ -11700,7 +11578,329 @@
       </p:grpSpPr>
       <p:pic>
         <p:nvPicPr>
+          <p:cNvPr id="399" name="Image" descr="Image"/>
+          <p:cNvPicPr>
+            <a:picLocks noChangeAspect="1"/>
+          </p:cNvPicPr>
+          <p:nvPr/>
+        </p:nvPicPr>
+        <p:blipFill>
+          <a:blip r:embed="rId2">
+            <a:extLst/>
+          </a:blip>
+          <a:srcRect l="0" t="50004" r="66724" b="24852"/>
+          <a:stretch>
+            <a:fillRect/>
+          </a:stretch>
+        </p:blipFill>
+        <p:spPr>
+          <a:xfrm>
+            <a:off x="3151734" y="2027230"/>
+            <a:ext cx="2295564" cy="1424152"/>
+          </a:xfrm>
+          <a:prstGeom prst="rect">
+            <a:avLst/>
+          </a:prstGeom>
+          <a:ln w="12700">
+            <a:miter lim="400000"/>
+          </a:ln>
+        </p:spPr>
+      </p:pic>
+      <p:pic>
+        <p:nvPicPr>
+          <p:cNvPr id="400" name="Image" descr="Image"/>
+          <p:cNvPicPr>
+            <a:picLocks noChangeAspect="1"/>
+          </p:cNvPicPr>
+          <p:nvPr/>
+        </p:nvPicPr>
+        <p:blipFill>
+          <a:blip r:embed="rId2">
+            <a:extLst/>
+          </a:blip>
+          <a:srcRect l="0" t="0" r="66724" b="74912"/>
+          <a:stretch>
+            <a:fillRect/>
+          </a:stretch>
+        </p:blipFill>
+        <p:spPr>
+          <a:xfrm>
+            <a:off x="3151734" y="268372"/>
+            <a:ext cx="2295564" cy="1421007"/>
+          </a:xfrm>
+          <a:prstGeom prst="rect">
+            <a:avLst/>
+          </a:prstGeom>
+          <a:ln w="12700">
+            <a:miter lim="400000"/>
+          </a:ln>
+        </p:spPr>
+      </p:pic>
+      <p:sp>
+        <p:nvSpPr>
+          <p:cNvPr id="401" name="TextShape 1"/>
+          <p:cNvSpPr txBox="1"/>
+          <p:nvPr/>
+        </p:nvSpPr>
+        <p:spPr>
+          <a:xfrm>
+            <a:off x="5856831" y="433158"/>
+            <a:ext cx="3815626" cy="394767"/>
+          </a:xfrm>
+          <a:prstGeom prst="rect">
+            <a:avLst/>
+          </a:prstGeom>
+          <a:ln w="12700">
+            <a:miter lim="400000"/>
+          </a:ln>
+          <a:extLst>
+            <a:ext uri="{C572A759-6A51-4108-AA02-DFA0A04FC94B}">
+              <ma14:wrappingTextBoxFlag xmlns:ma14="http://schemas.microsoft.com/office/mac/drawingml/2011/main" val="1"/>
+            </a:ext>
+          </a:extLst>
+        </p:spPr>
+        <p:txBody>
+          <a:bodyPr lIns="0" tIns="0" rIns="0" bIns="0" anchor="ctr">
+            <a:spAutoFit/>
+          </a:bodyPr>
+          <a:lstStyle>
+            <a:lvl1pPr algn="ctr">
+              <a:defRPr spc="-1" sz="2800"/>
+            </a:lvl1pPr>
+          </a:lstStyle>
+          <a:p>
+            <a:pPr/>
+            <a:r>
+              <a:t>Citations</a:t>
+            </a:r>
+          </a:p>
+        </p:txBody>
+      </p:sp>
+      <p:pic>
+        <p:nvPicPr>
           <p:cNvPr id="402" name="Image" descr="Image"/>
+          <p:cNvPicPr>
+            <a:picLocks noChangeAspect="1"/>
+          </p:cNvPicPr>
+          <p:nvPr/>
+        </p:nvPicPr>
+        <p:blipFill>
+          <a:blip r:embed="rId3">
+            <a:extLst/>
+          </a:blip>
+          <a:stretch>
+            <a:fillRect/>
+          </a:stretch>
+        </p:blipFill>
+        <p:spPr>
+          <a:xfrm>
+            <a:off x="84159" y="185573"/>
+            <a:ext cx="2737337" cy="1727888"/>
+          </a:xfrm>
+          <a:prstGeom prst="rect">
+            <a:avLst/>
+          </a:prstGeom>
+          <a:ln w="12700">
+            <a:miter lim="400000"/>
+          </a:ln>
+        </p:spPr>
+      </p:pic>
+      <p:pic>
+        <p:nvPicPr>
+          <p:cNvPr id="403" name="Image" descr="Image"/>
+          <p:cNvPicPr>
+            <a:picLocks noChangeAspect="1"/>
+          </p:cNvPicPr>
+          <p:nvPr/>
+        </p:nvPicPr>
+        <p:blipFill>
+          <a:blip r:embed="rId4">
+            <a:extLst/>
+          </a:blip>
+          <a:stretch>
+            <a:fillRect/>
+          </a:stretch>
+        </p:blipFill>
+        <p:spPr>
+          <a:xfrm>
+            <a:off x="82413" y="1992835"/>
+            <a:ext cx="2740828" cy="1680165"/>
+          </a:xfrm>
+          <a:prstGeom prst="rect">
+            <a:avLst/>
+          </a:prstGeom>
+          <a:ln w="12700">
+            <a:miter lim="400000"/>
+          </a:ln>
+        </p:spPr>
+      </p:pic>
+      <p:pic>
+        <p:nvPicPr>
+          <p:cNvPr id="404" name="Image" descr="Image"/>
+          <p:cNvPicPr>
+            <a:picLocks noChangeAspect="1"/>
+          </p:cNvPicPr>
+          <p:nvPr/>
+        </p:nvPicPr>
+        <p:blipFill>
+          <a:blip r:embed="rId5">
+            <a:extLst/>
+          </a:blip>
+          <a:stretch>
+            <a:fillRect/>
+          </a:stretch>
+        </p:blipFill>
+        <p:spPr>
+          <a:xfrm>
+            <a:off x="80111" y="3750740"/>
+            <a:ext cx="2740466" cy="1727887"/>
+          </a:xfrm>
+          <a:prstGeom prst="rect">
+            <a:avLst/>
+          </a:prstGeom>
+          <a:ln w="12700">
+            <a:miter lim="400000"/>
+          </a:ln>
+        </p:spPr>
+      </p:pic>
+      <p:sp>
+        <p:nvSpPr>
+          <p:cNvPr id="405" name="Line"/>
+          <p:cNvSpPr/>
+          <p:nvPr/>
+        </p:nvSpPr>
+        <p:spPr>
+          <a:xfrm flipV="1">
+            <a:off x="2815441" y="636021"/>
+            <a:ext cx="403995" cy="826898"/>
+          </a:xfrm>
+          <a:prstGeom prst="line">
+            <a:avLst/>
+          </a:prstGeom>
+          <a:ln w="25400">
+            <a:solidFill>
+              <a:schemeClr val="accent1"/>
+            </a:solidFill>
+            <a:miter/>
+          </a:ln>
+          <a:effectLst>
+            <a:outerShdw sx="100000" sy="100000" kx="0" ky="0" algn="b" rotWithShape="0" blurRad="38100" dist="20000" dir="5400000">
+              <a:srgbClr val="000000">
+                <a:alpha val="38000"/>
+              </a:srgbClr>
+            </a:outerShdw>
+          </a:effectLst>
+        </p:spPr>
+        <p:txBody>
+          <a:bodyPr lIns="0" tIns="0" rIns="0" bIns="0"/>
+          <a:lstStyle/>
+          <a:p>
+            <a:pPr/>
+          </a:p>
+        </p:txBody>
+      </p:sp>
+      <p:sp>
+        <p:nvSpPr>
+          <p:cNvPr id="406" name="Line"/>
+          <p:cNvSpPr/>
+          <p:nvPr/>
+        </p:nvSpPr>
+        <p:spPr>
+          <a:xfrm flipV="1">
+            <a:off x="2783302" y="2364949"/>
+            <a:ext cx="468273" cy="934302"/>
+          </a:xfrm>
+          <a:prstGeom prst="line">
+            <a:avLst/>
+          </a:prstGeom>
+          <a:ln w="25400">
+            <a:solidFill>
+              <a:schemeClr val="accent1"/>
+            </a:solidFill>
+            <a:miter/>
+          </a:ln>
+          <a:effectLst>
+            <a:outerShdw sx="100000" sy="100000" kx="0" ky="0" algn="b" rotWithShape="0" blurRad="38100" dist="20000" dir="5400000">
+              <a:srgbClr val="000000">
+                <a:alpha val="38000"/>
+              </a:srgbClr>
+            </a:outerShdw>
+          </a:effectLst>
+        </p:spPr>
+        <p:txBody>
+          <a:bodyPr lIns="0" tIns="0" rIns="0" bIns="0"/>
+          <a:lstStyle/>
+          <a:p>
+            <a:pPr/>
+          </a:p>
+        </p:txBody>
+      </p:sp>
+      <p:pic>
+        <p:nvPicPr>
+          <p:cNvPr id="407" name="Image" descr="Image"/>
+          <p:cNvPicPr>
+            <a:picLocks noChangeAspect="1"/>
+          </p:cNvPicPr>
+          <p:nvPr/>
+        </p:nvPicPr>
+        <p:blipFill>
+          <a:blip r:embed="rId2">
+            <a:extLst/>
+          </a:blip>
+          <a:srcRect l="0" t="75323" r="66724" b="0"/>
+          <a:stretch>
+            <a:fillRect/>
+          </a:stretch>
+        </p:blipFill>
+        <p:spPr>
+          <a:xfrm>
+            <a:off x="3151734" y="3747030"/>
+            <a:ext cx="2837933" cy="1727983"/>
+          </a:xfrm>
+          <a:prstGeom prst="rect">
+            <a:avLst/>
+          </a:prstGeom>
+          <a:ln w="12700">
+            <a:miter lim="400000"/>
+          </a:ln>
+        </p:spPr>
+      </p:pic>
+    </p:spTree>
+  </p:cSld>
+  <p:clrMapOvr>
+    <a:masterClrMapping/>
+  </p:clrMapOvr>
+  <p:transition xmlns:p14="http://schemas.microsoft.com/office/powerpoint/2010/main" spd="med" advClick="1"/>
+</p:sld>
+</file>
+
+<file path=ppt/slides/slide54.xml><?xml version="1.0" encoding="utf-8"?>
+<p:sld xmlns:a="http://schemas.openxmlformats.org/drawingml/2006/main" xmlns:r="http://schemas.openxmlformats.org/officeDocument/2006/relationships" xmlns:p="http://schemas.openxmlformats.org/presentationml/2006/main" xmlns:m="http://schemas.openxmlformats.org/officeDocument/2006/math" xmlns:a14="http://schemas.microsoft.com/office/drawing/2010/main" showMasterSp="1" showMasterPhAnim="1">
+  <p:cSld>
+    <p:bg>
+      <p:bgPr>
+        <a:solidFill>
+          <a:srgbClr val="DDDDDD"/>
+        </a:solidFill>
+      </p:bgPr>
+    </p:bg>
+    <p:spTree>
+      <p:nvGrpSpPr>
+        <p:cNvPr id="1" name=""/>
+        <p:cNvGrpSpPr/>
+        <p:nvPr/>
+      </p:nvGrpSpPr>
+      <p:grpSpPr>
+        <a:xfrm>
+          <a:off x="0" y="0"/>
+          <a:ext cx="0" cy="0"/>
+          <a:chOff x="0" y="0"/>
+          <a:chExt cx="0" cy="0"/>
+        </a:xfrm>
+      </p:grpSpPr>
+      <p:pic>
+        <p:nvPicPr>
+          <p:cNvPr id="409" name="Image" descr="Image"/>
           <p:cNvPicPr>
             <a:picLocks noChangeAspect="1"/>
           </p:cNvPicPr>
@@ -11716,8 +11916,8 @@
         </p:blipFill>
         <p:spPr>
           <a:xfrm>
-            <a:off x="231710" y="541506"/>
-            <a:ext cx="3814463" cy="1876569"/>
+            <a:off x="5090722" y="718492"/>
+            <a:ext cx="3508457" cy="4449361"/>
           </a:xfrm>
           <a:prstGeom prst="rect">
             <a:avLst/>
@@ -11729,9 +11929,9 @@
       </p:pic>
       <p:pic>
         <p:nvPicPr>
-          <p:cNvPr id="403" name="Image" descr="Image"/>
+          <p:cNvPr id="410" name="Image" descr="Image"/>
           <p:cNvPicPr>
-            <a:picLocks noChangeAspect="1"/>
+            <a:picLocks noChangeAspect="0"/>
           </p:cNvPicPr>
           <p:nvPr/>
         </p:nvPicPr>
@@ -11745,8 +11945,190 @@
         </p:blipFill>
         <p:spPr>
           <a:xfrm>
-            <a:off x="4559295" y="545548"/>
-            <a:ext cx="3708595" cy="1821346"/>
+            <a:off x="1134842" y="730144"/>
+            <a:ext cx="3733801" cy="4426057"/>
+          </a:xfrm>
+          <a:prstGeom prst="rect">
+            <a:avLst/>
+          </a:prstGeom>
+          <a:ln w="12700">
+            <a:miter lim="400000"/>
+          </a:ln>
+        </p:spPr>
+      </p:pic>
+      <p:sp>
+        <p:nvSpPr>
+          <p:cNvPr id="411" name="Line"/>
+          <p:cNvSpPr/>
+          <p:nvPr/>
+        </p:nvSpPr>
+        <p:spPr>
+          <a:xfrm flipV="1">
+            <a:off x="4852590" y="1602632"/>
+            <a:ext cx="365920" cy="821434"/>
+          </a:xfrm>
+          <a:prstGeom prst="line">
+            <a:avLst/>
+          </a:prstGeom>
+          <a:ln w="25400">
+            <a:solidFill>
+              <a:schemeClr val="accent1"/>
+            </a:solidFill>
+            <a:miter/>
+          </a:ln>
+          <a:effectLst>
+            <a:outerShdw sx="100000" sy="100000" kx="0" ky="0" algn="b" rotWithShape="0" blurRad="38100" dist="20000" dir="5400000">
+              <a:srgbClr val="000000">
+                <a:alpha val="38000"/>
+              </a:srgbClr>
+            </a:outerShdw>
+          </a:effectLst>
+        </p:spPr>
+        <p:txBody>
+          <a:bodyPr lIns="0" tIns="0" rIns="0" bIns="0"/>
+          <a:lstStyle/>
+          <a:p>
+            <a:pPr/>
+          </a:p>
+        </p:txBody>
+      </p:sp>
+    </p:spTree>
+  </p:cSld>
+  <p:clrMapOvr>
+    <a:masterClrMapping/>
+  </p:clrMapOvr>
+  <p:transition xmlns:p14="http://schemas.microsoft.com/office/powerpoint/2010/main" spd="med" advClick="1"/>
+</p:sld>
+</file>
+
+<file path=ppt/slides/slide55.xml><?xml version="1.0" encoding="utf-8"?>
+<p:sld xmlns:a="http://schemas.openxmlformats.org/drawingml/2006/main" xmlns:r="http://schemas.openxmlformats.org/officeDocument/2006/relationships" xmlns:p="http://schemas.openxmlformats.org/presentationml/2006/main" xmlns:m="http://schemas.openxmlformats.org/officeDocument/2006/math" xmlns:a14="http://schemas.microsoft.com/office/drawing/2010/main" showMasterSp="1" showMasterPhAnim="1">
+  <p:cSld>
+    <p:bg>
+      <p:bgPr>
+        <a:solidFill>
+          <a:srgbClr val="DDDDDD"/>
+        </a:solidFill>
+      </p:bgPr>
+    </p:bg>
+    <p:spTree>
+      <p:nvGrpSpPr>
+        <p:cNvPr id="1" name=""/>
+        <p:cNvGrpSpPr/>
+        <p:nvPr/>
+      </p:nvGrpSpPr>
+      <p:grpSpPr>
+        <a:xfrm>
+          <a:off x="0" y="0"/>
+          <a:ext cx="0" cy="0"/>
+          <a:chOff x="0" y="0"/>
+          <a:chExt cx="0" cy="0"/>
+        </a:xfrm>
+      </p:grpSpPr>
+      <p:sp>
+        <p:nvSpPr>
+          <p:cNvPr id="413" name="TextShape 1"/>
+          <p:cNvSpPr txBox="1"/>
+          <p:nvPr/>
+        </p:nvSpPr>
+        <p:spPr>
+          <a:xfrm>
+            <a:off x="481384" y="1587484"/>
+            <a:ext cx="9108331" cy="1207568"/>
+          </a:xfrm>
+          <a:prstGeom prst="rect">
+            <a:avLst/>
+          </a:prstGeom>
+          <a:ln w="12700">
+            <a:miter lim="400000"/>
+          </a:ln>
+          <a:extLst>
+            <a:ext uri="{C572A759-6A51-4108-AA02-DFA0A04FC94B}">
+              <ma14:wrappingTextBoxFlag xmlns:ma14="http://schemas.microsoft.com/office/mac/drawingml/2011/main" val="1"/>
+            </a:ext>
+          </a:extLst>
+        </p:spPr>
+        <p:txBody>
+          <a:bodyPr lIns="0" tIns="0" rIns="0" bIns="0" anchor="ctr">
+            <a:spAutoFit/>
+          </a:bodyPr>
+          <a:lstStyle/>
+          <a:p>
+            <a:pPr algn="ctr">
+              <a:defRPr spc="-1" sz="2800"/>
+            </a:pPr>
+            <a:r>
+              <a:t>H index and cites per doc</a:t>
+            </a:r>
+          </a:p>
+          <a:p>
+            <a:pPr algn="ctr">
+              <a:defRPr spc="-1" sz="2800"/>
+            </a:pPr>
+          </a:p>
+          <a:p>
+            <a:pPr algn="ctr">
+              <a:defRPr spc="-1" sz="2800"/>
+            </a:pPr>
+            <a:r>
+              <a:t>Scimagojr -&gt; VizTools -&gt; Bubble chart</a:t>
+            </a:r>
+          </a:p>
+        </p:txBody>
+      </p:sp>
+    </p:spTree>
+  </p:cSld>
+  <p:clrMapOvr>
+    <a:masterClrMapping/>
+  </p:clrMapOvr>
+  <p:transition xmlns:p14="http://schemas.microsoft.com/office/powerpoint/2010/main" spd="med" advClick="1"/>
+</p:sld>
+</file>
+
+<file path=ppt/slides/slide56.xml><?xml version="1.0" encoding="utf-8"?>
+<p:sld xmlns:a="http://schemas.openxmlformats.org/drawingml/2006/main" xmlns:r="http://schemas.openxmlformats.org/officeDocument/2006/relationships" xmlns:p="http://schemas.openxmlformats.org/presentationml/2006/main" xmlns:m="http://schemas.openxmlformats.org/officeDocument/2006/math" xmlns:a14="http://schemas.microsoft.com/office/drawing/2010/main" showMasterSp="1" showMasterPhAnim="1">
+  <p:cSld>
+    <p:bg>
+      <p:bgPr>
+        <a:solidFill>
+          <a:srgbClr val="DDDDDD"/>
+        </a:solidFill>
+      </p:bgPr>
+    </p:bg>
+    <p:spTree>
+      <p:nvGrpSpPr>
+        <p:cNvPr id="1" name=""/>
+        <p:cNvGrpSpPr/>
+        <p:nvPr/>
+      </p:nvGrpSpPr>
+      <p:grpSpPr>
+        <a:xfrm>
+          <a:off x="0" y="0"/>
+          <a:ext cx="0" cy="0"/>
+          <a:chOff x="0" y="0"/>
+          <a:chExt cx="0" cy="0"/>
+        </a:xfrm>
+      </p:grpSpPr>
+      <p:pic>
+        <p:nvPicPr>
+          <p:cNvPr id="415" name="Image" descr="Image"/>
+          <p:cNvPicPr>
+            <a:picLocks noChangeAspect="1"/>
+          </p:cNvPicPr>
+          <p:nvPr/>
+        </p:nvPicPr>
+        <p:blipFill>
+          <a:blip r:embed="rId2">
+            <a:extLst/>
+          </a:blip>
+          <a:stretch>
+            <a:fillRect/>
+          </a:stretch>
+        </p:blipFill>
+        <p:spPr>
+          <a:xfrm>
+            <a:off x="4551436" y="2486506"/>
+            <a:ext cx="4154542" cy="1969319"/>
           </a:xfrm>
           <a:prstGeom prst="rect">
             <a:avLst/>
@@ -11758,7 +12140,7 @@
       </p:pic>
       <p:pic>
         <p:nvPicPr>
-          <p:cNvPr id="404" name="Image" descr="Image"/>
+          <p:cNvPr id="416" name="Image" descr="Image"/>
           <p:cNvPicPr>
             <a:picLocks noChangeAspect="1"/>
           </p:cNvPicPr>
@@ -11774,8 +12156,8 @@
         </p:blipFill>
         <p:spPr>
           <a:xfrm>
-            <a:off x="233445" y="3053032"/>
-            <a:ext cx="3814464" cy="1873339"/>
+            <a:off x="298882" y="2501594"/>
+            <a:ext cx="4073659" cy="2013571"/>
           </a:xfrm>
           <a:prstGeom prst="rect">
             <a:avLst/>
@@ -11785,117 +12167,9 @@
           </a:ln>
         </p:spPr>
       </p:pic>
-      <p:sp>
-        <p:nvSpPr>
-          <p:cNvPr id="405" name="US"/>
-          <p:cNvSpPr txBox="1"/>
-          <p:nvPr/>
-        </p:nvSpPr>
-        <p:spPr>
-          <a:xfrm>
-            <a:off x="736313" y="606248"/>
-            <a:ext cx="330263" cy="259222"/>
-          </a:xfrm>
-          <a:prstGeom prst="rect">
-            <a:avLst/>
-          </a:prstGeom>
-          <a:ln w="12700">
-            <a:miter lim="400000"/>
-          </a:ln>
-          <a:extLst>
-            <a:ext uri="{C572A759-6A51-4108-AA02-DFA0A04FC94B}">
-              <ma14:wrappingTextBoxFlag xmlns:ma14="http://schemas.microsoft.com/office/mac/drawingml/2011/main" val="1"/>
-            </a:ext>
-          </a:extLst>
-        </p:spPr>
-        <p:txBody>
-          <a:bodyPr wrap="none" lIns="0" tIns="0" rIns="0" bIns="0">
-            <a:spAutoFit/>
-          </a:bodyPr>
-          <a:lstStyle/>
-          <a:p>
-            <a:pPr/>
-            <a:r>
-              <a:t>US</a:t>
-            </a:r>
-          </a:p>
-        </p:txBody>
-      </p:sp>
-      <p:sp>
-        <p:nvSpPr>
-          <p:cNvPr id="406" name="UK"/>
-          <p:cNvSpPr txBox="1"/>
-          <p:nvPr/>
-        </p:nvSpPr>
-        <p:spPr>
-          <a:xfrm>
-            <a:off x="4870418" y="606248"/>
-            <a:ext cx="330264" cy="259222"/>
-          </a:xfrm>
-          <a:prstGeom prst="rect">
-            <a:avLst/>
-          </a:prstGeom>
-          <a:ln w="12700">
-            <a:miter lim="400000"/>
-          </a:ln>
-          <a:extLst>
-            <a:ext uri="{C572A759-6A51-4108-AA02-DFA0A04FC94B}">
-              <ma14:wrappingTextBoxFlag xmlns:ma14="http://schemas.microsoft.com/office/mac/drawingml/2011/main" val="1"/>
-            </a:ext>
-          </a:extLst>
-        </p:spPr>
-        <p:txBody>
-          <a:bodyPr wrap="none" lIns="0" tIns="0" rIns="0" bIns="0">
-            <a:spAutoFit/>
-          </a:bodyPr>
-          <a:lstStyle/>
-          <a:p>
-            <a:pPr/>
-            <a:r>
-              <a:t>UK</a:t>
-            </a:r>
-          </a:p>
-        </p:txBody>
-      </p:sp>
-      <p:sp>
-        <p:nvSpPr>
-          <p:cNvPr id="407" name="ID"/>
-          <p:cNvSpPr txBox="1"/>
-          <p:nvPr/>
-        </p:nvSpPr>
-        <p:spPr>
-          <a:xfrm>
-            <a:off x="612255" y="3148597"/>
-            <a:ext cx="241301" cy="259222"/>
-          </a:xfrm>
-          <a:prstGeom prst="rect">
-            <a:avLst/>
-          </a:prstGeom>
-          <a:ln w="12700">
-            <a:miter lim="400000"/>
-          </a:ln>
-          <a:extLst>
-            <a:ext uri="{C572A759-6A51-4108-AA02-DFA0A04FC94B}">
-              <ma14:wrappingTextBoxFlag xmlns:ma14="http://schemas.microsoft.com/office/mac/drawingml/2011/main" val="1"/>
-            </a:ext>
-          </a:extLst>
-        </p:spPr>
-        <p:txBody>
-          <a:bodyPr wrap="none" lIns="0" tIns="0" rIns="0" bIns="0">
-            <a:spAutoFit/>
-          </a:bodyPr>
-          <a:lstStyle/>
-          <a:p>
-            <a:pPr/>
-            <a:r>
-              <a:t>ID</a:t>
-            </a:r>
-          </a:p>
-        </p:txBody>
-      </p:sp>
       <p:pic>
         <p:nvPicPr>
-          <p:cNvPr id="408" name="Image" descr="Image"/>
+          <p:cNvPr id="417" name="Image" descr="Image"/>
           <p:cNvPicPr>
             <a:picLocks noChangeAspect="1"/>
           </p:cNvPicPr>
@@ -11911,8 +12185,8 @@
         </p:blipFill>
         <p:spPr>
           <a:xfrm>
-            <a:off x="4564369" y="3061418"/>
-            <a:ext cx="3708594" cy="1824196"/>
+            <a:off x="4564040" y="449748"/>
+            <a:ext cx="4069489" cy="1950235"/>
           </a:xfrm>
           <a:prstGeom prst="rect">
             <a:avLst/>
@@ -11922,16 +12196,45 @@
           </a:ln>
         </p:spPr>
       </p:pic>
-      <p:sp>
-        <p:nvSpPr>
-          <p:cNvPr id="409" name="SG"/>
+      <p:pic>
+        <p:nvPicPr>
+          <p:cNvPr id="418" name="Image" descr="Image"/>
+          <p:cNvPicPr>
+            <a:picLocks noChangeAspect="1"/>
+          </p:cNvPicPr>
+          <p:nvPr/>
+        </p:nvPicPr>
+        <p:blipFill>
+          <a:blip r:embed="rId5">
+            <a:extLst/>
+          </a:blip>
+          <a:stretch>
+            <a:fillRect/>
+          </a:stretch>
+        </p:blipFill>
+        <p:spPr>
+          <a:xfrm>
+            <a:off x="300967" y="460712"/>
+            <a:ext cx="4069488" cy="1969319"/>
+          </a:xfrm>
+          <a:prstGeom prst="rect">
+            <a:avLst/>
+          </a:prstGeom>
+          <a:ln w="12700">
+            <a:miter lim="400000"/>
+          </a:ln>
+        </p:spPr>
+      </p:pic>
+      <p:sp>
+        <p:nvSpPr>
+          <p:cNvPr id="419" name="US"/>
           <p:cNvSpPr txBox="1"/>
           <p:nvPr/>
         </p:nvSpPr>
         <p:spPr>
           <a:xfrm>
-            <a:off x="5132490" y="3213733"/>
-            <a:ext cx="342988" cy="259222"/>
+            <a:off x="736313" y="606248"/>
+            <a:ext cx="330263" cy="259222"/>
           </a:xfrm>
           <a:prstGeom prst="rect">
             <a:avLst/>
@@ -11953,7 +12256,576 @@
           <a:p>
             <a:pPr/>
             <a:r>
+              <a:t>US</a:t>
+            </a:r>
+          </a:p>
+        </p:txBody>
+      </p:sp>
+      <p:sp>
+        <p:nvSpPr>
+          <p:cNvPr id="420" name="UK"/>
+          <p:cNvSpPr txBox="1"/>
+          <p:nvPr/>
+        </p:nvSpPr>
+        <p:spPr>
+          <a:xfrm>
+            <a:off x="4870418" y="606248"/>
+            <a:ext cx="330264" cy="259222"/>
+          </a:xfrm>
+          <a:prstGeom prst="rect">
+            <a:avLst/>
+          </a:prstGeom>
+          <a:ln w="12700">
+            <a:miter lim="400000"/>
+          </a:ln>
+          <a:extLst>
+            <a:ext uri="{C572A759-6A51-4108-AA02-DFA0A04FC94B}">
+              <ma14:wrappingTextBoxFlag xmlns:ma14="http://schemas.microsoft.com/office/mac/drawingml/2011/main" val="1"/>
+            </a:ext>
+          </a:extLst>
+        </p:spPr>
+        <p:txBody>
+          <a:bodyPr wrap="none" lIns="0" tIns="0" rIns="0" bIns="0">
+            <a:spAutoFit/>
+          </a:bodyPr>
+          <a:lstStyle/>
+          <a:p>
+            <a:pPr/>
+            <a:r>
+              <a:t>UK</a:t>
+            </a:r>
+          </a:p>
+        </p:txBody>
+      </p:sp>
+      <p:sp>
+        <p:nvSpPr>
+          <p:cNvPr id="421" name="ID"/>
+          <p:cNvSpPr txBox="1"/>
+          <p:nvPr/>
+        </p:nvSpPr>
+        <p:spPr>
+          <a:xfrm>
+            <a:off x="670246" y="2702489"/>
+            <a:ext cx="241301" cy="259222"/>
+          </a:xfrm>
+          <a:prstGeom prst="rect">
+            <a:avLst/>
+          </a:prstGeom>
+          <a:ln w="12700">
+            <a:miter lim="400000"/>
+          </a:ln>
+          <a:extLst>
+            <a:ext uri="{C572A759-6A51-4108-AA02-DFA0A04FC94B}">
+              <ma14:wrappingTextBoxFlag xmlns:ma14="http://schemas.microsoft.com/office/mac/drawingml/2011/main" val="1"/>
+            </a:ext>
+          </a:extLst>
+        </p:spPr>
+        <p:txBody>
+          <a:bodyPr wrap="none" lIns="0" tIns="0" rIns="0" bIns="0">
+            <a:spAutoFit/>
+          </a:bodyPr>
+          <a:lstStyle/>
+          <a:p>
+            <a:pPr/>
+            <a:r>
+              <a:t>ID</a:t>
+            </a:r>
+          </a:p>
+        </p:txBody>
+      </p:sp>
+      <p:sp>
+        <p:nvSpPr>
+          <p:cNvPr id="422" name="SG"/>
+          <p:cNvSpPr txBox="1"/>
+          <p:nvPr/>
+        </p:nvSpPr>
+        <p:spPr>
+          <a:xfrm>
+            <a:off x="5132490" y="3213733"/>
+            <a:ext cx="342988" cy="259222"/>
+          </a:xfrm>
+          <a:prstGeom prst="rect">
+            <a:avLst/>
+          </a:prstGeom>
+          <a:ln w="12700">
+            <a:miter lim="400000"/>
+          </a:ln>
+          <a:extLst>
+            <a:ext uri="{C572A759-6A51-4108-AA02-DFA0A04FC94B}">
+              <ma14:wrappingTextBoxFlag xmlns:ma14="http://schemas.microsoft.com/office/mac/drawingml/2011/main" val="1"/>
+            </a:ext>
+          </a:extLst>
+        </p:spPr>
+        <p:txBody>
+          <a:bodyPr wrap="none" lIns="0" tIns="0" rIns="0" bIns="0">
+            <a:spAutoFit/>
+          </a:bodyPr>
+          <a:lstStyle/>
+          <a:p>
+            <a:pPr/>
+            <a:r>
               <a:t>SG</a:t>
+            </a:r>
+          </a:p>
+        </p:txBody>
+      </p:sp>
+    </p:spTree>
+  </p:cSld>
+  <p:clrMapOvr>
+    <a:masterClrMapping/>
+  </p:clrMapOvr>
+  <p:transition xmlns:p14="http://schemas.microsoft.com/office/powerpoint/2010/main" spd="med" advClick="1"/>
+</p:sld>
+</file>
+
+<file path=ppt/slides/slide57.xml><?xml version="1.0" encoding="utf-8"?>
+<p:sld xmlns:a="http://schemas.openxmlformats.org/drawingml/2006/main" xmlns:r="http://schemas.openxmlformats.org/officeDocument/2006/relationships" xmlns:p="http://schemas.openxmlformats.org/presentationml/2006/main" xmlns:m="http://schemas.openxmlformats.org/officeDocument/2006/math" xmlns:a14="http://schemas.microsoft.com/office/drawing/2010/main" showMasterSp="1" showMasterPhAnim="1">
+  <p:cSld>
+    <p:bg>
+      <p:bgPr>
+        <a:solidFill>
+          <a:srgbClr val="DDDDDD"/>
+        </a:solidFill>
+      </p:bgPr>
+    </p:bg>
+    <p:spTree>
+      <p:nvGrpSpPr>
+        <p:cNvPr id="1" name=""/>
+        <p:cNvGrpSpPr/>
+        <p:nvPr/>
+      </p:nvGrpSpPr>
+      <p:grpSpPr>
+        <a:xfrm>
+          <a:off x="0" y="0"/>
+          <a:ext cx="0" cy="0"/>
+          <a:chOff x="0" y="0"/>
+          <a:chExt cx="0" cy="0"/>
+        </a:xfrm>
+      </p:grpSpPr>
+      <p:sp>
+        <p:nvSpPr>
+          <p:cNvPr id="424" name="TextShape 1"/>
+          <p:cNvSpPr txBox="1"/>
+          <p:nvPr/>
+        </p:nvSpPr>
+        <p:spPr>
+          <a:xfrm>
+            <a:off x="481384" y="1587484"/>
+            <a:ext cx="9108331" cy="1207568"/>
+          </a:xfrm>
+          <a:prstGeom prst="rect">
+            <a:avLst/>
+          </a:prstGeom>
+          <a:ln w="12700">
+            <a:miter lim="400000"/>
+          </a:ln>
+          <a:extLst>
+            <a:ext uri="{C572A759-6A51-4108-AA02-DFA0A04FC94B}">
+              <ma14:wrappingTextBoxFlag xmlns:ma14="http://schemas.microsoft.com/office/mac/drawingml/2011/main" val="1"/>
+            </a:ext>
+          </a:extLst>
+        </p:spPr>
+        <p:txBody>
+          <a:bodyPr lIns="0" tIns="0" rIns="0" bIns="0" anchor="ctr">
+            <a:spAutoFit/>
+          </a:bodyPr>
+          <a:lstStyle/>
+          <a:p>
+            <a:pPr algn="ctr">
+              <a:defRPr spc="-1" sz="2800"/>
+            </a:pPr>
+            <a:r>
+              <a:t>H index and self cites</a:t>
+            </a:r>
+          </a:p>
+          <a:p>
+            <a:pPr algn="ctr">
+              <a:defRPr spc="-1" sz="2800"/>
+            </a:pPr>
+          </a:p>
+          <a:p>
+            <a:pPr algn="ctr">
+              <a:defRPr spc="-1" sz="2800"/>
+            </a:pPr>
+            <a:r>
+              <a:t>Scimagojr -&gt; VizTools -&gt; Bubble chart</a:t>
+            </a:r>
+          </a:p>
+        </p:txBody>
+      </p:sp>
+    </p:spTree>
+  </p:cSld>
+  <p:clrMapOvr>
+    <a:masterClrMapping/>
+  </p:clrMapOvr>
+  <p:transition xmlns:p14="http://schemas.microsoft.com/office/powerpoint/2010/main" spd="med" advClick="1"/>
+</p:sld>
+</file>
+
+<file path=ppt/slides/slide58.xml><?xml version="1.0" encoding="utf-8"?>
+<p:sld xmlns:a="http://schemas.openxmlformats.org/drawingml/2006/main" xmlns:r="http://schemas.openxmlformats.org/officeDocument/2006/relationships" xmlns:p="http://schemas.openxmlformats.org/presentationml/2006/main" xmlns:m="http://schemas.openxmlformats.org/officeDocument/2006/math" xmlns:a14="http://schemas.microsoft.com/office/drawing/2010/main" showMasterSp="1" showMasterPhAnim="1">
+  <p:cSld>
+    <p:bg>
+      <p:bgPr>
+        <a:solidFill>
+          <a:srgbClr val="DDDDDD"/>
+        </a:solidFill>
+      </p:bgPr>
+    </p:bg>
+    <p:spTree>
+      <p:nvGrpSpPr>
+        <p:cNvPr id="1" name=""/>
+        <p:cNvGrpSpPr/>
+        <p:nvPr/>
+      </p:nvGrpSpPr>
+      <p:grpSpPr>
+        <a:xfrm>
+          <a:off x="0" y="0"/>
+          <a:ext cx="0" cy="0"/>
+          <a:chOff x="0" y="0"/>
+          <a:chExt cx="0" cy="0"/>
+        </a:xfrm>
+      </p:grpSpPr>
+      <p:pic>
+        <p:nvPicPr>
+          <p:cNvPr id="426" name="Image" descr="Image"/>
+          <p:cNvPicPr>
+            <a:picLocks noChangeAspect="1"/>
+          </p:cNvPicPr>
+          <p:nvPr/>
+        </p:nvPicPr>
+        <p:blipFill>
+          <a:blip r:embed="rId2">
+            <a:extLst/>
+          </a:blip>
+          <a:stretch>
+            <a:fillRect/>
+          </a:stretch>
+        </p:blipFill>
+        <p:spPr>
+          <a:xfrm>
+            <a:off x="258075" y="464184"/>
+            <a:ext cx="4517609" cy="2222490"/>
+          </a:xfrm>
+          <a:prstGeom prst="rect">
+            <a:avLst/>
+          </a:prstGeom>
+          <a:ln w="12700">
+            <a:miter lim="400000"/>
+          </a:ln>
+        </p:spPr>
+      </p:pic>
+      <p:pic>
+        <p:nvPicPr>
+          <p:cNvPr id="427" name="Image" descr="Image"/>
+          <p:cNvPicPr>
+            <a:picLocks noChangeAspect="1"/>
+          </p:cNvPicPr>
+          <p:nvPr/>
+        </p:nvPicPr>
+        <p:blipFill>
+          <a:blip r:embed="rId3">
+            <a:extLst/>
+          </a:blip>
+          <a:stretch>
+            <a:fillRect/>
+          </a:stretch>
+        </p:blipFill>
+        <p:spPr>
+          <a:xfrm>
+            <a:off x="4684942" y="468227"/>
+            <a:ext cx="4525398" cy="2222490"/>
+          </a:xfrm>
+          <a:prstGeom prst="rect">
+            <a:avLst/>
+          </a:prstGeom>
+          <a:ln w="12700">
+            <a:miter lim="400000"/>
+          </a:ln>
+        </p:spPr>
+      </p:pic>
+      <p:pic>
+        <p:nvPicPr>
+          <p:cNvPr id="428" name="Image" descr="Image"/>
+          <p:cNvPicPr>
+            <a:picLocks noChangeAspect="1"/>
+          </p:cNvPicPr>
+          <p:nvPr/>
+        </p:nvPicPr>
+        <p:blipFill>
+          <a:blip r:embed="rId3">
+            <a:extLst/>
+          </a:blip>
+          <a:stretch>
+            <a:fillRect/>
+          </a:stretch>
+        </p:blipFill>
+        <p:spPr>
+          <a:xfrm>
+            <a:off x="259639" y="2782407"/>
+            <a:ext cx="4525398" cy="2222490"/>
+          </a:xfrm>
+          <a:prstGeom prst="rect">
+            <a:avLst/>
+          </a:prstGeom>
+          <a:ln w="12700">
+            <a:miter lim="400000"/>
+          </a:ln>
+        </p:spPr>
+      </p:pic>
+      <p:sp>
+        <p:nvSpPr>
+          <p:cNvPr id="429" name="US"/>
+          <p:cNvSpPr txBox="1"/>
+          <p:nvPr/>
+        </p:nvSpPr>
+        <p:spPr>
+          <a:xfrm>
+            <a:off x="736313" y="606248"/>
+            <a:ext cx="330263" cy="259222"/>
+          </a:xfrm>
+          <a:prstGeom prst="rect">
+            <a:avLst/>
+          </a:prstGeom>
+          <a:ln w="12700">
+            <a:miter lim="400000"/>
+          </a:ln>
+          <a:extLst>
+            <a:ext uri="{C572A759-6A51-4108-AA02-DFA0A04FC94B}">
+              <ma14:wrappingTextBoxFlag xmlns:ma14="http://schemas.microsoft.com/office/mac/drawingml/2011/main" val="1"/>
+            </a:ext>
+          </a:extLst>
+        </p:spPr>
+        <p:txBody>
+          <a:bodyPr wrap="none" lIns="0" tIns="0" rIns="0" bIns="0">
+            <a:spAutoFit/>
+          </a:bodyPr>
+          <a:lstStyle/>
+          <a:p>
+            <a:pPr/>
+            <a:r>
+              <a:t>US</a:t>
+            </a:r>
+          </a:p>
+        </p:txBody>
+      </p:sp>
+      <p:sp>
+        <p:nvSpPr>
+          <p:cNvPr id="430" name="UK"/>
+          <p:cNvSpPr txBox="1"/>
+          <p:nvPr/>
+        </p:nvSpPr>
+        <p:spPr>
+          <a:xfrm>
+            <a:off x="5138852" y="606248"/>
+            <a:ext cx="330263" cy="259222"/>
+          </a:xfrm>
+          <a:prstGeom prst="rect">
+            <a:avLst/>
+          </a:prstGeom>
+          <a:ln w="12700">
+            <a:miter lim="400000"/>
+          </a:ln>
+          <a:extLst>
+            <a:ext uri="{C572A759-6A51-4108-AA02-DFA0A04FC94B}">
+              <ma14:wrappingTextBoxFlag xmlns:ma14="http://schemas.microsoft.com/office/mac/drawingml/2011/main" val="1"/>
+            </a:ext>
+          </a:extLst>
+        </p:spPr>
+        <p:txBody>
+          <a:bodyPr wrap="none" lIns="0" tIns="0" rIns="0" bIns="0">
+            <a:spAutoFit/>
+          </a:bodyPr>
+          <a:lstStyle/>
+          <a:p>
+            <a:pPr/>
+            <a:r>
+              <a:t>UK</a:t>
+            </a:r>
+          </a:p>
+        </p:txBody>
+      </p:sp>
+      <p:sp>
+        <p:nvSpPr>
+          <p:cNvPr id="431" name="ID"/>
+          <p:cNvSpPr txBox="1"/>
+          <p:nvPr/>
+        </p:nvSpPr>
+        <p:spPr>
+          <a:xfrm>
+            <a:off x="780794" y="3022949"/>
+            <a:ext cx="241301" cy="259223"/>
+          </a:xfrm>
+          <a:prstGeom prst="rect">
+            <a:avLst/>
+          </a:prstGeom>
+          <a:ln w="12700">
+            <a:miter lim="400000"/>
+          </a:ln>
+          <a:extLst>
+            <a:ext uri="{C572A759-6A51-4108-AA02-DFA0A04FC94B}">
+              <ma14:wrappingTextBoxFlag xmlns:ma14="http://schemas.microsoft.com/office/mac/drawingml/2011/main" val="1"/>
+            </a:ext>
+          </a:extLst>
+        </p:spPr>
+        <p:txBody>
+          <a:bodyPr wrap="none" lIns="0" tIns="0" rIns="0" bIns="0">
+            <a:spAutoFit/>
+          </a:bodyPr>
+          <a:lstStyle/>
+          <a:p>
+            <a:pPr/>
+            <a:r>
+              <a:t>ID</a:t>
+            </a:r>
+          </a:p>
+        </p:txBody>
+      </p:sp>
+      <p:pic>
+        <p:nvPicPr>
+          <p:cNvPr id="432" name="Image" descr="Image"/>
+          <p:cNvPicPr>
+            <a:picLocks noChangeAspect="1"/>
+          </p:cNvPicPr>
+          <p:nvPr/>
+        </p:nvPicPr>
+        <p:blipFill>
+          <a:blip r:embed="rId4">
+            <a:extLst/>
+          </a:blip>
+          <a:stretch>
+            <a:fillRect/>
+          </a:stretch>
+        </p:blipFill>
+        <p:spPr>
+          <a:xfrm>
+            <a:off x="4690016" y="2781129"/>
+            <a:ext cx="4518328" cy="2222489"/>
+          </a:xfrm>
+          <a:prstGeom prst="rect">
+            <a:avLst/>
+          </a:prstGeom>
+          <a:ln w="12700">
+            <a:miter lim="400000"/>
+          </a:ln>
+        </p:spPr>
+      </p:pic>
+      <p:sp>
+        <p:nvSpPr>
+          <p:cNvPr id="433" name="SG"/>
+          <p:cNvSpPr txBox="1"/>
+          <p:nvPr/>
+        </p:nvSpPr>
+        <p:spPr>
+          <a:xfrm>
+            <a:off x="5248472" y="3022949"/>
+            <a:ext cx="342988" cy="259223"/>
+          </a:xfrm>
+          <a:prstGeom prst="rect">
+            <a:avLst/>
+          </a:prstGeom>
+          <a:ln w="12700">
+            <a:miter lim="400000"/>
+          </a:ln>
+          <a:extLst>
+            <a:ext uri="{C572A759-6A51-4108-AA02-DFA0A04FC94B}">
+              <ma14:wrappingTextBoxFlag xmlns:ma14="http://schemas.microsoft.com/office/mac/drawingml/2011/main" val="1"/>
+            </a:ext>
+          </a:extLst>
+        </p:spPr>
+        <p:txBody>
+          <a:bodyPr wrap="none" lIns="0" tIns="0" rIns="0" bIns="0">
+            <a:spAutoFit/>
+          </a:bodyPr>
+          <a:lstStyle/>
+          <a:p>
+            <a:pPr/>
+            <a:r>
+              <a:t>SG</a:t>
+            </a:r>
+          </a:p>
+        </p:txBody>
+      </p:sp>
+    </p:spTree>
+  </p:cSld>
+  <p:clrMapOvr>
+    <a:masterClrMapping/>
+  </p:clrMapOvr>
+  <p:transition xmlns:p14="http://schemas.microsoft.com/office/powerpoint/2010/main" spd="med" advClick="1"/>
+</p:sld>
+</file>
+
+<file path=ppt/slides/slide59.xml><?xml version="1.0" encoding="utf-8"?>
+<p:sld xmlns:a="http://schemas.openxmlformats.org/drawingml/2006/main" xmlns:r="http://schemas.openxmlformats.org/officeDocument/2006/relationships" xmlns:p="http://schemas.openxmlformats.org/presentationml/2006/main" xmlns:m="http://schemas.openxmlformats.org/officeDocument/2006/math" xmlns:a14="http://schemas.microsoft.com/office/drawing/2010/main" showMasterSp="1" showMasterPhAnim="1">
+  <p:cSld>
+    <p:bg>
+      <p:bgPr>
+        <a:solidFill>
+          <a:srgbClr val="DDDDDD"/>
+        </a:solidFill>
+      </p:bgPr>
+    </p:bg>
+    <p:spTree>
+      <p:nvGrpSpPr>
+        <p:cNvPr id="1" name=""/>
+        <p:cNvGrpSpPr/>
+        <p:nvPr/>
+      </p:nvGrpSpPr>
+      <p:grpSpPr>
+        <a:xfrm>
+          <a:off x="0" y="0"/>
+          <a:ext cx="0" cy="0"/>
+          <a:chOff x="0" y="0"/>
+          <a:chExt cx="0" cy="0"/>
+        </a:xfrm>
+      </p:grpSpPr>
+      <p:sp>
+        <p:nvSpPr>
+          <p:cNvPr id="435" name="TextShape 1"/>
+          <p:cNvSpPr txBox="1"/>
+          <p:nvPr/>
+        </p:nvSpPr>
+        <p:spPr>
+          <a:xfrm>
+            <a:off x="481384" y="1587484"/>
+            <a:ext cx="9108331" cy="1207568"/>
+          </a:xfrm>
+          <a:prstGeom prst="rect">
+            <a:avLst/>
+          </a:prstGeom>
+          <a:ln w="12700">
+            <a:miter lim="400000"/>
+          </a:ln>
+          <a:extLst>
+            <a:ext uri="{C572A759-6A51-4108-AA02-DFA0A04FC94B}">
+              <ma14:wrappingTextBoxFlag xmlns:ma14="http://schemas.microsoft.com/office/mac/drawingml/2011/main" val="1"/>
+            </a:ext>
+          </a:extLst>
+        </p:spPr>
+        <p:txBody>
+          <a:bodyPr lIns="0" tIns="0" rIns="0" bIns="0" anchor="ctr">
+            <a:spAutoFit/>
+          </a:bodyPr>
+          <a:lstStyle/>
+          <a:p>
+            <a:pPr algn="ctr">
+              <a:defRPr spc="-1" sz="2800"/>
+            </a:pPr>
+            <a:r>
+              <a:t>Indexed pubs vs Scientific output</a:t>
+            </a:r>
+          </a:p>
+          <a:p>
+            <a:pPr algn="ctr">
+              <a:defRPr spc="-1" sz="2800"/>
+            </a:pPr>
+          </a:p>
+          <a:p>
+            <a:pPr algn="ctr">
+              <a:defRPr spc="-1" sz="2800"/>
+            </a:pPr>
+            <a:r>
+              <a:t>Scimagojr -&gt; VizTools -&gt; Country graph  &gt; scatter plot</a:t>
             </a:r>
           </a:p>
         </p:txBody>
@@ -12119,6 +12991,682 @@
             <a:pPr/>
             <a:r>
               <a:t>Banyak juga yang stagnan (seperti matematika, arts and humanities, agricultural biological sciences)  </a:t>
+            </a:r>
+          </a:p>
+        </p:txBody>
+      </p:sp>
+    </p:spTree>
+  </p:cSld>
+  <p:clrMapOvr>
+    <a:masterClrMapping/>
+  </p:clrMapOvr>
+  <p:transition xmlns:p14="http://schemas.microsoft.com/office/powerpoint/2010/main" spd="med" advClick="1"/>
+</p:sld>
+</file>
+
+<file path=ppt/slides/slide60.xml><?xml version="1.0" encoding="utf-8"?>
+<p:sld xmlns:a="http://schemas.openxmlformats.org/drawingml/2006/main" xmlns:r="http://schemas.openxmlformats.org/officeDocument/2006/relationships" xmlns:p="http://schemas.openxmlformats.org/presentationml/2006/main" xmlns:m="http://schemas.openxmlformats.org/officeDocument/2006/math" xmlns:a14="http://schemas.microsoft.com/office/drawing/2010/main" showMasterSp="1" showMasterPhAnim="1">
+  <p:cSld>
+    <p:bg>
+      <p:bgPr>
+        <a:solidFill>
+          <a:srgbClr val="DDDDDD"/>
+        </a:solidFill>
+      </p:bgPr>
+    </p:bg>
+    <p:spTree>
+      <p:nvGrpSpPr>
+        <p:cNvPr id="1" name=""/>
+        <p:cNvGrpSpPr/>
+        <p:nvPr/>
+      </p:nvGrpSpPr>
+      <p:grpSpPr>
+        <a:xfrm>
+          <a:off x="0" y="0"/>
+          <a:ext cx="0" cy="0"/>
+          <a:chOff x="0" y="0"/>
+          <a:chExt cx="0" cy="0"/>
+        </a:xfrm>
+      </p:grpSpPr>
+      <p:pic>
+        <p:nvPicPr>
+          <p:cNvPr id="437" name="Image" descr="Image"/>
+          <p:cNvPicPr>
+            <a:picLocks noChangeAspect="1"/>
+          </p:cNvPicPr>
+          <p:nvPr/>
+        </p:nvPicPr>
+        <p:blipFill>
+          <a:blip r:embed="rId2">
+            <a:extLst/>
+          </a:blip>
+          <a:stretch>
+            <a:fillRect/>
+          </a:stretch>
+        </p:blipFill>
+        <p:spPr>
+          <a:xfrm>
+            <a:off x="2517693" y="-1"/>
+            <a:ext cx="7355353" cy="5664201"/>
+          </a:xfrm>
+          <a:prstGeom prst="rect">
+            <a:avLst/>
+          </a:prstGeom>
+          <a:ln w="12700">
+            <a:miter lim="400000"/>
+          </a:ln>
+        </p:spPr>
+      </p:pic>
+      <p:sp>
+        <p:nvSpPr>
+          <p:cNvPr id="438" name="Rounded Rectangle"/>
+          <p:cNvSpPr/>
+          <p:nvPr/>
+        </p:nvSpPr>
+        <p:spPr>
+          <a:xfrm>
+            <a:off x="7371146" y="4055920"/>
+            <a:ext cx="669855" cy="623869"/>
+          </a:xfrm>
+          <a:prstGeom prst="roundRect">
+            <a:avLst>
+              <a:gd name="adj" fmla="val 17437"/>
+            </a:avLst>
+          </a:prstGeom>
+          <a:ln w="25400">
+            <a:solidFill>
+              <a:schemeClr val="accent1"/>
+            </a:solidFill>
+            <a:miter/>
+          </a:ln>
+        </p:spPr>
+        <p:txBody>
+          <a:bodyPr lIns="0" tIns="0" rIns="0" bIns="0"/>
+          <a:lstStyle/>
+          <a:p>
+            <a:pPr/>
+          </a:p>
+        </p:txBody>
+      </p:sp>
+      <p:sp>
+        <p:nvSpPr>
+          <p:cNvPr id="439" name="Earth and planetary science"/>
+          <p:cNvSpPr txBox="1"/>
+          <p:nvPr/>
+        </p:nvSpPr>
+        <p:spPr>
+          <a:xfrm>
+            <a:off x="383265" y="459964"/>
+            <a:ext cx="1865033" cy="525922"/>
+          </a:xfrm>
+          <a:prstGeom prst="rect">
+            <a:avLst/>
+          </a:prstGeom>
+          <a:ln w="12700">
+            <a:miter lim="400000"/>
+          </a:ln>
+          <a:extLst>
+            <a:ext uri="{C572A759-6A51-4108-AA02-DFA0A04FC94B}">
+              <ma14:wrappingTextBoxFlag xmlns:ma14="http://schemas.microsoft.com/office/mac/drawingml/2011/main" val="1"/>
+            </a:ext>
+          </a:extLst>
+        </p:spPr>
+        <p:txBody>
+          <a:bodyPr lIns="0" tIns="0" rIns="0" bIns="0">
+            <a:spAutoFit/>
+          </a:bodyPr>
+          <a:lstStyle/>
+          <a:p>
+            <a:pPr/>
+            <a:r>
+              <a:t>Earth and planetary science</a:t>
+            </a:r>
+          </a:p>
+        </p:txBody>
+      </p:sp>
+    </p:spTree>
+  </p:cSld>
+  <p:clrMapOvr>
+    <a:masterClrMapping/>
+  </p:clrMapOvr>
+  <p:transition xmlns:p14="http://schemas.microsoft.com/office/powerpoint/2010/main" spd="med" advClick="1"/>
+</p:sld>
+</file>
+
+<file path=ppt/slides/slide61.xml><?xml version="1.0" encoding="utf-8"?>
+<p:sld xmlns:a="http://schemas.openxmlformats.org/drawingml/2006/main" xmlns:r="http://schemas.openxmlformats.org/officeDocument/2006/relationships" xmlns:p="http://schemas.openxmlformats.org/presentationml/2006/main" xmlns:m="http://schemas.openxmlformats.org/officeDocument/2006/math" xmlns:a14="http://schemas.microsoft.com/office/drawing/2010/main" showMasterSp="1" showMasterPhAnim="1">
+  <p:cSld>
+    <p:bg>
+      <p:bgPr>
+        <a:solidFill>
+          <a:srgbClr val="DDDDDD"/>
+        </a:solidFill>
+      </p:bgPr>
+    </p:bg>
+    <p:spTree>
+      <p:nvGrpSpPr>
+        <p:cNvPr id="1" name=""/>
+        <p:cNvGrpSpPr/>
+        <p:nvPr/>
+      </p:nvGrpSpPr>
+      <p:grpSpPr>
+        <a:xfrm>
+          <a:off x="0" y="0"/>
+          <a:ext cx="0" cy="0"/>
+          <a:chOff x="0" y="0"/>
+          <a:chExt cx="0" cy="0"/>
+        </a:xfrm>
+      </p:grpSpPr>
+      <p:sp>
+        <p:nvSpPr>
+          <p:cNvPr id="441" name="Rounded Rectangle"/>
+          <p:cNvSpPr/>
+          <p:nvPr/>
+        </p:nvSpPr>
+        <p:spPr>
+          <a:xfrm>
+            <a:off x="6259652" y="4084915"/>
+            <a:ext cx="669855" cy="623870"/>
+          </a:xfrm>
+          <a:prstGeom prst="roundRect">
+            <a:avLst>
+              <a:gd name="adj" fmla="val 17437"/>
+            </a:avLst>
+          </a:prstGeom>
+          <a:ln w="25400">
+            <a:solidFill>
+              <a:schemeClr val="accent1"/>
+            </a:solidFill>
+            <a:miter/>
+          </a:ln>
+        </p:spPr>
+        <p:txBody>
+          <a:bodyPr lIns="0" tIns="0" rIns="0" bIns="0"/>
+          <a:lstStyle/>
+          <a:p>
+            <a:pPr/>
+          </a:p>
+        </p:txBody>
+      </p:sp>
+      <p:pic>
+        <p:nvPicPr>
+          <p:cNvPr id="442" name="Image" descr="Image"/>
+          <p:cNvPicPr>
+            <a:picLocks noChangeAspect="1"/>
+          </p:cNvPicPr>
+          <p:nvPr/>
+        </p:nvPicPr>
+        <p:blipFill>
+          <a:blip r:embed="rId2">
+            <a:extLst/>
+          </a:blip>
+          <a:stretch>
+            <a:fillRect/>
+          </a:stretch>
+        </p:blipFill>
+        <p:spPr>
+          <a:xfrm>
+            <a:off x="2510390" y="0"/>
+            <a:ext cx="7311968" cy="5664201"/>
+          </a:xfrm>
+          <a:prstGeom prst="rect">
+            <a:avLst/>
+          </a:prstGeom>
+          <a:ln w="12700">
+            <a:miter lim="400000"/>
+          </a:ln>
+        </p:spPr>
+      </p:pic>
+      <p:sp>
+        <p:nvSpPr>
+          <p:cNvPr id="443" name="Rounded Rectangle"/>
+          <p:cNvSpPr/>
+          <p:nvPr/>
+        </p:nvSpPr>
+        <p:spPr>
+          <a:xfrm>
+            <a:off x="6085679" y="4211733"/>
+            <a:ext cx="440156" cy="370234"/>
+          </a:xfrm>
+          <a:prstGeom prst="roundRect">
+            <a:avLst>
+              <a:gd name="adj" fmla="val 22337"/>
+            </a:avLst>
+          </a:prstGeom>
+          <a:ln w="25400">
+            <a:solidFill>
+              <a:schemeClr val="accent1"/>
+            </a:solidFill>
+            <a:miter/>
+          </a:ln>
+        </p:spPr>
+        <p:txBody>
+          <a:bodyPr lIns="0" tIns="0" rIns="0" bIns="0"/>
+          <a:lstStyle/>
+          <a:p>
+            <a:pPr/>
+          </a:p>
+        </p:txBody>
+      </p:sp>
+      <p:sp>
+        <p:nvSpPr>
+          <p:cNvPr id="444" name="Chemical engineering"/>
+          <p:cNvSpPr txBox="1"/>
+          <p:nvPr/>
+        </p:nvSpPr>
+        <p:spPr>
+          <a:xfrm>
+            <a:off x="383265" y="459964"/>
+            <a:ext cx="1865033" cy="525922"/>
+          </a:xfrm>
+          <a:prstGeom prst="rect">
+            <a:avLst/>
+          </a:prstGeom>
+          <a:ln w="12700">
+            <a:miter lim="400000"/>
+          </a:ln>
+          <a:extLst>
+            <a:ext uri="{C572A759-6A51-4108-AA02-DFA0A04FC94B}">
+              <ma14:wrappingTextBoxFlag xmlns:ma14="http://schemas.microsoft.com/office/mac/drawingml/2011/main" val="1"/>
+            </a:ext>
+          </a:extLst>
+        </p:spPr>
+        <p:txBody>
+          <a:bodyPr lIns="0" tIns="0" rIns="0" bIns="0">
+            <a:spAutoFit/>
+          </a:bodyPr>
+          <a:lstStyle/>
+          <a:p>
+            <a:pPr/>
+            <a:r>
+              <a:t>Chemical engineering</a:t>
+            </a:r>
+          </a:p>
+        </p:txBody>
+      </p:sp>
+    </p:spTree>
+  </p:cSld>
+  <p:clrMapOvr>
+    <a:masterClrMapping/>
+  </p:clrMapOvr>
+  <p:transition xmlns:p14="http://schemas.microsoft.com/office/powerpoint/2010/main" spd="med" advClick="1"/>
+</p:sld>
+</file>
+
+<file path=ppt/slides/slide62.xml><?xml version="1.0" encoding="utf-8"?>
+<p:sld xmlns:a="http://schemas.openxmlformats.org/drawingml/2006/main" xmlns:r="http://schemas.openxmlformats.org/officeDocument/2006/relationships" xmlns:p="http://schemas.openxmlformats.org/presentationml/2006/main" xmlns:m="http://schemas.openxmlformats.org/officeDocument/2006/math" xmlns:a14="http://schemas.microsoft.com/office/drawing/2010/main" showMasterSp="1" showMasterPhAnim="1">
+  <p:cSld>
+    <p:bg>
+      <p:bgPr>
+        <a:solidFill>
+          <a:srgbClr val="DDDDDD"/>
+        </a:solidFill>
+      </p:bgPr>
+    </p:bg>
+    <p:spTree>
+      <p:nvGrpSpPr>
+        <p:cNvPr id="1" name=""/>
+        <p:cNvGrpSpPr/>
+        <p:nvPr/>
+      </p:nvGrpSpPr>
+      <p:grpSpPr>
+        <a:xfrm>
+          <a:off x="0" y="0"/>
+          <a:ext cx="0" cy="0"/>
+          <a:chOff x="0" y="0"/>
+          <a:chExt cx="0" cy="0"/>
+        </a:xfrm>
+      </p:grpSpPr>
+      <p:pic>
+        <p:nvPicPr>
+          <p:cNvPr id="446" name="Image" descr="Image"/>
+          <p:cNvPicPr>
+            <a:picLocks noChangeAspect="1"/>
+          </p:cNvPicPr>
+          <p:nvPr/>
+        </p:nvPicPr>
+        <p:blipFill>
+          <a:blip r:embed="rId2">
+            <a:extLst/>
+          </a:blip>
+          <a:stretch>
+            <a:fillRect/>
+          </a:stretch>
+        </p:blipFill>
+        <p:spPr>
+          <a:xfrm>
+            <a:off x="2427032" y="0"/>
+            <a:ext cx="7382032" cy="5664201"/>
+          </a:xfrm>
+          <a:prstGeom prst="rect">
+            <a:avLst/>
+          </a:prstGeom>
+          <a:ln w="12700">
+            <a:miter lim="400000"/>
+          </a:ln>
+        </p:spPr>
+      </p:pic>
+      <p:sp>
+        <p:nvSpPr>
+          <p:cNvPr id="447" name="Rounded Rectangle"/>
+          <p:cNvSpPr/>
+          <p:nvPr/>
+        </p:nvSpPr>
+        <p:spPr>
+          <a:xfrm>
+            <a:off x="6962457" y="3208104"/>
+            <a:ext cx="171231" cy="232204"/>
+          </a:xfrm>
+          <a:prstGeom prst="roundRect">
+            <a:avLst>
+              <a:gd name="adj" fmla="val 26182"/>
+            </a:avLst>
+          </a:prstGeom>
+          <a:ln w="25400">
+            <a:solidFill>
+              <a:schemeClr val="accent1"/>
+            </a:solidFill>
+            <a:miter/>
+          </a:ln>
+        </p:spPr>
+        <p:txBody>
+          <a:bodyPr lIns="0" tIns="0" rIns="0" bIns="0"/>
+          <a:lstStyle/>
+          <a:p>
+            <a:pPr/>
+          </a:p>
+        </p:txBody>
+      </p:sp>
+      <p:sp>
+        <p:nvSpPr>
+          <p:cNvPr id="448" name="Agriculture and biological science"/>
+          <p:cNvSpPr txBox="1"/>
+          <p:nvPr/>
+        </p:nvSpPr>
+        <p:spPr>
+          <a:xfrm>
+            <a:off x="383265" y="459964"/>
+            <a:ext cx="1865033" cy="525922"/>
+          </a:xfrm>
+          <a:prstGeom prst="rect">
+            <a:avLst/>
+          </a:prstGeom>
+          <a:ln w="12700">
+            <a:miter lim="400000"/>
+          </a:ln>
+          <a:extLst>
+            <a:ext uri="{C572A759-6A51-4108-AA02-DFA0A04FC94B}">
+              <ma14:wrappingTextBoxFlag xmlns:ma14="http://schemas.microsoft.com/office/mac/drawingml/2011/main" val="1"/>
+            </a:ext>
+          </a:extLst>
+        </p:spPr>
+        <p:txBody>
+          <a:bodyPr lIns="0" tIns="0" rIns="0" bIns="0">
+            <a:spAutoFit/>
+          </a:bodyPr>
+          <a:lstStyle/>
+          <a:p>
+            <a:pPr/>
+            <a:r>
+              <a:t>Agriculture and biological science</a:t>
+            </a:r>
+          </a:p>
+        </p:txBody>
+      </p:sp>
+    </p:spTree>
+  </p:cSld>
+  <p:clrMapOvr>
+    <a:masterClrMapping/>
+  </p:clrMapOvr>
+  <p:transition xmlns:p14="http://schemas.microsoft.com/office/powerpoint/2010/main" spd="med" advClick="1"/>
+</p:sld>
+</file>
+
+<file path=ppt/slides/slide63.xml><?xml version="1.0" encoding="utf-8"?>
+<p:sld xmlns:a="http://schemas.openxmlformats.org/drawingml/2006/main" xmlns:r="http://schemas.openxmlformats.org/officeDocument/2006/relationships" xmlns:p="http://schemas.openxmlformats.org/presentationml/2006/main" xmlns:m="http://schemas.openxmlformats.org/officeDocument/2006/math" xmlns:a14="http://schemas.microsoft.com/office/drawing/2010/main" showMasterSp="1" showMasterPhAnim="1">
+  <p:cSld>
+    <p:bg>
+      <p:bgPr>
+        <a:solidFill>
+          <a:srgbClr val="DDDDDD"/>
+        </a:solidFill>
+      </p:bgPr>
+    </p:bg>
+    <p:spTree>
+      <p:nvGrpSpPr>
+        <p:cNvPr id="1" name=""/>
+        <p:cNvGrpSpPr/>
+        <p:nvPr/>
+      </p:nvGrpSpPr>
+      <p:grpSpPr>
+        <a:xfrm>
+          <a:off x="0" y="0"/>
+          <a:ext cx="0" cy="0"/>
+          <a:chOff x="0" y="0"/>
+          <a:chExt cx="0" cy="0"/>
+        </a:xfrm>
+      </p:grpSpPr>
+      <p:pic>
+        <p:nvPicPr>
+          <p:cNvPr id="450" name="Image" descr="Image"/>
+          <p:cNvPicPr>
+            <a:picLocks noChangeAspect="1"/>
+          </p:cNvPicPr>
+          <p:nvPr/>
+        </p:nvPicPr>
+        <p:blipFill>
+          <a:blip r:embed="rId2">
+            <a:extLst/>
+          </a:blip>
+          <a:stretch>
+            <a:fillRect/>
+          </a:stretch>
+        </p:blipFill>
+        <p:spPr>
+          <a:xfrm>
+            <a:off x="2429325" y="0"/>
+            <a:ext cx="7377446" cy="5664201"/>
+          </a:xfrm>
+          <a:prstGeom prst="rect">
+            <a:avLst/>
+          </a:prstGeom>
+          <a:ln w="12700">
+            <a:miter lim="400000"/>
+          </a:ln>
+        </p:spPr>
+      </p:pic>
+      <p:sp>
+        <p:nvSpPr>
+          <p:cNvPr id="451" name="Rounded Rectangle"/>
+          <p:cNvSpPr/>
+          <p:nvPr/>
+        </p:nvSpPr>
+        <p:spPr>
+          <a:xfrm>
+            <a:off x="6633842" y="3517389"/>
+            <a:ext cx="171230" cy="232204"/>
+          </a:xfrm>
+          <a:prstGeom prst="roundRect">
+            <a:avLst>
+              <a:gd name="adj" fmla="val 26182"/>
+            </a:avLst>
+          </a:prstGeom>
+          <a:ln w="25400">
+            <a:solidFill>
+              <a:schemeClr val="accent1"/>
+            </a:solidFill>
+            <a:miter/>
+          </a:ln>
+        </p:spPr>
+        <p:txBody>
+          <a:bodyPr lIns="0" tIns="0" rIns="0" bIns="0"/>
+          <a:lstStyle/>
+          <a:p>
+            <a:pPr/>
+          </a:p>
+        </p:txBody>
+      </p:sp>
+      <p:sp>
+        <p:nvSpPr>
+          <p:cNvPr id="452" name="Agriculture and biological science"/>
+          <p:cNvSpPr txBox="1"/>
+          <p:nvPr/>
+        </p:nvSpPr>
+        <p:spPr>
+          <a:xfrm>
+            <a:off x="383265" y="459964"/>
+            <a:ext cx="1865033" cy="525922"/>
+          </a:xfrm>
+          <a:prstGeom prst="rect">
+            <a:avLst/>
+          </a:prstGeom>
+          <a:ln w="12700">
+            <a:miter lim="400000"/>
+          </a:ln>
+          <a:extLst>
+            <a:ext uri="{C572A759-6A51-4108-AA02-DFA0A04FC94B}">
+              <ma14:wrappingTextBoxFlag xmlns:ma14="http://schemas.microsoft.com/office/mac/drawingml/2011/main" val="1"/>
+            </a:ext>
+          </a:extLst>
+        </p:spPr>
+        <p:txBody>
+          <a:bodyPr lIns="0" tIns="0" rIns="0" bIns="0">
+            <a:spAutoFit/>
+          </a:bodyPr>
+          <a:lstStyle/>
+          <a:p>
+            <a:pPr/>
+            <a:r>
+              <a:t>Agriculture and biological science</a:t>
+            </a:r>
+          </a:p>
+        </p:txBody>
+      </p:sp>
+    </p:spTree>
+  </p:cSld>
+  <p:clrMapOvr>
+    <a:masterClrMapping/>
+  </p:clrMapOvr>
+  <p:transition xmlns:p14="http://schemas.microsoft.com/office/powerpoint/2010/main" spd="med" advClick="1"/>
+</p:sld>
+</file>
+
+<file path=ppt/slides/slide64.xml><?xml version="1.0" encoding="utf-8"?>
+<p:sld xmlns:a="http://schemas.openxmlformats.org/drawingml/2006/main" xmlns:r="http://schemas.openxmlformats.org/officeDocument/2006/relationships" xmlns:p="http://schemas.openxmlformats.org/presentationml/2006/main" xmlns:m="http://schemas.openxmlformats.org/officeDocument/2006/math" xmlns:a14="http://schemas.microsoft.com/office/drawing/2010/main" showMasterSp="1" showMasterPhAnim="1">
+  <p:cSld>
+    <p:bg>
+      <p:bgPr>
+        <a:solidFill>
+          <a:srgbClr val="DDDDDD"/>
+        </a:solidFill>
+      </p:bgPr>
+    </p:bg>
+    <p:spTree>
+      <p:nvGrpSpPr>
+        <p:cNvPr id="1" name=""/>
+        <p:cNvGrpSpPr/>
+        <p:nvPr/>
+      </p:nvGrpSpPr>
+      <p:grpSpPr>
+        <a:xfrm>
+          <a:off x="0" y="0"/>
+          <a:ext cx="0" cy="0"/>
+          <a:chOff x="0" y="0"/>
+          <a:chExt cx="0" cy="0"/>
+        </a:xfrm>
+      </p:grpSpPr>
+      <p:pic>
+        <p:nvPicPr>
+          <p:cNvPr id="454" name="Image" descr="Image"/>
+          <p:cNvPicPr>
+            <a:picLocks noChangeAspect="1"/>
+          </p:cNvPicPr>
+          <p:nvPr/>
+        </p:nvPicPr>
+        <p:blipFill>
+          <a:blip r:embed="rId2">
+            <a:extLst/>
+          </a:blip>
+          <a:stretch>
+            <a:fillRect/>
+          </a:stretch>
+        </p:blipFill>
+        <p:spPr>
+          <a:xfrm>
+            <a:off x="2418718" y="-1"/>
+            <a:ext cx="7360000" cy="5664201"/>
+          </a:xfrm>
+          <a:prstGeom prst="rect">
+            <a:avLst/>
+          </a:prstGeom>
+          <a:ln w="12700">
+            <a:miter lim="400000"/>
+          </a:ln>
+        </p:spPr>
+      </p:pic>
+      <p:sp>
+        <p:nvSpPr>
+          <p:cNvPr id="455" name="Rounded Rectangle"/>
+          <p:cNvSpPr/>
+          <p:nvPr/>
+        </p:nvSpPr>
+        <p:spPr>
+          <a:xfrm>
+            <a:off x="6633842" y="3884665"/>
+            <a:ext cx="171230" cy="232204"/>
+          </a:xfrm>
+          <a:prstGeom prst="roundRect">
+            <a:avLst>
+              <a:gd name="adj" fmla="val 26182"/>
+            </a:avLst>
+          </a:prstGeom>
+          <a:ln w="25400">
+            <a:solidFill>
+              <a:schemeClr val="accent1"/>
+            </a:solidFill>
+            <a:miter/>
+          </a:ln>
+        </p:spPr>
+        <p:txBody>
+          <a:bodyPr lIns="0" tIns="0" rIns="0" bIns="0"/>
+          <a:lstStyle/>
+          <a:p>
+            <a:pPr/>
+          </a:p>
+        </p:txBody>
+      </p:sp>
+      <p:sp>
+        <p:nvSpPr>
+          <p:cNvPr id="456" name="Energy"/>
+          <p:cNvSpPr txBox="1"/>
+          <p:nvPr/>
+        </p:nvSpPr>
+        <p:spPr>
+          <a:xfrm>
+            <a:off x="383265" y="459964"/>
+            <a:ext cx="1865033" cy="259222"/>
+          </a:xfrm>
+          <a:prstGeom prst="rect">
+            <a:avLst/>
+          </a:prstGeom>
+          <a:ln w="12700">
+            <a:miter lim="400000"/>
+          </a:ln>
+          <a:extLst>
+            <a:ext uri="{C572A759-6A51-4108-AA02-DFA0A04FC94B}">
+              <ma14:wrappingTextBoxFlag xmlns:ma14="http://schemas.microsoft.com/office/mac/drawingml/2011/main" val="1"/>
+            </a:ext>
+          </a:extLst>
+        </p:spPr>
+        <p:txBody>
+          <a:bodyPr lIns="0" tIns="0" rIns="0" bIns="0">
+            <a:spAutoFit/>
+          </a:bodyPr>
+          <a:lstStyle/>
+          <a:p>
+            <a:pPr/>
+            <a:r>
+              <a:t>Energy</a:t>
             </a:r>
           </a:p>
         </p:txBody>

--- a/TELAAH-SCIMAGO.pptx
+++ b/TELAAH-SCIMAGO.pptx
@@ -3389,16 +3389,45 @@
           <a:chExt cx="0" cy="0"/>
         </a:xfrm>
       </p:grpSpPr>
-      <p:sp>
-        <p:nvSpPr>
-          <p:cNvPr id="133" name="TextShape 1"/>
+      <p:pic>
+        <p:nvPicPr>
+          <p:cNvPr id="133" name="118995043_3472099792811819_974241860503122891_n.jpg" descr="118995043_3472099792811819_974241860503122891_n.jpg"/>
+          <p:cNvPicPr>
+            <a:picLocks noChangeAspect="1"/>
+          </p:cNvPicPr>
+          <p:nvPr/>
+        </p:nvPicPr>
+        <p:blipFill>
+          <a:blip r:embed="rId2">
+            <a:extLst/>
+          </a:blip>
+          <a:stretch>
+            <a:fillRect/>
+          </a:stretch>
+        </p:blipFill>
+        <p:spPr>
+          <a:xfrm>
+            <a:off x="0" y="0"/>
+            <a:ext cx="12192000" cy="9144000"/>
+          </a:xfrm>
+          <a:prstGeom prst="rect">
+            <a:avLst/>
+          </a:prstGeom>
+          <a:ln w="12700">
+            <a:miter lim="400000"/>
+          </a:ln>
+        </p:spPr>
+      </p:pic>
+      <p:sp>
+        <p:nvSpPr>
+          <p:cNvPr id="134" name="TextShape 1"/>
           <p:cNvSpPr txBox="1"/>
           <p:nvPr/>
         </p:nvSpPr>
         <p:spPr>
           <a:xfrm>
-            <a:off x="548639" y="1942928"/>
-            <a:ext cx="9071642" cy="1873784"/>
+            <a:off x="3954769" y="585235"/>
+            <a:ext cx="2744170" cy="1432956"/>
           </a:xfrm>
           <a:prstGeom prst="rect">
             <a:avLst/>
@@ -3418,8 +3447,16 @@
           </a:bodyPr>
           <a:lstStyle/>
           <a:p>
-            <a:pPr algn="ctr">
-              <a:defRPr spc="-1" sz="4400"/>
+            <a:pPr>
+              <a:defRPr spc="0" sz="1400">
+                <a:solidFill>
+                  <a:srgbClr val="E8E8E8"/>
+                </a:solidFill>
+                <a:latin typeface="Geneva"/>
+                <a:ea typeface="Geneva"/>
+                <a:cs typeface="Geneva"/>
+                <a:sym typeface="Geneva"/>
+              </a:defRPr>
             </a:pPr>
             <a:r>
               <a:t>TELAAH SCIMAGOJR</a:t>
@@ -3427,34 +3464,31 @@
             <a:br/>
             <a:br/>
             <a:r>
-              <a:rPr sz="1400"/>
+              <a:rPr spc="-1"/>
               <a:t>Oleh:</a:t>
             </a:r>
             <a:br>
-              <a:rPr sz="1400"/>
+              <a:rPr spc="-1"/>
             </a:br>
             <a:r>
-              <a:rPr sz="1400"/>
+              <a:rPr spc="-1"/>
               <a:t>Dasapta Erwin Irawan</a:t>
             </a:r>
             <a:br>
-              <a:rPr sz="1400"/>
+              <a:rPr spc="-1"/>
             </a:br>
             <a:r>
-              <a:rPr sz="1400"/>
+              <a:rPr spc="-1"/>
               <a:t>Institut Teknologi Bandung, </a:t>
             </a:r>
             <a:r>
-              <a:rPr sz="1400" u="sng">
-                <a:solidFill>
-                  <a:srgbClr val="0000FF"/>
-                </a:solidFill>
+              <a:rPr spc="-1" u="sng">
                 <a:uFill>
                   <a:solidFill>
                     <a:srgbClr val="0000FF"/>
                   </a:solidFill>
                 </a:uFill>
-                <a:hlinkClick r:id="rId2" invalidUrl="" action="" tgtFrame="" tooltip="" history="1" highlightClick="0" endSnd="0"/>
+                <a:hlinkClick r:id="rId3" invalidUrl="" action="" tgtFrame="" tooltip="" history="1" highlightClick="0" endSnd="0"/>
               </a:rPr>
               <a:t>RINarxiv</a:t>
             </a:r>
@@ -3496,7 +3530,7 @@
       </p:grpSpPr>
       <p:sp>
         <p:nvSpPr>
-          <p:cNvPr id="204" name="TextShape 1"/>
+          <p:cNvPr id="205" name="TextShape 1"/>
           <p:cNvSpPr txBox="1"/>
           <p:nvPr/>
         </p:nvSpPr>
@@ -3575,7 +3609,7 @@
       </p:grpSpPr>
       <p:sp>
         <p:nvSpPr>
-          <p:cNvPr id="206" name="TextShape 1"/>
+          <p:cNvPr id="207" name="TextShape 1"/>
           <p:cNvSpPr txBox="1"/>
           <p:nvPr/>
         </p:nvSpPr>
@@ -3648,7 +3682,7 @@
       </p:grpSpPr>
       <p:pic>
         <p:nvPicPr>
-          <p:cNvPr id="208" name="Image" descr="Image"/>
+          <p:cNvPr id="209" name="Image" descr="Image"/>
           <p:cNvPicPr>
             <a:picLocks noChangeAspect="1"/>
           </p:cNvPicPr>
@@ -3677,7 +3711,7 @@
       </p:pic>
       <p:pic>
         <p:nvPicPr>
-          <p:cNvPr id="209" name="Image" descr="Image"/>
+          <p:cNvPr id="210" name="Image" descr="Image"/>
           <p:cNvPicPr>
             <a:picLocks noChangeAspect="1"/>
           </p:cNvPicPr>
@@ -3706,7 +3740,7 @@
       </p:pic>
       <p:sp>
         <p:nvSpPr>
-          <p:cNvPr id="210" name="Line"/>
+          <p:cNvPr id="211" name="Line"/>
           <p:cNvSpPr/>
           <p:nvPr/>
         </p:nvSpPr>
@@ -3776,7 +3810,7 @@
       </p:grpSpPr>
       <p:sp>
         <p:nvSpPr>
-          <p:cNvPr id="212" name="TextShape 1"/>
+          <p:cNvPr id="213" name="TextShape 1"/>
           <p:cNvSpPr txBox="1"/>
           <p:nvPr/>
         </p:nvSpPr>
@@ -3816,7 +3850,7 @@
       </p:sp>
       <p:pic>
         <p:nvPicPr>
-          <p:cNvPr id="213" name="Image" descr="Image"/>
+          <p:cNvPr id="214" name="Image" descr="Image"/>
           <p:cNvPicPr>
             <a:picLocks noChangeAspect="1"/>
           </p:cNvPicPr>
@@ -3845,7 +3879,7 @@
       </p:pic>
       <p:pic>
         <p:nvPicPr>
-          <p:cNvPr id="214" name="Image" descr="Image"/>
+          <p:cNvPr id="215" name="Image" descr="Image"/>
           <p:cNvPicPr>
             <a:picLocks noChangeAspect="1"/>
           </p:cNvPicPr>
@@ -3874,7 +3908,7 @@
       </p:pic>
       <p:pic>
         <p:nvPicPr>
-          <p:cNvPr id="215" name="Image" descr="Image"/>
+          <p:cNvPr id="216" name="Image" descr="Image"/>
           <p:cNvPicPr>
             <a:picLocks noChangeAspect="1"/>
           </p:cNvPicPr>
@@ -3903,7 +3937,7 @@
       </p:pic>
       <p:pic>
         <p:nvPicPr>
-          <p:cNvPr id="216" name="Image" descr="Image"/>
+          <p:cNvPr id="217" name="Image" descr="Image"/>
           <p:cNvPicPr>
             <a:picLocks noChangeAspect="1"/>
           </p:cNvPicPr>
@@ -3932,7 +3966,7 @@
       </p:pic>
       <p:pic>
         <p:nvPicPr>
-          <p:cNvPr id="217" name="Image" descr="Image"/>
+          <p:cNvPr id="218" name="Image" descr="Image"/>
           <p:cNvPicPr>
             <a:picLocks noChangeAspect="1"/>
           </p:cNvPicPr>
@@ -3961,7 +3995,7 @@
       </p:pic>
       <p:pic>
         <p:nvPicPr>
-          <p:cNvPr id="218" name="Image" descr="Image"/>
+          <p:cNvPr id="219" name="Image" descr="Image"/>
           <p:cNvPicPr>
             <a:picLocks noChangeAspect="1"/>
           </p:cNvPicPr>
@@ -3990,7 +4024,7 @@
       </p:pic>
       <p:sp>
         <p:nvSpPr>
-          <p:cNvPr id="219" name="Line"/>
+          <p:cNvPr id="220" name="Line"/>
           <p:cNvSpPr/>
           <p:nvPr/>
         </p:nvSpPr>
@@ -4026,7 +4060,7 @@
       </p:sp>
       <p:sp>
         <p:nvSpPr>
-          <p:cNvPr id="220" name="Line"/>
+          <p:cNvPr id="221" name="Line"/>
           <p:cNvSpPr/>
           <p:nvPr/>
         </p:nvSpPr>
@@ -4095,7 +4129,7 @@
       </p:grpSpPr>
       <p:pic>
         <p:nvPicPr>
-          <p:cNvPr id="222" name="Image" descr="Image"/>
+          <p:cNvPr id="223" name="Image" descr="Image"/>
           <p:cNvPicPr>
             <a:picLocks noChangeAspect="1"/>
           </p:cNvPicPr>
@@ -4124,7 +4158,7 @@
       </p:pic>
       <p:pic>
         <p:nvPicPr>
-          <p:cNvPr id="223" name="Image" descr="Image"/>
+          <p:cNvPr id="224" name="Image" descr="Image"/>
           <p:cNvPicPr>
             <a:picLocks noChangeAspect="0"/>
           </p:cNvPicPr>
@@ -4186,7 +4220,7 @@
       </p:grpSpPr>
       <p:pic>
         <p:nvPicPr>
-          <p:cNvPr id="225" name="Image" descr="Image"/>
+          <p:cNvPr id="226" name="Image" descr="Image"/>
           <p:cNvPicPr>
             <a:picLocks noChangeAspect="1"/>
           </p:cNvPicPr>
@@ -4215,7 +4249,7 @@
       </p:pic>
       <p:pic>
         <p:nvPicPr>
-          <p:cNvPr id="226" name="Image" descr="Image"/>
+          <p:cNvPr id="227" name="Image" descr="Image"/>
           <p:cNvPicPr>
             <a:picLocks noChangeAspect="0"/>
           </p:cNvPicPr>
@@ -4277,7 +4311,7 @@
       </p:grpSpPr>
       <p:sp>
         <p:nvSpPr>
-          <p:cNvPr id="228" name="TextShape 1"/>
+          <p:cNvPr id="229" name="TextShape 1"/>
           <p:cNvSpPr txBox="1"/>
           <p:nvPr/>
         </p:nvSpPr>
@@ -4350,7 +4384,7 @@
       </p:grpSpPr>
       <p:pic>
         <p:nvPicPr>
-          <p:cNvPr id="230" name="Image" descr="Image"/>
+          <p:cNvPr id="231" name="Image" descr="Image"/>
           <p:cNvPicPr>
             <a:picLocks noChangeAspect="1"/>
           </p:cNvPicPr>
@@ -4379,7 +4413,7 @@
       </p:pic>
       <p:pic>
         <p:nvPicPr>
-          <p:cNvPr id="231" name="Image" descr="Image"/>
+          <p:cNvPr id="232" name="Image" descr="Image"/>
           <p:cNvPicPr>
             <a:picLocks noChangeAspect="1"/>
           </p:cNvPicPr>
@@ -4408,7 +4442,7 @@
       </p:pic>
       <p:sp>
         <p:nvSpPr>
-          <p:cNvPr id="232" name="Line"/>
+          <p:cNvPr id="233" name="Line"/>
           <p:cNvSpPr/>
           <p:nvPr/>
         </p:nvSpPr>
@@ -4478,7 +4512,7 @@
       </p:grpSpPr>
       <p:pic>
         <p:nvPicPr>
-          <p:cNvPr id="234" name="Image" descr="Image"/>
+          <p:cNvPr id="235" name="Image" descr="Image"/>
           <p:cNvPicPr>
             <a:picLocks noChangeAspect="1"/>
           </p:cNvPicPr>
@@ -4508,7 +4542,7 @@
       </p:pic>
       <p:pic>
         <p:nvPicPr>
-          <p:cNvPr id="235" name="Image" descr="Image"/>
+          <p:cNvPr id="236" name="Image" descr="Image"/>
           <p:cNvPicPr>
             <a:picLocks noChangeAspect="1"/>
           </p:cNvPicPr>
@@ -4538,7 +4572,7 @@
       </p:pic>
       <p:pic>
         <p:nvPicPr>
-          <p:cNvPr id="236" name="Image" descr="Image"/>
+          <p:cNvPr id="237" name="Image" descr="Image"/>
           <p:cNvPicPr>
             <a:picLocks noChangeAspect="1"/>
           </p:cNvPicPr>
@@ -4568,7 +4602,7 @@
       </p:pic>
       <p:sp>
         <p:nvSpPr>
-          <p:cNvPr id="237" name="TextShape 1"/>
+          <p:cNvPr id="238" name="TextShape 1"/>
           <p:cNvSpPr txBox="1"/>
           <p:nvPr/>
         </p:nvSpPr>
@@ -4608,7 +4642,7 @@
       </p:sp>
       <p:pic>
         <p:nvPicPr>
-          <p:cNvPr id="238" name="Image" descr="Image"/>
+          <p:cNvPr id="239" name="Image" descr="Image"/>
           <p:cNvPicPr>
             <a:picLocks noChangeAspect="1"/>
           </p:cNvPicPr>
@@ -4637,7 +4671,7 @@
       </p:pic>
       <p:pic>
         <p:nvPicPr>
-          <p:cNvPr id="239" name="Image" descr="Image"/>
+          <p:cNvPr id="240" name="Image" descr="Image"/>
           <p:cNvPicPr>
             <a:picLocks noChangeAspect="1"/>
           </p:cNvPicPr>
@@ -4666,7 +4700,7 @@
       </p:pic>
       <p:pic>
         <p:nvPicPr>
-          <p:cNvPr id="240" name="Image" descr="Image"/>
+          <p:cNvPr id="241" name="Image" descr="Image"/>
           <p:cNvPicPr>
             <a:picLocks noChangeAspect="1"/>
           </p:cNvPicPr>
@@ -4695,7 +4729,7 @@
       </p:pic>
       <p:sp>
         <p:nvSpPr>
-          <p:cNvPr id="241" name="Line"/>
+          <p:cNvPr id="242" name="Line"/>
           <p:cNvSpPr/>
           <p:nvPr/>
         </p:nvSpPr>
@@ -4731,7 +4765,7 @@
       </p:sp>
       <p:sp>
         <p:nvSpPr>
-          <p:cNvPr id="242" name="Line"/>
+          <p:cNvPr id="243" name="Line"/>
           <p:cNvSpPr/>
           <p:nvPr/>
         </p:nvSpPr>
@@ -4800,7 +4834,7 @@
       </p:grpSpPr>
       <p:pic>
         <p:nvPicPr>
-          <p:cNvPr id="244" name="Image" descr="Image"/>
+          <p:cNvPr id="245" name="Image" descr="Image"/>
           <p:cNvPicPr>
             <a:picLocks noChangeAspect="1"/>
           </p:cNvPicPr>
@@ -4829,7 +4863,7 @@
       </p:pic>
       <p:pic>
         <p:nvPicPr>
-          <p:cNvPr id="245" name="Image" descr="Image"/>
+          <p:cNvPr id="246" name="Image" descr="Image"/>
           <p:cNvPicPr>
             <a:picLocks noChangeAspect="0"/>
           </p:cNvPicPr>
@@ -4891,7 +4925,7 @@
       </p:grpSpPr>
       <p:sp>
         <p:nvSpPr>
-          <p:cNvPr id="135" name="TextShape 1"/>
+          <p:cNvPr id="136" name="TextShape 1"/>
           <p:cNvSpPr txBox="1"/>
           <p:nvPr/>
         </p:nvSpPr>
@@ -4931,7 +4965,7 @@
       </p:sp>
       <p:sp>
         <p:nvSpPr>
-          <p:cNvPr id="136" name="TextShape 2"/>
+          <p:cNvPr id="137" name="TextShape 2"/>
           <p:cNvSpPr txBox="1"/>
           <p:nvPr/>
         </p:nvSpPr>
@@ -5033,7 +5067,7 @@
       </p:grpSpPr>
       <p:pic>
         <p:nvPicPr>
-          <p:cNvPr id="247" name="Image" descr="Image"/>
+          <p:cNvPr id="248" name="Image" descr="Image"/>
           <p:cNvPicPr>
             <a:picLocks noChangeAspect="1"/>
           </p:cNvPicPr>
@@ -5062,7 +5096,7 @@
       </p:pic>
       <p:pic>
         <p:nvPicPr>
-          <p:cNvPr id="248" name="Image" descr="Image"/>
+          <p:cNvPr id="249" name="Image" descr="Image"/>
           <p:cNvPicPr>
             <a:picLocks noChangeAspect="0"/>
           </p:cNvPicPr>
@@ -5125,7 +5159,7 @@
       </p:grpSpPr>
       <p:sp>
         <p:nvSpPr>
-          <p:cNvPr id="250" name="TextShape 1"/>
+          <p:cNvPr id="251" name="TextShape 1"/>
           <p:cNvSpPr txBox="1"/>
           <p:nvPr/>
         </p:nvSpPr>
@@ -5198,7 +5232,7 @@
       </p:grpSpPr>
       <p:pic>
         <p:nvPicPr>
-          <p:cNvPr id="252" name="Image" descr="Image"/>
+          <p:cNvPr id="253" name="Image" descr="Image"/>
           <p:cNvPicPr>
             <a:picLocks noChangeAspect="1"/>
           </p:cNvPicPr>
@@ -5227,7 +5261,7 @@
       </p:pic>
       <p:pic>
         <p:nvPicPr>
-          <p:cNvPr id="253" name="Image" descr="Image"/>
+          <p:cNvPr id="254" name="Image" descr="Image"/>
           <p:cNvPicPr>
             <a:picLocks noChangeAspect="1"/>
           </p:cNvPicPr>
@@ -5256,7 +5290,7 @@
       </p:pic>
       <p:sp>
         <p:nvSpPr>
-          <p:cNvPr id="254" name="Line"/>
+          <p:cNvPr id="255" name="Line"/>
           <p:cNvSpPr/>
           <p:nvPr/>
         </p:nvSpPr>
@@ -5326,7 +5360,7 @@
       </p:grpSpPr>
       <p:pic>
         <p:nvPicPr>
-          <p:cNvPr id="256" name="Image" descr="Image"/>
+          <p:cNvPr id="257" name="Image" descr="Image"/>
           <p:cNvPicPr>
             <a:picLocks noChangeAspect="1"/>
           </p:cNvPicPr>
@@ -5355,7 +5389,7 @@
       </p:pic>
       <p:sp>
         <p:nvSpPr>
-          <p:cNvPr id="257" name="TextShape 1"/>
+          <p:cNvPr id="258" name="TextShape 1"/>
           <p:cNvSpPr txBox="1"/>
           <p:nvPr/>
         </p:nvSpPr>
@@ -5395,7 +5429,7 @@
       </p:sp>
       <p:pic>
         <p:nvPicPr>
-          <p:cNvPr id="258" name="Image" descr="Image"/>
+          <p:cNvPr id="259" name="Image" descr="Image"/>
           <p:cNvPicPr>
             <a:picLocks noChangeAspect="1"/>
           </p:cNvPicPr>
@@ -5424,7 +5458,7 @@
       </p:pic>
       <p:pic>
         <p:nvPicPr>
-          <p:cNvPr id="259" name="Image" descr="Image"/>
+          <p:cNvPr id="260" name="Image" descr="Image"/>
           <p:cNvPicPr>
             <a:picLocks noChangeAspect="1"/>
           </p:cNvPicPr>
@@ -5453,7 +5487,7 @@
       </p:pic>
       <p:pic>
         <p:nvPicPr>
-          <p:cNvPr id="260" name="Image" descr="Image"/>
+          <p:cNvPr id="261" name="Image" descr="Image"/>
           <p:cNvPicPr>
             <a:picLocks noChangeAspect="1"/>
           </p:cNvPicPr>
@@ -5482,7 +5516,7 @@
       </p:pic>
       <p:sp>
         <p:nvSpPr>
-          <p:cNvPr id="261" name="Line"/>
+          <p:cNvPr id="262" name="Line"/>
           <p:cNvSpPr/>
           <p:nvPr/>
         </p:nvSpPr>
@@ -5518,7 +5552,7 @@
       </p:sp>
       <p:sp>
         <p:nvSpPr>
-          <p:cNvPr id="262" name="Line"/>
+          <p:cNvPr id="263" name="Line"/>
           <p:cNvSpPr/>
           <p:nvPr/>
         </p:nvSpPr>
@@ -5554,7 +5588,7 @@
       </p:sp>
       <p:pic>
         <p:nvPicPr>
-          <p:cNvPr id="263" name="Image" descr="Image"/>
+          <p:cNvPr id="264" name="Image" descr="Image"/>
           <p:cNvPicPr>
             <a:picLocks noChangeAspect="1"/>
           </p:cNvPicPr>
@@ -5584,7 +5618,7 @@
       </p:pic>
       <p:pic>
         <p:nvPicPr>
-          <p:cNvPr id="264" name="Image" descr="Image"/>
+          <p:cNvPr id="265" name="Image" descr="Image"/>
           <p:cNvPicPr>
             <a:picLocks noChangeAspect="1"/>
           </p:cNvPicPr>
@@ -5646,7 +5680,7 @@
       </p:grpSpPr>
       <p:pic>
         <p:nvPicPr>
-          <p:cNvPr id="266" name="Image" descr="Image"/>
+          <p:cNvPr id="267" name="Image" descr="Image"/>
           <p:cNvPicPr>
             <a:picLocks noChangeAspect="0"/>
           </p:cNvPicPr>
@@ -5675,7 +5709,7 @@
       </p:pic>
       <p:pic>
         <p:nvPicPr>
-          <p:cNvPr id="267" name="Image" descr="Image"/>
+          <p:cNvPr id="268" name="Image" descr="Image"/>
           <p:cNvPicPr>
             <a:picLocks noChangeAspect="1"/>
           </p:cNvPicPr>
@@ -5704,7 +5738,7 @@
       </p:pic>
       <p:sp>
         <p:nvSpPr>
-          <p:cNvPr id="268" name="Line"/>
+          <p:cNvPr id="269" name="Line"/>
           <p:cNvSpPr/>
           <p:nvPr/>
         </p:nvSpPr>
@@ -5773,7 +5807,7 @@
       </p:grpSpPr>
       <p:pic>
         <p:nvPicPr>
-          <p:cNvPr id="270" name="Image" descr="Image"/>
+          <p:cNvPr id="271" name="Image" descr="Image"/>
           <p:cNvPicPr>
             <a:picLocks noChangeAspect="1"/>
           </p:cNvPicPr>
@@ -5802,7 +5836,7 @@
       </p:pic>
       <p:pic>
         <p:nvPicPr>
-          <p:cNvPr id="271" name="Image" descr="Image"/>
+          <p:cNvPr id="272" name="Image" descr="Image"/>
           <p:cNvPicPr>
             <a:picLocks noChangeAspect="0"/>
           </p:cNvPicPr>
@@ -5864,7 +5898,7 @@
       </p:grpSpPr>
       <p:sp>
         <p:nvSpPr>
-          <p:cNvPr id="273" name="TextShape 1"/>
+          <p:cNvPr id="274" name="TextShape 1"/>
           <p:cNvSpPr txBox="1"/>
           <p:nvPr/>
         </p:nvSpPr>
@@ -5937,7 +5971,7 @@
       </p:grpSpPr>
       <p:pic>
         <p:nvPicPr>
-          <p:cNvPr id="275" name="Image" descr="Image"/>
+          <p:cNvPr id="276" name="Image" descr="Image"/>
           <p:cNvPicPr>
             <a:picLocks noChangeAspect="1"/>
           </p:cNvPicPr>
@@ -5966,7 +6000,7 @@
       </p:pic>
       <p:pic>
         <p:nvPicPr>
-          <p:cNvPr id="276" name="Image" descr="Image"/>
+          <p:cNvPr id="277" name="Image" descr="Image"/>
           <p:cNvPicPr>
             <a:picLocks noChangeAspect="1"/>
           </p:cNvPicPr>
@@ -5995,7 +6029,7 @@
       </p:pic>
       <p:sp>
         <p:nvSpPr>
-          <p:cNvPr id="277" name="Line"/>
+          <p:cNvPr id="278" name="Line"/>
           <p:cNvSpPr/>
           <p:nvPr/>
         </p:nvSpPr>
@@ -6065,7 +6099,7 @@
       </p:grpSpPr>
       <p:pic>
         <p:nvPicPr>
-          <p:cNvPr id="279" name="Image" descr="Image"/>
+          <p:cNvPr id="280" name="Image" descr="Image"/>
           <p:cNvPicPr>
             <a:picLocks noChangeAspect="1"/>
           </p:cNvPicPr>
@@ -6095,7 +6129,7 @@
       </p:pic>
       <p:pic>
         <p:nvPicPr>
-          <p:cNvPr id="280" name="Image" descr="Image"/>
+          <p:cNvPr id="281" name="Image" descr="Image"/>
           <p:cNvPicPr>
             <a:picLocks noChangeAspect="1"/>
           </p:cNvPicPr>
@@ -6125,7 +6159,7 @@
       </p:pic>
       <p:pic>
         <p:nvPicPr>
-          <p:cNvPr id="281" name="Image" descr="Image"/>
+          <p:cNvPr id="282" name="Image" descr="Image"/>
           <p:cNvPicPr>
             <a:picLocks noChangeAspect="1"/>
           </p:cNvPicPr>
@@ -6154,7 +6188,7 @@
       </p:pic>
       <p:sp>
         <p:nvSpPr>
-          <p:cNvPr id="282" name="TextShape 1"/>
+          <p:cNvPr id="283" name="TextShape 1"/>
           <p:cNvSpPr txBox="1"/>
           <p:nvPr/>
         </p:nvSpPr>
@@ -6194,7 +6228,7 @@
       </p:sp>
       <p:pic>
         <p:nvPicPr>
-          <p:cNvPr id="283" name="Image" descr="Image"/>
+          <p:cNvPr id="284" name="Image" descr="Image"/>
           <p:cNvPicPr>
             <a:picLocks noChangeAspect="1"/>
           </p:cNvPicPr>
@@ -6223,7 +6257,7 @@
       </p:pic>
       <p:pic>
         <p:nvPicPr>
-          <p:cNvPr id="284" name="Image" descr="Image"/>
+          <p:cNvPr id="285" name="Image" descr="Image"/>
           <p:cNvPicPr>
             <a:picLocks noChangeAspect="1"/>
           </p:cNvPicPr>
@@ -6252,7 +6286,7 @@
       </p:pic>
       <p:pic>
         <p:nvPicPr>
-          <p:cNvPr id="285" name="Image" descr="Image"/>
+          <p:cNvPr id="286" name="Image" descr="Image"/>
           <p:cNvPicPr>
             <a:picLocks noChangeAspect="1"/>
           </p:cNvPicPr>
@@ -6281,7 +6315,7 @@
       </p:pic>
       <p:sp>
         <p:nvSpPr>
-          <p:cNvPr id="286" name="Line"/>
+          <p:cNvPr id="287" name="Line"/>
           <p:cNvSpPr/>
           <p:nvPr/>
         </p:nvSpPr>
@@ -6317,7 +6351,7 @@
       </p:sp>
       <p:sp>
         <p:nvSpPr>
-          <p:cNvPr id="287" name="Line"/>
+          <p:cNvPr id="288" name="Line"/>
           <p:cNvSpPr/>
           <p:nvPr/>
         </p:nvSpPr>
@@ -6386,7 +6420,7 @@
       </p:grpSpPr>
       <p:pic>
         <p:nvPicPr>
-          <p:cNvPr id="289" name="Image" descr="Image"/>
+          <p:cNvPr id="290" name="Image" descr="Image"/>
           <p:cNvPicPr>
             <a:picLocks noChangeAspect="0"/>
           </p:cNvPicPr>
@@ -6415,7 +6449,7 @@
       </p:pic>
       <p:pic>
         <p:nvPicPr>
-          <p:cNvPr id="290" name="Image" descr="Image"/>
+          <p:cNvPr id="291" name="Image" descr="Image"/>
           <p:cNvPicPr>
             <a:picLocks noChangeAspect="0"/>
           </p:cNvPicPr>
@@ -6444,7 +6478,7 @@
       </p:pic>
       <p:sp>
         <p:nvSpPr>
-          <p:cNvPr id="291" name="Line"/>
+          <p:cNvPr id="292" name="Line"/>
           <p:cNvSpPr/>
           <p:nvPr/>
         </p:nvSpPr>
@@ -6513,7 +6547,7 @@
       </p:grpSpPr>
       <p:sp>
         <p:nvSpPr>
-          <p:cNvPr id="138" name="TextShape 1"/>
+          <p:cNvPr id="139" name="TextShape 1"/>
           <p:cNvSpPr txBox="1"/>
           <p:nvPr/>
         </p:nvSpPr>
@@ -6586,7 +6620,7 @@
       </p:grpSpPr>
       <p:pic>
         <p:nvPicPr>
-          <p:cNvPr id="293" name="Image" descr="Image"/>
+          <p:cNvPr id="294" name="Image" descr="Image"/>
           <p:cNvPicPr>
             <a:picLocks noChangeAspect="1"/>
           </p:cNvPicPr>
@@ -6615,7 +6649,7 @@
       </p:pic>
       <p:pic>
         <p:nvPicPr>
-          <p:cNvPr id="294" name="Image" descr="Image"/>
+          <p:cNvPr id="295" name="Image" descr="Image"/>
           <p:cNvPicPr>
             <a:picLocks noChangeAspect="0"/>
           </p:cNvPicPr>
@@ -6644,7 +6678,7 @@
       </p:pic>
       <p:sp>
         <p:nvSpPr>
-          <p:cNvPr id="295" name="Line"/>
+          <p:cNvPr id="296" name="Line"/>
           <p:cNvSpPr/>
           <p:nvPr/>
         </p:nvSpPr>
@@ -6713,7 +6747,7 @@
       </p:grpSpPr>
       <p:sp>
         <p:nvSpPr>
-          <p:cNvPr id="297" name="TextShape 1"/>
+          <p:cNvPr id="298" name="TextShape 1"/>
           <p:cNvSpPr txBox="1"/>
           <p:nvPr/>
         </p:nvSpPr>
@@ -6786,7 +6820,7 @@
       </p:grpSpPr>
       <p:pic>
         <p:nvPicPr>
-          <p:cNvPr id="299" name="Image" descr="Image"/>
+          <p:cNvPr id="300" name="Image" descr="Image"/>
           <p:cNvPicPr>
             <a:picLocks noChangeAspect="1"/>
           </p:cNvPicPr>
@@ -6815,7 +6849,7 @@
       </p:pic>
       <p:pic>
         <p:nvPicPr>
-          <p:cNvPr id="300" name="Image" descr="Image"/>
+          <p:cNvPr id="301" name="Image" descr="Image"/>
           <p:cNvPicPr>
             <a:picLocks noChangeAspect="1"/>
           </p:cNvPicPr>
@@ -6844,7 +6878,7 @@
       </p:pic>
       <p:sp>
         <p:nvSpPr>
-          <p:cNvPr id="301" name="Line"/>
+          <p:cNvPr id="302" name="Line"/>
           <p:cNvSpPr/>
           <p:nvPr/>
         </p:nvSpPr>
@@ -6914,7 +6948,7 @@
       </p:grpSpPr>
       <p:pic>
         <p:nvPicPr>
-          <p:cNvPr id="303" name="Image" descr="Image"/>
+          <p:cNvPr id="304" name="Image" descr="Image"/>
           <p:cNvPicPr>
             <a:picLocks noChangeAspect="1"/>
           </p:cNvPicPr>
@@ -6944,7 +6978,7 @@
       </p:pic>
       <p:pic>
         <p:nvPicPr>
-          <p:cNvPr id="304" name="Image" descr="Image"/>
+          <p:cNvPr id="305" name="Image" descr="Image"/>
           <p:cNvPicPr>
             <a:picLocks noChangeAspect="1"/>
           </p:cNvPicPr>
@@ -6974,7 +7008,7 @@
       </p:pic>
       <p:sp>
         <p:nvSpPr>
-          <p:cNvPr id="305" name="TextShape 1"/>
+          <p:cNvPr id="306" name="TextShape 1"/>
           <p:cNvSpPr txBox="1"/>
           <p:nvPr/>
         </p:nvSpPr>
@@ -7014,7 +7048,7 @@
       </p:sp>
       <p:pic>
         <p:nvPicPr>
-          <p:cNvPr id="306" name="Image" descr="Image"/>
+          <p:cNvPr id="307" name="Image" descr="Image"/>
           <p:cNvPicPr>
             <a:picLocks noChangeAspect="1"/>
           </p:cNvPicPr>
@@ -7043,7 +7077,7 @@
       </p:pic>
       <p:pic>
         <p:nvPicPr>
-          <p:cNvPr id="307" name="Image" descr="Image"/>
+          <p:cNvPr id="308" name="Image" descr="Image"/>
           <p:cNvPicPr>
             <a:picLocks noChangeAspect="1"/>
           </p:cNvPicPr>
@@ -7072,7 +7106,7 @@
       </p:pic>
       <p:pic>
         <p:nvPicPr>
-          <p:cNvPr id="308" name="Image" descr="Image"/>
+          <p:cNvPr id="309" name="Image" descr="Image"/>
           <p:cNvPicPr>
             <a:picLocks noChangeAspect="1"/>
           </p:cNvPicPr>
@@ -7101,7 +7135,7 @@
       </p:pic>
       <p:sp>
         <p:nvSpPr>
-          <p:cNvPr id="309" name="Line"/>
+          <p:cNvPr id="310" name="Line"/>
           <p:cNvSpPr/>
           <p:nvPr/>
         </p:nvSpPr>
@@ -7137,7 +7171,7 @@
       </p:sp>
       <p:sp>
         <p:nvSpPr>
-          <p:cNvPr id="310" name="Line"/>
+          <p:cNvPr id="311" name="Line"/>
           <p:cNvSpPr/>
           <p:nvPr/>
         </p:nvSpPr>
@@ -7173,7 +7207,7 @@
       </p:sp>
       <p:pic>
         <p:nvPicPr>
-          <p:cNvPr id="311" name="Image" descr="Image"/>
+          <p:cNvPr id="312" name="Image" descr="Image"/>
           <p:cNvPicPr>
             <a:picLocks noChangeAspect="1"/>
           </p:cNvPicPr>
@@ -7235,7 +7269,7 @@
       </p:grpSpPr>
       <p:pic>
         <p:nvPicPr>
-          <p:cNvPr id="313" name="Image" descr="Image"/>
+          <p:cNvPr id="314" name="Image" descr="Image"/>
           <p:cNvPicPr>
             <a:picLocks noChangeAspect="0"/>
           </p:cNvPicPr>
@@ -7264,7 +7298,7 @@
       </p:pic>
       <p:pic>
         <p:nvPicPr>
-          <p:cNvPr id="314" name="Image" descr="Image"/>
+          <p:cNvPr id="315" name="Image" descr="Image"/>
           <p:cNvPicPr>
             <a:picLocks noChangeAspect="0"/>
           </p:cNvPicPr>
@@ -7293,7 +7327,7 @@
       </p:pic>
       <p:sp>
         <p:nvSpPr>
-          <p:cNvPr id="315" name="Line"/>
+          <p:cNvPr id="316" name="Line"/>
           <p:cNvSpPr/>
           <p:nvPr/>
         </p:nvSpPr>
@@ -7362,7 +7396,7 @@
       </p:grpSpPr>
       <p:pic>
         <p:nvPicPr>
-          <p:cNvPr id="317" name="Image" descr="Image"/>
+          <p:cNvPr id="318" name="Image" descr="Image"/>
           <p:cNvPicPr>
             <a:picLocks noChangeAspect="1"/>
           </p:cNvPicPr>
@@ -7391,7 +7425,7 @@
       </p:pic>
       <p:pic>
         <p:nvPicPr>
-          <p:cNvPr id="318" name="Image" descr="Image"/>
+          <p:cNvPr id="319" name="Image" descr="Image"/>
           <p:cNvPicPr>
             <a:picLocks noChangeAspect="1"/>
           </p:cNvPicPr>
@@ -7420,7 +7454,7 @@
       </p:pic>
       <p:sp>
         <p:nvSpPr>
-          <p:cNvPr id="319" name="Line"/>
+          <p:cNvPr id="320" name="Line"/>
           <p:cNvSpPr/>
           <p:nvPr/>
         </p:nvSpPr>
@@ -7489,7 +7523,7 @@
       </p:grpSpPr>
       <p:sp>
         <p:nvSpPr>
-          <p:cNvPr id="321" name="TextShape 1"/>
+          <p:cNvPr id="322" name="TextShape 1"/>
           <p:cNvSpPr txBox="1"/>
           <p:nvPr/>
         </p:nvSpPr>
@@ -7562,7 +7596,7 @@
       </p:grpSpPr>
       <p:pic>
         <p:nvPicPr>
-          <p:cNvPr id="323" name="Image" descr="Image"/>
+          <p:cNvPr id="324" name="Image" descr="Image"/>
           <p:cNvPicPr>
             <a:picLocks noChangeAspect="1"/>
           </p:cNvPicPr>
@@ -7592,7 +7626,7 @@
       </p:pic>
       <p:pic>
         <p:nvPicPr>
-          <p:cNvPr id="324" name="Image" descr="Image"/>
+          <p:cNvPr id="325" name="Image" descr="Image"/>
           <p:cNvPicPr>
             <a:picLocks noChangeAspect="1"/>
           </p:cNvPicPr>
@@ -7621,7 +7655,7 @@
       </p:pic>
       <p:sp>
         <p:nvSpPr>
-          <p:cNvPr id="325" name="Line"/>
+          <p:cNvPr id="326" name="Line"/>
           <p:cNvSpPr/>
           <p:nvPr/>
         </p:nvSpPr>
@@ -7691,7 +7725,7 @@
       </p:grpSpPr>
       <p:pic>
         <p:nvPicPr>
-          <p:cNvPr id="327" name="Image" descr="Image"/>
+          <p:cNvPr id="328" name="Image" descr="Image"/>
           <p:cNvPicPr>
             <a:picLocks noChangeAspect="1"/>
           </p:cNvPicPr>
@@ -7721,7 +7755,7 @@
       </p:pic>
       <p:pic>
         <p:nvPicPr>
-          <p:cNvPr id="328" name="Image" descr="Image"/>
+          <p:cNvPr id="329" name="Image" descr="Image"/>
           <p:cNvPicPr>
             <a:picLocks noChangeAspect="1"/>
           </p:cNvPicPr>
@@ -7751,7 +7785,7 @@
       </p:pic>
       <p:sp>
         <p:nvSpPr>
-          <p:cNvPr id="329" name="TextShape 1"/>
+          <p:cNvPr id="330" name="TextShape 1"/>
           <p:cNvSpPr txBox="1"/>
           <p:nvPr/>
         </p:nvSpPr>
@@ -7791,7 +7825,7 @@
       </p:sp>
       <p:pic>
         <p:nvPicPr>
-          <p:cNvPr id="330" name="Image" descr="Image"/>
+          <p:cNvPr id="331" name="Image" descr="Image"/>
           <p:cNvPicPr>
             <a:picLocks noChangeAspect="1"/>
           </p:cNvPicPr>
@@ -7820,7 +7854,7 @@
       </p:pic>
       <p:pic>
         <p:nvPicPr>
-          <p:cNvPr id="331" name="Image" descr="Image"/>
+          <p:cNvPr id="332" name="Image" descr="Image"/>
           <p:cNvPicPr>
             <a:picLocks noChangeAspect="1"/>
           </p:cNvPicPr>
@@ -7849,7 +7883,7 @@
       </p:pic>
       <p:pic>
         <p:nvPicPr>
-          <p:cNvPr id="332" name="Image" descr="Image"/>
+          <p:cNvPr id="333" name="Image" descr="Image"/>
           <p:cNvPicPr>
             <a:picLocks noChangeAspect="1"/>
           </p:cNvPicPr>
@@ -7878,7 +7912,7 @@
       </p:pic>
       <p:sp>
         <p:nvSpPr>
-          <p:cNvPr id="333" name="Line"/>
+          <p:cNvPr id="334" name="Line"/>
           <p:cNvSpPr/>
           <p:nvPr/>
         </p:nvSpPr>
@@ -7914,7 +7948,7 @@
       </p:sp>
       <p:sp>
         <p:nvSpPr>
-          <p:cNvPr id="334" name="Line"/>
+          <p:cNvPr id="335" name="Line"/>
           <p:cNvSpPr/>
           <p:nvPr/>
         </p:nvSpPr>
@@ -7950,7 +7984,7 @@
       </p:sp>
       <p:pic>
         <p:nvPicPr>
-          <p:cNvPr id="335" name="Image" descr="Image"/>
+          <p:cNvPr id="336" name="Image" descr="Image"/>
           <p:cNvPicPr>
             <a:picLocks noChangeAspect="1"/>
           </p:cNvPicPr>
@@ -8013,7 +8047,7 @@
       </p:grpSpPr>
       <p:pic>
         <p:nvPicPr>
-          <p:cNvPr id="337" name="Image" descr="Image"/>
+          <p:cNvPr id="338" name="Image" descr="Image"/>
           <p:cNvPicPr>
             <a:picLocks noChangeAspect="0"/>
           </p:cNvPicPr>
@@ -8042,7 +8076,7 @@
       </p:pic>
       <p:pic>
         <p:nvPicPr>
-          <p:cNvPr id="338" name="Image" descr="Image"/>
+          <p:cNvPr id="339" name="Image" descr="Image"/>
           <p:cNvPicPr>
             <a:picLocks noChangeAspect="1"/>
           </p:cNvPicPr>
@@ -8071,7 +8105,7 @@
       </p:pic>
       <p:sp>
         <p:nvSpPr>
-          <p:cNvPr id="339" name="Line"/>
+          <p:cNvPr id="340" name="Line"/>
           <p:cNvSpPr/>
           <p:nvPr/>
         </p:nvSpPr>
@@ -8140,7 +8174,7 @@
       </p:grpSpPr>
       <p:pic>
         <p:nvPicPr>
-          <p:cNvPr id="140" name="Image" descr="Image"/>
+          <p:cNvPr id="141" name="Image" descr="Image"/>
           <p:cNvPicPr>
             <a:picLocks noChangeAspect="1"/>
           </p:cNvPicPr>
@@ -8157,7 +8191,7 @@
         <p:spPr>
           <a:xfrm>
             <a:off x="7216462" y="4096055"/>
-            <a:ext cx="2179831" cy="1371025"/>
+            <a:ext cx="2179830" cy="1371025"/>
           </a:xfrm>
           <a:prstGeom prst="rect">
             <a:avLst/>
@@ -8169,7 +8203,7 @@
       </p:pic>
       <p:pic>
         <p:nvPicPr>
-          <p:cNvPr id="141" name="Image" descr="Image"/>
+          <p:cNvPr id="142" name="Image" descr="Image"/>
           <p:cNvPicPr>
             <a:picLocks noChangeAspect="1"/>
           </p:cNvPicPr>
@@ -8198,7 +8232,7 @@
       </p:pic>
       <p:sp>
         <p:nvSpPr>
-          <p:cNvPr id="142" name="TextShape 1"/>
+          <p:cNvPr id="143" name="TextShape 1"/>
           <p:cNvSpPr txBox="1"/>
           <p:nvPr/>
         </p:nvSpPr>
@@ -8238,7 +8272,7 @@
       </p:sp>
       <p:pic>
         <p:nvPicPr>
-          <p:cNvPr id="143" name="Image" descr="Image"/>
+          <p:cNvPr id="144" name="Image" descr="Image"/>
           <p:cNvPicPr>
             <a:picLocks noChangeAspect="1"/>
           </p:cNvPicPr>
@@ -8267,7 +8301,7 @@
       </p:pic>
       <p:sp>
         <p:nvSpPr>
-          <p:cNvPr id="144" name="ID"/>
+          <p:cNvPr id="145" name="ID"/>
           <p:cNvSpPr txBox="1"/>
           <p:nvPr/>
         </p:nvSpPr>
@@ -8303,7 +8337,7 @@
       </p:sp>
       <p:pic>
         <p:nvPicPr>
-          <p:cNvPr id="145" name="Image" descr="Image"/>
+          <p:cNvPr id="146" name="Image" descr="Image"/>
           <p:cNvPicPr>
             <a:picLocks noChangeAspect="1"/>
           </p:cNvPicPr>
@@ -8332,7 +8366,7 @@
       </p:pic>
       <p:sp>
         <p:nvSpPr>
-          <p:cNvPr id="146" name="US"/>
+          <p:cNvPr id="147" name="US"/>
           <p:cNvSpPr txBox="1"/>
           <p:nvPr/>
         </p:nvSpPr>
@@ -8368,7 +8402,7 @@
       </p:sp>
       <p:pic>
         <p:nvPicPr>
-          <p:cNvPr id="147" name="Image" descr="Image"/>
+          <p:cNvPr id="148" name="Image" descr="Image"/>
           <p:cNvPicPr>
             <a:picLocks noChangeAspect="1"/>
           </p:cNvPicPr>
@@ -8384,8 +8418,8 @@
         </p:blipFill>
         <p:spPr>
           <a:xfrm>
-            <a:off x="5074100" y="1161187"/>
-            <a:ext cx="2126161" cy="1344345"/>
+            <a:off x="5074099" y="1161187"/>
+            <a:ext cx="2126162" cy="1344345"/>
           </a:xfrm>
           <a:prstGeom prst="rect">
             <a:avLst/>
@@ -8397,7 +8431,7 @@
       </p:pic>
       <p:sp>
         <p:nvSpPr>
-          <p:cNvPr id="148" name="SA"/>
+          <p:cNvPr id="149" name="SA"/>
           <p:cNvSpPr txBox="1"/>
           <p:nvPr/>
         </p:nvSpPr>
@@ -8433,7 +8467,7 @@
       </p:sp>
       <p:pic>
         <p:nvPicPr>
-          <p:cNvPr id="149" name="Image" descr="Image"/>
+          <p:cNvPr id="150" name="Image" descr="Image"/>
           <p:cNvPicPr>
             <a:picLocks noChangeAspect="1"/>
           </p:cNvPicPr>
@@ -8450,7 +8484,7 @@
         <p:spPr>
           <a:xfrm>
             <a:off x="7246477" y="1150223"/>
-            <a:ext cx="2102939" cy="1344345"/>
+            <a:ext cx="2102938" cy="1344345"/>
           </a:xfrm>
           <a:prstGeom prst="rect">
             <a:avLst/>
@@ -8462,7 +8496,7 @@
       </p:pic>
       <p:sp>
         <p:nvSpPr>
-          <p:cNvPr id="150" name="RU"/>
+          <p:cNvPr id="151" name="RU"/>
           <p:cNvSpPr txBox="1"/>
           <p:nvPr/>
         </p:nvSpPr>
@@ -8498,7 +8532,7 @@
       </p:sp>
       <p:pic>
         <p:nvPicPr>
-          <p:cNvPr id="151" name="Image" descr="Image"/>
+          <p:cNvPr id="152" name="Image" descr="Image"/>
           <p:cNvPicPr>
             <a:picLocks noChangeAspect="1"/>
           </p:cNvPicPr>
@@ -8527,7 +8561,7 @@
       </p:pic>
       <p:sp>
         <p:nvSpPr>
-          <p:cNvPr id="152" name="BR"/>
+          <p:cNvPr id="153" name="BR"/>
           <p:cNvSpPr txBox="1"/>
           <p:nvPr/>
         </p:nvSpPr>
@@ -8563,7 +8597,7 @@
       </p:sp>
       <p:pic>
         <p:nvPicPr>
-          <p:cNvPr id="153" name="Image" descr="Image"/>
+          <p:cNvPr id="154" name="Image" descr="Image"/>
           <p:cNvPicPr>
             <a:picLocks noChangeAspect="1"/>
           </p:cNvPicPr>
@@ -8580,7 +8614,7 @@
         <p:spPr>
           <a:xfrm>
             <a:off x="2874609" y="2582698"/>
-            <a:ext cx="2203016" cy="1388202"/>
+            <a:ext cx="2203015" cy="1388202"/>
           </a:xfrm>
           <a:prstGeom prst="rect">
             <a:avLst/>
@@ -8592,7 +8626,7 @@
       </p:pic>
       <p:sp>
         <p:nvSpPr>
-          <p:cNvPr id="154" name="IR"/>
+          <p:cNvPr id="155" name="IR"/>
           <p:cNvSpPr txBox="1"/>
           <p:nvPr/>
         </p:nvSpPr>
@@ -8628,7 +8662,7 @@
       </p:sp>
       <p:pic>
         <p:nvPicPr>
-          <p:cNvPr id="155" name="Image" descr="Image"/>
+          <p:cNvPr id="156" name="Image" descr="Image"/>
           <p:cNvPicPr>
             <a:picLocks noChangeAspect="1"/>
           </p:cNvPicPr>
@@ -8657,7 +8691,7 @@
       </p:pic>
       <p:sp>
         <p:nvSpPr>
-          <p:cNvPr id="156" name="AU"/>
+          <p:cNvPr id="157" name="AU"/>
           <p:cNvSpPr txBox="1"/>
           <p:nvPr/>
         </p:nvSpPr>
@@ -8693,7 +8727,7 @@
       </p:sp>
       <p:pic>
         <p:nvPicPr>
-          <p:cNvPr id="157" name="Image" descr="Image"/>
+          <p:cNvPr id="158" name="Image" descr="Image"/>
           <p:cNvPicPr>
             <a:picLocks noChangeAspect="1"/>
           </p:cNvPicPr>
@@ -8722,7 +8756,7 @@
       </p:pic>
       <p:sp>
         <p:nvSpPr>
-          <p:cNvPr id="158" name="UK"/>
+          <p:cNvPr id="159" name="UK"/>
           <p:cNvSpPr txBox="1"/>
           <p:nvPr/>
         </p:nvSpPr>
@@ -8758,7 +8792,7 @@
       </p:sp>
       <p:pic>
         <p:nvPicPr>
-          <p:cNvPr id="159" name="Image" descr="Image"/>
+          <p:cNvPr id="160" name="Image" descr="Image"/>
           <p:cNvPicPr>
             <a:picLocks noChangeAspect="1"/>
           </p:cNvPicPr>
@@ -8787,7 +8821,7 @@
       </p:pic>
       <p:sp>
         <p:nvSpPr>
-          <p:cNvPr id="160" name="CN"/>
+          <p:cNvPr id="161" name="CN"/>
           <p:cNvSpPr txBox="1"/>
           <p:nvPr/>
         </p:nvSpPr>
@@ -8823,7 +8857,7 @@
       </p:sp>
       <p:pic>
         <p:nvPicPr>
-          <p:cNvPr id="161" name="Image" descr="Image"/>
+          <p:cNvPr id="162" name="Image" descr="Image"/>
           <p:cNvPicPr>
             <a:picLocks noChangeAspect="1"/>
           </p:cNvPicPr>
@@ -8852,7 +8886,7 @@
       </p:pic>
       <p:sp>
         <p:nvSpPr>
-          <p:cNvPr id="162" name="JP"/>
+          <p:cNvPr id="163" name="JP"/>
           <p:cNvSpPr txBox="1"/>
           <p:nvPr/>
         </p:nvSpPr>
@@ -8888,7 +8922,7 @@
       </p:sp>
       <p:sp>
         <p:nvSpPr>
-          <p:cNvPr id="163" name="IN"/>
+          <p:cNvPr id="164" name="IN"/>
           <p:cNvSpPr txBox="1"/>
           <p:nvPr/>
         </p:nvSpPr>
@@ -8924,7 +8958,7 @@
       </p:sp>
       <p:sp>
         <p:nvSpPr>
-          <p:cNvPr id="164" name="MY"/>
+          <p:cNvPr id="165" name="MY"/>
           <p:cNvSpPr txBox="1"/>
           <p:nvPr/>
         </p:nvSpPr>
@@ -8993,7 +9027,7 @@
       </p:grpSpPr>
       <p:pic>
         <p:nvPicPr>
-          <p:cNvPr id="341" name="Image" descr="Image"/>
+          <p:cNvPr id="342" name="Image" descr="Image"/>
           <p:cNvPicPr>
             <a:picLocks noChangeAspect="1"/>
           </p:cNvPicPr>
@@ -9023,7 +9057,7 @@
       </p:pic>
       <p:pic>
         <p:nvPicPr>
-          <p:cNvPr id="342" name="Image" descr="Image"/>
+          <p:cNvPr id="343" name="Image" descr="Image"/>
           <p:cNvPicPr>
             <a:picLocks noChangeAspect="1"/>
           </p:cNvPicPr>
@@ -9052,7 +9086,7 @@
       </p:pic>
       <p:sp>
         <p:nvSpPr>
-          <p:cNvPr id="343" name="Line"/>
+          <p:cNvPr id="344" name="Line"/>
           <p:cNvSpPr/>
           <p:nvPr/>
         </p:nvSpPr>
@@ -9121,7 +9155,7 @@
       </p:grpSpPr>
       <p:sp>
         <p:nvSpPr>
-          <p:cNvPr id="345" name="TextShape 1"/>
+          <p:cNvPr id="346" name="TextShape 1"/>
           <p:cNvSpPr txBox="1"/>
           <p:nvPr/>
         </p:nvSpPr>
@@ -9194,7 +9228,7 @@
       </p:grpSpPr>
       <p:pic>
         <p:nvPicPr>
-          <p:cNvPr id="347" name="Image" descr="Image"/>
+          <p:cNvPr id="348" name="Image" descr="Image"/>
           <p:cNvPicPr>
             <a:picLocks noChangeAspect="1"/>
           </p:cNvPicPr>
@@ -9223,7 +9257,7 @@
       </p:pic>
       <p:pic>
         <p:nvPicPr>
-          <p:cNvPr id="348" name="Image" descr="Image"/>
+          <p:cNvPr id="349" name="Image" descr="Image"/>
           <p:cNvPicPr>
             <a:picLocks noChangeAspect="1"/>
           </p:cNvPicPr>
@@ -9252,7 +9286,7 @@
       </p:pic>
       <p:sp>
         <p:nvSpPr>
-          <p:cNvPr id="349" name="Line"/>
+          <p:cNvPr id="350" name="Line"/>
           <p:cNvSpPr/>
           <p:nvPr/>
         </p:nvSpPr>
@@ -9322,7 +9356,7 @@
       </p:grpSpPr>
       <p:sp>
         <p:nvSpPr>
-          <p:cNvPr id="351" name="TextShape 1"/>
+          <p:cNvPr id="352" name="TextShape 1"/>
           <p:cNvSpPr txBox="1"/>
           <p:nvPr/>
         </p:nvSpPr>
@@ -9362,7 +9396,7 @@
       </p:sp>
       <p:pic>
         <p:nvPicPr>
-          <p:cNvPr id="352" name="Image" descr="Image"/>
+          <p:cNvPr id="353" name="Image" descr="Image"/>
           <p:cNvPicPr>
             <a:picLocks noChangeAspect="1"/>
           </p:cNvPicPr>
@@ -9391,7 +9425,7 @@
       </p:pic>
       <p:pic>
         <p:nvPicPr>
-          <p:cNvPr id="353" name="Image" descr="Image"/>
+          <p:cNvPr id="354" name="Image" descr="Image"/>
           <p:cNvPicPr>
             <a:picLocks noChangeAspect="1"/>
           </p:cNvPicPr>
@@ -9420,7 +9454,7 @@
       </p:pic>
       <p:pic>
         <p:nvPicPr>
-          <p:cNvPr id="354" name="Image" descr="Image"/>
+          <p:cNvPr id="355" name="Image" descr="Image"/>
           <p:cNvPicPr>
             <a:picLocks noChangeAspect="1"/>
           </p:cNvPicPr>
@@ -9449,7 +9483,7 @@
       </p:pic>
       <p:sp>
         <p:nvSpPr>
-          <p:cNvPr id="355" name="Line"/>
+          <p:cNvPr id="356" name="Line"/>
           <p:cNvSpPr/>
           <p:nvPr/>
         </p:nvSpPr>
@@ -9485,7 +9519,7 @@
       </p:sp>
       <p:sp>
         <p:nvSpPr>
-          <p:cNvPr id="356" name="Line"/>
+          <p:cNvPr id="357" name="Line"/>
           <p:cNvSpPr/>
           <p:nvPr/>
         </p:nvSpPr>
@@ -9521,7 +9555,7 @@
       </p:sp>
       <p:pic>
         <p:nvPicPr>
-          <p:cNvPr id="357" name="Image" descr="Image"/>
+          <p:cNvPr id="358" name="Image" descr="Image"/>
           <p:cNvPicPr>
             <a:picLocks noChangeAspect="1"/>
           </p:cNvPicPr>
@@ -9551,7 +9585,7 @@
       </p:pic>
       <p:pic>
         <p:nvPicPr>
-          <p:cNvPr id="358" name="Image" descr="Image"/>
+          <p:cNvPr id="359" name="Image" descr="Image"/>
           <p:cNvPicPr>
             <a:picLocks noChangeAspect="1"/>
           </p:cNvPicPr>
@@ -9581,7 +9615,7 @@
       </p:pic>
       <p:pic>
         <p:nvPicPr>
-          <p:cNvPr id="359" name="Image" descr="Image"/>
+          <p:cNvPr id="360" name="Image" descr="Image"/>
           <p:cNvPicPr>
             <a:picLocks noChangeAspect="1"/>
           </p:cNvPicPr>
@@ -9599,7 +9633,7 @@
         <p:spPr>
           <a:xfrm>
             <a:off x="3268691" y="335737"/>
-            <a:ext cx="2296577" cy="1427424"/>
+            <a:ext cx="2296577" cy="1427423"/>
           </a:xfrm>
           <a:prstGeom prst="rect">
             <a:avLst/>
@@ -9644,7 +9678,7 @@
       </p:grpSpPr>
       <p:pic>
         <p:nvPicPr>
-          <p:cNvPr id="361" name="Image" descr="Image"/>
+          <p:cNvPr id="362" name="Image" descr="Image"/>
           <p:cNvPicPr>
             <a:picLocks noChangeAspect="1"/>
           </p:cNvPicPr>
@@ -9673,7 +9707,7 @@
       </p:pic>
       <p:pic>
         <p:nvPicPr>
-          <p:cNvPr id="362" name="Image" descr="Image"/>
+          <p:cNvPr id="363" name="Image" descr="Image"/>
           <p:cNvPicPr>
             <a:picLocks noChangeAspect="0"/>
           </p:cNvPicPr>
@@ -9702,14 +9736,14 @@
       </p:pic>
       <p:sp>
         <p:nvSpPr>
-          <p:cNvPr id="363" name="Line"/>
+          <p:cNvPr id="364" name="Line"/>
           <p:cNvSpPr/>
           <p:nvPr/>
         </p:nvSpPr>
         <p:spPr>
           <a:xfrm>
-            <a:off x="4664120" y="1616528"/>
-            <a:ext cx="1046369" cy="1267948"/>
+            <a:off x="4664119" y="1616528"/>
+            <a:ext cx="1046370" cy="1267948"/>
           </a:xfrm>
           <a:prstGeom prst="line">
             <a:avLst/>
@@ -9771,7 +9805,7 @@
       </p:grpSpPr>
       <p:pic>
         <p:nvPicPr>
-          <p:cNvPr id="365" name="Image" descr="Image"/>
+          <p:cNvPr id="366" name="Image" descr="Image"/>
           <p:cNvPicPr>
             <a:picLocks noChangeAspect="1"/>
           </p:cNvPicPr>
@@ -9800,7 +9834,7 @@
       </p:pic>
       <p:pic>
         <p:nvPicPr>
-          <p:cNvPr id="366" name="Image" descr="Image"/>
+          <p:cNvPr id="367" name="Image" descr="Image"/>
           <p:cNvPicPr>
             <a:picLocks noChangeAspect="1"/>
           </p:cNvPicPr>
@@ -9829,7 +9863,7 @@
       </p:pic>
       <p:sp>
         <p:nvSpPr>
-          <p:cNvPr id="367" name="Line"/>
+          <p:cNvPr id="368" name="Line"/>
           <p:cNvSpPr/>
           <p:nvPr/>
         </p:nvSpPr>
@@ -9898,7 +9932,7 @@
       </p:grpSpPr>
       <p:sp>
         <p:nvSpPr>
-          <p:cNvPr id="369" name="TextShape 1"/>
+          <p:cNvPr id="370" name="TextShape 1"/>
           <p:cNvSpPr txBox="1"/>
           <p:nvPr/>
         </p:nvSpPr>
@@ -9971,7 +10005,7 @@
       </p:grpSpPr>
       <p:pic>
         <p:nvPicPr>
-          <p:cNvPr id="371" name="Image" descr="Image"/>
+          <p:cNvPr id="372" name="Image" descr="Image"/>
           <p:cNvPicPr>
             <a:picLocks noChangeAspect="1"/>
           </p:cNvPicPr>
@@ -10000,7 +10034,7 @@
       </p:pic>
       <p:pic>
         <p:nvPicPr>
-          <p:cNvPr id="372" name="Image" descr="Image"/>
+          <p:cNvPr id="373" name="Image" descr="Image"/>
           <p:cNvPicPr>
             <a:picLocks noChangeAspect="1"/>
           </p:cNvPicPr>
@@ -10029,7 +10063,7 @@
       </p:pic>
       <p:sp>
         <p:nvSpPr>
-          <p:cNvPr id="373" name="Line"/>
+          <p:cNvPr id="374" name="Line"/>
           <p:cNvSpPr/>
           <p:nvPr/>
         </p:nvSpPr>
@@ -10099,7 +10133,7 @@
       </p:grpSpPr>
       <p:pic>
         <p:nvPicPr>
-          <p:cNvPr id="375" name="Image" descr="Image"/>
+          <p:cNvPr id="376" name="Image" descr="Image"/>
           <p:cNvPicPr>
             <a:picLocks noChangeAspect="1"/>
           </p:cNvPicPr>
@@ -10129,7 +10163,7 @@
       </p:pic>
       <p:sp>
         <p:nvSpPr>
-          <p:cNvPr id="376" name="TextShape 1"/>
+          <p:cNvPr id="377" name="TextShape 1"/>
           <p:cNvSpPr txBox="1"/>
           <p:nvPr/>
         </p:nvSpPr>
@@ -10169,7 +10203,7 @@
       </p:sp>
       <p:pic>
         <p:nvPicPr>
-          <p:cNvPr id="377" name="Image" descr="Image"/>
+          <p:cNvPr id="378" name="Image" descr="Image"/>
           <p:cNvPicPr>
             <a:picLocks noChangeAspect="1"/>
           </p:cNvPicPr>
@@ -10198,7 +10232,7 @@
       </p:pic>
       <p:pic>
         <p:nvPicPr>
-          <p:cNvPr id="378" name="Image" descr="Image"/>
+          <p:cNvPr id="379" name="Image" descr="Image"/>
           <p:cNvPicPr>
             <a:picLocks noChangeAspect="1"/>
           </p:cNvPicPr>
@@ -10227,7 +10261,7 @@
       </p:pic>
       <p:pic>
         <p:nvPicPr>
-          <p:cNvPr id="379" name="Image" descr="Image"/>
+          <p:cNvPr id="380" name="Image" descr="Image"/>
           <p:cNvPicPr>
             <a:picLocks noChangeAspect="1"/>
           </p:cNvPicPr>
@@ -10256,7 +10290,7 @@
       </p:pic>
       <p:sp>
         <p:nvSpPr>
-          <p:cNvPr id="380" name="Line"/>
+          <p:cNvPr id="381" name="Line"/>
           <p:cNvSpPr/>
           <p:nvPr/>
         </p:nvSpPr>
@@ -10292,7 +10326,7 @@
       </p:sp>
       <p:sp>
         <p:nvSpPr>
-          <p:cNvPr id="381" name="Line"/>
+          <p:cNvPr id="382" name="Line"/>
           <p:cNvSpPr/>
           <p:nvPr/>
         </p:nvSpPr>
@@ -10328,7 +10362,7 @@
       </p:sp>
       <p:pic>
         <p:nvPicPr>
-          <p:cNvPr id="382" name="Image" descr="Image"/>
+          <p:cNvPr id="383" name="Image" descr="Image"/>
           <p:cNvPicPr>
             <a:picLocks noChangeAspect="1"/>
           </p:cNvPicPr>
@@ -10358,7 +10392,7 @@
       </p:pic>
       <p:pic>
         <p:nvPicPr>
-          <p:cNvPr id="383" name="Image" descr="Image"/>
+          <p:cNvPr id="384" name="Image" descr="Image"/>
           <p:cNvPicPr>
             <a:picLocks noChangeAspect="1"/>
           </p:cNvPicPr>
@@ -10421,7 +10455,7 @@
       </p:grpSpPr>
       <p:pic>
         <p:nvPicPr>
-          <p:cNvPr id="385" name="Image" descr="Image"/>
+          <p:cNvPr id="386" name="Image" descr="Image"/>
           <p:cNvPicPr>
             <a:picLocks noChangeAspect="1"/>
           </p:cNvPicPr>
@@ -10450,7 +10484,7 @@
       </p:pic>
       <p:pic>
         <p:nvPicPr>
-          <p:cNvPr id="386" name="Image" descr="Image"/>
+          <p:cNvPr id="387" name="Image" descr="Image"/>
           <p:cNvPicPr>
             <a:picLocks noChangeAspect="0"/>
           </p:cNvPicPr>
@@ -10479,7 +10513,7 @@
       </p:pic>
       <p:sp>
         <p:nvSpPr>
-          <p:cNvPr id="387" name="Line"/>
+          <p:cNvPr id="388" name="Line"/>
           <p:cNvSpPr/>
           <p:nvPr/>
         </p:nvSpPr>
@@ -10548,7 +10582,7 @@
       </p:grpSpPr>
       <p:sp>
         <p:nvSpPr>
-          <p:cNvPr id="166" name="TextShape 1"/>
+          <p:cNvPr id="167" name="TextShape 1"/>
           <p:cNvSpPr txBox="1"/>
           <p:nvPr/>
         </p:nvSpPr>
@@ -10588,7 +10622,7 @@
       </p:sp>
       <p:pic>
         <p:nvPicPr>
-          <p:cNvPr id="167" name="Image" descr="Image"/>
+          <p:cNvPr id="168" name="Image" descr="Image"/>
           <p:cNvPicPr>
             <a:picLocks noChangeAspect="1"/>
           </p:cNvPicPr>
@@ -10617,7 +10651,7 @@
       </p:pic>
       <p:sp>
         <p:nvSpPr>
-          <p:cNvPr id="168" name="Math"/>
+          <p:cNvPr id="169" name="Math"/>
           <p:cNvSpPr txBox="1"/>
           <p:nvPr/>
         </p:nvSpPr>
@@ -10653,7 +10687,7 @@
       </p:sp>
       <p:pic>
         <p:nvPicPr>
-          <p:cNvPr id="169" name="Image" descr="Image"/>
+          <p:cNvPr id="170" name="Image" descr="Image"/>
           <p:cNvPicPr>
             <a:picLocks noChangeAspect="1"/>
           </p:cNvPicPr>
@@ -10682,7 +10716,7 @@
       </p:pic>
       <p:sp>
         <p:nvSpPr>
-          <p:cNvPr id="170" name="Material…"/>
+          <p:cNvPr id="171" name="Material…"/>
           <p:cNvSpPr txBox="1"/>
           <p:nvPr/>
         </p:nvSpPr>
@@ -10724,7 +10758,7 @@
       </p:sp>
       <p:pic>
         <p:nvPicPr>
-          <p:cNvPr id="171" name="Image" descr="Image"/>
+          <p:cNvPr id="172" name="Image" descr="Image"/>
           <p:cNvPicPr>
             <a:picLocks noChangeAspect="1"/>
           </p:cNvPicPr>
@@ -10753,7 +10787,7 @@
       </p:pic>
       <p:sp>
         <p:nvSpPr>
-          <p:cNvPr id="172" name="Energy"/>
+          <p:cNvPr id="173" name="Energy"/>
           <p:cNvSpPr txBox="1"/>
           <p:nvPr/>
         </p:nvSpPr>
@@ -10789,7 +10823,7 @@
       </p:sp>
       <p:pic>
         <p:nvPicPr>
-          <p:cNvPr id="173" name="Image" descr="Image"/>
+          <p:cNvPr id="174" name="Image" descr="Image"/>
           <p:cNvPicPr>
             <a:picLocks noChangeAspect="1"/>
           </p:cNvPicPr>
@@ -10818,7 +10852,7 @@
       </p:pic>
       <p:sp>
         <p:nvSpPr>
-          <p:cNvPr id="174" name="Earth…"/>
+          <p:cNvPr id="175" name="Earth…"/>
           <p:cNvSpPr txBox="1"/>
           <p:nvPr/>
         </p:nvSpPr>
@@ -10866,7 +10900,7 @@
       </p:sp>
       <p:pic>
         <p:nvPicPr>
-          <p:cNvPr id="175" name="Image" descr="Image"/>
+          <p:cNvPr id="176" name="Image" descr="Image"/>
           <p:cNvPicPr>
             <a:picLocks noChangeAspect="1"/>
           </p:cNvPicPr>
@@ -10895,7 +10929,7 @@
       </p:pic>
       <p:sp>
         <p:nvSpPr>
-          <p:cNvPr id="176" name="Computer…"/>
+          <p:cNvPr id="177" name="Computer…"/>
           <p:cNvSpPr txBox="1"/>
           <p:nvPr/>
         </p:nvSpPr>
@@ -10937,7 +10971,7 @@
       </p:sp>
       <p:pic>
         <p:nvPicPr>
-          <p:cNvPr id="177" name="Image" descr="Image"/>
+          <p:cNvPr id="178" name="Image" descr="Image"/>
           <p:cNvPicPr>
             <a:picLocks noChangeAspect="1"/>
           </p:cNvPicPr>
@@ -10966,7 +11000,7 @@
       </p:pic>
       <p:sp>
         <p:nvSpPr>
-          <p:cNvPr id="178" name="Chemical…"/>
+          <p:cNvPr id="179" name="Chemical…"/>
           <p:cNvSpPr txBox="1"/>
           <p:nvPr/>
         </p:nvSpPr>
@@ -11008,7 +11042,7 @@
       </p:sp>
       <p:pic>
         <p:nvPicPr>
-          <p:cNvPr id="179" name="Image" descr="Image"/>
+          <p:cNvPr id="180" name="Image" descr="Image"/>
           <p:cNvPicPr>
             <a:picLocks noChangeAspect="1"/>
           </p:cNvPicPr>
@@ -11037,7 +11071,7 @@
       </p:pic>
       <p:sp>
         <p:nvSpPr>
-          <p:cNvPr id="180" name="Business"/>
+          <p:cNvPr id="181" name="Business"/>
           <p:cNvSpPr txBox="1"/>
           <p:nvPr/>
         </p:nvSpPr>
@@ -11073,7 +11107,7 @@
       </p:sp>
       <p:pic>
         <p:nvPicPr>
-          <p:cNvPr id="181" name="Image" descr="Image"/>
+          <p:cNvPr id="182" name="Image" descr="Image"/>
           <p:cNvPicPr>
             <a:picLocks noChangeAspect="1"/>
           </p:cNvPicPr>
@@ -11102,7 +11136,7 @@
       </p:pic>
       <p:sp>
         <p:nvSpPr>
-          <p:cNvPr id="182" name="Biochem"/>
+          <p:cNvPr id="183" name="Biochem"/>
           <p:cNvSpPr txBox="1"/>
           <p:nvPr/>
         </p:nvSpPr>
@@ -11138,7 +11172,7 @@
       </p:sp>
       <p:pic>
         <p:nvPicPr>
-          <p:cNvPr id="183" name="Image" descr="Image"/>
+          <p:cNvPr id="184" name="Image" descr="Image"/>
           <p:cNvPicPr>
             <a:picLocks noChangeAspect="1"/>
           </p:cNvPicPr>
@@ -11167,7 +11201,7 @@
       </p:pic>
       <p:sp>
         <p:nvSpPr>
-          <p:cNvPr id="184" name="Agricultural…"/>
+          <p:cNvPr id="185" name="Agricultural…"/>
           <p:cNvSpPr txBox="1"/>
           <p:nvPr/>
         </p:nvSpPr>
@@ -11248,7 +11282,7 @@
       </p:grpSpPr>
       <p:pic>
         <p:nvPicPr>
-          <p:cNvPr id="389" name="Image" descr="Image"/>
+          <p:cNvPr id="390" name="Image" descr="Image"/>
           <p:cNvPicPr>
             <a:picLocks noChangeAspect="1"/>
           </p:cNvPicPr>
@@ -11278,7 +11312,7 @@
       </p:pic>
       <p:pic>
         <p:nvPicPr>
-          <p:cNvPr id="390" name="Image" descr="Image"/>
+          <p:cNvPr id="391" name="Image" descr="Image"/>
           <p:cNvPicPr>
             <a:picLocks noChangeAspect="1"/>
           </p:cNvPicPr>
@@ -11307,7 +11341,7 @@
       </p:pic>
       <p:sp>
         <p:nvSpPr>
-          <p:cNvPr id="391" name="Line"/>
+          <p:cNvPr id="392" name="Line"/>
           <p:cNvSpPr/>
           <p:nvPr/>
         </p:nvSpPr>
@@ -11376,7 +11410,7 @@
       </p:grpSpPr>
       <p:sp>
         <p:nvSpPr>
-          <p:cNvPr id="393" name="TextShape 1"/>
+          <p:cNvPr id="394" name="TextShape 1"/>
           <p:cNvSpPr txBox="1"/>
           <p:nvPr/>
         </p:nvSpPr>
@@ -11449,7 +11483,7 @@
       </p:grpSpPr>
       <p:pic>
         <p:nvPicPr>
-          <p:cNvPr id="395" name="Image" descr="Image"/>
+          <p:cNvPr id="396" name="Image" descr="Image"/>
           <p:cNvPicPr>
             <a:picLocks noChangeAspect="1"/>
           </p:cNvPicPr>
@@ -11479,7 +11513,7 @@
       </p:pic>
       <p:pic>
         <p:nvPicPr>
-          <p:cNvPr id="396" name="Image" descr="Image"/>
+          <p:cNvPr id="397" name="Image" descr="Image"/>
           <p:cNvPicPr>
             <a:picLocks noChangeAspect="1"/>
           </p:cNvPicPr>
@@ -11508,7 +11542,7 @@
       </p:pic>
       <p:sp>
         <p:nvSpPr>
-          <p:cNvPr id="397" name="Line"/>
+          <p:cNvPr id="398" name="Line"/>
           <p:cNvSpPr/>
           <p:nvPr/>
         </p:nvSpPr>
@@ -11578,7 +11612,7 @@
       </p:grpSpPr>
       <p:pic>
         <p:nvPicPr>
-          <p:cNvPr id="399" name="Image" descr="Image"/>
+          <p:cNvPr id="400" name="Image" descr="Image"/>
           <p:cNvPicPr>
             <a:picLocks noChangeAspect="1"/>
           </p:cNvPicPr>
@@ -11608,7 +11642,7 @@
       </p:pic>
       <p:pic>
         <p:nvPicPr>
-          <p:cNvPr id="400" name="Image" descr="Image"/>
+          <p:cNvPr id="401" name="Image" descr="Image"/>
           <p:cNvPicPr>
             <a:picLocks noChangeAspect="1"/>
           </p:cNvPicPr>
@@ -11638,7 +11672,7 @@
       </p:pic>
       <p:sp>
         <p:nvSpPr>
-          <p:cNvPr id="401" name="TextShape 1"/>
+          <p:cNvPr id="402" name="TextShape 1"/>
           <p:cNvSpPr txBox="1"/>
           <p:nvPr/>
         </p:nvSpPr>
@@ -11678,7 +11712,7 @@
       </p:sp>
       <p:pic>
         <p:nvPicPr>
-          <p:cNvPr id="402" name="Image" descr="Image"/>
+          <p:cNvPr id="403" name="Image" descr="Image"/>
           <p:cNvPicPr>
             <a:picLocks noChangeAspect="1"/>
           </p:cNvPicPr>
@@ -11707,7 +11741,7 @@
       </p:pic>
       <p:pic>
         <p:nvPicPr>
-          <p:cNvPr id="403" name="Image" descr="Image"/>
+          <p:cNvPr id="404" name="Image" descr="Image"/>
           <p:cNvPicPr>
             <a:picLocks noChangeAspect="1"/>
           </p:cNvPicPr>
@@ -11736,7 +11770,7 @@
       </p:pic>
       <p:pic>
         <p:nvPicPr>
-          <p:cNvPr id="404" name="Image" descr="Image"/>
+          <p:cNvPr id="405" name="Image" descr="Image"/>
           <p:cNvPicPr>
             <a:picLocks noChangeAspect="1"/>
           </p:cNvPicPr>
@@ -11765,7 +11799,7 @@
       </p:pic>
       <p:sp>
         <p:nvSpPr>
-          <p:cNvPr id="405" name="Line"/>
+          <p:cNvPr id="406" name="Line"/>
           <p:cNvSpPr/>
           <p:nvPr/>
         </p:nvSpPr>
@@ -11801,7 +11835,7 @@
       </p:sp>
       <p:sp>
         <p:nvSpPr>
-          <p:cNvPr id="406" name="Line"/>
+          <p:cNvPr id="407" name="Line"/>
           <p:cNvSpPr/>
           <p:nvPr/>
         </p:nvSpPr>
@@ -11837,7 +11871,7 @@
       </p:sp>
       <p:pic>
         <p:nvPicPr>
-          <p:cNvPr id="407" name="Image" descr="Image"/>
+          <p:cNvPr id="408" name="Image" descr="Image"/>
           <p:cNvPicPr>
             <a:picLocks noChangeAspect="1"/>
           </p:cNvPicPr>
@@ -11900,7 +11934,7 @@
       </p:grpSpPr>
       <p:pic>
         <p:nvPicPr>
-          <p:cNvPr id="409" name="Image" descr="Image"/>
+          <p:cNvPr id="410" name="Image" descr="Image"/>
           <p:cNvPicPr>
             <a:picLocks noChangeAspect="1"/>
           </p:cNvPicPr>
@@ -11929,7 +11963,7 @@
       </p:pic>
       <p:pic>
         <p:nvPicPr>
-          <p:cNvPr id="410" name="Image" descr="Image"/>
+          <p:cNvPr id="411" name="Image" descr="Image"/>
           <p:cNvPicPr>
             <a:picLocks noChangeAspect="0"/>
           </p:cNvPicPr>
@@ -11958,7 +11992,7 @@
       </p:pic>
       <p:sp>
         <p:nvSpPr>
-          <p:cNvPr id="411" name="Line"/>
+          <p:cNvPr id="412" name="Line"/>
           <p:cNvSpPr/>
           <p:nvPr/>
         </p:nvSpPr>
@@ -12027,7 +12061,7 @@
       </p:grpSpPr>
       <p:sp>
         <p:nvSpPr>
-          <p:cNvPr id="413" name="TextShape 1"/>
+          <p:cNvPr id="414" name="TextShape 1"/>
           <p:cNvSpPr txBox="1"/>
           <p:nvPr/>
         </p:nvSpPr>
@@ -12111,7 +12145,7 @@
       </p:grpSpPr>
       <p:pic>
         <p:nvPicPr>
-          <p:cNvPr id="415" name="Image" descr="Image"/>
+          <p:cNvPr id="416" name="Image" descr="Image"/>
           <p:cNvPicPr>
             <a:picLocks noChangeAspect="1"/>
           </p:cNvPicPr>
@@ -12140,7 +12174,7 @@
       </p:pic>
       <p:pic>
         <p:nvPicPr>
-          <p:cNvPr id="416" name="Image" descr="Image"/>
+          <p:cNvPr id="417" name="Image" descr="Image"/>
           <p:cNvPicPr>
             <a:picLocks noChangeAspect="1"/>
           </p:cNvPicPr>
@@ -12169,7 +12203,7 @@
       </p:pic>
       <p:pic>
         <p:nvPicPr>
-          <p:cNvPr id="417" name="Image" descr="Image"/>
+          <p:cNvPr id="418" name="Image" descr="Image"/>
           <p:cNvPicPr>
             <a:picLocks noChangeAspect="1"/>
           </p:cNvPicPr>
@@ -12198,7 +12232,7 @@
       </p:pic>
       <p:pic>
         <p:nvPicPr>
-          <p:cNvPr id="418" name="Image" descr="Image"/>
+          <p:cNvPr id="419" name="Image" descr="Image"/>
           <p:cNvPicPr>
             <a:picLocks noChangeAspect="1"/>
           </p:cNvPicPr>
@@ -12227,7 +12261,7 @@
       </p:pic>
       <p:sp>
         <p:nvSpPr>
-          <p:cNvPr id="419" name="US"/>
+          <p:cNvPr id="420" name="US"/>
           <p:cNvSpPr txBox="1"/>
           <p:nvPr/>
         </p:nvSpPr>
@@ -12263,7 +12297,7 @@
       </p:sp>
       <p:sp>
         <p:nvSpPr>
-          <p:cNvPr id="420" name="UK"/>
+          <p:cNvPr id="421" name="UK"/>
           <p:cNvSpPr txBox="1"/>
           <p:nvPr/>
         </p:nvSpPr>
@@ -12299,7 +12333,7 @@
       </p:sp>
       <p:sp>
         <p:nvSpPr>
-          <p:cNvPr id="421" name="ID"/>
+          <p:cNvPr id="422" name="ID"/>
           <p:cNvSpPr txBox="1"/>
           <p:nvPr/>
         </p:nvSpPr>
@@ -12335,7 +12369,7 @@
       </p:sp>
       <p:sp>
         <p:nvSpPr>
-          <p:cNvPr id="422" name="SG"/>
+          <p:cNvPr id="423" name="SG"/>
           <p:cNvSpPr txBox="1"/>
           <p:nvPr/>
         </p:nvSpPr>
@@ -12404,7 +12438,7 @@
       </p:grpSpPr>
       <p:sp>
         <p:nvSpPr>
-          <p:cNvPr id="424" name="TextShape 1"/>
+          <p:cNvPr id="425" name="TextShape 1"/>
           <p:cNvSpPr txBox="1"/>
           <p:nvPr/>
         </p:nvSpPr>
@@ -12488,7 +12522,7 @@
       </p:grpSpPr>
       <p:pic>
         <p:nvPicPr>
-          <p:cNvPr id="426" name="Image" descr="Image"/>
+          <p:cNvPr id="427" name="Image" descr="Image"/>
           <p:cNvPicPr>
             <a:picLocks noChangeAspect="1"/>
           </p:cNvPicPr>
@@ -12504,8 +12538,8 @@
         </p:blipFill>
         <p:spPr>
           <a:xfrm>
-            <a:off x="258075" y="464184"/>
-            <a:ext cx="4517609" cy="2222490"/>
+            <a:off x="4770394" y="488199"/>
+            <a:ext cx="4477912" cy="2174460"/>
           </a:xfrm>
           <a:prstGeom prst="rect">
             <a:avLst/>
@@ -12517,7 +12551,7 @@
       </p:pic>
       <p:pic>
         <p:nvPicPr>
-          <p:cNvPr id="427" name="Image" descr="Image"/>
+          <p:cNvPr id="428" name="Image" descr="Image"/>
           <p:cNvPicPr>
             <a:picLocks noChangeAspect="1"/>
           </p:cNvPicPr>
@@ -12533,8 +12567,8 @@
         </p:blipFill>
         <p:spPr>
           <a:xfrm>
-            <a:off x="4684942" y="468227"/>
-            <a:ext cx="4525398" cy="2222490"/>
+            <a:off x="260515" y="2682019"/>
+            <a:ext cx="4517609" cy="2219582"/>
           </a:xfrm>
           <a:prstGeom prst="rect">
             <a:avLst/>
@@ -12546,144 +12580,7 @@
       </p:pic>
       <p:pic>
         <p:nvPicPr>
-          <p:cNvPr id="428" name="Image" descr="Image"/>
-          <p:cNvPicPr>
-            <a:picLocks noChangeAspect="1"/>
-          </p:cNvPicPr>
-          <p:nvPr/>
-        </p:nvPicPr>
-        <p:blipFill>
-          <a:blip r:embed="rId3">
-            <a:extLst/>
-          </a:blip>
-          <a:stretch>
-            <a:fillRect/>
-          </a:stretch>
-        </p:blipFill>
-        <p:spPr>
-          <a:xfrm>
-            <a:off x="259639" y="2782407"/>
-            <a:ext cx="4525398" cy="2222490"/>
-          </a:xfrm>
-          <a:prstGeom prst="rect">
-            <a:avLst/>
-          </a:prstGeom>
-          <a:ln w="12700">
-            <a:miter lim="400000"/>
-          </a:ln>
-        </p:spPr>
-      </p:pic>
-      <p:sp>
-        <p:nvSpPr>
-          <p:cNvPr id="429" name="US"/>
-          <p:cNvSpPr txBox="1"/>
-          <p:nvPr/>
-        </p:nvSpPr>
-        <p:spPr>
-          <a:xfrm>
-            <a:off x="736313" y="606248"/>
-            <a:ext cx="330263" cy="259222"/>
-          </a:xfrm>
-          <a:prstGeom prst="rect">
-            <a:avLst/>
-          </a:prstGeom>
-          <a:ln w="12700">
-            <a:miter lim="400000"/>
-          </a:ln>
-          <a:extLst>
-            <a:ext uri="{C572A759-6A51-4108-AA02-DFA0A04FC94B}">
-              <ma14:wrappingTextBoxFlag xmlns:ma14="http://schemas.microsoft.com/office/mac/drawingml/2011/main" val="1"/>
-            </a:ext>
-          </a:extLst>
-        </p:spPr>
-        <p:txBody>
-          <a:bodyPr wrap="none" lIns="0" tIns="0" rIns="0" bIns="0">
-            <a:spAutoFit/>
-          </a:bodyPr>
-          <a:lstStyle/>
-          <a:p>
-            <a:pPr/>
-            <a:r>
-              <a:t>US</a:t>
-            </a:r>
-          </a:p>
-        </p:txBody>
-      </p:sp>
-      <p:sp>
-        <p:nvSpPr>
-          <p:cNvPr id="430" name="UK"/>
-          <p:cNvSpPr txBox="1"/>
-          <p:nvPr/>
-        </p:nvSpPr>
-        <p:spPr>
-          <a:xfrm>
-            <a:off x="5138852" y="606248"/>
-            <a:ext cx="330263" cy="259222"/>
-          </a:xfrm>
-          <a:prstGeom prst="rect">
-            <a:avLst/>
-          </a:prstGeom>
-          <a:ln w="12700">
-            <a:miter lim="400000"/>
-          </a:ln>
-          <a:extLst>
-            <a:ext uri="{C572A759-6A51-4108-AA02-DFA0A04FC94B}">
-              <ma14:wrappingTextBoxFlag xmlns:ma14="http://schemas.microsoft.com/office/mac/drawingml/2011/main" val="1"/>
-            </a:ext>
-          </a:extLst>
-        </p:spPr>
-        <p:txBody>
-          <a:bodyPr wrap="none" lIns="0" tIns="0" rIns="0" bIns="0">
-            <a:spAutoFit/>
-          </a:bodyPr>
-          <a:lstStyle/>
-          <a:p>
-            <a:pPr/>
-            <a:r>
-              <a:t>UK</a:t>
-            </a:r>
-          </a:p>
-        </p:txBody>
-      </p:sp>
-      <p:sp>
-        <p:nvSpPr>
-          <p:cNvPr id="431" name="ID"/>
-          <p:cNvSpPr txBox="1"/>
-          <p:nvPr/>
-        </p:nvSpPr>
-        <p:spPr>
-          <a:xfrm>
-            <a:off x="780794" y="3022949"/>
-            <a:ext cx="241301" cy="259223"/>
-          </a:xfrm>
-          <a:prstGeom prst="rect">
-            <a:avLst/>
-          </a:prstGeom>
-          <a:ln w="12700">
-            <a:miter lim="400000"/>
-          </a:ln>
-          <a:extLst>
-            <a:ext uri="{C572A759-6A51-4108-AA02-DFA0A04FC94B}">
-              <ma14:wrappingTextBoxFlag xmlns:ma14="http://schemas.microsoft.com/office/mac/drawingml/2011/main" val="1"/>
-            </a:ext>
-          </a:extLst>
-        </p:spPr>
-        <p:txBody>
-          <a:bodyPr wrap="none" lIns="0" tIns="0" rIns="0" bIns="0">
-            <a:spAutoFit/>
-          </a:bodyPr>
-          <a:lstStyle/>
-          <a:p>
-            <a:pPr/>
-            <a:r>
-              <a:t>ID</a:t>
-            </a:r>
-          </a:p>
-        </p:txBody>
-      </p:sp>
-      <p:pic>
-        <p:nvPicPr>
-          <p:cNvPr id="432" name="Image" descr="Image"/>
+          <p:cNvPr id="429" name="Image" descr="Image"/>
           <p:cNvPicPr>
             <a:picLocks noChangeAspect="1"/>
           </p:cNvPicPr>
@@ -12699,8 +12596,8 @@
         </p:blipFill>
         <p:spPr>
           <a:xfrm>
-            <a:off x="4690016" y="2781129"/>
-            <a:ext cx="4518328" cy="2222489"/>
+            <a:off x="258075" y="464184"/>
+            <a:ext cx="4517609" cy="2222490"/>
           </a:xfrm>
           <a:prstGeom prst="rect">
             <a:avLst/>
@@ -12712,7 +12609,144 @@
       </p:pic>
       <p:sp>
         <p:nvSpPr>
-          <p:cNvPr id="433" name="SG"/>
+          <p:cNvPr id="430" name="US"/>
+          <p:cNvSpPr txBox="1"/>
+          <p:nvPr/>
+        </p:nvSpPr>
+        <p:spPr>
+          <a:xfrm>
+            <a:off x="736313" y="606248"/>
+            <a:ext cx="330263" cy="259222"/>
+          </a:xfrm>
+          <a:prstGeom prst="rect">
+            <a:avLst/>
+          </a:prstGeom>
+          <a:ln w="12700">
+            <a:miter lim="400000"/>
+          </a:ln>
+          <a:extLst>
+            <a:ext uri="{C572A759-6A51-4108-AA02-DFA0A04FC94B}">
+              <ma14:wrappingTextBoxFlag xmlns:ma14="http://schemas.microsoft.com/office/mac/drawingml/2011/main" val="1"/>
+            </a:ext>
+          </a:extLst>
+        </p:spPr>
+        <p:txBody>
+          <a:bodyPr wrap="none" lIns="0" tIns="0" rIns="0" bIns="0">
+            <a:spAutoFit/>
+          </a:bodyPr>
+          <a:lstStyle/>
+          <a:p>
+            <a:pPr/>
+            <a:r>
+              <a:t>US</a:t>
+            </a:r>
+          </a:p>
+        </p:txBody>
+      </p:sp>
+      <p:sp>
+        <p:nvSpPr>
+          <p:cNvPr id="431" name="UK"/>
+          <p:cNvSpPr txBox="1"/>
+          <p:nvPr/>
+        </p:nvSpPr>
+        <p:spPr>
+          <a:xfrm>
+            <a:off x="5138852" y="606248"/>
+            <a:ext cx="330264" cy="259222"/>
+          </a:xfrm>
+          <a:prstGeom prst="rect">
+            <a:avLst/>
+          </a:prstGeom>
+          <a:ln w="12700">
+            <a:miter lim="400000"/>
+          </a:ln>
+          <a:extLst>
+            <a:ext uri="{C572A759-6A51-4108-AA02-DFA0A04FC94B}">
+              <ma14:wrappingTextBoxFlag xmlns:ma14="http://schemas.microsoft.com/office/mac/drawingml/2011/main" val="1"/>
+            </a:ext>
+          </a:extLst>
+        </p:spPr>
+        <p:txBody>
+          <a:bodyPr wrap="none" lIns="0" tIns="0" rIns="0" bIns="0">
+            <a:spAutoFit/>
+          </a:bodyPr>
+          <a:lstStyle/>
+          <a:p>
+            <a:pPr/>
+            <a:r>
+              <a:t>UK</a:t>
+            </a:r>
+          </a:p>
+        </p:txBody>
+      </p:sp>
+      <p:sp>
+        <p:nvSpPr>
+          <p:cNvPr id="432" name="ID"/>
+          <p:cNvSpPr txBox="1"/>
+          <p:nvPr/>
+        </p:nvSpPr>
+        <p:spPr>
+          <a:xfrm>
+            <a:off x="780794" y="3022949"/>
+            <a:ext cx="241301" cy="259223"/>
+          </a:xfrm>
+          <a:prstGeom prst="rect">
+            <a:avLst/>
+          </a:prstGeom>
+          <a:ln w="12700">
+            <a:miter lim="400000"/>
+          </a:ln>
+          <a:extLst>
+            <a:ext uri="{C572A759-6A51-4108-AA02-DFA0A04FC94B}">
+              <ma14:wrappingTextBoxFlag xmlns:ma14="http://schemas.microsoft.com/office/mac/drawingml/2011/main" val="1"/>
+            </a:ext>
+          </a:extLst>
+        </p:spPr>
+        <p:txBody>
+          <a:bodyPr wrap="none" lIns="0" tIns="0" rIns="0" bIns="0">
+            <a:spAutoFit/>
+          </a:bodyPr>
+          <a:lstStyle/>
+          <a:p>
+            <a:pPr/>
+            <a:r>
+              <a:t>ID</a:t>
+            </a:r>
+          </a:p>
+        </p:txBody>
+      </p:sp>
+      <p:pic>
+        <p:nvPicPr>
+          <p:cNvPr id="433" name="Image" descr="Image"/>
+          <p:cNvPicPr>
+            <a:picLocks noChangeAspect="1"/>
+          </p:cNvPicPr>
+          <p:nvPr/>
+        </p:nvPicPr>
+        <p:blipFill>
+          <a:blip r:embed="rId5">
+            <a:extLst/>
+          </a:blip>
+          <a:stretch>
+            <a:fillRect/>
+          </a:stretch>
+        </p:blipFill>
+        <p:spPr>
+          <a:xfrm>
+            <a:off x="4688477" y="2680565"/>
+            <a:ext cx="4518327" cy="2222490"/>
+          </a:xfrm>
+          <a:prstGeom prst="rect">
+            <a:avLst/>
+          </a:prstGeom>
+          <a:ln w="12700">
+            <a:miter lim="400000"/>
+          </a:ln>
+        </p:spPr>
+      </p:pic>
+      <p:sp>
+        <p:nvSpPr>
+          <p:cNvPr id="434" name="SG"/>
           <p:cNvSpPr txBox="1"/>
           <p:nvPr/>
         </p:nvSpPr>
@@ -12781,7 +12815,7 @@
       </p:grpSpPr>
       <p:sp>
         <p:nvSpPr>
-          <p:cNvPr id="435" name="TextShape 1"/>
+          <p:cNvPr id="436" name="TextShape 1"/>
           <p:cNvSpPr txBox="1"/>
           <p:nvPr/>
         </p:nvSpPr>
@@ -12865,7 +12899,7 @@
       </p:grpSpPr>
       <p:sp>
         <p:nvSpPr>
-          <p:cNvPr id="186" name="TextShape 1"/>
+          <p:cNvPr id="187" name="TextShape 1"/>
           <p:cNvSpPr txBox="1"/>
           <p:nvPr/>
         </p:nvSpPr>
@@ -12905,7 +12939,7 @@
       </p:sp>
       <p:pic>
         <p:nvPicPr>
-          <p:cNvPr id="187" name="Image" descr="Image"/>
+          <p:cNvPr id="188" name="Image" descr="Image"/>
           <p:cNvPicPr>
             <a:picLocks noChangeAspect="1"/>
           </p:cNvPicPr>
@@ -12934,7 +12968,7 @@
       </p:pic>
       <p:sp>
         <p:nvSpPr>
-          <p:cNvPr id="188" name="Menunjukkan perkembangan jumlah docs per subject areas tahun 1996-2020…"/>
+          <p:cNvPr id="189" name="Menunjukkan perkembangan jumlah docs per subject areas tahun 1996-2020…"/>
           <p:cNvSpPr txBox="1"/>
           <p:nvPr/>
         </p:nvSpPr>
@@ -13030,7 +13064,7 @@
       </p:grpSpPr>
       <p:pic>
         <p:nvPicPr>
-          <p:cNvPr id="437" name="Image" descr="Image"/>
+          <p:cNvPr id="438" name="Image" descr="Image"/>
           <p:cNvPicPr>
             <a:picLocks noChangeAspect="1"/>
           </p:cNvPicPr>
@@ -13059,14 +13093,14 @@
       </p:pic>
       <p:sp>
         <p:nvSpPr>
-          <p:cNvPr id="438" name="Rounded Rectangle"/>
+          <p:cNvPr id="439" name="Rounded Rectangle"/>
           <p:cNvSpPr/>
           <p:nvPr/>
         </p:nvSpPr>
         <p:spPr>
           <a:xfrm>
             <a:off x="7371146" y="4055920"/>
-            <a:ext cx="669855" cy="623869"/>
+            <a:ext cx="669854" cy="623869"/>
           </a:xfrm>
           <a:prstGeom prst="roundRect">
             <a:avLst>
@@ -13090,7 +13124,7 @@
       </p:sp>
       <p:sp>
         <p:nvSpPr>
-          <p:cNvPr id="439" name="Earth and planetary science"/>
+          <p:cNvPr id="440" name="Earth and planetary science"/>
           <p:cNvSpPr txBox="1"/>
           <p:nvPr/>
         </p:nvSpPr>
@@ -13159,7 +13193,7 @@
       </p:grpSpPr>
       <p:sp>
         <p:nvSpPr>
-          <p:cNvPr id="441" name="Rounded Rectangle"/>
+          <p:cNvPr id="442" name="Rounded Rectangle"/>
           <p:cNvSpPr/>
           <p:nvPr/>
         </p:nvSpPr>
@@ -13190,7 +13224,7 @@
       </p:sp>
       <p:pic>
         <p:nvPicPr>
-          <p:cNvPr id="442" name="Image" descr="Image"/>
+          <p:cNvPr id="443" name="Image" descr="Image"/>
           <p:cNvPicPr>
             <a:picLocks noChangeAspect="1"/>
           </p:cNvPicPr>
@@ -13207,7 +13241,7 @@
         <p:spPr>
           <a:xfrm>
             <a:off x="2510390" y="0"/>
-            <a:ext cx="7311968" cy="5664201"/>
+            <a:ext cx="7311969" cy="5664201"/>
           </a:xfrm>
           <a:prstGeom prst="rect">
             <a:avLst/>
@@ -13219,7 +13253,7 @@
       </p:pic>
       <p:sp>
         <p:nvSpPr>
-          <p:cNvPr id="443" name="Rounded Rectangle"/>
+          <p:cNvPr id="444" name="Rounded Rectangle"/>
           <p:cNvSpPr/>
           <p:nvPr/>
         </p:nvSpPr>
@@ -13250,7 +13284,7 @@
       </p:sp>
       <p:sp>
         <p:nvSpPr>
-          <p:cNvPr id="444" name="Chemical engineering"/>
+          <p:cNvPr id="445" name="Chemical engineering"/>
           <p:cNvSpPr txBox="1"/>
           <p:nvPr/>
         </p:nvSpPr>
@@ -13319,7 +13353,7 @@
       </p:grpSpPr>
       <p:pic>
         <p:nvPicPr>
-          <p:cNvPr id="446" name="Image" descr="Image"/>
+          <p:cNvPr id="447" name="Image" descr="Image"/>
           <p:cNvPicPr>
             <a:picLocks noChangeAspect="1"/>
           </p:cNvPicPr>
@@ -13348,7 +13382,7 @@
       </p:pic>
       <p:sp>
         <p:nvSpPr>
-          <p:cNvPr id="447" name="Rounded Rectangle"/>
+          <p:cNvPr id="448" name="Rounded Rectangle"/>
           <p:cNvSpPr/>
           <p:nvPr/>
         </p:nvSpPr>
@@ -13379,7 +13413,7 @@
       </p:sp>
       <p:sp>
         <p:nvSpPr>
-          <p:cNvPr id="448" name="Agriculture and biological science"/>
+          <p:cNvPr id="449" name="Agriculture and biological science"/>
           <p:cNvSpPr txBox="1"/>
           <p:nvPr/>
         </p:nvSpPr>
@@ -13448,7 +13482,7 @@
       </p:grpSpPr>
       <p:pic>
         <p:nvPicPr>
-          <p:cNvPr id="450" name="Image" descr="Image"/>
+          <p:cNvPr id="451" name="Image" descr="Image"/>
           <p:cNvPicPr>
             <a:picLocks noChangeAspect="1"/>
           </p:cNvPicPr>
@@ -13465,7 +13499,7 @@
         <p:spPr>
           <a:xfrm>
             <a:off x="2429325" y="0"/>
-            <a:ext cx="7377446" cy="5664201"/>
+            <a:ext cx="7377447" cy="5664201"/>
           </a:xfrm>
           <a:prstGeom prst="rect">
             <a:avLst/>
@@ -13477,7 +13511,7 @@
       </p:pic>
       <p:sp>
         <p:nvSpPr>
-          <p:cNvPr id="451" name="Rounded Rectangle"/>
+          <p:cNvPr id="452" name="Rounded Rectangle"/>
           <p:cNvSpPr/>
           <p:nvPr/>
         </p:nvSpPr>
@@ -13508,7 +13542,7 @@
       </p:sp>
       <p:sp>
         <p:nvSpPr>
-          <p:cNvPr id="452" name="Agriculture and biological science"/>
+          <p:cNvPr id="453" name="Agriculture and biological science"/>
           <p:cNvSpPr txBox="1"/>
           <p:nvPr/>
         </p:nvSpPr>
@@ -13577,7 +13611,7 @@
       </p:grpSpPr>
       <p:pic>
         <p:nvPicPr>
-          <p:cNvPr id="454" name="Image" descr="Image"/>
+          <p:cNvPr id="455" name="Image" descr="Image"/>
           <p:cNvPicPr>
             <a:picLocks noChangeAspect="1"/>
           </p:cNvPicPr>
@@ -13606,7 +13640,7 @@
       </p:pic>
       <p:sp>
         <p:nvSpPr>
-          <p:cNvPr id="455" name="Rounded Rectangle"/>
+          <p:cNvPr id="456" name="Rounded Rectangle"/>
           <p:cNvSpPr/>
           <p:nvPr/>
         </p:nvSpPr>
@@ -13637,7 +13671,7 @@
       </p:sp>
       <p:sp>
         <p:nvSpPr>
-          <p:cNvPr id="456" name="Energy"/>
+          <p:cNvPr id="457" name="Energy"/>
           <p:cNvSpPr txBox="1"/>
           <p:nvPr/>
         </p:nvSpPr>
@@ -13706,7 +13740,7 @@
       </p:grpSpPr>
       <p:sp>
         <p:nvSpPr>
-          <p:cNvPr id="190" name="TextShape 1"/>
+          <p:cNvPr id="191" name="TextShape 1"/>
           <p:cNvSpPr txBox="1"/>
           <p:nvPr/>
         </p:nvSpPr>
@@ -13746,7 +13780,7 @@
       </p:sp>
       <p:sp>
         <p:nvSpPr>
-          <p:cNvPr id="191" name="Jumlah totalnya mengalami peningkatan yang ditandai dengan “tekuk lereng”/slope break (istilah geomorfologi) pada tahun 2008 (1294), 2012 (3288), 2015 (6106), 2016 (8446).…"/>
+          <p:cNvPr id="192" name="Jumlah totalnya mengalami peningkatan yang ditandai dengan “tekuk lereng”/slope break (istilah geomorfologi) pada tahun 2008 (1294), 2012 (3288), 2015 (6106), 2016 (8446).…"/>
           <p:cNvSpPr txBox="1"/>
           <p:nvPr/>
         </p:nvSpPr>
@@ -13814,7 +13848,7 @@
       </p:sp>
       <p:pic>
         <p:nvPicPr>
-          <p:cNvPr id="192" name="Image" descr="Image"/>
+          <p:cNvPr id="193" name="Image" descr="Image"/>
           <p:cNvPicPr>
             <a:picLocks noChangeAspect="1"/>
           </p:cNvPicPr>
@@ -13843,7 +13877,7 @@
       </p:pic>
       <p:pic>
         <p:nvPicPr>
-          <p:cNvPr id="193" name="Image" descr="Image"/>
+          <p:cNvPr id="194" name="Image" descr="Image"/>
           <p:cNvPicPr>
             <a:picLocks noChangeAspect="1"/>
           </p:cNvPicPr>
@@ -13872,7 +13906,7 @@
       </p:pic>
       <p:pic>
         <p:nvPicPr>
-          <p:cNvPr id="194" name="Image" descr="Image"/>
+          <p:cNvPr id="195" name="Image" descr="Image"/>
           <p:cNvPicPr>
             <a:picLocks noChangeAspect="1"/>
           </p:cNvPicPr>
@@ -13934,7 +13968,7 @@
       </p:grpSpPr>
       <p:sp>
         <p:nvSpPr>
-          <p:cNvPr id="196" name="TextShape 1"/>
+          <p:cNvPr id="197" name="TextShape 1"/>
           <p:cNvSpPr txBox="1"/>
           <p:nvPr/>
         </p:nvSpPr>
@@ -13974,7 +14008,7 @@
       </p:sp>
       <p:sp>
         <p:nvSpPr>
-          <p:cNvPr id="197" name="Pada tahun 2008 = 0,07% dunia dan 0,28% asiatik…"/>
+          <p:cNvPr id="198" name="Pada tahun 2008 = 0,07% dunia dan 0,28% asiatik…"/>
           <p:cNvSpPr txBox="1"/>
           <p:nvPr/>
         </p:nvSpPr>
@@ -14019,7 +14053,7 @@
       </p:sp>
       <p:pic>
         <p:nvPicPr>
-          <p:cNvPr id="198" name="Image" descr="Image"/>
+          <p:cNvPr id="199" name="Image" descr="Image"/>
           <p:cNvPicPr>
             <a:picLocks noChangeAspect="1"/>
           </p:cNvPicPr>
@@ -14081,7 +14115,7 @@
       </p:grpSpPr>
       <p:sp>
         <p:nvSpPr>
-          <p:cNvPr id="200" name="TextShape 1"/>
+          <p:cNvPr id="201" name="TextShape 1"/>
           <p:cNvSpPr txBox="1"/>
           <p:nvPr/>
         </p:nvSpPr>
@@ -14121,7 +14155,7 @@
       </p:sp>
       <p:sp>
         <p:nvSpPr>
-          <p:cNvPr id="201" name="Menunjukkan % dokumen yang ditulis bersama dengan penulis dari negara lain.…"/>
+          <p:cNvPr id="202" name="Menunjukkan % dokumen yang ditulis bersama dengan penulis dari negara lain.…"/>
           <p:cNvSpPr txBox="1"/>
           <p:nvPr/>
         </p:nvSpPr>
@@ -14166,7 +14200,7 @@
       </p:sp>
       <p:pic>
         <p:nvPicPr>
-          <p:cNvPr id="202" name="Image" descr="Image"/>
+          <p:cNvPr id="203" name="Image" descr="Image"/>
           <p:cNvPicPr>
             <a:picLocks noChangeAspect="1"/>
           </p:cNvPicPr>
